--- a/resources/desigin.pptx
+++ b/resources/desigin.pptx
@@ -6,6 +6,7 @@
   </p:sldMasterIdLst>
   <p:sldIdLst>
     <p:sldId id="256" r:id="rId2"/>
+    <p:sldId id="257" r:id="rId3"/>
   </p:sldIdLst>
   <p:sldSz cx="12192000" cy="6858000"/>
   <p:notesSz cx="6858000" cy="9144000"/>
@@ -104,6 +105,11 @@
       </a:defRPr>
     </a:lvl9pPr>
   </p:defaultTextStyle>
+  <p:extLst>
+    <p:ext uri="{EFAFB233-063F-42B5-8137-9DF3F51BA10A}">
+      <p15:sldGuideLst xmlns:p15="http://schemas.microsoft.com/office/powerpoint/2012/main"/>
+    </p:ext>
+  </p:extLst>
 </p:presentation>
 </file>
 
@@ -254,7 +260,7 @@
           <a:p>
             <a:fld id="{EEA19A83-D974-4F16-9CD4-17D7A0534862}" type="datetimeFigureOut">
               <a:rPr lang="zh-CN" altLang="en-US" smtClean="0"/>
-              <a:t>2020/11/28</a:t>
+              <a:t>2020/11/30</a:t>
             </a:fld>
             <a:endParaRPr lang="zh-CN" altLang="en-US"/>
           </a:p>
@@ -452,7 +458,7 @@
           <a:p>
             <a:fld id="{EEA19A83-D974-4F16-9CD4-17D7A0534862}" type="datetimeFigureOut">
               <a:rPr lang="zh-CN" altLang="en-US" smtClean="0"/>
-              <a:t>2020/11/28</a:t>
+              <a:t>2020/11/30</a:t>
             </a:fld>
             <a:endParaRPr lang="zh-CN" altLang="en-US"/>
           </a:p>
@@ -660,7 +666,7 @@
           <a:p>
             <a:fld id="{EEA19A83-D974-4F16-9CD4-17D7A0534862}" type="datetimeFigureOut">
               <a:rPr lang="zh-CN" altLang="en-US" smtClean="0"/>
-              <a:t>2020/11/28</a:t>
+              <a:t>2020/11/30</a:t>
             </a:fld>
             <a:endParaRPr lang="zh-CN" altLang="en-US"/>
           </a:p>
@@ -858,7 +864,7 @@
           <a:p>
             <a:fld id="{EEA19A83-D974-4F16-9CD4-17D7A0534862}" type="datetimeFigureOut">
               <a:rPr lang="zh-CN" altLang="en-US" smtClean="0"/>
-              <a:t>2020/11/28</a:t>
+              <a:t>2020/11/30</a:t>
             </a:fld>
             <a:endParaRPr lang="zh-CN" altLang="en-US"/>
           </a:p>
@@ -1133,7 +1139,7 @@
           <a:p>
             <a:fld id="{EEA19A83-D974-4F16-9CD4-17D7A0534862}" type="datetimeFigureOut">
               <a:rPr lang="zh-CN" altLang="en-US" smtClean="0"/>
-              <a:t>2020/11/28</a:t>
+              <a:t>2020/11/30</a:t>
             </a:fld>
             <a:endParaRPr lang="zh-CN" altLang="en-US"/>
           </a:p>
@@ -1398,7 +1404,7 @@
           <a:p>
             <a:fld id="{EEA19A83-D974-4F16-9CD4-17D7A0534862}" type="datetimeFigureOut">
               <a:rPr lang="zh-CN" altLang="en-US" smtClean="0"/>
-              <a:t>2020/11/28</a:t>
+              <a:t>2020/11/30</a:t>
             </a:fld>
             <a:endParaRPr lang="zh-CN" altLang="en-US"/>
           </a:p>
@@ -1810,7 +1816,7 @@
           <a:p>
             <a:fld id="{EEA19A83-D974-4F16-9CD4-17D7A0534862}" type="datetimeFigureOut">
               <a:rPr lang="zh-CN" altLang="en-US" smtClean="0"/>
-              <a:t>2020/11/28</a:t>
+              <a:t>2020/11/30</a:t>
             </a:fld>
             <a:endParaRPr lang="zh-CN" altLang="en-US"/>
           </a:p>
@@ -1951,7 +1957,7 @@
           <a:p>
             <a:fld id="{EEA19A83-D974-4F16-9CD4-17D7A0534862}" type="datetimeFigureOut">
               <a:rPr lang="zh-CN" altLang="en-US" smtClean="0"/>
-              <a:t>2020/11/28</a:t>
+              <a:t>2020/11/30</a:t>
             </a:fld>
             <a:endParaRPr lang="zh-CN" altLang="en-US"/>
           </a:p>
@@ -2064,7 +2070,7 @@
           <a:p>
             <a:fld id="{EEA19A83-D974-4F16-9CD4-17D7A0534862}" type="datetimeFigureOut">
               <a:rPr lang="zh-CN" altLang="en-US" smtClean="0"/>
-              <a:t>2020/11/28</a:t>
+              <a:t>2020/11/30</a:t>
             </a:fld>
             <a:endParaRPr lang="zh-CN" altLang="en-US"/>
           </a:p>
@@ -2375,7 +2381,7 @@
           <a:p>
             <a:fld id="{EEA19A83-D974-4F16-9CD4-17D7A0534862}" type="datetimeFigureOut">
               <a:rPr lang="zh-CN" altLang="en-US" smtClean="0"/>
-              <a:t>2020/11/28</a:t>
+              <a:t>2020/11/30</a:t>
             </a:fld>
             <a:endParaRPr lang="zh-CN" altLang="en-US"/>
           </a:p>
@@ -2663,7 +2669,7 @@
           <a:p>
             <a:fld id="{EEA19A83-D974-4F16-9CD4-17D7A0534862}" type="datetimeFigureOut">
               <a:rPr lang="zh-CN" altLang="en-US" smtClean="0"/>
-              <a:t>2020/11/28</a:t>
+              <a:t>2020/11/30</a:t>
             </a:fld>
             <a:endParaRPr lang="zh-CN" altLang="en-US"/>
           </a:p>
@@ -2904,7 +2910,7 @@
           <a:p>
             <a:fld id="{EEA19A83-D974-4F16-9CD4-17D7A0534862}" type="datetimeFigureOut">
               <a:rPr lang="zh-CN" altLang="en-US" smtClean="0"/>
-              <a:t>2020/11/28</a:t>
+              <a:t>2020/11/30</a:t>
             </a:fld>
             <a:endParaRPr lang="zh-CN" altLang="en-US"/>
           </a:p>
@@ -3335,8 +3341,8 @@
         </p:nvSpPr>
         <p:spPr>
           <a:xfrm>
-            <a:off x="859628" y="316173"/>
-            <a:ext cx="360000" cy="360000"/>
+            <a:off x="859627" y="316172"/>
+            <a:ext cx="382189" cy="367303"/>
           </a:xfrm>
           <a:prstGeom prst="roundRect">
             <a:avLst/>
@@ -3389,8 +3395,8 @@
         </p:nvSpPr>
         <p:spPr>
           <a:xfrm>
-            <a:off x="1219628" y="226173"/>
-            <a:ext cx="180000" cy="540000"/>
+            <a:off x="1219627" y="226172"/>
+            <a:ext cx="191095" cy="550955"/>
           </a:xfrm>
           <a:prstGeom prst="rect">
             <a:avLst/>
@@ -3445,8 +3451,8 @@
         </p:nvSpPr>
         <p:spPr>
           <a:xfrm>
-            <a:off x="1003628" y="46173"/>
-            <a:ext cx="72000" cy="450000"/>
+            <a:off x="1003628" y="46172"/>
+            <a:ext cx="76438" cy="459129"/>
           </a:xfrm>
           <a:prstGeom prst="rect">
             <a:avLst/>
@@ -3501,8 +3507,8 @@
         </p:nvSpPr>
         <p:spPr>
           <a:xfrm>
-            <a:off x="931628" y="388173"/>
-            <a:ext cx="216000" cy="216000"/>
+            <a:off x="931627" y="388173"/>
+            <a:ext cx="229313" cy="220382"/>
           </a:xfrm>
           <a:prstGeom prst="ellipse">
             <a:avLst/>
@@ -3561,8 +3567,8 @@
         </p:nvSpPr>
         <p:spPr>
           <a:xfrm>
-            <a:off x="679628" y="226173"/>
-            <a:ext cx="180000" cy="540000"/>
+            <a:off x="679627" y="226172"/>
+            <a:ext cx="191095" cy="550955"/>
           </a:xfrm>
           <a:prstGeom prst="rect">
             <a:avLst/>
@@ -3617,8 +3623,8 @@
         </p:nvGrpSpPr>
         <p:grpSpPr>
           <a:xfrm>
-            <a:off x="1219628" y="317333"/>
-            <a:ext cx="180000" cy="450000"/>
+            <a:off x="1219627" y="317332"/>
+            <a:ext cx="191095" cy="459129"/>
             <a:chOff x="2368978" y="915146"/>
             <a:chExt cx="180000" cy="450000"/>
           </a:xfrm>
@@ -3918,8 +3924,8 @@
         </p:nvGrpSpPr>
         <p:grpSpPr>
           <a:xfrm>
-            <a:off x="679628" y="317333"/>
-            <a:ext cx="180000" cy="450000"/>
+            <a:off x="679627" y="317332"/>
+            <a:ext cx="191095" cy="459129"/>
             <a:chOff x="2368978" y="915146"/>
             <a:chExt cx="180000" cy="450000"/>
           </a:xfrm>
@@ -4220,7 +4226,7 @@
         <p:spPr>
           <a:xfrm>
             <a:off x="549147" y="297896"/>
-            <a:ext cx="80963" cy="90000"/>
+            <a:ext cx="85953" cy="91826"/>
           </a:xfrm>
           <a:prstGeom prst="rect">
             <a:avLst/>
@@ -4265,8 +4271,8 @@
         </p:nvSpPr>
         <p:spPr>
           <a:xfrm>
-            <a:off x="411972" y="279896"/>
-            <a:ext cx="80963" cy="108000"/>
+            <a:off x="411972" y="279895"/>
+            <a:ext cx="85953" cy="110191"/>
           </a:xfrm>
           <a:prstGeom prst="rect">
             <a:avLst/>
@@ -4312,7 +4318,7 @@
         <p:spPr>
           <a:xfrm>
             <a:off x="281624" y="262173"/>
-            <a:ext cx="80963" cy="126000"/>
+            <a:ext cx="85953" cy="128556"/>
           </a:xfrm>
           <a:prstGeom prst="rect">
             <a:avLst/>
@@ -4357,8 +4363,8 @@
         </p:nvSpPr>
         <p:spPr>
           <a:xfrm>
-            <a:off x="155615" y="244173"/>
-            <a:ext cx="80963" cy="144000"/>
+            <a:off x="155615" y="244172"/>
+            <a:ext cx="85953" cy="146921"/>
           </a:xfrm>
           <a:prstGeom prst="rect">
             <a:avLst/>
@@ -4404,7 +4410,7 @@
         <p:spPr>
           <a:xfrm>
             <a:off x="21787" y="226173"/>
-            <a:ext cx="80963" cy="162000"/>
+            <a:ext cx="85953" cy="165286"/>
           </a:xfrm>
           <a:prstGeom prst="rect">
             <a:avLst/>
@@ -4450,7 +4456,7 @@
         <p:grpSpPr>
           <a:xfrm>
             <a:off x="679628" y="897073"/>
-            <a:ext cx="720000" cy="720000"/>
+            <a:ext cx="764378" cy="734606"/>
             <a:chOff x="679628" y="897073"/>
             <a:chExt cx="720000" cy="720000"/>
           </a:xfrm>
@@ -5355,7 +5361,7 @@
         <p:grpSpPr>
           <a:xfrm>
             <a:off x="1542372" y="897073"/>
-            <a:ext cx="720000" cy="720000"/>
+            <a:ext cx="764378" cy="734606"/>
             <a:chOff x="1542372" y="897073"/>
             <a:chExt cx="720000" cy="720000"/>
           </a:xfrm>
@@ -6260,7 +6266,7 @@
         <p:grpSpPr>
           <a:xfrm>
             <a:off x="2442372" y="894169"/>
-            <a:ext cx="720000" cy="720000"/>
+            <a:ext cx="764378" cy="734606"/>
             <a:chOff x="2442372" y="894169"/>
             <a:chExt cx="720000" cy="720000"/>
           </a:xfrm>
@@ -7165,7 +7171,7 @@
         <p:grpSpPr>
           <a:xfrm>
             <a:off x="715628" y="1660996"/>
-            <a:ext cx="720000" cy="720000"/>
+            <a:ext cx="764378" cy="734606"/>
             <a:chOff x="715628" y="1660996"/>
             <a:chExt cx="720000" cy="720000"/>
           </a:xfrm>
@@ -8069,8 +8075,8 @@
         </p:nvGrpSpPr>
         <p:grpSpPr>
           <a:xfrm>
-            <a:off x="1969428" y="44279"/>
-            <a:ext cx="720000" cy="720000"/>
+            <a:off x="1543806" y="49969"/>
+            <a:ext cx="764378" cy="734606"/>
             <a:chOff x="1969428" y="44279"/>
             <a:chExt cx="720000" cy="720000"/>
           </a:xfrm>
@@ -8974,8 +8980,8 @@
         </p:nvGrpSpPr>
         <p:grpSpPr>
           <a:xfrm>
-            <a:off x="2863228" y="48809"/>
-            <a:ext cx="720000" cy="721160"/>
+            <a:off x="2437994" y="45013"/>
+            <a:ext cx="764378" cy="735790"/>
             <a:chOff x="2863228" y="48809"/>
             <a:chExt cx="720000" cy="721160"/>
           </a:xfrm>
@@ -9869,6 +9875,6601 @@
     <p:extLst>
       <p:ext uri="{BB962C8B-B14F-4D97-AF65-F5344CB8AC3E}">
         <p14:creationId xmlns:p14="http://schemas.microsoft.com/office/powerpoint/2010/main" val="1616113427"/>
+      </p:ext>
+    </p:extLst>
+  </p:cSld>
+  <p:clrMapOvr>
+    <a:masterClrMapping/>
+  </p:clrMapOvr>
+</p:sld>
+</file>
+
+<file path=ppt/slides/slide2.xml><?xml version="1.0" encoding="utf-8"?>
+<p:sld xmlns:a="http://schemas.openxmlformats.org/drawingml/2006/main" xmlns:r="http://schemas.openxmlformats.org/officeDocument/2006/relationships" xmlns:p="http://schemas.openxmlformats.org/presentationml/2006/main">
+  <p:cSld>
+    <p:spTree>
+      <p:nvGrpSpPr>
+        <p:cNvPr id="1" name=""/>
+        <p:cNvGrpSpPr/>
+        <p:nvPr/>
+      </p:nvGrpSpPr>
+      <p:grpSpPr>
+        <a:xfrm>
+          <a:off x="0" y="0"/>
+          <a:ext cx="0" cy="0"/>
+          <a:chOff x="0" y="0"/>
+          <a:chExt cx="0" cy="0"/>
+        </a:xfrm>
+      </p:grpSpPr>
+      <p:grpSp>
+        <p:nvGrpSpPr>
+          <p:cNvPr id="2" name="组合 1">
+            <a:extLst>
+              <a:ext uri="{FF2B5EF4-FFF2-40B4-BE49-F238E27FC236}">
+                <a16:creationId xmlns:a16="http://schemas.microsoft.com/office/drawing/2014/main" id="{7D5A18A2-379A-46BF-A5A4-129ADA0CE558}"/>
+              </a:ext>
+            </a:extLst>
+          </p:cNvPr>
+          <p:cNvGrpSpPr/>
+          <p:nvPr/>
+        </p:nvGrpSpPr>
+        <p:grpSpPr>
+          <a:xfrm>
+            <a:off x="679627" y="46172"/>
+            <a:ext cx="365548" cy="365478"/>
+            <a:chOff x="679627" y="46172"/>
+            <a:chExt cx="731095" cy="730955"/>
+          </a:xfrm>
+        </p:grpSpPr>
+        <p:sp>
+          <p:nvSpPr>
+            <p:cNvPr id="4" name="矩形: 圆角 3">
+              <a:extLst>
+                <a:ext uri="{FF2B5EF4-FFF2-40B4-BE49-F238E27FC236}">
+                  <a16:creationId xmlns:a16="http://schemas.microsoft.com/office/drawing/2014/main" id="{BDA67D99-E5BD-45EC-B138-EA453CD3CFFB}"/>
+                </a:ext>
+              </a:extLst>
+            </p:cNvPr>
+            <p:cNvSpPr/>
+            <p:nvPr/>
+          </p:nvSpPr>
+          <p:spPr>
+            <a:xfrm>
+              <a:off x="859627" y="316172"/>
+              <a:ext cx="382189" cy="367303"/>
+            </a:xfrm>
+            <a:prstGeom prst="roundRect">
+              <a:avLst/>
+            </a:prstGeom>
+            <a:solidFill>
+              <a:schemeClr val="accent1"/>
+            </a:solidFill>
+            <a:ln w="12700">
+              <a:solidFill>
+                <a:schemeClr val="tx1"/>
+              </a:solidFill>
+            </a:ln>
+          </p:spPr>
+          <p:style>
+            <a:lnRef idx="2">
+              <a:schemeClr val="accent1">
+                <a:shade val="50000"/>
+              </a:schemeClr>
+            </a:lnRef>
+            <a:fillRef idx="1">
+              <a:schemeClr val="accent1"/>
+            </a:fillRef>
+            <a:effectRef idx="0">
+              <a:schemeClr val="accent1"/>
+            </a:effectRef>
+            <a:fontRef idx="minor">
+              <a:schemeClr val="lt1"/>
+            </a:fontRef>
+          </p:style>
+          <p:txBody>
+            <a:bodyPr rtlCol="0" anchor="ctr"/>
+            <a:lstStyle/>
+            <a:p>
+              <a:pPr algn="ctr"/>
+              <a:endParaRPr lang="zh-CN" altLang="en-US" dirty="0"/>
+            </a:p>
+          </p:txBody>
+        </p:sp>
+        <p:sp>
+          <p:nvSpPr>
+            <p:cNvPr id="5" name="矩形 4">
+              <a:extLst>
+                <a:ext uri="{FF2B5EF4-FFF2-40B4-BE49-F238E27FC236}">
+                  <a16:creationId xmlns:a16="http://schemas.microsoft.com/office/drawing/2014/main" id="{22BDCA2D-AA65-434E-98F4-140B0A319FF3}"/>
+                </a:ext>
+              </a:extLst>
+            </p:cNvPr>
+            <p:cNvSpPr/>
+            <p:nvPr/>
+          </p:nvSpPr>
+          <p:spPr>
+            <a:xfrm>
+              <a:off x="1219627" y="226172"/>
+              <a:ext cx="191095" cy="550955"/>
+            </a:xfrm>
+            <a:prstGeom prst="rect">
+              <a:avLst/>
+            </a:prstGeom>
+            <a:solidFill>
+              <a:schemeClr val="bg1">
+                <a:lumMod val="50000"/>
+              </a:schemeClr>
+            </a:solidFill>
+            <a:ln w="12700">
+              <a:solidFill>
+                <a:schemeClr val="tx1"/>
+              </a:solidFill>
+            </a:ln>
+          </p:spPr>
+          <p:style>
+            <a:lnRef idx="2">
+              <a:schemeClr val="accent1">
+                <a:shade val="50000"/>
+              </a:schemeClr>
+            </a:lnRef>
+            <a:fillRef idx="1">
+              <a:schemeClr val="accent1"/>
+            </a:fillRef>
+            <a:effectRef idx="0">
+              <a:schemeClr val="accent1"/>
+            </a:effectRef>
+            <a:fontRef idx="minor">
+              <a:schemeClr val="lt1"/>
+            </a:fontRef>
+          </p:style>
+          <p:txBody>
+            <a:bodyPr rtlCol="0" anchor="ctr"/>
+            <a:lstStyle/>
+            <a:p>
+              <a:pPr algn="ctr"/>
+              <a:endParaRPr lang="zh-CN" altLang="en-US" dirty="0"/>
+            </a:p>
+          </p:txBody>
+        </p:sp>
+        <p:sp>
+          <p:nvSpPr>
+            <p:cNvPr id="12" name="矩形 11">
+              <a:extLst>
+                <a:ext uri="{FF2B5EF4-FFF2-40B4-BE49-F238E27FC236}">
+                  <a16:creationId xmlns:a16="http://schemas.microsoft.com/office/drawing/2014/main" id="{1809DDFE-7BE8-4E64-9EEA-3ABD737426B3}"/>
+                </a:ext>
+              </a:extLst>
+            </p:cNvPr>
+            <p:cNvSpPr/>
+            <p:nvPr/>
+          </p:nvSpPr>
+          <p:spPr>
+            <a:xfrm>
+              <a:off x="1003628" y="46172"/>
+              <a:ext cx="76438" cy="459129"/>
+            </a:xfrm>
+            <a:prstGeom prst="rect">
+              <a:avLst/>
+            </a:prstGeom>
+            <a:solidFill>
+              <a:schemeClr val="accent3">
+                <a:lumMod val="50000"/>
+              </a:schemeClr>
+            </a:solidFill>
+            <a:ln w="12700">
+              <a:solidFill>
+                <a:schemeClr val="tx1"/>
+              </a:solidFill>
+            </a:ln>
+          </p:spPr>
+          <p:style>
+            <a:lnRef idx="2">
+              <a:schemeClr val="accent1">
+                <a:shade val="50000"/>
+              </a:schemeClr>
+            </a:lnRef>
+            <a:fillRef idx="1">
+              <a:schemeClr val="accent1"/>
+            </a:fillRef>
+            <a:effectRef idx="0">
+              <a:schemeClr val="accent1"/>
+            </a:effectRef>
+            <a:fontRef idx="minor">
+              <a:schemeClr val="lt1"/>
+            </a:fontRef>
+          </p:style>
+          <p:txBody>
+            <a:bodyPr rtlCol="0" anchor="ctr"/>
+            <a:lstStyle/>
+            <a:p>
+              <a:pPr algn="ctr"/>
+              <a:endParaRPr lang="zh-CN" altLang="en-US" dirty="0"/>
+            </a:p>
+          </p:txBody>
+        </p:sp>
+        <p:sp>
+          <p:nvSpPr>
+            <p:cNvPr id="13" name="椭圆 12">
+              <a:extLst>
+                <a:ext uri="{FF2B5EF4-FFF2-40B4-BE49-F238E27FC236}">
+                  <a16:creationId xmlns:a16="http://schemas.microsoft.com/office/drawing/2014/main" id="{67C17CE7-78A4-442B-82B6-170A437FD4F3}"/>
+                </a:ext>
+              </a:extLst>
+            </p:cNvPr>
+            <p:cNvSpPr/>
+            <p:nvPr/>
+          </p:nvSpPr>
+          <p:spPr>
+            <a:xfrm>
+              <a:off x="931627" y="388173"/>
+              <a:ext cx="229313" cy="220382"/>
+            </a:xfrm>
+            <a:prstGeom prst="ellipse">
+              <a:avLst/>
+            </a:prstGeom>
+            <a:solidFill>
+              <a:schemeClr val="accent3">
+                <a:lumMod val="50000"/>
+              </a:schemeClr>
+            </a:solidFill>
+            <a:ln w="12700">
+              <a:solidFill>
+                <a:schemeClr val="tx1"/>
+              </a:solidFill>
+            </a:ln>
+          </p:spPr>
+          <p:style>
+            <a:lnRef idx="1">
+              <a:schemeClr val="dk1"/>
+            </a:lnRef>
+            <a:fillRef idx="2">
+              <a:schemeClr val="dk1"/>
+            </a:fillRef>
+            <a:effectRef idx="1">
+              <a:schemeClr val="dk1"/>
+            </a:effectRef>
+            <a:fontRef idx="minor">
+              <a:schemeClr val="dk1"/>
+            </a:fontRef>
+          </p:style>
+          <p:txBody>
+            <a:bodyPr rtlCol="0" anchor="ctr"/>
+            <a:lstStyle/>
+            <a:p>
+              <a:pPr algn="ctr"/>
+              <a:endParaRPr lang="zh-CN" altLang="en-US">
+                <a:ln>
+                  <a:solidFill>
+                    <a:sysClr val="windowText" lastClr="000000"/>
+                  </a:solidFill>
+                </a:ln>
+              </a:endParaRPr>
+            </a:p>
+          </p:txBody>
+        </p:sp>
+        <p:sp>
+          <p:nvSpPr>
+            <p:cNvPr id="24" name="矩形 23">
+              <a:extLst>
+                <a:ext uri="{FF2B5EF4-FFF2-40B4-BE49-F238E27FC236}">
+                  <a16:creationId xmlns:a16="http://schemas.microsoft.com/office/drawing/2014/main" id="{43306994-3F1D-435A-BB5D-E00EDBC3D051}"/>
+                </a:ext>
+              </a:extLst>
+            </p:cNvPr>
+            <p:cNvSpPr/>
+            <p:nvPr/>
+          </p:nvSpPr>
+          <p:spPr>
+            <a:xfrm>
+              <a:off x="679627" y="226172"/>
+              <a:ext cx="191095" cy="550955"/>
+            </a:xfrm>
+            <a:prstGeom prst="rect">
+              <a:avLst/>
+            </a:prstGeom>
+            <a:solidFill>
+              <a:schemeClr val="bg1">
+                <a:lumMod val="50000"/>
+              </a:schemeClr>
+            </a:solidFill>
+            <a:ln w="12700">
+              <a:solidFill>
+                <a:schemeClr val="tx1"/>
+              </a:solidFill>
+            </a:ln>
+          </p:spPr>
+          <p:style>
+            <a:lnRef idx="2">
+              <a:schemeClr val="accent1">
+                <a:shade val="50000"/>
+              </a:schemeClr>
+            </a:lnRef>
+            <a:fillRef idx="1">
+              <a:schemeClr val="accent1"/>
+            </a:fillRef>
+            <a:effectRef idx="0">
+              <a:schemeClr val="accent1"/>
+            </a:effectRef>
+            <a:fontRef idx="minor">
+              <a:schemeClr val="lt1"/>
+            </a:fontRef>
+          </p:style>
+          <p:txBody>
+            <a:bodyPr rtlCol="0" anchor="ctr"/>
+            <a:lstStyle/>
+            <a:p>
+              <a:pPr algn="ctr"/>
+              <a:endParaRPr lang="zh-CN" altLang="en-US" dirty="0"/>
+            </a:p>
+          </p:txBody>
+        </p:sp>
+        <p:grpSp>
+          <p:nvGrpSpPr>
+            <p:cNvPr id="52" name="组合 51">
+              <a:extLst>
+                <a:ext uri="{FF2B5EF4-FFF2-40B4-BE49-F238E27FC236}">
+                  <a16:creationId xmlns:a16="http://schemas.microsoft.com/office/drawing/2014/main" id="{5E66C05B-FB5A-448A-99C3-F10A0D3BFC59}"/>
+                </a:ext>
+              </a:extLst>
+            </p:cNvPr>
+            <p:cNvGrpSpPr/>
+            <p:nvPr/>
+          </p:nvGrpSpPr>
+          <p:grpSpPr>
+            <a:xfrm>
+              <a:off x="1219627" y="317332"/>
+              <a:ext cx="191095" cy="459129"/>
+              <a:chOff x="2368978" y="915146"/>
+              <a:chExt cx="180000" cy="450000"/>
+            </a:xfrm>
+          </p:grpSpPr>
+          <p:sp>
+            <p:nvSpPr>
+              <p:cNvPr id="47" name="矩形 46">
+                <a:extLst>
+                  <a:ext uri="{FF2B5EF4-FFF2-40B4-BE49-F238E27FC236}">
+                    <a16:creationId xmlns:a16="http://schemas.microsoft.com/office/drawing/2014/main" id="{E776F70F-DF12-4CD1-A748-15AA07D41985}"/>
+                  </a:ext>
+                </a:extLst>
+              </p:cNvPr>
+              <p:cNvSpPr/>
+              <p:nvPr/>
+            </p:nvSpPr>
+            <p:spPr>
+              <a:xfrm>
+                <a:off x="2368978" y="915146"/>
+                <a:ext cx="180000" cy="90000"/>
+              </a:xfrm>
+              <a:prstGeom prst="rect">
+                <a:avLst/>
+              </a:prstGeom>
+              <a:solidFill>
+                <a:schemeClr val="bg1">
+                  <a:lumMod val="50000"/>
+                </a:schemeClr>
+              </a:solidFill>
+              <a:ln w="12700">
+                <a:solidFill>
+                  <a:schemeClr val="tx1"/>
+                </a:solidFill>
+              </a:ln>
+            </p:spPr>
+            <p:style>
+              <a:lnRef idx="2">
+                <a:schemeClr val="accent1">
+                  <a:shade val="50000"/>
+                </a:schemeClr>
+              </a:lnRef>
+              <a:fillRef idx="1">
+                <a:schemeClr val="accent1"/>
+              </a:fillRef>
+              <a:effectRef idx="0">
+                <a:schemeClr val="accent1"/>
+              </a:effectRef>
+              <a:fontRef idx="minor">
+                <a:schemeClr val="lt1"/>
+              </a:fontRef>
+            </p:style>
+            <p:txBody>
+              <a:bodyPr rtlCol="0" anchor="ctr"/>
+              <a:lstStyle/>
+              <a:p>
+                <a:pPr algn="ctr"/>
+                <a:endParaRPr lang="zh-CN" altLang="en-US" dirty="0"/>
+              </a:p>
+            </p:txBody>
+          </p:sp>
+          <p:sp>
+            <p:nvSpPr>
+              <p:cNvPr id="48" name="矩形 47">
+                <a:extLst>
+                  <a:ext uri="{FF2B5EF4-FFF2-40B4-BE49-F238E27FC236}">
+                    <a16:creationId xmlns:a16="http://schemas.microsoft.com/office/drawing/2014/main" id="{0B52ECB1-01D1-4925-822E-DADE27B47F89}"/>
+                  </a:ext>
+                </a:extLst>
+              </p:cNvPr>
+              <p:cNvSpPr/>
+              <p:nvPr/>
+            </p:nvSpPr>
+            <p:spPr>
+              <a:xfrm>
+                <a:off x="2368978" y="1005146"/>
+                <a:ext cx="180000" cy="90000"/>
+              </a:xfrm>
+              <a:prstGeom prst="rect">
+                <a:avLst/>
+              </a:prstGeom>
+              <a:solidFill>
+                <a:schemeClr val="bg1">
+                  <a:lumMod val="50000"/>
+                </a:schemeClr>
+              </a:solidFill>
+              <a:ln w="12700">
+                <a:solidFill>
+                  <a:schemeClr val="tx1"/>
+                </a:solidFill>
+              </a:ln>
+            </p:spPr>
+            <p:style>
+              <a:lnRef idx="2">
+                <a:schemeClr val="accent1">
+                  <a:shade val="50000"/>
+                </a:schemeClr>
+              </a:lnRef>
+              <a:fillRef idx="1">
+                <a:schemeClr val="accent1"/>
+              </a:fillRef>
+              <a:effectRef idx="0">
+                <a:schemeClr val="accent1"/>
+              </a:effectRef>
+              <a:fontRef idx="minor">
+                <a:schemeClr val="lt1"/>
+              </a:fontRef>
+            </p:style>
+            <p:txBody>
+              <a:bodyPr rtlCol="0" anchor="ctr"/>
+              <a:lstStyle/>
+              <a:p>
+                <a:pPr algn="ctr"/>
+                <a:endParaRPr lang="zh-CN" altLang="en-US" dirty="0"/>
+              </a:p>
+            </p:txBody>
+          </p:sp>
+          <p:sp>
+            <p:nvSpPr>
+              <p:cNvPr id="49" name="矩形 48">
+                <a:extLst>
+                  <a:ext uri="{FF2B5EF4-FFF2-40B4-BE49-F238E27FC236}">
+                    <a16:creationId xmlns:a16="http://schemas.microsoft.com/office/drawing/2014/main" id="{07E9DAEB-B605-4CBA-AF0C-DCFA2843E9C4}"/>
+                  </a:ext>
+                </a:extLst>
+              </p:cNvPr>
+              <p:cNvSpPr/>
+              <p:nvPr/>
+            </p:nvSpPr>
+            <p:spPr>
+              <a:xfrm>
+                <a:off x="2368978" y="1095146"/>
+                <a:ext cx="180000" cy="90000"/>
+              </a:xfrm>
+              <a:prstGeom prst="rect">
+                <a:avLst/>
+              </a:prstGeom>
+              <a:solidFill>
+                <a:schemeClr val="bg1">
+                  <a:lumMod val="50000"/>
+                </a:schemeClr>
+              </a:solidFill>
+              <a:ln w="12700">
+                <a:solidFill>
+                  <a:schemeClr val="tx1"/>
+                </a:solidFill>
+              </a:ln>
+            </p:spPr>
+            <p:style>
+              <a:lnRef idx="2">
+                <a:schemeClr val="accent1">
+                  <a:shade val="50000"/>
+                </a:schemeClr>
+              </a:lnRef>
+              <a:fillRef idx="1">
+                <a:schemeClr val="accent1"/>
+              </a:fillRef>
+              <a:effectRef idx="0">
+                <a:schemeClr val="accent1"/>
+              </a:effectRef>
+              <a:fontRef idx="minor">
+                <a:schemeClr val="lt1"/>
+              </a:fontRef>
+            </p:style>
+            <p:txBody>
+              <a:bodyPr rtlCol="0" anchor="ctr"/>
+              <a:lstStyle/>
+              <a:p>
+                <a:pPr algn="ctr"/>
+                <a:endParaRPr lang="zh-CN" altLang="en-US" dirty="0"/>
+              </a:p>
+            </p:txBody>
+          </p:sp>
+          <p:sp>
+            <p:nvSpPr>
+              <p:cNvPr id="50" name="矩形 49">
+                <a:extLst>
+                  <a:ext uri="{FF2B5EF4-FFF2-40B4-BE49-F238E27FC236}">
+                    <a16:creationId xmlns:a16="http://schemas.microsoft.com/office/drawing/2014/main" id="{ECABAC06-8076-4EFE-B645-BA83C57366EB}"/>
+                  </a:ext>
+                </a:extLst>
+              </p:cNvPr>
+              <p:cNvSpPr/>
+              <p:nvPr/>
+            </p:nvSpPr>
+            <p:spPr>
+              <a:xfrm>
+                <a:off x="2368978" y="1185146"/>
+                <a:ext cx="180000" cy="90000"/>
+              </a:xfrm>
+              <a:prstGeom prst="rect">
+                <a:avLst/>
+              </a:prstGeom>
+              <a:solidFill>
+                <a:schemeClr val="bg1">
+                  <a:lumMod val="50000"/>
+                </a:schemeClr>
+              </a:solidFill>
+              <a:ln w="12700">
+                <a:solidFill>
+                  <a:schemeClr val="tx1"/>
+                </a:solidFill>
+              </a:ln>
+            </p:spPr>
+            <p:style>
+              <a:lnRef idx="2">
+                <a:schemeClr val="accent1">
+                  <a:shade val="50000"/>
+                </a:schemeClr>
+              </a:lnRef>
+              <a:fillRef idx="1">
+                <a:schemeClr val="accent1"/>
+              </a:fillRef>
+              <a:effectRef idx="0">
+                <a:schemeClr val="accent1"/>
+              </a:effectRef>
+              <a:fontRef idx="minor">
+                <a:schemeClr val="lt1"/>
+              </a:fontRef>
+            </p:style>
+            <p:txBody>
+              <a:bodyPr rtlCol="0" anchor="ctr"/>
+              <a:lstStyle/>
+              <a:p>
+                <a:pPr algn="ctr"/>
+                <a:endParaRPr lang="zh-CN" altLang="en-US" dirty="0"/>
+              </a:p>
+            </p:txBody>
+          </p:sp>
+          <p:sp>
+            <p:nvSpPr>
+              <p:cNvPr id="51" name="矩形 50">
+                <a:extLst>
+                  <a:ext uri="{FF2B5EF4-FFF2-40B4-BE49-F238E27FC236}">
+                    <a16:creationId xmlns:a16="http://schemas.microsoft.com/office/drawing/2014/main" id="{567B71D6-2DE2-4E94-A4AC-660E025DEFEE}"/>
+                  </a:ext>
+                </a:extLst>
+              </p:cNvPr>
+              <p:cNvSpPr/>
+              <p:nvPr/>
+            </p:nvSpPr>
+            <p:spPr>
+              <a:xfrm>
+                <a:off x="2368978" y="1275146"/>
+                <a:ext cx="180000" cy="90000"/>
+              </a:xfrm>
+              <a:prstGeom prst="rect">
+                <a:avLst/>
+              </a:prstGeom>
+              <a:solidFill>
+                <a:schemeClr val="bg1">
+                  <a:lumMod val="50000"/>
+                </a:schemeClr>
+              </a:solidFill>
+              <a:ln w="12700">
+                <a:solidFill>
+                  <a:schemeClr val="tx1"/>
+                </a:solidFill>
+              </a:ln>
+            </p:spPr>
+            <p:style>
+              <a:lnRef idx="2">
+                <a:schemeClr val="accent1">
+                  <a:shade val="50000"/>
+                </a:schemeClr>
+              </a:lnRef>
+              <a:fillRef idx="1">
+                <a:schemeClr val="accent1"/>
+              </a:fillRef>
+              <a:effectRef idx="0">
+                <a:schemeClr val="accent1"/>
+              </a:effectRef>
+              <a:fontRef idx="minor">
+                <a:schemeClr val="lt1"/>
+              </a:fontRef>
+            </p:style>
+            <p:txBody>
+              <a:bodyPr rtlCol="0" anchor="ctr"/>
+              <a:lstStyle/>
+              <a:p>
+                <a:pPr algn="ctr"/>
+                <a:endParaRPr lang="zh-CN" altLang="en-US" dirty="0"/>
+              </a:p>
+            </p:txBody>
+          </p:sp>
+        </p:grpSp>
+        <p:grpSp>
+          <p:nvGrpSpPr>
+            <p:cNvPr id="53" name="组合 52">
+              <a:extLst>
+                <a:ext uri="{FF2B5EF4-FFF2-40B4-BE49-F238E27FC236}">
+                  <a16:creationId xmlns:a16="http://schemas.microsoft.com/office/drawing/2014/main" id="{F655E84F-D40A-43BE-8393-C58A2596D930}"/>
+                </a:ext>
+              </a:extLst>
+            </p:cNvPr>
+            <p:cNvGrpSpPr/>
+            <p:nvPr/>
+          </p:nvGrpSpPr>
+          <p:grpSpPr>
+            <a:xfrm>
+              <a:off x="679627" y="317332"/>
+              <a:ext cx="191095" cy="459129"/>
+              <a:chOff x="2368978" y="915146"/>
+              <a:chExt cx="180000" cy="450000"/>
+            </a:xfrm>
+          </p:grpSpPr>
+          <p:sp>
+            <p:nvSpPr>
+              <p:cNvPr id="54" name="矩形 53">
+                <a:extLst>
+                  <a:ext uri="{FF2B5EF4-FFF2-40B4-BE49-F238E27FC236}">
+                    <a16:creationId xmlns:a16="http://schemas.microsoft.com/office/drawing/2014/main" id="{8969020F-E015-4771-B5EE-19D1AFAB1D5E}"/>
+                  </a:ext>
+                </a:extLst>
+              </p:cNvPr>
+              <p:cNvSpPr/>
+              <p:nvPr/>
+            </p:nvSpPr>
+            <p:spPr>
+              <a:xfrm>
+                <a:off x="2368978" y="915146"/>
+                <a:ext cx="180000" cy="90000"/>
+              </a:xfrm>
+              <a:prstGeom prst="rect">
+                <a:avLst/>
+              </a:prstGeom>
+              <a:solidFill>
+                <a:schemeClr val="bg1">
+                  <a:lumMod val="50000"/>
+                </a:schemeClr>
+              </a:solidFill>
+              <a:ln w="12700">
+                <a:solidFill>
+                  <a:schemeClr val="tx1"/>
+                </a:solidFill>
+              </a:ln>
+            </p:spPr>
+            <p:style>
+              <a:lnRef idx="2">
+                <a:schemeClr val="accent1">
+                  <a:shade val="50000"/>
+                </a:schemeClr>
+              </a:lnRef>
+              <a:fillRef idx="1">
+                <a:schemeClr val="accent1"/>
+              </a:fillRef>
+              <a:effectRef idx="0">
+                <a:schemeClr val="accent1"/>
+              </a:effectRef>
+              <a:fontRef idx="minor">
+                <a:schemeClr val="lt1"/>
+              </a:fontRef>
+            </p:style>
+            <p:txBody>
+              <a:bodyPr rtlCol="0" anchor="ctr"/>
+              <a:lstStyle/>
+              <a:p>
+                <a:pPr algn="ctr"/>
+                <a:endParaRPr lang="zh-CN" altLang="en-US" dirty="0"/>
+              </a:p>
+            </p:txBody>
+          </p:sp>
+          <p:sp>
+            <p:nvSpPr>
+              <p:cNvPr id="55" name="矩形 54">
+                <a:extLst>
+                  <a:ext uri="{FF2B5EF4-FFF2-40B4-BE49-F238E27FC236}">
+                    <a16:creationId xmlns:a16="http://schemas.microsoft.com/office/drawing/2014/main" id="{DDE93F8D-81EE-4DB1-95C6-D10FCBAE494F}"/>
+                  </a:ext>
+                </a:extLst>
+              </p:cNvPr>
+              <p:cNvSpPr/>
+              <p:nvPr/>
+            </p:nvSpPr>
+            <p:spPr>
+              <a:xfrm>
+                <a:off x="2368978" y="1005146"/>
+                <a:ext cx="180000" cy="90000"/>
+              </a:xfrm>
+              <a:prstGeom prst="rect">
+                <a:avLst/>
+              </a:prstGeom>
+              <a:solidFill>
+                <a:schemeClr val="bg1">
+                  <a:lumMod val="50000"/>
+                </a:schemeClr>
+              </a:solidFill>
+              <a:ln w="12700">
+                <a:solidFill>
+                  <a:schemeClr val="tx1"/>
+                </a:solidFill>
+              </a:ln>
+            </p:spPr>
+            <p:style>
+              <a:lnRef idx="2">
+                <a:schemeClr val="accent1">
+                  <a:shade val="50000"/>
+                </a:schemeClr>
+              </a:lnRef>
+              <a:fillRef idx="1">
+                <a:schemeClr val="accent1"/>
+              </a:fillRef>
+              <a:effectRef idx="0">
+                <a:schemeClr val="accent1"/>
+              </a:effectRef>
+              <a:fontRef idx="minor">
+                <a:schemeClr val="lt1"/>
+              </a:fontRef>
+            </p:style>
+            <p:txBody>
+              <a:bodyPr rtlCol="0" anchor="ctr"/>
+              <a:lstStyle/>
+              <a:p>
+                <a:pPr algn="ctr"/>
+                <a:endParaRPr lang="zh-CN" altLang="en-US" dirty="0"/>
+              </a:p>
+            </p:txBody>
+          </p:sp>
+          <p:sp>
+            <p:nvSpPr>
+              <p:cNvPr id="56" name="矩形 55">
+                <a:extLst>
+                  <a:ext uri="{FF2B5EF4-FFF2-40B4-BE49-F238E27FC236}">
+                    <a16:creationId xmlns:a16="http://schemas.microsoft.com/office/drawing/2014/main" id="{AB7E5CE0-1114-4363-967B-61BD53ED14AC}"/>
+                  </a:ext>
+                </a:extLst>
+              </p:cNvPr>
+              <p:cNvSpPr/>
+              <p:nvPr/>
+            </p:nvSpPr>
+            <p:spPr>
+              <a:xfrm>
+                <a:off x="2368978" y="1095146"/>
+                <a:ext cx="180000" cy="90000"/>
+              </a:xfrm>
+              <a:prstGeom prst="rect">
+                <a:avLst/>
+              </a:prstGeom>
+              <a:solidFill>
+                <a:schemeClr val="bg1">
+                  <a:lumMod val="50000"/>
+                </a:schemeClr>
+              </a:solidFill>
+              <a:ln w="12700">
+                <a:solidFill>
+                  <a:schemeClr val="tx1"/>
+                </a:solidFill>
+              </a:ln>
+            </p:spPr>
+            <p:style>
+              <a:lnRef idx="2">
+                <a:schemeClr val="accent1">
+                  <a:shade val="50000"/>
+                </a:schemeClr>
+              </a:lnRef>
+              <a:fillRef idx="1">
+                <a:schemeClr val="accent1"/>
+              </a:fillRef>
+              <a:effectRef idx="0">
+                <a:schemeClr val="accent1"/>
+              </a:effectRef>
+              <a:fontRef idx="minor">
+                <a:schemeClr val="lt1"/>
+              </a:fontRef>
+            </p:style>
+            <p:txBody>
+              <a:bodyPr rtlCol="0" anchor="ctr"/>
+              <a:lstStyle/>
+              <a:p>
+                <a:pPr algn="ctr"/>
+                <a:endParaRPr lang="zh-CN" altLang="en-US" dirty="0"/>
+              </a:p>
+            </p:txBody>
+          </p:sp>
+          <p:sp>
+            <p:nvSpPr>
+              <p:cNvPr id="57" name="矩形 56">
+                <a:extLst>
+                  <a:ext uri="{FF2B5EF4-FFF2-40B4-BE49-F238E27FC236}">
+                    <a16:creationId xmlns:a16="http://schemas.microsoft.com/office/drawing/2014/main" id="{A78FA9C2-A0A8-490F-A100-70C889AE834C}"/>
+                  </a:ext>
+                </a:extLst>
+              </p:cNvPr>
+              <p:cNvSpPr/>
+              <p:nvPr/>
+            </p:nvSpPr>
+            <p:spPr>
+              <a:xfrm>
+                <a:off x="2368978" y="1185146"/>
+                <a:ext cx="180000" cy="90000"/>
+              </a:xfrm>
+              <a:prstGeom prst="rect">
+                <a:avLst/>
+              </a:prstGeom>
+              <a:solidFill>
+                <a:schemeClr val="bg1">
+                  <a:lumMod val="50000"/>
+                </a:schemeClr>
+              </a:solidFill>
+              <a:ln w="12700">
+                <a:solidFill>
+                  <a:schemeClr val="tx1"/>
+                </a:solidFill>
+              </a:ln>
+            </p:spPr>
+            <p:style>
+              <a:lnRef idx="2">
+                <a:schemeClr val="accent1">
+                  <a:shade val="50000"/>
+                </a:schemeClr>
+              </a:lnRef>
+              <a:fillRef idx="1">
+                <a:schemeClr val="accent1"/>
+              </a:fillRef>
+              <a:effectRef idx="0">
+                <a:schemeClr val="accent1"/>
+              </a:effectRef>
+              <a:fontRef idx="minor">
+                <a:schemeClr val="lt1"/>
+              </a:fontRef>
+            </p:style>
+            <p:txBody>
+              <a:bodyPr rtlCol="0" anchor="ctr"/>
+              <a:lstStyle/>
+              <a:p>
+                <a:pPr algn="ctr"/>
+                <a:endParaRPr lang="zh-CN" altLang="en-US" dirty="0"/>
+              </a:p>
+            </p:txBody>
+          </p:sp>
+          <p:sp>
+            <p:nvSpPr>
+              <p:cNvPr id="58" name="矩形 57">
+                <a:extLst>
+                  <a:ext uri="{FF2B5EF4-FFF2-40B4-BE49-F238E27FC236}">
+                    <a16:creationId xmlns:a16="http://schemas.microsoft.com/office/drawing/2014/main" id="{B5A3FA1E-680D-4367-BB47-9C2EB87E2D81}"/>
+                  </a:ext>
+                </a:extLst>
+              </p:cNvPr>
+              <p:cNvSpPr/>
+              <p:nvPr/>
+            </p:nvSpPr>
+            <p:spPr>
+              <a:xfrm>
+                <a:off x="2368978" y="1275146"/>
+                <a:ext cx="180000" cy="90000"/>
+              </a:xfrm>
+              <a:prstGeom prst="rect">
+                <a:avLst/>
+              </a:prstGeom>
+              <a:solidFill>
+                <a:schemeClr val="bg1">
+                  <a:lumMod val="50000"/>
+                </a:schemeClr>
+              </a:solidFill>
+              <a:ln w="12700">
+                <a:solidFill>
+                  <a:schemeClr val="tx1"/>
+                </a:solidFill>
+              </a:ln>
+            </p:spPr>
+            <p:style>
+              <a:lnRef idx="2">
+                <a:schemeClr val="accent1">
+                  <a:shade val="50000"/>
+                </a:schemeClr>
+              </a:lnRef>
+              <a:fillRef idx="1">
+                <a:schemeClr val="accent1"/>
+              </a:fillRef>
+              <a:effectRef idx="0">
+                <a:schemeClr val="accent1"/>
+              </a:effectRef>
+              <a:fontRef idx="minor">
+                <a:schemeClr val="lt1"/>
+              </a:fontRef>
+            </p:style>
+            <p:txBody>
+              <a:bodyPr rtlCol="0" anchor="ctr"/>
+              <a:lstStyle/>
+              <a:p>
+                <a:pPr algn="ctr"/>
+                <a:endParaRPr lang="zh-CN" altLang="en-US" dirty="0"/>
+              </a:p>
+            </p:txBody>
+          </p:sp>
+        </p:grpSp>
+      </p:grpSp>
+      <p:sp>
+        <p:nvSpPr>
+          <p:cNvPr id="59" name="矩形 58">
+            <a:extLst>
+              <a:ext uri="{FF2B5EF4-FFF2-40B4-BE49-F238E27FC236}">
+                <a16:creationId xmlns:a16="http://schemas.microsoft.com/office/drawing/2014/main" id="{EB20A93B-4588-48CF-A7FB-C9FBD1ED72E3}"/>
+              </a:ext>
+            </a:extLst>
+          </p:cNvPr>
+          <p:cNvSpPr/>
+          <p:nvPr/>
+        </p:nvSpPr>
+        <p:spPr>
+          <a:xfrm>
+            <a:off x="549147" y="297897"/>
+            <a:ext cx="42977" cy="45913"/>
+          </a:xfrm>
+          <a:prstGeom prst="rect">
+            <a:avLst/>
+          </a:prstGeom>
+        </p:spPr>
+        <p:style>
+          <a:lnRef idx="2">
+            <a:schemeClr val="accent1">
+              <a:shade val="50000"/>
+            </a:schemeClr>
+          </a:lnRef>
+          <a:fillRef idx="1">
+            <a:schemeClr val="accent1"/>
+          </a:fillRef>
+          <a:effectRef idx="0">
+            <a:schemeClr val="accent1"/>
+          </a:effectRef>
+          <a:fontRef idx="minor">
+            <a:schemeClr val="lt1"/>
+          </a:fontRef>
+        </p:style>
+        <p:txBody>
+          <a:bodyPr rtlCol="0" anchor="ctr"/>
+          <a:lstStyle/>
+          <a:p>
+            <a:pPr algn="ctr"/>
+            <a:endParaRPr lang="zh-CN" altLang="en-US"/>
+          </a:p>
+        </p:txBody>
+      </p:sp>
+      <p:sp>
+        <p:nvSpPr>
+          <p:cNvPr id="61" name="矩形 60">
+            <a:extLst>
+              <a:ext uri="{FF2B5EF4-FFF2-40B4-BE49-F238E27FC236}">
+                <a16:creationId xmlns:a16="http://schemas.microsoft.com/office/drawing/2014/main" id="{0F04913B-AC23-4E80-B653-7BDF98915D49}"/>
+              </a:ext>
+            </a:extLst>
+          </p:cNvPr>
+          <p:cNvSpPr/>
+          <p:nvPr/>
+        </p:nvSpPr>
+        <p:spPr>
+          <a:xfrm>
+            <a:off x="411972" y="279895"/>
+            <a:ext cx="42977" cy="55096"/>
+          </a:xfrm>
+          <a:prstGeom prst="rect">
+            <a:avLst/>
+          </a:prstGeom>
+        </p:spPr>
+        <p:style>
+          <a:lnRef idx="2">
+            <a:schemeClr val="accent1">
+              <a:shade val="50000"/>
+            </a:schemeClr>
+          </a:lnRef>
+          <a:fillRef idx="1">
+            <a:schemeClr val="accent1"/>
+          </a:fillRef>
+          <a:effectRef idx="0">
+            <a:schemeClr val="accent1"/>
+          </a:effectRef>
+          <a:fontRef idx="minor">
+            <a:schemeClr val="lt1"/>
+          </a:fontRef>
+        </p:style>
+        <p:txBody>
+          <a:bodyPr rtlCol="0" anchor="ctr"/>
+          <a:lstStyle/>
+          <a:p>
+            <a:pPr algn="ctr"/>
+            <a:endParaRPr lang="zh-CN" altLang="en-US"/>
+          </a:p>
+        </p:txBody>
+      </p:sp>
+      <p:sp>
+        <p:nvSpPr>
+          <p:cNvPr id="62" name="矩形 61">
+            <a:extLst>
+              <a:ext uri="{FF2B5EF4-FFF2-40B4-BE49-F238E27FC236}">
+                <a16:creationId xmlns:a16="http://schemas.microsoft.com/office/drawing/2014/main" id="{ABCEF46A-625B-4F49-A64D-C654E1B2A8F3}"/>
+              </a:ext>
+            </a:extLst>
+          </p:cNvPr>
+          <p:cNvSpPr/>
+          <p:nvPr/>
+        </p:nvSpPr>
+        <p:spPr>
+          <a:xfrm>
+            <a:off x="281624" y="262173"/>
+            <a:ext cx="42977" cy="64278"/>
+          </a:xfrm>
+          <a:prstGeom prst="rect">
+            <a:avLst/>
+          </a:prstGeom>
+        </p:spPr>
+        <p:style>
+          <a:lnRef idx="2">
+            <a:schemeClr val="accent1">
+              <a:shade val="50000"/>
+            </a:schemeClr>
+          </a:lnRef>
+          <a:fillRef idx="1">
+            <a:schemeClr val="accent1"/>
+          </a:fillRef>
+          <a:effectRef idx="0">
+            <a:schemeClr val="accent1"/>
+          </a:effectRef>
+          <a:fontRef idx="minor">
+            <a:schemeClr val="lt1"/>
+          </a:fontRef>
+        </p:style>
+        <p:txBody>
+          <a:bodyPr rtlCol="0" anchor="ctr"/>
+          <a:lstStyle/>
+          <a:p>
+            <a:pPr algn="ctr"/>
+            <a:endParaRPr lang="zh-CN" altLang="en-US"/>
+          </a:p>
+        </p:txBody>
+      </p:sp>
+      <p:sp>
+        <p:nvSpPr>
+          <p:cNvPr id="63" name="矩形 62">
+            <a:extLst>
+              <a:ext uri="{FF2B5EF4-FFF2-40B4-BE49-F238E27FC236}">
+                <a16:creationId xmlns:a16="http://schemas.microsoft.com/office/drawing/2014/main" id="{A922FE56-2096-4F4E-9341-00B4064F84AB}"/>
+              </a:ext>
+            </a:extLst>
+          </p:cNvPr>
+          <p:cNvSpPr/>
+          <p:nvPr/>
+        </p:nvSpPr>
+        <p:spPr>
+          <a:xfrm>
+            <a:off x="155615" y="244172"/>
+            <a:ext cx="42977" cy="73461"/>
+          </a:xfrm>
+          <a:prstGeom prst="rect">
+            <a:avLst/>
+          </a:prstGeom>
+        </p:spPr>
+        <p:style>
+          <a:lnRef idx="2">
+            <a:schemeClr val="accent1">
+              <a:shade val="50000"/>
+            </a:schemeClr>
+          </a:lnRef>
+          <a:fillRef idx="1">
+            <a:schemeClr val="accent1"/>
+          </a:fillRef>
+          <a:effectRef idx="0">
+            <a:schemeClr val="accent1"/>
+          </a:effectRef>
+          <a:fontRef idx="minor">
+            <a:schemeClr val="lt1"/>
+          </a:fontRef>
+        </p:style>
+        <p:txBody>
+          <a:bodyPr rtlCol="0" anchor="ctr"/>
+          <a:lstStyle/>
+          <a:p>
+            <a:pPr algn="ctr"/>
+            <a:endParaRPr lang="zh-CN" altLang="en-US"/>
+          </a:p>
+        </p:txBody>
+      </p:sp>
+      <p:sp>
+        <p:nvSpPr>
+          <p:cNvPr id="64" name="矩形 63">
+            <a:extLst>
+              <a:ext uri="{FF2B5EF4-FFF2-40B4-BE49-F238E27FC236}">
+                <a16:creationId xmlns:a16="http://schemas.microsoft.com/office/drawing/2014/main" id="{D89402C6-D963-4EEA-AB65-BDBA57AD2D18}"/>
+              </a:ext>
+            </a:extLst>
+          </p:cNvPr>
+          <p:cNvSpPr/>
+          <p:nvPr/>
+        </p:nvSpPr>
+        <p:spPr>
+          <a:xfrm>
+            <a:off x="21787" y="226174"/>
+            <a:ext cx="42977" cy="82643"/>
+          </a:xfrm>
+          <a:prstGeom prst="rect">
+            <a:avLst/>
+          </a:prstGeom>
+        </p:spPr>
+        <p:style>
+          <a:lnRef idx="2">
+            <a:schemeClr val="accent1">
+              <a:shade val="50000"/>
+            </a:schemeClr>
+          </a:lnRef>
+          <a:fillRef idx="1">
+            <a:schemeClr val="accent1"/>
+          </a:fillRef>
+          <a:effectRef idx="0">
+            <a:schemeClr val="accent1"/>
+          </a:effectRef>
+          <a:fontRef idx="minor">
+            <a:schemeClr val="lt1"/>
+          </a:fontRef>
+        </p:style>
+        <p:txBody>
+          <a:bodyPr rtlCol="0" anchor="ctr"/>
+          <a:lstStyle/>
+          <a:p>
+            <a:pPr algn="ctr"/>
+            <a:endParaRPr lang="zh-CN" altLang="en-US"/>
+          </a:p>
+        </p:txBody>
+      </p:sp>
+      <p:grpSp>
+        <p:nvGrpSpPr>
+          <p:cNvPr id="82" name="组合 81">
+            <a:extLst>
+              <a:ext uri="{FF2B5EF4-FFF2-40B4-BE49-F238E27FC236}">
+                <a16:creationId xmlns:a16="http://schemas.microsoft.com/office/drawing/2014/main" id="{2113EBFB-C503-4272-BF04-912ABCD5D027}"/>
+              </a:ext>
+            </a:extLst>
+          </p:cNvPr>
+          <p:cNvGrpSpPr/>
+          <p:nvPr/>
+        </p:nvGrpSpPr>
+        <p:grpSpPr>
+          <a:xfrm>
+            <a:off x="615212" y="887891"/>
+            <a:ext cx="382189" cy="367303"/>
+            <a:chOff x="679628" y="897073"/>
+            <a:chExt cx="720000" cy="720000"/>
+          </a:xfrm>
+        </p:grpSpPr>
+        <p:sp>
+          <p:nvSpPr>
+            <p:cNvPr id="65" name="矩形: 圆角 64">
+              <a:extLst>
+                <a:ext uri="{FF2B5EF4-FFF2-40B4-BE49-F238E27FC236}">
+                  <a16:creationId xmlns:a16="http://schemas.microsoft.com/office/drawing/2014/main" id="{F57BF03D-E25A-41C8-A148-F94C91739DD4}"/>
+                </a:ext>
+              </a:extLst>
+            </p:cNvPr>
+            <p:cNvSpPr/>
+            <p:nvPr/>
+          </p:nvSpPr>
+          <p:spPr>
+            <a:xfrm>
+              <a:off x="859628" y="1167073"/>
+              <a:ext cx="360000" cy="360000"/>
+            </a:xfrm>
+            <a:prstGeom prst="roundRect">
+              <a:avLst/>
+            </a:prstGeom>
+            <a:solidFill>
+              <a:schemeClr val="accent1"/>
+            </a:solidFill>
+            <a:ln w="6350">
+              <a:solidFill>
+                <a:schemeClr val="tx1"/>
+              </a:solidFill>
+            </a:ln>
+          </p:spPr>
+          <p:style>
+            <a:lnRef idx="2">
+              <a:schemeClr val="accent1">
+                <a:shade val="50000"/>
+              </a:schemeClr>
+            </a:lnRef>
+            <a:fillRef idx="1">
+              <a:schemeClr val="accent1"/>
+            </a:fillRef>
+            <a:effectRef idx="0">
+              <a:schemeClr val="accent1"/>
+            </a:effectRef>
+            <a:fontRef idx="minor">
+              <a:schemeClr val="lt1"/>
+            </a:fontRef>
+          </p:style>
+          <p:txBody>
+            <a:bodyPr rtlCol="0" anchor="ctr"/>
+            <a:lstStyle/>
+            <a:p>
+              <a:pPr algn="ctr"/>
+              <a:endParaRPr lang="zh-CN" altLang="en-US" dirty="0"/>
+            </a:p>
+          </p:txBody>
+        </p:sp>
+        <p:sp>
+          <p:nvSpPr>
+            <p:cNvPr id="66" name="矩形 65">
+              <a:extLst>
+                <a:ext uri="{FF2B5EF4-FFF2-40B4-BE49-F238E27FC236}">
+                  <a16:creationId xmlns:a16="http://schemas.microsoft.com/office/drawing/2014/main" id="{5D454256-3F86-4A0D-9D3B-C8C491BF6C3E}"/>
+                </a:ext>
+              </a:extLst>
+            </p:cNvPr>
+            <p:cNvSpPr/>
+            <p:nvPr/>
+          </p:nvSpPr>
+          <p:spPr>
+            <a:xfrm>
+              <a:off x="1219628" y="1077073"/>
+              <a:ext cx="180000" cy="540000"/>
+            </a:xfrm>
+            <a:prstGeom prst="rect">
+              <a:avLst/>
+            </a:prstGeom>
+            <a:solidFill>
+              <a:schemeClr val="bg1">
+                <a:lumMod val="50000"/>
+              </a:schemeClr>
+            </a:solidFill>
+            <a:ln w="6350">
+              <a:solidFill>
+                <a:schemeClr val="tx1"/>
+              </a:solidFill>
+            </a:ln>
+          </p:spPr>
+          <p:style>
+            <a:lnRef idx="2">
+              <a:schemeClr val="accent1">
+                <a:shade val="50000"/>
+              </a:schemeClr>
+            </a:lnRef>
+            <a:fillRef idx="1">
+              <a:schemeClr val="accent1"/>
+            </a:fillRef>
+            <a:effectRef idx="0">
+              <a:schemeClr val="accent1"/>
+            </a:effectRef>
+            <a:fontRef idx="minor">
+              <a:schemeClr val="lt1"/>
+            </a:fontRef>
+          </p:style>
+          <p:txBody>
+            <a:bodyPr rtlCol="0" anchor="ctr"/>
+            <a:lstStyle/>
+            <a:p>
+              <a:pPr algn="ctr"/>
+              <a:endParaRPr lang="zh-CN" altLang="en-US" dirty="0"/>
+            </a:p>
+          </p:txBody>
+        </p:sp>
+        <p:sp>
+          <p:nvSpPr>
+            <p:cNvPr id="67" name="矩形 66">
+              <a:extLst>
+                <a:ext uri="{FF2B5EF4-FFF2-40B4-BE49-F238E27FC236}">
+                  <a16:creationId xmlns:a16="http://schemas.microsoft.com/office/drawing/2014/main" id="{52F9D14B-C93F-4B36-841E-6E0A55AC1BAD}"/>
+                </a:ext>
+              </a:extLst>
+            </p:cNvPr>
+            <p:cNvSpPr/>
+            <p:nvPr/>
+          </p:nvSpPr>
+          <p:spPr>
+            <a:xfrm>
+              <a:off x="1003628" y="897073"/>
+              <a:ext cx="72000" cy="450000"/>
+            </a:xfrm>
+            <a:prstGeom prst="rect">
+              <a:avLst/>
+            </a:prstGeom>
+            <a:solidFill>
+              <a:schemeClr val="accent3">
+                <a:lumMod val="50000"/>
+              </a:schemeClr>
+            </a:solidFill>
+            <a:ln w="6350">
+              <a:solidFill>
+                <a:schemeClr val="tx1"/>
+              </a:solidFill>
+            </a:ln>
+          </p:spPr>
+          <p:style>
+            <a:lnRef idx="2">
+              <a:schemeClr val="accent1">
+                <a:shade val="50000"/>
+              </a:schemeClr>
+            </a:lnRef>
+            <a:fillRef idx="1">
+              <a:schemeClr val="accent1"/>
+            </a:fillRef>
+            <a:effectRef idx="0">
+              <a:schemeClr val="accent1"/>
+            </a:effectRef>
+            <a:fontRef idx="minor">
+              <a:schemeClr val="lt1"/>
+            </a:fontRef>
+          </p:style>
+          <p:txBody>
+            <a:bodyPr rtlCol="0" anchor="ctr"/>
+            <a:lstStyle/>
+            <a:p>
+              <a:pPr algn="ctr"/>
+              <a:endParaRPr lang="zh-CN" altLang="en-US" dirty="0"/>
+            </a:p>
+          </p:txBody>
+        </p:sp>
+        <p:sp>
+          <p:nvSpPr>
+            <p:cNvPr id="68" name="椭圆 67">
+              <a:extLst>
+                <a:ext uri="{FF2B5EF4-FFF2-40B4-BE49-F238E27FC236}">
+                  <a16:creationId xmlns:a16="http://schemas.microsoft.com/office/drawing/2014/main" id="{E4CE69E1-A261-44EC-A99A-6ECA9EBE70EB}"/>
+                </a:ext>
+              </a:extLst>
+            </p:cNvPr>
+            <p:cNvSpPr/>
+            <p:nvPr/>
+          </p:nvSpPr>
+          <p:spPr>
+            <a:xfrm>
+              <a:off x="931628" y="1239073"/>
+              <a:ext cx="216000" cy="216000"/>
+            </a:xfrm>
+            <a:prstGeom prst="ellipse">
+              <a:avLst/>
+            </a:prstGeom>
+            <a:solidFill>
+              <a:schemeClr val="accent3">
+                <a:lumMod val="50000"/>
+              </a:schemeClr>
+            </a:solidFill>
+            <a:ln w="6350">
+              <a:solidFill>
+                <a:schemeClr val="tx1"/>
+              </a:solidFill>
+            </a:ln>
+          </p:spPr>
+          <p:style>
+            <a:lnRef idx="1">
+              <a:schemeClr val="dk1"/>
+            </a:lnRef>
+            <a:fillRef idx="2">
+              <a:schemeClr val="dk1"/>
+            </a:fillRef>
+            <a:effectRef idx="1">
+              <a:schemeClr val="dk1"/>
+            </a:effectRef>
+            <a:fontRef idx="minor">
+              <a:schemeClr val="dk1"/>
+            </a:fontRef>
+          </p:style>
+          <p:txBody>
+            <a:bodyPr rtlCol="0" anchor="ctr"/>
+            <a:lstStyle/>
+            <a:p>
+              <a:pPr algn="ctr"/>
+              <a:endParaRPr lang="zh-CN" altLang="en-US">
+                <a:ln>
+                  <a:solidFill>
+                    <a:sysClr val="windowText" lastClr="000000"/>
+                  </a:solidFill>
+                </a:ln>
+              </a:endParaRPr>
+            </a:p>
+          </p:txBody>
+        </p:sp>
+        <p:sp>
+          <p:nvSpPr>
+            <p:cNvPr id="69" name="矩形 68">
+              <a:extLst>
+                <a:ext uri="{FF2B5EF4-FFF2-40B4-BE49-F238E27FC236}">
+                  <a16:creationId xmlns:a16="http://schemas.microsoft.com/office/drawing/2014/main" id="{3F1F04ED-14AA-4DEE-86B5-D2EFF28D995E}"/>
+                </a:ext>
+              </a:extLst>
+            </p:cNvPr>
+            <p:cNvSpPr/>
+            <p:nvPr/>
+          </p:nvSpPr>
+          <p:spPr>
+            <a:xfrm>
+              <a:off x="679628" y="1077073"/>
+              <a:ext cx="180000" cy="540000"/>
+            </a:xfrm>
+            <a:prstGeom prst="rect">
+              <a:avLst/>
+            </a:prstGeom>
+            <a:solidFill>
+              <a:schemeClr val="bg1">
+                <a:lumMod val="50000"/>
+              </a:schemeClr>
+            </a:solidFill>
+            <a:ln w="6350">
+              <a:solidFill>
+                <a:schemeClr val="tx1"/>
+              </a:solidFill>
+            </a:ln>
+          </p:spPr>
+          <p:style>
+            <a:lnRef idx="2">
+              <a:schemeClr val="accent1">
+                <a:shade val="50000"/>
+              </a:schemeClr>
+            </a:lnRef>
+            <a:fillRef idx="1">
+              <a:schemeClr val="accent1"/>
+            </a:fillRef>
+            <a:effectRef idx="0">
+              <a:schemeClr val="accent1"/>
+            </a:effectRef>
+            <a:fontRef idx="minor">
+              <a:schemeClr val="lt1"/>
+            </a:fontRef>
+          </p:style>
+          <p:txBody>
+            <a:bodyPr rtlCol="0" anchor="ctr"/>
+            <a:lstStyle/>
+            <a:p>
+              <a:pPr algn="ctr"/>
+              <a:endParaRPr lang="zh-CN" altLang="en-US" dirty="0"/>
+            </a:p>
+          </p:txBody>
+        </p:sp>
+        <p:grpSp>
+          <p:nvGrpSpPr>
+            <p:cNvPr id="70" name="组合 69">
+              <a:extLst>
+                <a:ext uri="{FF2B5EF4-FFF2-40B4-BE49-F238E27FC236}">
+                  <a16:creationId xmlns:a16="http://schemas.microsoft.com/office/drawing/2014/main" id="{FB0637AC-BB47-43D0-9924-BAA0FE5227A3}"/>
+                </a:ext>
+              </a:extLst>
+            </p:cNvPr>
+            <p:cNvGrpSpPr/>
+            <p:nvPr/>
+          </p:nvGrpSpPr>
+          <p:grpSpPr>
+            <a:xfrm>
+              <a:off x="1219628" y="1077073"/>
+              <a:ext cx="180000" cy="450000"/>
+              <a:chOff x="2368978" y="915146"/>
+              <a:chExt cx="180000" cy="450000"/>
+            </a:xfrm>
+          </p:grpSpPr>
+          <p:sp>
+            <p:nvSpPr>
+              <p:cNvPr id="71" name="矩形 70">
+                <a:extLst>
+                  <a:ext uri="{FF2B5EF4-FFF2-40B4-BE49-F238E27FC236}">
+                    <a16:creationId xmlns:a16="http://schemas.microsoft.com/office/drawing/2014/main" id="{7DBE5DFD-0E1D-486C-AD08-9101773794AF}"/>
+                  </a:ext>
+                </a:extLst>
+              </p:cNvPr>
+              <p:cNvSpPr/>
+              <p:nvPr/>
+            </p:nvSpPr>
+            <p:spPr>
+              <a:xfrm>
+                <a:off x="2368978" y="915146"/>
+                <a:ext cx="180000" cy="90000"/>
+              </a:xfrm>
+              <a:prstGeom prst="rect">
+                <a:avLst/>
+              </a:prstGeom>
+              <a:solidFill>
+                <a:schemeClr val="bg1">
+                  <a:lumMod val="50000"/>
+                </a:schemeClr>
+              </a:solidFill>
+              <a:ln w="6350">
+                <a:solidFill>
+                  <a:schemeClr val="tx1"/>
+                </a:solidFill>
+              </a:ln>
+            </p:spPr>
+            <p:style>
+              <a:lnRef idx="2">
+                <a:schemeClr val="accent1">
+                  <a:shade val="50000"/>
+                </a:schemeClr>
+              </a:lnRef>
+              <a:fillRef idx="1">
+                <a:schemeClr val="accent1"/>
+              </a:fillRef>
+              <a:effectRef idx="0">
+                <a:schemeClr val="accent1"/>
+              </a:effectRef>
+              <a:fontRef idx="minor">
+                <a:schemeClr val="lt1"/>
+              </a:fontRef>
+            </p:style>
+            <p:txBody>
+              <a:bodyPr rtlCol="0" anchor="ctr"/>
+              <a:lstStyle/>
+              <a:p>
+                <a:pPr algn="ctr"/>
+                <a:endParaRPr lang="zh-CN" altLang="en-US" dirty="0"/>
+              </a:p>
+            </p:txBody>
+          </p:sp>
+          <p:sp>
+            <p:nvSpPr>
+              <p:cNvPr id="72" name="矩形 71">
+                <a:extLst>
+                  <a:ext uri="{FF2B5EF4-FFF2-40B4-BE49-F238E27FC236}">
+                    <a16:creationId xmlns:a16="http://schemas.microsoft.com/office/drawing/2014/main" id="{0150A54E-8FDE-4A49-B5E3-E103A46B7166}"/>
+                  </a:ext>
+                </a:extLst>
+              </p:cNvPr>
+              <p:cNvSpPr/>
+              <p:nvPr/>
+            </p:nvSpPr>
+            <p:spPr>
+              <a:xfrm>
+                <a:off x="2368978" y="1005146"/>
+                <a:ext cx="180000" cy="90000"/>
+              </a:xfrm>
+              <a:prstGeom prst="rect">
+                <a:avLst/>
+              </a:prstGeom>
+              <a:solidFill>
+                <a:schemeClr val="bg1">
+                  <a:lumMod val="50000"/>
+                </a:schemeClr>
+              </a:solidFill>
+              <a:ln w="6350">
+                <a:solidFill>
+                  <a:schemeClr val="tx1"/>
+                </a:solidFill>
+              </a:ln>
+            </p:spPr>
+            <p:style>
+              <a:lnRef idx="2">
+                <a:schemeClr val="accent1">
+                  <a:shade val="50000"/>
+                </a:schemeClr>
+              </a:lnRef>
+              <a:fillRef idx="1">
+                <a:schemeClr val="accent1"/>
+              </a:fillRef>
+              <a:effectRef idx="0">
+                <a:schemeClr val="accent1"/>
+              </a:effectRef>
+              <a:fontRef idx="minor">
+                <a:schemeClr val="lt1"/>
+              </a:fontRef>
+            </p:style>
+            <p:txBody>
+              <a:bodyPr rtlCol="0" anchor="ctr"/>
+              <a:lstStyle/>
+              <a:p>
+                <a:pPr algn="ctr"/>
+                <a:endParaRPr lang="zh-CN" altLang="en-US" dirty="0"/>
+              </a:p>
+            </p:txBody>
+          </p:sp>
+          <p:sp>
+            <p:nvSpPr>
+              <p:cNvPr id="73" name="矩形 72">
+                <a:extLst>
+                  <a:ext uri="{FF2B5EF4-FFF2-40B4-BE49-F238E27FC236}">
+                    <a16:creationId xmlns:a16="http://schemas.microsoft.com/office/drawing/2014/main" id="{0C6B12A7-FAE3-4F8F-91AB-47FC9E71EBAF}"/>
+                  </a:ext>
+                </a:extLst>
+              </p:cNvPr>
+              <p:cNvSpPr/>
+              <p:nvPr/>
+            </p:nvSpPr>
+            <p:spPr>
+              <a:xfrm>
+                <a:off x="2368978" y="1095146"/>
+                <a:ext cx="180000" cy="90000"/>
+              </a:xfrm>
+              <a:prstGeom prst="rect">
+                <a:avLst/>
+              </a:prstGeom>
+              <a:solidFill>
+                <a:schemeClr val="bg1">
+                  <a:lumMod val="50000"/>
+                </a:schemeClr>
+              </a:solidFill>
+              <a:ln w="6350">
+                <a:solidFill>
+                  <a:schemeClr val="tx1"/>
+                </a:solidFill>
+              </a:ln>
+            </p:spPr>
+            <p:style>
+              <a:lnRef idx="2">
+                <a:schemeClr val="accent1">
+                  <a:shade val="50000"/>
+                </a:schemeClr>
+              </a:lnRef>
+              <a:fillRef idx="1">
+                <a:schemeClr val="accent1"/>
+              </a:fillRef>
+              <a:effectRef idx="0">
+                <a:schemeClr val="accent1"/>
+              </a:effectRef>
+              <a:fontRef idx="minor">
+                <a:schemeClr val="lt1"/>
+              </a:fontRef>
+            </p:style>
+            <p:txBody>
+              <a:bodyPr rtlCol="0" anchor="ctr"/>
+              <a:lstStyle/>
+              <a:p>
+                <a:pPr algn="ctr"/>
+                <a:endParaRPr lang="zh-CN" altLang="en-US" dirty="0"/>
+              </a:p>
+            </p:txBody>
+          </p:sp>
+          <p:sp>
+            <p:nvSpPr>
+              <p:cNvPr id="74" name="矩形 73">
+                <a:extLst>
+                  <a:ext uri="{FF2B5EF4-FFF2-40B4-BE49-F238E27FC236}">
+                    <a16:creationId xmlns:a16="http://schemas.microsoft.com/office/drawing/2014/main" id="{4B6B18C9-D240-4E74-AB1E-ECA8E051A911}"/>
+                  </a:ext>
+                </a:extLst>
+              </p:cNvPr>
+              <p:cNvSpPr/>
+              <p:nvPr/>
+            </p:nvSpPr>
+            <p:spPr>
+              <a:xfrm>
+                <a:off x="2368978" y="1185146"/>
+                <a:ext cx="180000" cy="90000"/>
+              </a:xfrm>
+              <a:prstGeom prst="rect">
+                <a:avLst/>
+              </a:prstGeom>
+              <a:solidFill>
+                <a:schemeClr val="bg1">
+                  <a:lumMod val="50000"/>
+                </a:schemeClr>
+              </a:solidFill>
+              <a:ln w="6350">
+                <a:solidFill>
+                  <a:schemeClr val="tx1"/>
+                </a:solidFill>
+              </a:ln>
+            </p:spPr>
+            <p:style>
+              <a:lnRef idx="2">
+                <a:schemeClr val="accent1">
+                  <a:shade val="50000"/>
+                </a:schemeClr>
+              </a:lnRef>
+              <a:fillRef idx="1">
+                <a:schemeClr val="accent1"/>
+              </a:fillRef>
+              <a:effectRef idx="0">
+                <a:schemeClr val="accent1"/>
+              </a:effectRef>
+              <a:fontRef idx="minor">
+                <a:schemeClr val="lt1"/>
+              </a:fontRef>
+            </p:style>
+            <p:txBody>
+              <a:bodyPr rtlCol="0" anchor="ctr"/>
+              <a:lstStyle/>
+              <a:p>
+                <a:pPr algn="ctr"/>
+                <a:endParaRPr lang="zh-CN" altLang="en-US" dirty="0"/>
+              </a:p>
+            </p:txBody>
+          </p:sp>
+          <p:sp>
+            <p:nvSpPr>
+              <p:cNvPr id="75" name="矩形 74">
+                <a:extLst>
+                  <a:ext uri="{FF2B5EF4-FFF2-40B4-BE49-F238E27FC236}">
+                    <a16:creationId xmlns:a16="http://schemas.microsoft.com/office/drawing/2014/main" id="{06634079-C4F8-479A-A47B-76DB8C9C6DA4}"/>
+                  </a:ext>
+                </a:extLst>
+              </p:cNvPr>
+              <p:cNvSpPr/>
+              <p:nvPr/>
+            </p:nvSpPr>
+            <p:spPr>
+              <a:xfrm>
+                <a:off x="2368978" y="1275146"/>
+                <a:ext cx="180000" cy="90000"/>
+              </a:xfrm>
+              <a:prstGeom prst="rect">
+                <a:avLst/>
+              </a:prstGeom>
+              <a:solidFill>
+                <a:schemeClr val="bg1">
+                  <a:lumMod val="50000"/>
+                </a:schemeClr>
+              </a:solidFill>
+              <a:ln w="6350">
+                <a:solidFill>
+                  <a:schemeClr val="tx1"/>
+                </a:solidFill>
+              </a:ln>
+            </p:spPr>
+            <p:style>
+              <a:lnRef idx="2">
+                <a:schemeClr val="accent1">
+                  <a:shade val="50000"/>
+                </a:schemeClr>
+              </a:lnRef>
+              <a:fillRef idx="1">
+                <a:schemeClr val="accent1"/>
+              </a:fillRef>
+              <a:effectRef idx="0">
+                <a:schemeClr val="accent1"/>
+              </a:effectRef>
+              <a:fontRef idx="minor">
+                <a:schemeClr val="lt1"/>
+              </a:fontRef>
+            </p:style>
+            <p:txBody>
+              <a:bodyPr rtlCol="0" anchor="ctr"/>
+              <a:lstStyle/>
+              <a:p>
+                <a:pPr algn="ctr"/>
+                <a:endParaRPr lang="zh-CN" altLang="en-US" dirty="0"/>
+              </a:p>
+            </p:txBody>
+          </p:sp>
+        </p:grpSp>
+        <p:grpSp>
+          <p:nvGrpSpPr>
+            <p:cNvPr id="76" name="组合 75">
+              <a:extLst>
+                <a:ext uri="{FF2B5EF4-FFF2-40B4-BE49-F238E27FC236}">
+                  <a16:creationId xmlns:a16="http://schemas.microsoft.com/office/drawing/2014/main" id="{2C198002-8EAD-4DE2-BB80-64E36465DB91}"/>
+                </a:ext>
+              </a:extLst>
+            </p:cNvPr>
+            <p:cNvGrpSpPr/>
+            <p:nvPr/>
+          </p:nvGrpSpPr>
+          <p:grpSpPr>
+            <a:xfrm>
+              <a:off x="679628" y="1077073"/>
+              <a:ext cx="180000" cy="450000"/>
+              <a:chOff x="2368978" y="915146"/>
+              <a:chExt cx="180000" cy="450000"/>
+            </a:xfrm>
+          </p:grpSpPr>
+          <p:sp>
+            <p:nvSpPr>
+              <p:cNvPr id="77" name="矩形 76">
+                <a:extLst>
+                  <a:ext uri="{FF2B5EF4-FFF2-40B4-BE49-F238E27FC236}">
+                    <a16:creationId xmlns:a16="http://schemas.microsoft.com/office/drawing/2014/main" id="{269586B5-EFE9-4C15-B382-067289B2B672}"/>
+                  </a:ext>
+                </a:extLst>
+              </p:cNvPr>
+              <p:cNvSpPr/>
+              <p:nvPr/>
+            </p:nvSpPr>
+            <p:spPr>
+              <a:xfrm>
+                <a:off x="2368978" y="915146"/>
+                <a:ext cx="180000" cy="90000"/>
+              </a:xfrm>
+              <a:prstGeom prst="rect">
+                <a:avLst/>
+              </a:prstGeom>
+              <a:solidFill>
+                <a:schemeClr val="bg1">
+                  <a:lumMod val="50000"/>
+                </a:schemeClr>
+              </a:solidFill>
+              <a:ln w="6350">
+                <a:solidFill>
+                  <a:schemeClr val="tx1"/>
+                </a:solidFill>
+              </a:ln>
+            </p:spPr>
+            <p:style>
+              <a:lnRef idx="2">
+                <a:schemeClr val="accent1">
+                  <a:shade val="50000"/>
+                </a:schemeClr>
+              </a:lnRef>
+              <a:fillRef idx="1">
+                <a:schemeClr val="accent1"/>
+              </a:fillRef>
+              <a:effectRef idx="0">
+                <a:schemeClr val="accent1"/>
+              </a:effectRef>
+              <a:fontRef idx="minor">
+                <a:schemeClr val="lt1"/>
+              </a:fontRef>
+            </p:style>
+            <p:txBody>
+              <a:bodyPr rtlCol="0" anchor="ctr"/>
+              <a:lstStyle/>
+              <a:p>
+                <a:pPr algn="ctr"/>
+                <a:endParaRPr lang="zh-CN" altLang="en-US" dirty="0"/>
+              </a:p>
+            </p:txBody>
+          </p:sp>
+          <p:sp>
+            <p:nvSpPr>
+              <p:cNvPr id="78" name="矩形 77">
+                <a:extLst>
+                  <a:ext uri="{FF2B5EF4-FFF2-40B4-BE49-F238E27FC236}">
+                    <a16:creationId xmlns:a16="http://schemas.microsoft.com/office/drawing/2014/main" id="{CFEAD931-68F9-4ECE-B6C9-7126DFB13FD1}"/>
+                  </a:ext>
+                </a:extLst>
+              </p:cNvPr>
+              <p:cNvSpPr/>
+              <p:nvPr/>
+            </p:nvSpPr>
+            <p:spPr>
+              <a:xfrm>
+                <a:off x="2368978" y="1005146"/>
+                <a:ext cx="180000" cy="90000"/>
+              </a:xfrm>
+              <a:prstGeom prst="rect">
+                <a:avLst/>
+              </a:prstGeom>
+              <a:solidFill>
+                <a:schemeClr val="bg1">
+                  <a:lumMod val="50000"/>
+                </a:schemeClr>
+              </a:solidFill>
+              <a:ln w="6350">
+                <a:solidFill>
+                  <a:schemeClr val="tx1"/>
+                </a:solidFill>
+              </a:ln>
+            </p:spPr>
+            <p:style>
+              <a:lnRef idx="2">
+                <a:schemeClr val="accent1">
+                  <a:shade val="50000"/>
+                </a:schemeClr>
+              </a:lnRef>
+              <a:fillRef idx="1">
+                <a:schemeClr val="accent1"/>
+              </a:fillRef>
+              <a:effectRef idx="0">
+                <a:schemeClr val="accent1"/>
+              </a:effectRef>
+              <a:fontRef idx="minor">
+                <a:schemeClr val="lt1"/>
+              </a:fontRef>
+            </p:style>
+            <p:txBody>
+              <a:bodyPr rtlCol="0" anchor="ctr"/>
+              <a:lstStyle/>
+              <a:p>
+                <a:pPr algn="ctr"/>
+                <a:endParaRPr lang="zh-CN" altLang="en-US" dirty="0"/>
+              </a:p>
+            </p:txBody>
+          </p:sp>
+          <p:sp>
+            <p:nvSpPr>
+              <p:cNvPr id="79" name="矩形 78">
+                <a:extLst>
+                  <a:ext uri="{FF2B5EF4-FFF2-40B4-BE49-F238E27FC236}">
+                    <a16:creationId xmlns:a16="http://schemas.microsoft.com/office/drawing/2014/main" id="{8BEF9378-2723-4511-9177-3074B76E87D8}"/>
+                  </a:ext>
+                </a:extLst>
+              </p:cNvPr>
+              <p:cNvSpPr/>
+              <p:nvPr/>
+            </p:nvSpPr>
+            <p:spPr>
+              <a:xfrm>
+                <a:off x="2368978" y="1095146"/>
+                <a:ext cx="180000" cy="90000"/>
+              </a:xfrm>
+              <a:prstGeom prst="rect">
+                <a:avLst/>
+              </a:prstGeom>
+              <a:solidFill>
+                <a:schemeClr val="bg1">
+                  <a:lumMod val="50000"/>
+                </a:schemeClr>
+              </a:solidFill>
+              <a:ln w="6350">
+                <a:solidFill>
+                  <a:schemeClr val="tx1"/>
+                </a:solidFill>
+              </a:ln>
+            </p:spPr>
+            <p:style>
+              <a:lnRef idx="2">
+                <a:schemeClr val="accent1">
+                  <a:shade val="50000"/>
+                </a:schemeClr>
+              </a:lnRef>
+              <a:fillRef idx="1">
+                <a:schemeClr val="accent1"/>
+              </a:fillRef>
+              <a:effectRef idx="0">
+                <a:schemeClr val="accent1"/>
+              </a:effectRef>
+              <a:fontRef idx="minor">
+                <a:schemeClr val="lt1"/>
+              </a:fontRef>
+            </p:style>
+            <p:txBody>
+              <a:bodyPr rtlCol="0" anchor="ctr"/>
+              <a:lstStyle/>
+              <a:p>
+                <a:pPr algn="ctr"/>
+                <a:endParaRPr lang="zh-CN" altLang="en-US" dirty="0"/>
+              </a:p>
+            </p:txBody>
+          </p:sp>
+          <p:sp>
+            <p:nvSpPr>
+              <p:cNvPr id="80" name="矩形 79">
+                <a:extLst>
+                  <a:ext uri="{FF2B5EF4-FFF2-40B4-BE49-F238E27FC236}">
+                    <a16:creationId xmlns:a16="http://schemas.microsoft.com/office/drawing/2014/main" id="{80A22CB5-03A0-4715-B7CF-42C0CA818BD5}"/>
+                  </a:ext>
+                </a:extLst>
+              </p:cNvPr>
+              <p:cNvSpPr/>
+              <p:nvPr/>
+            </p:nvSpPr>
+            <p:spPr>
+              <a:xfrm>
+                <a:off x="2368978" y="1185146"/>
+                <a:ext cx="180000" cy="90000"/>
+              </a:xfrm>
+              <a:prstGeom prst="rect">
+                <a:avLst/>
+              </a:prstGeom>
+              <a:solidFill>
+                <a:schemeClr val="bg1">
+                  <a:lumMod val="50000"/>
+                </a:schemeClr>
+              </a:solidFill>
+              <a:ln w="6350">
+                <a:solidFill>
+                  <a:schemeClr val="tx1"/>
+                </a:solidFill>
+              </a:ln>
+            </p:spPr>
+            <p:style>
+              <a:lnRef idx="2">
+                <a:schemeClr val="accent1">
+                  <a:shade val="50000"/>
+                </a:schemeClr>
+              </a:lnRef>
+              <a:fillRef idx="1">
+                <a:schemeClr val="accent1"/>
+              </a:fillRef>
+              <a:effectRef idx="0">
+                <a:schemeClr val="accent1"/>
+              </a:effectRef>
+              <a:fontRef idx="minor">
+                <a:schemeClr val="lt1"/>
+              </a:fontRef>
+            </p:style>
+            <p:txBody>
+              <a:bodyPr rtlCol="0" anchor="ctr"/>
+              <a:lstStyle/>
+              <a:p>
+                <a:pPr algn="ctr"/>
+                <a:endParaRPr lang="zh-CN" altLang="en-US" dirty="0"/>
+              </a:p>
+            </p:txBody>
+          </p:sp>
+          <p:sp>
+            <p:nvSpPr>
+              <p:cNvPr id="81" name="矩形 80">
+                <a:extLst>
+                  <a:ext uri="{FF2B5EF4-FFF2-40B4-BE49-F238E27FC236}">
+                    <a16:creationId xmlns:a16="http://schemas.microsoft.com/office/drawing/2014/main" id="{4B3485D4-D8E5-439E-8C0F-BEEFDE450B00}"/>
+                  </a:ext>
+                </a:extLst>
+              </p:cNvPr>
+              <p:cNvSpPr/>
+              <p:nvPr/>
+            </p:nvSpPr>
+            <p:spPr>
+              <a:xfrm>
+                <a:off x="2368978" y="1275146"/>
+                <a:ext cx="180000" cy="90000"/>
+              </a:xfrm>
+              <a:prstGeom prst="rect">
+                <a:avLst/>
+              </a:prstGeom>
+              <a:solidFill>
+                <a:schemeClr val="bg1">
+                  <a:lumMod val="50000"/>
+                </a:schemeClr>
+              </a:solidFill>
+              <a:ln w="6350">
+                <a:solidFill>
+                  <a:schemeClr val="tx1"/>
+                </a:solidFill>
+              </a:ln>
+            </p:spPr>
+            <p:style>
+              <a:lnRef idx="2">
+                <a:schemeClr val="accent1">
+                  <a:shade val="50000"/>
+                </a:schemeClr>
+              </a:lnRef>
+              <a:fillRef idx="1">
+                <a:schemeClr val="accent1"/>
+              </a:fillRef>
+              <a:effectRef idx="0">
+                <a:schemeClr val="accent1"/>
+              </a:effectRef>
+              <a:fontRef idx="minor">
+                <a:schemeClr val="lt1"/>
+              </a:fontRef>
+            </p:style>
+            <p:txBody>
+              <a:bodyPr rtlCol="0" anchor="ctr"/>
+              <a:lstStyle/>
+              <a:p>
+                <a:pPr algn="ctr"/>
+                <a:endParaRPr lang="zh-CN" altLang="en-US" dirty="0"/>
+              </a:p>
+            </p:txBody>
+          </p:sp>
+        </p:grpSp>
+      </p:grpSp>
+      <p:grpSp>
+        <p:nvGrpSpPr>
+          <p:cNvPr id="100" name="组合 99">
+            <a:extLst>
+              <a:ext uri="{FF2B5EF4-FFF2-40B4-BE49-F238E27FC236}">
+                <a16:creationId xmlns:a16="http://schemas.microsoft.com/office/drawing/2014/main" id="{B2AF6B84-FF86-45D6-88E3-F1153AD7DA9D}"/>
+              </a:ext>
+            </a:extLst>
+          </p:cNvPr>
+          <p:cNvGrpSpPr/>
+          <p:nvPr/>
+        </p:nvGrpSpPr>
+        <p:grpSpPr>
+          <a:xfrm>
+            <a:off x="1104808" y="887891"/>
+            <a:ext cx="382189" cy="367303"/>
+            <a:chOff x="1542372" y="897073"/>
+            <a:chExt cx="720000" cy="720000"/>
+          </a:xfrm>
+        </p:grpSpPr>
+        <p:sp>
+          <p:nvSpPr>
+            <p:cNvPr id="83" name="矩形: 圆角 82">
+              <a:extLst>
+                <a:ext uri="{FF2B5EF4-FFF2-40B4-BE49-F238E27FC236}">
+                  <a16:creationId xmlns:a16="http://schemas.microsoft.com/office/drawing/2014/main" id="{ACD03583-F123-4236-9B8C-5FA12EC70B0E}"/>
+                </a:ext>
+              </a:extLst>
+            </p:cNvPr>
+            <p:cNvSpPr/>
+            <p:nvPr/>
+          </p:nvSpPr>
+          <p:spPr>
+            <a:xfrm>
+              <a:off x="1722372" y="1167073"/>
+              <a:ext cx="360000" cy="360000"/>
+            </a:xfrm>
+            <a:prstGeom prst="roundRect">
+              <a:avLst/>
+            </a:prstGeom>
+            <a:solidFill>
+              <a:schemeClr val="accent1"/>
+            </a:solidFill>
+            <a:ln w="6350">
+              <a:solidFill>
+                <a:schemeClr val="tx1"/>
+              </a:solidFill>
+            </a:ln>
+          </p:spPr>
+          <p:style>
+            <a:lnRef idx="2">
+              <a:schemeClr val="accent1">
+                <a:shade val="50000"/>
+              </a:schemeClr>
+            </a:lnRef>
+            <a:fillRef idx="1">
+              <a:schemeClr val="accent1"/>
+            </a:fillRef>
+            <a:effectRef idx="0">
+              <a:schemeClr val="accent1"/>
+            </a:effectRef>
+            <a:fontRef idx="minor">
+              <a:schemeClr val="lt1"/>
+            </a:fontRef>
+          </p:style>
+          <p:txBody>
+            <a:bodyPr rtlCol="0" anchor="ctr"/>
+            <a:lstStyle/>
+            <a:p>
+              <a:pPr algn="ctr"/>
+              <a:endParaRPr lang="zh-CN" altLang="en-US" dirty="0"/>
+            </a:p>
+          </p:txBody>
+        </p:sp>
+        <p:sp>
+          <p:nvSpPr>
+            <p:cNvPr id="84" name="矩形 83">
+              <a:extLst>
+                <a:ext uri="{FF2B5EF4-FFF2-40B4-BE49-F238E27FC236}">
+                  <a16:creationId xmlns:a16="http://schemas.microsoft.com/office/drawing/2014/main" id="{74A98F4F-788A-49B4-B6A7-118CF05288D5}"/>
+                </a:ext>
+              </a:extLst>
+            </p:cNvPr>
+            <p:cNvSpPr/>
+            <p:nvPr/>
+          </p:nvSpPr>
+          <p:spPr>
+            <a:xfrm>
+              <a:off x="2082372" y="1077073"/>
+              <a:ext cx="180000" cy="540000"/>
+            </a:xfrm>
+            <a:prstGeom prst="rect">
+              <a:avLst/>
+            </a:prstGeom>
+            <a:solidFill>
+              <a:schemeClr val="bg1">
+                <a:lumMod val="50000"/>
+              </a:schemeClr>
+            </a:solidFill>
+            <a:ln w="6350">
+              <a:solidFill>
+                <a:schemeClr val="tx1"/>
+              </a:solidFill>
+            </a:ln>
+          </p:spPr>
+          <p:style>
+            <a:lnRef idx="2">
+              <a:schemeClr val="accent1">
+                <a:shade val="50000"/>
+              </a:schemeClr>
+            </a:lnRef>
+            <a:fillRef idx="1">
+              <a:schemeClr val="accent1"/>
+            </a:fillRef>
+            <a:effectRef idx="0">
+              <a:schemeClr val="accent1"/>
+            </a:effectRef>
+            <a:fontRef idx="minor">
+              <a:schemeClr val="lt1"/>
+            </a:fontRef>
+          </p:style>
+          <p:txBody>
+            <a:bodyPr rtlCol="0" anchor="ctr"/>
+            <a:lstStyle/>
+            <a:p>
+              <a:pPr algn="ctr"/>
+              <a:endParaRPr lang="zh-CN" altLang="en-US" dirty="0"/>
+            </a:p>
+          </p:txBody>
+        </p:sp>
+        <p:sp>
+          <p:nvSpPr>
+            <p:cNvPr id="85" name="矩形 84">
+              <a:extLst>
+                <a:ext uri="{FF2B5EF4-FFF2-40B4-BE49-F238E27FC236}">
+                  <a16:creationId xmlns:a16="http://schemas.microsoft.com/office/drawing/2014/main" id="{8856A03B-F348-48FD-8836-5D63EB7EEDD5}"/>
+                </a:ext>
+              </a:extLst>
+            </p:cNvPr>
+            <p:cNvSpPr/>
+            <p:nvPr/>
+          </p:nvSpPr>
+          <p:spPr>
+            <a:xfrm>
+              <a:off x="1866372" y="897073"/>
+              <a:ext cx="72000" cy="450000"/>
+            </a:xfrm>
+            <a:prstGeom prst="rect">
+              <a:avLst/>
+            </a:prstGeom>
+            <a:solidFill>
+              <a:schemeClr val="accent3">
+                <a:lumMod val="50000"/>
+              </a:schemeClr>
+            </a:solidFill>
+            <a:ln w="6350">
+              <a:solidFill>
+                <a:schemeClr val="tx1"/>
+              </a:solidFill>
+            </a:ln>
+          </p:spPr>
+          <p:style>
+            <a:lnRef idx="2">
+              <a:schemeClr val="accent1">
+                <a:shade val="50000"/>
+              </a:schemeClr>
+            </a:lnRef>
+            <a:fillRef idx="1">
+              <a:schemeClr val="accent1"/>
+            </a:fillRef>
+            <a:effectRef idx="0">
+              <a:schemeClr val="accent1"/>
+            </a:effectRef>
+            <a:fontRef idx="minor">
+              <a:schemeClr val="lt1"/>
+            </a:fontRef>
+          </p:style>
+          <p:txBody>
+            <a:bodyPr rtlCol="0" anchor="ctr"/>
+            <a:lstStyle/>
+            <a:p>
+              <a:pPr algn="ctr"/>
+              <a:endParaRPr lang="zh-CN" altLang="en-US" dirty="0"/>
+            </a:p>
+          </p:txBody>
+        </p:sp>
+        <p:sp>
+          <p:nvSpPr>
+            <p:cNvPr id="86" name="椭圆 85">
+              <a:extLst>
+                <a:ext uri="{FF2B5EF4-FFF2-40B4-BE49-F238E27FC236}">
+                  <a16:creationId xmlns:a16="http://schemas.microsoft.com/office/drawing/2014/main" id="{CD46FB97-776A-4993-A728-AC6A52D9744C}"/>
+                </a:ext>
+              </a:extLst>
+            </p:cNvPr>
+            <p:cNvSpPr/>
+            <p:nvPr/>
+          </p:nvSpPr>
+          <p:spPr>
+            <a:xfrm>
+              <a:off x="1794372" y="1239073"/>
+              <a:ext cx="216000" cy="216000"/>
+            </a:xfrm>
+            <a:prstGeom prst="ellipse">
+              <a:avLst/>
+            </a:prstGeom>
+            <a:solidFill>
+              <a:schemeClr val="accent3">
+                <a:lumMod val="50000"/>
+              </a:schemeClr>
+            </a:solidFill>
+            <a:ln w="6350">
+              <a:solidFill>
+                <a:schemeClr val="tx1"/>
+              </a:solidFill>
+            </a:ln>
+          </p:spPr>
+          <p:style>
+            <a:lnRef idx="1">
+              <a:schemeClr val="dk1"/>
+            </a:lnRef>
+            <a:fillRef idx="2">
+              <a:schemeClr val="dk1"/>
+            </a:fillRef>
+            <a:effectRef idx="1">
+              <a:schemeClr val="dk1"/>
+            </a:effectRef>
+            <a:fontRef idx="minor">
+              <a:schemeClr val="dk1"/>
+            </a:fontRef>
+          </p:style>
+          <p:txBody>
+            <a:bodyPr rtlCol="0" anchor="ctr"/>
+            <a:lstStyle/>
+            <a:p>
+              <a:pPr algn="ctr"/>
+              <a:endParaRPr lang="zh-CN" altLang="en-US">
+                <a:ln>
+                  <a:solidFill>
+                    <a:sysClr val="windowText" lastClr="000000"/>
+                  </a:solidFill>
+                </a:ln>
+              </a:endParaRPr>
+            </a:p>
+          </p:txBody>
+        </p:sp>
+        <p:sp>
+          <p:nvSpPr>
+            <p:cNvPr id="87" name="矩形 86">
+              <a:extLst>
+                <a:ext uri="{FF2B5EF4-FFF2-40B4-BE49-F238E27FC236}">
+                  <a16:creationId xmlns:a16="http://schemas.microsoft.com/office/drawing/2014/main" id="{06D67CFF-7949-4AEE-9CC2-207B61B8F39D}"/>
+                </a:ext>
+              </a:extLst>
+            </p:cNvPr>
+            <p:cNvSpPr/>
+            <p:nvPr/>
+          </p:nvSpPr>
+          <p:spPr>
+            <a:xfrm>
+              <a:off x="1542372" y="1077073"/>
+              <a:ext cx="180000" cy="540000"/>
+            </a:xfrm>
+            <a:prstGeom prst="rect">
+              <a:avLst/>
+            </a:prstGeom>
+            <a:solidFill>
+              <a:schemeClr val="bg1">
+                <a:lumMod val="50000"/>
+              </a:schemeClr>
+            </a:solidFill>
+            <a:ln w="6350">
+              <a:solidFill>
+                <a:schemeClr val="tx1"/>
+              </a:solidFill>
+            </a:ln>
+          </p:spPr>
+          <p:style>
+            <a:lnRef idx="2">
+              <a:schemeClr val="accent1">
+                <a:shade val="50000"/>
+              </a:schemeClr>
+            </a:lnRef>
+            <a:fillRef idx="1">
+              <a:schemeClr val="accent1"/>
+            </a:fillRef>
+            <a:effectRef idx="0">
+              <a:schemeClr val="accent1"/>
+            </a:effectRef>
+            <a:fontRef idx="minor">
+              <a:schemeClr val="lt1"/>
+            </a:fontRef>
+          </p:style>
+          <p:txBody>
+            <a:bodyPr rtlCol="0" anchor="ctr"/>
+            <a:lstStyle/>
+            <a:p>
+              <a:pPr algn="ctr"/>
+              <a:endParaRPr lang="zh-CN" altLang="en-US" dirty="0"/>
+            </a:p>
+          </p:txBody>
+        </p:sp>
+        <p:grpSp>
+          <p:nvGrpSpPr>
+            <p:cNvPr id="88" name="组合 87">
+              <a:extLst>
+                <a:ext uri="{FF2B5EF4-FFF2-40B4-BE49-F238E27FC236}">
+                  <a16:creationId xmlns:a16="http://schemas.microsoft.com/office/drawing/2014/main" id="{9B94DE0A-3507-40C7-8A54-0A751C03D688}"/>
+                </a:ext>
+              </a:extLst>
+            </p:cNvPr>
+            <p:cNvGrpSpPr/>
+            <p:nvPr/>
+          </p:nvGrpSpPr>
+          <p:grpSpPr>
+            <a:xfrm>
+              <a:off x="2082372" y="1090946"/>
+              <a:ext cx="180000" cy="450000"/>
+              <a:chOff x="2368978" y="915146"/>
+              <a:chExt cx="180000" cy="450000"/>
+            </a:xfrm>
+          </p:grpSpPr>
+          <p:sp>
+            <p:nvSpPr>
+              <p:cNvPr id="89" name="矩形 88">
+                <a:extLst>
+                  <a:ext uri="{FF2B5EF4-FFF2-40B4-BE49-F238E27FC236}">
+                    <a16:creationId xmlns:a16="http://schemas.microsoft.com/office/drawing/2014/main" id="{0B457D6E-7E71-4934-A016-F9A2871F4A89}"/>
+                  </a:ext>
+                </a:extLst>
+              </p:cNvPr>
+              <p:cNvSpPr/>
+              <p:nvPr/>
+            </p:nvSpPr>
+            <p:spPr>
+              <a:xfrm>
+                <a:off x="2368978" y="915146"/>
+                <a:ext cx="180000" cy="90000"/>
+              </a:xfrm>
+              <a:prstGeom prst="rect">
+                <a:avLst/>
+              </a:prstGeom>
+              <a:solidFill>
+                <a:schemeClr val="bg1">
+                  <a:lumMod val="50000"/>
+                </a:schemeClr>
+              </a:solidFill>
+              <a:ln w="6350">
+                <a:solidFill>
+                  <a:schemeClr val="tx1"/>
+                </a:solidFill>
+              </a:ln>
+            </p:spPr>
+            <p:style>
+              <a:lnRef idx="2">
+                <a:schemeClr val="accent1">
+                  <a:shade val="50000"/>
+                </a:schemeClr>
+              </a:lnRef>
+              <a:fillRef idx="1">
+                <a:schemeClr val="accent1"/>
+              </a:fillRef>
+              <a:effectRef idx="0">
+                <a:schemeClr val="accent1"/>
+              </a:effectRef>
+              <a:fontRef idx="minor">
+                <a:schemeClr val="lt1"/>
+              </a:fontRef>
+            </p:style>
+            <p:txBody>
+              <a:bodyPr rtlCol="0" anchor="ctr"/>
+              <a:lstStyle/>
+              <a:p>
+                <a:pPr algn="ctr"/>
+                <a:endParaRPr lang="zh-CN" altLang="en-US" dirty="0"/>
+              </a:p>
+            </p:txBody>
+          </p:sp>
+          <p:sp>
+            <p:nvSpPr>
+              <p:cNvPr id="90" name="矩形 89">
+                <a:extLst>
+                  <a:ext uri="{FF2B5EF4-FFF2-40B4-BE49-F238E27FC236}">
+                    <a16:creationId xmlns:a16="http://schemas.microsoft.com/office/drawing/2014/main" id="{694CA1FA-4270-4A26-918B-9349F3D18F90}"/>
+                  </a:ext>
+                </a:extLst>
+              </p:cNvPr>
+              <p:cNvSpPr/>
+              <p:nvPr/>
+            </p:nvSpPr>
+            <p:spPr>
+              <a:xfrm>
+                <a:off x="2368978" y="1005146"/>
+                <a:ext cx="180000" cy="90000"/>
+              </a:xfrm>
+              <a:prstGeom prst="rect">
+                <a:avLst/>
+              </a:prstGeom>
+              <a:solidFill>
+                <a:schemeClr val="bg1">
+                  <a:lumMod val="50000"/>
+                </a:schemeClr>
+              </a:solidFill>
+              <a:ln w="6350">
+                <a:solidFill>
+                  <a:schemeClr val="tx1"/>
+                </a:solidFill>
+              </a:ln>
+            </p:spPr>
+            <p:style>
+              <a:lnRef idx="2">
+                <a:schemeClr val="accent1">
+                  <a:shade val="50000"/>
+                </a:schemeClr>
+              </a:lnRef>
+              <a:fillRef idx="1">
+                <a:schemeClr val="accent1"/>
+              </a:fillRef>
+              <a:effectRef idx="0">
+                <a:schemeClr val="accent1"/>
+              </a:effectRef>
+              <a:fontRef idx="minor">
+                <a:schemeClr val="lt1"/>
+              </a:fontRef>
+            </p:style>
+            <p:txBody>
+              <a:bodyPr rtlCol="0" anchor="ctr"/>
+              <a:lstStyle/>
+              <a:p>
+                <a:pPr algn="ctr"/>
+                <a:endParaRPr lang="zh-CN" altLang="en-US" dirty="0"/>
+              </a:p>
+            </p:txBody>
+          </p:sp>
+          <p:sp>
+            <p:nvSpPr>
+              <p:cNvPr id="91" name="矩形 90">
+                <a:extLst>
+                  <a:ext uri="{FF2B5EF4-FFF2-40B4-BE49-F238E27FC236}">
+                    <a16:creationId xmlns:a16="http://schemas.microsoft.com/office/drawing/2014/main" id="{7C30B040-26E1-458C-A16A-6487EFC712D1}"/>
+                  </a:ext>
+                </a:extLst>
+              </p:cNvPr>
+              <p:cNvSpPr/>
+              <p:nvPr/>
+            </p:nvSpPr>
+            <p:spPr>
+              <a:xfrm>
+                <a:off x="2368978" y="1095146"/>
+                <a:ext cx="180000" cy="90000"/>
+              </a:xfrm>
+              <a:prstGeom prst="rect">
+                <a:avLst/>
+              </a:prstGeom>
+              <a:solidFill>
+                <a:schemeClr val="bg1">
+                  <a:lumMod val="50000"/>
+                </a:schemeClr>
+              </a:solidFill>
+              <a:ln w="6350">
+                <a:solidFill>
+                  <a:schemeClr val="tx1"/>
+                </a:solidFill>
+              </a:ln>
+            </p:spPr>
+            <p:style>
+              <a:lnRef idx="2">
+                <a:schemeClr val="accent1">
+                  <a:shade val="50000"/>
+                </a:schemeClr>
+              </a:lnRef>
+              <a:fillRef idx="1">
+                <a:schemeClr val="accent1"/>
+              </a:fillRef>
+              <a:effectRef idx="0">
+                <a:schemeClr val="accent1"/>
+              </a:effectRef>
+              <a:fontRef idx="minor">
+                <a:schemeClr val="lt1"/>
+              </a:fontRef>
+            </p:style>
+            <p:txBody>
+              <a:bodyPr rtlCol="0" anchor="ctr"/>
+              <a:lstStyle/>
+              <a:p>
+                <a:pPr algn="ctr"/>
+                <a:endParaRPr lang="zh-CN" altLang="en-US" dirty="0"/>
+              </a:p>
+            </p:txBody>
+          </p:sp>
+          <p:sp>
+            <p:nvSpPr>
+              <p:cNvPr id="92" name="矩形 91">
+                <a:extLst>
+                  <a:ext uri="{FF2B5EF4-FFF2-40B4-BE49-F238E27FC236}">
+                    <a16:creationId xmlns:a16="http://schemas.microsoft.com/office/drawing/2014/main" id="{4CB2A564-964D-4CF4-8172-89A6448A1664}"/>
+                  </a:ext>
+                </a:extLst>
+              </p:cNvPr>
+              <p:cNvSpPr/>
+              <p:nvPr/>
+            </p:nvSpPr>
+            <p:spPr>
+              <a:xfrm>
+                <a:off x="2368978" y="1185146"/>
+                <a:ext cx="180000" cy="90000"/>
+              </a:xfrm>
+              <a:prstGeom prst="rect">
+                <a:avLst/>
+              </a:prstGeom>
+              <a:solidFill>
+                <a:schemeClr val="bg1">
+                  <a:lumMod val="50000"/>
+                </a:schemeClr>
+              </a:solidFill>
+              <a:ln w="6350">
+                <a:solidFill>
+                  <a:schemeClr val="tx1"/>
+                </a:solidFill>
+              </a:ln>
+            </p:spPr>
+            <p:style>
+              <a:lnRef idx="2">
+                <a:schemeClr val="accent1">
+                  <a:shade val="50000"/>
+                </a:schemeClr>
+              </a:lnRef>
+              <a:fillRef idx="1">
+                <a:schemeClr val="accent1"/>
+              </a:fillRef>
+              <a:effectRef idx="0">
+                <a:schemeClr val="accent1"/>
+              </a:effectRef>
+              <a:fontRef idx="minor">
+                <a:schemeClr val="lt1"/>
+              </a:fontRef>
+            </p:style>
+            <p:txBody>
+              <a:bodyPr rtlCol="0" anchor="ctr"/>
+              <a:lstStyle/>
+              <a:p>
+                <a:pPr algn="ctr"/>
+                <a:endParaRPr lang="zh-CN" altLang="en-US" dirty="0"/>
+              </a:p>
+            </p:txBody>
+          </p:sp>
+          <p:sp>
+            <p:nvSpPr>
+              <p:cNvPr id="93" name="矩形 92">
+                <a:extLst>
+                  <a:ext uri="{FF2B5EF4-FFF2-40B4-BE49-F238E27FC236}">
+                    <a16:creationId xmlns:a16="http://schemas.microsoft.com/office/drawing/2014/main" id="{B01C4D3C-9B3D-4B3A-9B73-4048A4F7BC8B}"/>
+                  </a:ext>
+                </a:extLst>
+              </p:cNvPr>
+              <p:cNvSpPr/>
+              <p:nvPr/>
+            </p:nvSpPr>
+            <p:spPr>
+              <a:xfrm>
+                <a:off x="2368978" y="1275146"/>
+                <a:ext cx="180000" cy="90000"/>
+              </a:xfrm>
+              <a:prstGeom prst="rect">
+                <a:avLst/>
+              </a:prstGeom>
+              <a:solidFill>
+                <a:schemeClr val="bg1">
+                  <a:lumMod val="50000"/>
+                </a:schemeClr>
+              </a:solidFill>
+              <a:ln w="6350">
+                <a:solidFill>
+                  <a:schemeClr val="tx1"/>
+                </a:solidFill>
+              </a:ln>
+            </p:spPr>
+            <p:style>
+              <a:lnRef idx="2">
+                <a:schemeClr val="accent1">
+                  <a:shade val="50000"/>
+                </a:schemeClr>
+              </a:lnRef>
+              <a:fillRef idx="1">
+                <a:schemeClr val="accent1"/>
+              </a:fillRef>
+              <a:effectRef idx="0">
+                <a:schemeClr val="accent1"/>
+              </a:effectRef>
+              <a:fontRef idx="minor">
+                <a:schemeClr val="lt1"/>
+              </a:fontRef>
+            </p:style>
+            <p:txBody>
+              <a:bodyPr rtlCol="0" anchor="ctr"/>
+              <a:lstStyle/>
+              <a:p>
+                <a:pPr algn="ctr"/>
+                <a:endParaRPr lang="zh-CN" altLang="en-US" dirty="0"/>
+              </a:p>
+            </p:txBody>
+          </p:sp>
+        </p:grpSp>
+        <p:grpSp>
+          <p:nvGrpSpPr>
+            <p:cNvPr id="94" name="组合 93">
+              <a:extLst>
+                <a:ext uri="{FF2B5EF4-FFF2-40B4-BE49-F238E27FC236}">
+                  <a16:creationId xmlns:a16="http://schemas.microsoft.com/office/drawing/2014/main" id="{0CD2D817-2B1A-4CCA-9BC4-0D6FD504112D}"/>
+                </a:ext>
+              </a:extLst>
+            </p:cNvPr>
+            <p:cNvGrpSpPr/>
+            <p:nvPr/>
+          </p:nvGrpSpPr>
+          <p:grpSpPr>
+            <a:xfrm>
+              <a:off x="1542372" y="1090946"/>
+              <a:ext cx="180000" cy="450000"/>
+              <a:chOff x="2368978" y="915146"/>
+              <a:chExt cx="180000" cy="450000"/>
+            </a:xfrm>
+          </p:grpSpPr>
+          <p:sp>
+            <p:nvSpPr>
+              <p:cNvPr id="95" name="矩形 94">
+                <a:extLst>
+                  <a:ext uri="{FF2B5EF4-FFF2-40B4-BE49-F238E27FC236}">
+                    <a16:creationId xmlns:a16="http://schemas.microsoft.com/office/drawing/2014/main" id="{81792740-C8F3-4C60-8949-CBEA73F378F8}"/>
+                  </a:ext>
+                </a:extLst>
+              </p:cNvPr>
+              <p:cNvSpPr/>
+              <p:nvPr/>
+            </p:nvSpPr>
+            <p:spPr>
+              <a:xfrm>
+                <a:off x="2368978" y="915146"/>
+                <a:ext cx="180000" cy="90000"/>
+              </a:xfrm>
+              <a:prstGeom prst="rect">
+                <a:avLst/>
+              </a:prstGeom>
+              <a:solidFill>
+                <a:schemeClr val="bg1">
+                  <a:lumMod val="50000"/>
+                </a:schemeClr>
+              </a:solidFill>
+              <a:ln w="6350">
+                <a:solidFill>
+                  <a:schemeClr val="tx1"/>
+                </a:solidFill>
+              </a:ln>
+            </p:spPr>
+            <p:style>
+              <a:lnRef idx="2">
+                <a:schemeClr val="accent1">
+                  <a:shade val="50000"/>
+                </a:schemeClr>
+              </a:lnRef>
+              <a:fillRef idx="1">
+                <a:schemeClr val="accent1"/>
+              </a:fillRef>
+              <a:effectRef idx="0">
+                <a:schemeClr val="accent1"/>
+              </a:effectRef>
+              <a:fontRef idx="minor">
+                <a:schemeClr val="lt1"/>
+              </a:fontRef>
+            </p:style>
+            <p:txBody>
+              <a:bodyPr rtlCol="0" anchor="ctr"/>
+              <a:lstStyle/>
+              <a:p>
+                <a:pPr algn="ctr"/>
+                <a:endParaRPr lang="zh-CN" altLang="en-US" dirty="0"/>
+              </a:p>
+            </p:txBody>
+          </p:sp>
+          <p:sp>
+            <p:nvSpPr>
+              <p:cNvPr id="96" name="矩形 95">
+                <a:extLst>
+                  <a:ext uri="{FF2B5EF4-FFF2-40B4-BE49-F238E27FC236}">
+                    <a16:creationId xmlns:a16="http://schemas.microsoft.com/office/drawing/2014/main" id="{A1E1E66E-9DF1-447E-9967-4AC05561D782}"/>
+                  </a:ext>
+                </a:extLst>
+              </p:cNvPr>
+              <p:cNvSpPr/>
+              <p:nvPr/>
+            </p:nvSpPr>
+            <p:spPr>
+              <a:xfrm>
+                <a:off x="2368978" y="1005146"/>
+                <a:ext cx="180000" cy="90000"/>
+              </a:xfrm>
+              <a:prstGeom prst="rect">
+                <a:avLst/>
+              </a:prstGeom>
+              <a:solidFill>
+                <a:schemeClr val="bg1">
+                  <a:lumMod val="50000"/>
+                </a:schemeClr>
+              </a:solidFill>
+              <a:ln w="6350">
+                <a:solidFill>
+                  <a:schemeClr val="tx1"/>
+                </a:solidFill>
+              </a:ln>
+            </p:spPr>
+            <p:style>
+              <a:lnRef idx="2">
+                <a:schemeClr val="accent1">
+                  <a:shade val="50000"/>
+                </a:schemeClr>
+              </a:lnRef>
+              <a:fillRef idx="1">
+                <a:schemeClr val="accent1"/>
+              </a:fillRef>
+              <a:effectRef idx="0">
+                <a:schemeClr val="accent1"/>
+              </a:effectRef>
+              <a:fontRef idx="minor">
+                <a:schemeClr val="lt1"/>
+              </a:fontRef>
+            </p:style>
+            <p:txBody>
+              <a:bodyPr rtlCol="0" anchor="ctr"/>
+              <a:lstStyle/>
+              <a:p>
+                <a:pPr algn="ctr"/>
+                <a:endParaRPr lang="zh-CN" altLang="en-US" dirty="0"/>
+              </a:p>
+            </p:txBody>
+          </p:sp>
+          <p:sp>
+            <p:nvSpPr>
+              <p:cNvPr id="97" name="矩形 96">
+                <a:extLst>
+                  <a:ext uri="{FF2B5EF4-FFF2-40B4-BE49-F238E27FC236}">
+                    <a16:creationId xmlns:a16="http://schemas.microsoft.com/office/drawing/2014/main" id="{6FBFE03C-28B8-4526-AD8B-4022BD257512}"/>
+                  </a:ext>
+                </a:extLst>
+              </p:cNvPr>
+              <p:cNvSpPr/>
+              <p:nvPr/>
+            </p:nvSpPr>
+            <p:spPr>
+              <a:xfrm>
+                <a:off x="2368978" y="1095146"/>
+                <a:ext cx="180000" cy="90000"/>
+              </a:xfrm>
+              <a:prstGeom prst="rect">
+                <a:avLst/>
+              </a:prstGeom>
+              <a:solidFill>
+                <a:schemeClr val="bg1">
+                  <a:lumMod val="50000"/>
+                </a:schemeClr>
+              </a:solidFill>
+              <a:ln w="6350">
+                <a:solidFill>
+                  <a:schemeClr val="tx1"/>
+                </a:solidFill>
+              </a:ln>
+            </p:spPr>
+            <p:style>
+              <a:lnRef idx="2">
+                <a:schemeClr val="accent1">
+                  <a:shade val="50000"/>
+                </a:schemeClr>
+              </a:lnRef>
+              <a:fillRef idx="1">
+                <a:schemeClr val="accent1"/>
+              </a:fillRef>
+              <a:effectRef idx="0">
+                <a:schemeClr val="accent1"/>
+              </a:effectRef>
+              <a:fontRef idx="minor">
+                <a:schemeClr val="lt1"/>
+              </a:fontRef>
+            </p:style>
+            <p:txBody>
+              <a:bodyPr rtlCol="0" anchor="ctr"/>
+              <a:lstStyle/>
+              <a:p>
+                <a:pPr algn="ctr"/>
+                <a:endParaRPr lang="zh-CN" altLang="en-US" dirty="0"/>
+              </a:p>
+            </p:txBody>
+          </p:sp>
+          <p:sp>
+            <p:nvSpPr>
+              <p:cNvPr id="98" name="矩形 97">
+                <a:extLst>
+                  <a:ext uri="{FF2B5EF4-FFF2-40B4-BE49-F238E27FC236}">
+                    <a16:creationId xmlns:a16="http://schemas.microsoft.com/office/drawing/2014/main" id="{95628B1B-326E-4D79-B936-04E29EDC16F5}"/>
+                  </a:ext>
+                </a:extLst>
+              </p:cNvPr>
+              <p:cNvSpPr/>
+              <p:nvPr/>
+            </p:nvSpPr>
+            <p:spPr>
+              <a:xfrm>
+                <a:off x="2368978" y="1185146"/>
+                <a:ext cx="180000" cy="90000"/>
+              </a:xfrm>
+              <a:prstGeom prst="rect">
+                <a:avLst/>
+              </a:prstGeom>
+              <a:solidFill>
+                <a:schemeClr val="bg1">
+                  <a:lumMod val="50000"/>
+                </a:schemeClr>
+              </a:solidFill>
+              <a:ln w="6350">
+                <a:solidFill>
+                  <a:schemeClr val="tx1"/>
+                </a:solidFill>
+              </a:ln>
+            </p:spPr>
+            <p:style>
+              <a:lnRef idx="2">
+                <a:schemeClr val="accent1">
+                  <a:shade val="50000"/>
+                </a:schemeClr>
+              </a:lnRef>
+              <a:fillRef idx="1">
+                <a:schemeClr val="accent1"/>
+              </a:fillRef>
+              <a:effectRef idx="0">
+                <a:schemeClr val="accent1"/>
+              </a:effectRef>
+              <a:fontRef idx="minor">
+                <a:schemeClr val="lt1"/>
+              </a:fontRef>
+            </p:style>
+            <p:txBody>
+              <a:bodyPr rtlCol="0" anchor="ctr"/>
+              <a:lstStyle/>
+              <a:p>
+                <a:pPr algn="ctr"/>
+                <a:endParaRPr lang="zh-CN" altLang="en-US" dirty="0"/>
+              </a:p>
+            </p:txBody>
+          </p:sp>
+          <p:sp>
+            <p:nvSpPr>
+              <p:cNvPr id="99" name="矩形 98">
+                <a:extLst>
+                  <a:ext uri="{FF2B5EF4-FFF2-40B4-BE49-F238E27FC236}">
+                    <a16:creationId xmlns:a16="http://schemas.microsoft.com/office/drawing/2014/main" id="{4C80DB14-EF32-4A61-A2AD-2D8B2063310C}"/>
+                  </a:ext>
+                </a:extLst>
+              </p:cNvPr>
+              <p:cNvSpPr/>
+              <p:nvPr/>
+            </p:nvSpPr>
+            <p:spPr>
+              <a:xfrm>
+                <a:off x="2368978" y="1275146"/>
+                <a:ext cx="180000" cy="90000"/>
+              </a:xfrm>
+              <a:prstGeom prst="rect">
+                <a:avLst/>
+              </a:prstGeom>
+              <a:solidFill>
+                <a:schemeClr val="bg1">
+                  <a:lumMod val="50000"/>
+                </a:schemeClr>
+              </a:solidFill>
+              <a:ln w="6350">
+                <a:solidFill>
+                  <a:schemeClr val="tx1"/>
+                </a:solidFill>
+              </a:ln>
+            </p:spPr>
+            <p:style>
+              <a:lnRef idx="2">
+                <a:schemeClr val="accent1">
+                  <a:shade val="50000"/>
+                </a:schemeClr>
+              </a:lnRef>
+              <a:fillRef idx="1">
+                <a:schemeClr val="accent1"/>
+              </a:fillRef>
+              <a:effectRef idx="0">
+                <a:schemeClr val="accent1"/>
+              </a:effectRef>
+              <a:fontRef idx="minor">
+                <a:schemeClr val="lt1"/>
+              </a:fontRef>
+            </p:style>
+            <p:txBody>
+              <a:bodyPr rtlCol="0" anchor="ctr"/>
+              <a:lstStyle/>
+              <a:p>
+                <a:pPr algn="ctr"/>
+                <a:endParaRPr lang="zh-CN" altLang="en-US" dirty="0"/>
+              </a:p>
+            </p:txBody>
+          </p:sp>
+        </p:grpSp>
+      </p:grpSp>
+      <p:grpSp>
+        <p:nvGrpSpPr>
+          <p:cNvPr id="118" name="组合 117">
+            <a:extLst>
+              <a:ext uri="{FF2B5EF4-FFF2-40B4-BE49-F238E27FC236}">
+                <a16:creationId xmlns:a16="http://schemas.microsoft.com/office/drawing/2014/main" id="{970D7BE8-7936-4F1E-A7BE-817E5DBFFE1E}"/>
+              </a:ext>
+            </a:extLst>
+          </p:cNvPr>
+          <p:cNvGrpSpPr/>
+          <p:nvPr/>
+        </p:nvGrpSpPr>
+        <p:grpSpPr>
+          <a:xfrm>
+            <a:off x="1594404" y="887891"/>
+            <a:ext cx="382189" cy="367303"/>
+            <a:chOff x="2442372" y="894169"/>
+            <a:chExt cx="720000" cy="720000"/>
+          </a:xfrm>
+        </p:grpSpPr>
+        <p:sp>
+          <p:nvSpPr>
+            <p:cNvPr id="101" name="矩形: 圆角 100">
+              <a:extLst>
+                <a:ext uri="{FF2B5EF4-FFF2-40B4-BE49-F238E27FC236}">
+                  <a16:creationId xmlns:a16="http://schemas.microsoft.com/office/drawing/2014/main" id="{544A7E71-C715-4CB1-8C2D-0B1B382A9B77}"/>
+                </a:ext>
+              </a:extLst>
+            </p:cNvPr>
+            <p:cNvSpPr/>
+            <p:nvPr/>
+          </p:nvSpPr>
+          <p:spPr>
+            <a:xfrm>
+              <a:off x="2622372" y="1164169"/>
+              <a:ext cx="360000" cy="360000"/>
+            </a:xfrm>
+            <a:prstGeom prst="roundRect">
+              <a:avLst/>
+            </a:prstGeom>
+            <a:solidFill>
+              <a:schemeClr val="accent1"/>
+            </a:solidFill>
+            <a:ln w="6350">
+              <a:solidFill>
+                <a:schemeClr val="tx1"/>
+              </a:solidFill>
+            </a:ln>
+          </p:spPr>
+          <p:style>
+            <a:lnRef idx="2">
+              <a:schemeClr val="accent1">
+                <a:shade val="50000"/>
+              </a:schemeClr>
+            </a:lnRef>
+            <a:fillRef idx="1">
+              <a:schemeClr val="accent1"/>
+            </a:fillRef>
+            <a:effectRef idx="0">
+              <a:schemeClr val="accent1"/>
+            </a:effectRef>
+            <a:fontRef idx="minor">
+              <a:schemeClr val="lt1"/>
+            </a:fontRef>
+          </p:style>
+          <p:txBody>
+            <a:bodyPr rtlCol="0" anchor="ctr"/>
+            <a:lstStyle/>
+            <a:p>
+              <a:pPr algn="ctr"/>
+              <a:endParaRPr lang="zh-CN" altLang="en-US" dirty="0"/>
+            </a:p>
+          </p:txBody>
+        </p:sp>
+        <p:sp>
+          <p:nvSpPr>
+            <p:cNvPr id="102" name="矩形 101">
+              <a:extLst>
+                <a:ext uri="{FF2B5EF4-FFF2-40B4-BE49-F238E27FC236}">
+                  <a16:creationId xmlns:a16="http://schemas.microsoft.com/office/drawing/2014/main" id="{AA4279E4-FC37-4333-A284-5B770730038B}"/>
+                </a:ext>
+              </a:extLst>
+            </p:cNvPr>
+            <p:cNvSpPr/>
+            <p:nvPr/>
+          </p:nvSpPr>
+          <p:spPr>
+            <a:xfrm>
+              <a:off x="2982372" y="1074169"/>
+              <a:ext cx="180000" cy="540000"/>
+            </a:xfrm>
+            <a:prstGeom prst="rect">
+              <a:avLst/>
+            </a:prstGeom>
+            <a:solidFill>
+              <a:schemeClr val="bg1">
+                <a:lumMod val="50000"/>
+              </a:schemeClr>
+            </a:solidFill>
+            <a:ln w="6350">
+              <a:solidFill>
+                <a:schemeClr val="tx1"/>
+              </a:solidFill>
+            </a:ln>
+          </p:spPr>
+          <p:style>
+            <a:lnRef idx="2">
+              <a:schemeClr val="accent1">
+                <a:shade val="50000"/>
+              </a:schemeClr>
+            </a:lnRef>
+            <a:fillRef idx="1">
+              <a:schemeClr val="accent1"/>
+            </a:fillRef>
+            <a:effectRef idx="0">
+              <a:schemeClr val="accent1"/>
+            </a:effectRef>
+            <a:fontRef idx="minor">
+              <a:schemeClr val="lt1"/>
+            </a:fontRef>
+          </p:style>
+          <p:txBody>
+            <a:bodyPr rtlCol="0" anchor="ctr"/>
+            <a:lstStyle/>
+            <a:p>
+              <a:pPr algn="ctr"/>
+              <a:endParaRPr lang="zh-CN" altLang="en-US" dirty="0"/>
+            </a:p>
+          </p:txBody>
+        </p:sp>
+        <p:sp>
+          <p:nvSpPr>
+            <p:cNvPr id="103" name="矩形 102">
+              <a:extLst>
+                <a:ext uri="{FF2B5EF4-FFF2-40B4-BE49-F238E27FC236}">
+                  <a16:creationId xmlns:a16="http://schemas.microsoft.com/office/drawing/2014/main" id="{767FB793-1A09-458C-A3ED-7673C4FEE7DD}"/>
+                </a:ext>
+              </a:extLst>
+            </p:cNvPr>
+            <p:cNvSpPr/>
+            <p:nvPr/>
+          </p:nvSpPr>
+          <p:spPr>
+            <a:xfrm>
+              <a:off x="2766372" y="894169"/>
+              <a:ext cx="72000" cy="450000"/>
+            </a:xfrm>
+            <a:prstGeom prst="rect">
+              <a:avLst/>
+            </a:prstGeom>
+            <a:solidFill>
+              <a:schemeClr val="accent3">
+                <a:lumMod val="50000"/>
+              </a:schemeClr>
+            </a:solidFill>
+            <a:ln w="6350">
+              <a:solidFill>
+                <a:schemeClr val="tx1"/>
+              </a:solidFill>
+            </a:ln>
+          </p:spPr>
+          <p:style>
+            <a:lnRef idx="2">
+              <a:schemeClr val="accent1">
+                <a:shade val="50000"/>
+              </a:schemeClr>
+            </a:lnRef>
+            <a:fillRef idx="1">
+              <a:schemeClr val="accent1"/>
+            </a:fillRef>
+            <a:effectRef idx="0">
+              <a:schemeClr val="accent1"/>
+            </a:effectRef>
+            <a:fontRef idx="minor">
+              <a:schemeClr val="lt1"/>
+            </a:fontRef>
+          </p:style>
+          <p:txBody>
+            <a:bodyPr rtlCol="0" anchor="ctr"/>
+            <a:lstStyle/>
+            <a:p>
+              <a:pPr algn="ctr"/>
+              <a:endParaRPr lang="zh-CN" altLang="en-US" dirty="0"/>
+            </a:p>
+          </p:txBody>
+        </p:sp>
+        <p:sp>
+          <p:nvSpPr>
+            <p:cNvPr id="104" name="椭圆 103">
+              <a:extLst>
+                <a:ext uri="{FF2B5EF4-FFF2-40B4-BE49-F238E27FC236}">
+                  <a16:creationId xmlns:a16="http://schemas.microsoft.com/office/drawing/2014/main" id="{9C3C1653-40A0-4A4C-869D-BD3DEA48366D}"/>
+                </a:ext>
+              </a:extLst>
+            </p:cNvPr>
+            <p:cNvSpPr/>
+            <p:nvPr/>
+          </p:nvSpPr>
+          <p:spPr>
+            <a:xfrm>
+              <a:off x="2694372" y="1236169"/>
+              <a:ext cx="216000" cy="216000"/>
+            </a:xfrm>
+            <a:prstGeom prst="ellipse">
+              <a:avLst/>
+            </a:prstGeom>
+            <a:solidFill>
+              <a:schemeClr val="accent3">
+                <a:lumMod val="50000"/>
+              </a:schemeClr>
+            </a:solidFill>
+            <a:ln w="6350">
+              <a:solidFill>
+                <a:schemeClr val="tx1"/>
+              </a:solidFill>
+            </a:ln>
+          </p:spPr>
+          <p:style>
+            <a:lnRef idx="1">
+              <a:schemeClr val="dk1"/>
+            </a:lnRef>
+            <a:fillRef idx="2">
+              <a:schemeClr val="dk1"/>
+            </a:fillRef>
+            <a:effectRef idx="1">
+              <a:schemeClr val="dk1"/>
+            </a:effectRef>
+            <a:fontRef idx="minor">
+              <a:schemeClr val="dk1"/>
+            </a:fontRef>
+          </p:style>
+          <p:txBody>
+            <a:bodyPr rtlCol="0" anchor="ctr"/>
+            <a:lstStyle/>
+            <a:p>
+              <a:pPr algn="ctr"/>
+              <a:endParaRPr lang="zh-CN" altLang="en-US">
+                <a:ln>
+                  <a:solidFill>
+                    <a:sysClr val="windowText" lastClr="000000"/>
+                  </a:solidFill>
+                </a:ln>
+              </a:endParaRPr>
+            </a:p>
+          </p:txBody>
+        </p:sp>
+        <p:sp>
+          <p:nvSpPr>
+            <p:cNvPr id="105" name="矩形 104">
+              <a:extLst>
+                <a:ext uri="{FF2B5EF4-FFF2-40B4-BE49-F238E27FC236}">
+                  <a16:creationId xmlns:a16="http://schemas.microsoft.com/office/drawing/2014/main" id="{FD1159D1-6628-4CCB-8AA4-4144F7CEB484}"/>
+                </a:ext>
+              </a:extLst>
+            </p:cNvPr>
+            <p:cNvSpPr/>
+            <p:nvPr/>
+          </p:nvSpPr>
+          <p:spPr>
+            <a:xfrm>
+              <a:off x="2442372" y="1074169"/>
+              <a:ext cx="180000" cy="540000"/>
+            </a:xfrm>
+            <a:prstGeom prst="rect">
+              <a:avLst/>
+            </a:prstGeom>
+            <a:solidFill>
+              <a:schemeClr val="bg1">
+                <a:lumMod val="50000"/>
+              </a:schemeClr>
+            </a:solidFill>
+            <a:ln w="6350">
+              <a:solidFill>
+                <a:schemeClr val="tx1"/>
+              </a:solidFill>
+            </a:ln>
+          </p:spPr>
+          <p:style>
+            <a:lnRef idx="2">
+              <a:schemeClr val="accent1">
+                <a:shade val="50000"/>
+              </a:schemeClr>
+            </a:lnRef>
+            <a:fillRef idx="1">
+              <a:schemeClr val="accent1"/>
+            </a:fillRef>
+            <a:effectRef idx="0">
+              <a:schemeClr val="accent1"/>
+            </a:effectRef>
+            <a:fontRef idx="minor">
+              <a:schemeClr val="lt1"/>
+            </a:fontRef>
+          </p:style>
+          <p:txBody>
+            <a:bodyPr rtlCol="0" anchor="ctr"/>
+            <a:lstStyle/>
+            <a:p>
+              <a:pPr algn="ctr"/>
+              <a:endParaRPr lang="zh-CN" altLang="en-US" dirty="0"/>
+            </a:p>
+          </p:txBody>
+        </p:sp>
+        <p:grpSp>
+          <p:nvGrpSpPr>
+            <p:cNvPr id="106" name="组合 105">
+              <a:extLst>
+                <a:ext uri="{FF2B5EF4-FFF2-40B4-BE49-F238E27FC236}">
+                  <a16:creationId xmlns:a16="http://schemas.microsoft.com/office/drawing/2014/main" id="{CCABBECD-E43E-4D43-9E7D-CA8B1F2CB2FE}"/>
+                </a:ext>
+              </a:extLst>
+            </p:cNvPr>
+            <p:cNvGrpSpPr/>
+            <p:nvPr/>
+          </p:nvGrpSpPr>
+          <p:grpSpPr>
+            <a:xfrm>
+              <a:off x="2982372" y="1110169"/>
+              <a:ext cx="180000" cy="450000"/>
+              <a:chOff x="2368978" y="915146"/>
+              <a:chExt cx="180000" cy="450000"/>
+            </a:xfrm>
+          </p:grpSpPr>
+          <p:sp>
+            <p:nvSpPr>
+              <p:cNvPr id="107" name="矩形 106">
+                <a:extLst>
+                  <a:ext uri="{FF2B5EF4-FFF2-40B4-BE49-F238E27FC236}">
+                    <a16:creationId xmlns:a16="http://schemas.microsoft.com/office/drawing/2014/main" id="{855660AC-D53C-4767-B705-764DC8A8294B}"/>
+                  </a:ext>
+                </a:extLst>
+              </p:cNvPr>
+              <p:cNvSpPr/>
+              <p:nvPr/>
+            </p:nvSpPr>
+            <p:spPr>
+              <a:xfrm>
+                <a:off x="2368978" y="915146"/>
+                <a:ext cx="180000" cy="90000"/>
+              </a:xfrm>
+              <a:prstGeom prst="rect">
+                <a:avLst/>
+              </a:prstGeom>
+              <a:solidFill>
+                <a:schemeClr val="bg1">
+                  <a:lumMod val="50000"/>
+                </a:schemeClr>
+              </a:solidFill>
+              <a:ln w="6350">
+                <a:solidFill>
+                  <a:schemeClr val="tx1"/>
+                </a:solidFill>
+              </a:ln>
+            </p:spPr>
+            <p:style>
+              <a:lnRef idx="2">
+                <a:schemeClr val="accent1">
+                  <a:shade val="50000"/>
+                </a:schemeClr>
+              </a:lnRef>
+              <a:fillRef idx="1">
+                <a:schemeClr val="accent1"/>
+              </a:fillRef>
+              <a:effectRef idx="0">
+                <a:schemeClr val="accent1"/>
+              </a:effectRef>
+              <a:fontRef idx="minor">
+                <a:schemeClr val="lt1"/>
+              </a:fontRef>
+            </p:style>
+            <p:txBody>
+              <a:bodyPr rtlCol="0" anchor="ctr"/>
+              <a:lstStyle/>
+              <a:p>
+                <a:pPr algn="ctr"/>
+                <a:endParaRPr lang="zh-CN" altLang="en-US" dirty="0"/>
+              </a:p>
+            </p:txBody>
+          </p:sp>
+          <p:sp>
+            <p:nvSpPr>
+              <p:cNvPr id="108" name="矩形 107">
+                <a:extLst>
+                  <a:ext uri="{FF2B5EF4-FFF2-40B4-BE49-F238E27FC236}">
+                    <a16:creationId xmlns:a16="http://schemas.microsoft.com/office/drawing/2014/main" id="{17724CA0-59FC-4E0E-852E-23BCD28FA809}"/>
+                  </a:ext>
+                </a:extLst>
+              </p:cNvPr>
+              <p:cNvSpPr/>
+              <p:nvPr/>
+            </p:nvSpPr>
+            <p:spPr>
+              <a:xfrm>
+                <a:off x="2368978" y="1005146"/>
+                <a:ext cx="180000" cy="90000"/>
+              </a:xfrm>
+              <a:prstGeom prst="rect">
+                <a:avLst/>
+              </a:prstGeom>
+              <a:solidFill>
+                <a:schemeClr val="bg1">
+                  <a:lumMod val="50000"/>
+                </a:schemeClr>
+              </a:solidFill>
+              <a:ln w="6350">
+                <a:solidFill>
+                  <a:schemeClr val="tx1"/>
+                </a:solidFill>
+              </a:ln>
+            </p:spPr>
+            <p:style>
+              <a:lnRef idx="2">
+                <a:schemeClr val="accent1">
+                  <a:shade val="50000"/>
+                </a:schemeClr>
+              </a:lnRef>
+              <a:fillRef idx="1">
+                <a:schemeClr val="accent1"/>
+              </a:fillRef>
+              <a:effectRef idx="0">
+                <a:schemeClr val="accent1"/>
+              </a:effectRef>
+              <a:fontRef idx="minor">
+                <a:schemeClr val="lt1"/>
+              </a:fontRef>
+            </p:style>
+            <p:txBody>
+              <a:bodyPr rtlCol="0" anchor="ctr"/>
+              <a:lstStyle/>
+              <a:p>
+                <a:pPr algn="ctr"/>
+                <a:endParaRPr lang="zh-CN" altLang="en-US" dirty="0"/>
+              </a:p>
+            </p:txBody>
+          </p:sp>
+          <p:sp>
+            <p:nvSpPr>
+              <p:cNvPr id="109" name="矩形 108">
+                <a:extLst>
+                  <a:ext uri="{FF2B5EF4-FFF2-40B4-BE49-F238E27FC236}">
+                    <a16:creationId xmlns:a16="http://schemas.microsoft.com/office/drawing/2014/main" id="{993723B9-383C-4FA8-9CE6-768808C815DE}"/>
+                  </a:ext>
+                </a:extLst>
+              </p:cNvPr>
+              <p:cNvSpPr/>
+              <p:nvPr/>
+            </p:nvSpPr>
+            <p:spPr>
+              <a:xfrm>
+                <a:off x="2368978" y="1095146"/>
+                <a:ext cx="180000" cy="90000"/>
+              </a:xfrm>
+              <a:prstGeom prst="rect">
+                <a:avLst/>
+              </a:prstGeom>
+              <a:solidFill>
+                <a:schemeClr val="bg1">
+                  <a:lumMod val="50000"/>
+                </a:schemeClr>
+              </a:solidFill>
+              <a:ln w="6350">
+                <a:solidFill>
+                  <a:schemeClr val="tx1"/>
+                </a:solidFill>
+              </a:ln>
+            </p:spPr>
+            <p:style>
+              <a:lnRef idx="2">
+                <a:schemeClr val="accent1">
+                  <a:shade val="50000"/>
+                </a:schemeClr>
+              </a:lnRef>
+              <a:fillRef idx="1">
+                <a:schemeClr val="accent1"/>
+              </a:fillRef>
+              <a:effectRef idx="0">
+                <a:schemeClr val="accent1"/>
+              </a:effectRef>
+              <a:fontRef idx="minor">
+                <a:schemeClr val="lt1"/>
+              </a:fontRef>
+            </p:style>
+            <p:txBody>
+              <a:bodyPr rtlCol="0" anchor="ctr"/>
+              <a:lstStyle/>
+              <a:p>
+                <a:pPr algn="ctr"/>
+                <a:endParaRPr lang="zh-CN" altLang="en-US" dirty="0"/>
+              </a:p>
+            </p:txBody>
+          </p:sp>
+          <p:sp>
+            <p:nvSpPr>
+              <p:cNvPr id="110" name="矩形 109">
+                <a:extLst>
+                  <a:ext uri="{FF2B5EF4-FFF2-40B4-BE49-F238E27FC236}">
+                    <a16:creationId xmlns:a16="http://schemas.microsoft.com/office/drawing/2014/main" id="{E9545E51-D866-46BC-8429-0ADF953BA3A9}"/>
+                  </a:ext>
+                </a:extLst>
+              </p:cNvPr>
+              <p:cNvSpPr/>
+              <p:nvPr/>
+            </p:nvSpPr>
+            <p:spPr>
+              <a:xfrm>
+                <a:off x="2368978" y="1185146"/>
+                <a:ext cx="180000" cy="90000"/>
+              </a:xfrm>
+              <a:prstGeom prst="rect">
+                <a:avLst/>
+              </a:prstGeom>
+              <a:solidFill>
+                <a:schemeClr val="bg1">
+                  <a:lumMod val="50000"/>
+                </a:schemeClr>
+              </a:solidFill>
+              <a:ln w="6350">
+                <a:solidFill>
+                  <a:schemeClr val="tx1"/>
+                </a:solidFill>
+              </a:ln>
+            </p:spPr>
+            <p:style>
+              <a:lnRef idx="2">
+                <a:schemeClr val="accent1">
+                  <a:shade val="50000"/>
+                </a:schemeClr>
+              </a:lnRef>
+              <a:fillRef idx="1">
+                <a:schemeClr val="accent1"/>
+              </a:fillRef>
+              <a:effectRef idx="0">
+                <a:schemeClr val="accent1"/>
+              </a:effectRef>
+              <a:fontRef idx="minor">
+                <a:schemeClr val="lt1"/>
+              </a:fontRef>
+            </p:style>
+            <p:txBody>
+              <a:bodyPr rtlCol="0" anchor="ctr"/>
+              <a:lstStyle/>
+              <a:p>
+                <a:pPr algn="ctr"/>
+                <a:endParaRPr lang="zh-CN" altLang="en-US" dirty="0"/>
+              </a:p>
+            </p:txBody>
+          </p:sp>
+          <p:sp>
+            <p:nvSpPr>
+              <p:cNvPr id="111" name="矩形 110">
+                <a:extLst>
+                  <a:ext uri="{FF2B5EF4-FFF2-40B4-BE49-F238E27FC236}">
+                    <a16:creationId xmlns:a16="http://schemas.microsoft.com/office/drawing/2014/main" id="{73C7F2BC-E89B-443F-9CFB-8436CB61DBB0}"/>
+                  </a:ext>
+                </a:extLst>
+              </p:cNvPr>
+              <p:cNvSpPr/>
+              <p:nvPr/>
+            </p:nvSpPr>
+            <p:spPr>
+              <a:xfrm>
+                <a:off x="2368978" y="1275146"/>
+                <a:ext cx="180000" cy="90000"/>
+              </a:xfrm>
+              <a:prstGeom prst="rect">
+                <a:avLst/>
+              </a:prstGeom>
+              <a:solidFill>
+                <a:schemeClr val="bg1">
+                  <a:lumMod val="50000"/>
+                </a:schemeClr>
+              </a:solidFill>
+              <a:ln w="6350">
+                <a:solidFill>
+                  <a:schemeClr val="tx1"/>
+                </a:solidFill>
+              </a:ln>
+            </p:spPr>
+            <p:style>
+              <a:lnRef idx="2">
+                <a:schemeClr val="accent1">
+                  <a:shade val="50000"/>
+                </a:schemeClr>
+              </a:lnRef>
+              <a:fillRef idx="1">
+                <a:schemeClr val="accent1"/>
+              </a:fillRef>
+              <a:effectRef idx="0">
+                <a:schemeClr val="accent1"/>
+              </a:effectRef>
+              <a:fontRef idx="minor">
+                <a:schemeClr val="lt1"/>
+              </a:fontRef>
+            </p:style>
+            <p:txBody>
+              <a:bodyPr rtlCol="0" anchor="ctr"/>
+              <a:lstStyle/>
+              <a:p>
+                <a:pPr algn="ctr"/>
+                <a:endParaRPr lang="zh-CN" altLang="en-US" dirty="0"/>
+              </a:p>
+            </p:txBody>
+          </p:sp>
+        </p:grpSp>
+        <p:grpSp>
+          <p:nvGrpSpPr>
+            <p:cNvPr id="112" name="组合 111">
+              <a:extLst>
+                <a:ext uri="{FF2B5EF4-FFF2-40B4-BE49-F238E27FC236}">
+                  <a16:creationId xmlns:a16="http://schemas.microsoft.com/office/drawing/2014/main" id="{583ACFCE-4E85-42CA-8E02-B6270F2CA325}"/>
+                </a:ext>
+              </a:extLst>
+            </p:cNvPr>
+            <p:cNvGrpSpPr/>
+            <p:nvPr/>
+          </p:nvGrpSpPr>
+          <p:grpSpPr>
+            <a:xfrm>
+              <a:off x="2442372" y="1110169"/>
+              <a:ext cx="180000" cy="450000"/>
+              <a:chOff x="2368978" y="915146"/>
+              <a:chExt cx="180000" cy="450000"/>
+            </a:xfrm>
+          </p:grpSpPr>
+          <p:sp>
+            <p:nvSpPr>
+              <p:cNvPr id="113" name="矩形 112">
+                <a:extLst>
+                  <a:ext uri="{FF2B5EF4-FFF2-40B4-BE49-F238E27FC236}">
+                    <a16:creationId xmlns:a16="http://schemas.microsoft.com/office/drawing/2014/main" id="{DBC26B94-3D04-45EC-93C7-14303C8EE53B}"/>
+                  </a:ext>
+                </a:extLst>
+              </p:cNvPr>
+              <p:cNvSpPr/>
+              <p:nvPr/>
+            </p:nvSpPr>
+            <p:spPr>
+              <a:xfrm>
+                <a:off x="2368978" y="915146"/>
+                <a:ext cx="180000" cy="90000"/>
+              </a:xfrm>
+              <a:prstGeom prst="rect">
+                <a:avLst/>
+              </a:prstGeom>
+              <a:solidFill>
+                <a:schemeClr val="bg1">
+                  <a:lumMod val="50000"/>
+                </a:schemeClr>
+              </a:solidFill>
+              <a:ln w="6350">
+                <a:solidFill>
+                  <a:schemeClr val="tx1"/>
+                </a:solidFill>
+              </a:ln>
+            </p:spPr>
+            <p:style>
+              <a:lnRef idx="2">
+                <a:schemeClr val="accent1">
+                  <a:shade val="50000"/>
+                </a:schemeClr>
+              </a:lnRef>
+              <a:fillRef idx="1">
+                <a:schemeClr val="accent1"/>
+              </a:fillRef>
+              <a:effectRef idx="0">
+                <a:schemeClr val="accent1"/>
+              </a:effectRef>
+              <a:fontRef idx="minor">
+                <a:schemeClr val="lt1"/>
+              </a:fontRef>
+            </p:style>
+            <p:txBody>
+              <a:bodyPr rtlCol="0" anchor="ctr"/>
+              <a:lstStyle/>
+              <a:p>
+                <a:pPr algn="ctr"/>
+                <a:endParaRPr lang="zh-CN" altLang="en-US" dirty="0"/>
+              </a:p>
+            </p:txBody>
+          </p:sp>
+          <p:sp>
+            <p:nvSpPr>
+              <p:cNvPr id="114" name="矩形 113">
+                <a:extLst>
+                  <a:ext uri="{FF2B5EF4-FFF2-40B4-BE49-F238E27FC236}">
+                    <a16:creationId xmlns:a16="http://schemas.microsoft.com/office/drawing/2014/main" id="{35F73505-2F25-46C1-9F78-7545C264C795}"/>
+                  </a:ext>
+                </a:extLst>
+              </p:cNvPr>
+              <p:cNvSpPr/>
+              <p:nvPr/>
+            </p:nvSpPr>
+            <p:spPr>
+              <a:xfrm>
+                <a:off x="2368978" y="1005146"/>
+                <a:ext cx="180000" cy="90000"/>
+              </a:xfrm>
+              <a:prstGeom prst="rect">
+                <a:avLst/>
+              </a:prstGeom>
+              <a:solidFill>
+                <a:schemeClr val="bg1">
+                  <a:lumMod val="50000"/>
+                </a:schemeClr>
+              </a:solidFill>
+              <a:ln w="6350">
+                <a:solidFill>
+                  <a:schemeClr val="tx1"/>
+                </a:solidFill>
+              </a:ln>
+            </p:spPr>
+            <p:style>
+              <a:lnRef idx="2">
+                <a:schemeClr val="accent1">
+                  <a:shade val="50000"/>
+                </a:schemeClr>
+              </a:lnRef>
+              <a:fillRef idx="1">
+                <a:schemeClr val="accent1"/>
+              </a:fillRef>
+              <a:effectRef idx="0">
+                <a:schemeClr val="accent1"/>
+              </a:effectRef>
+              <a:fontRef idx="minor">
+                <a:schemeClr val="lt1"/>
+              </a:fontRef>
+            </p:style>
+            <p:txBody>
+              <a:bodyPr rtlCol="0" anchor="ctr"/>
+              <a:lstStyle/>
+              <a:p>
+                <a:pPr algn="ctr"/>
+                <a:endParaRPr lang="zh-CN" altLang="en-US" dirty="0"/>
+              </a:p>
+            </p:txBody>
+          </p:sp>
+          <p:sp>
+            <p:nvSpPr>
+              <p:cNvPr id="115" name="矩形 114">
+                <a:extLst>
+                  <a:ext uri="{FF2B5EF4-FFF2-40B4-BE49-F238E27FC236}">
+                    <a16:creationId xmlns:a16="http://schemas.microsoft.com/office/drawing/2014/main" id="{0BECB317-B519-40E3-B8E6-EE3C0FCADD7D}"/>
+                  </a:ext>
+                </a:extLst>
+              </p:cNvPr>
+              <p:cNvSpPr/>
+              <p:nvPr/>
+            </p:nvSpPr>
+            <p:spPr>
+              <a:xfrm>
+                <a:off x="2368978" y="1095146"/>
+                <a:ext cx="180000" cy="90000"/>
+              </a:xfrm>
+              <a:prstGeom prst="rect">
+                <a:avLst/>
+              </a:prstGeom>
+              <a:solidFill>
+                <a:schemeClr val="bg1">
+                  <a:lumMod val="50000"/>
+                </a:schemeClr>
+              </a:solidFill>
+              <a:ln w="6350">
+                <a:solidFill>
+                  <a:schemeClr val="tx1"/>
+                </a:solidFill>
+              </a:ln>
+            </p:spPr>
+            <p:style>
+              <a:lnRef idx="2">
+                <a:schemeClr val="accent1">
+                  <a:shade val="50000"/>
+                </a:schemeClr>
+              </a:lnRef>
+              <a:fillRef idx="1">
+                <a:schemeClr val="accent1"/>
+              </a:fillRef>
+              <a:effectRef idx="0">
+                <a:schemeClr val="accent1"/>
+              </a:effectRef>
+              <a:fontRef idx="minor">
+                <a:schemeClr val="lt1"/>
+              </a:fontRef>
+            </p:style>
+            <p:txBody>
+              <a:bodyPr rtlCol="0" anchor="ctr"/>
+              <a:lstStyle/>
+              <a:p>
+                <a:pPr algn="ctr"/>
+                <a:endParaRPr lang="zh-CN" altLang="en-US" dirty="0"/>
+              </a:p>
+            </p:txBody>
+          </p:sp>
+          <p:sp>
+            <p:nvSpPr>
+              <p:cNvPr id="116" name="矩形 115">
+                <a:extLst>
+                  <a:ext uri="{FF2B5EF4-FFF2-40B4-BE49-F238E27FC236}">
+                    <a16:creationId xmlns:a16="http://schemas.microsoft.com/office/drawing/2014/main" id="{5D882209-BBDB-4236-B174-E8321A603BE6}"/>
+                  </a:ext>
+                </a:extLst>
+              </p:cNvPr>
+              <p:cNvSpPr/>
+              <p:nvPr/>
+            </p:nvSpPr>
+            <p:spPr>
+              <a:xfrm>
+                <a:off x="2368978" y="1185146"/>
+                <a:ext cx="180000" cy="90000"/>
+              </a:xfrm>
+              <a:prstGeom prst="rect">
+                <a:avLst/>
+              </a:prstGeom>
+              <a:solidFill>
+                <a:schemeClr val="bg1">
+                  <a:lumMod val="50000"/>
+                </a:schemeClr>
+              </a:solidFill>
+              <a:ln w="6350">
+                <a:solidFill>
+                  <a:schemeClr val="tx1"/>
+                </a:solidFill>
+              </a:ln>
+            </p:spPr>
+            <p:style>
+              <a:lnRef idx="2">
+                <a:schemeClr val="accent1">
+                  <a:shade val="50000"/>
+                </a:schemeClr>
+              </a:lnRef>
+              <a:fillRef idx="1">
+                <a:schemeClr val="accent1"/>
+              </a:fillRef>
+              <a:effectRef idx="0">
+                <a:schemeClr val="accent1"/>
+              </a:effectRef>
+              <a:fontRef idx="minor">
+                <a:schemeClr val="lt1"/>
+              </a:fontRef>
+            </p:style>
+            <p:txBody>
+              <a:bodyPr rtlCol="0" anchor="ctr"/>
+              <a:lstStyle/>
+              <a:p>
+                <a:pPr algn="ctr"/>
+                <a:endParaRPr lang="zh-CN" altLang="en-US" dirty="0"/>
+              </a:p>
+            </p:txBody>
+          </p:sp>
+          <p:sp>
+            <p:nvSpPr>
+              <p:cNvPr id="117" name="矩形 116">
+                <a:extLst>
+                  <a:ext uri="{FF2B5EF4-FFF2-40B4-BE49-F238E27FC236}">
+                    <a16:creationId xmlns:a16="http://schemas.microsoft.com/office/drawing/2014/main" id="{8307F849-0A66-4DE4-AF7B-FD315CA806C0}"/>
+                  </a:ext>
+                </a:extLst>
+              </p:cNvPr>
+              <p:cNvSpPr/>
+              <p:nvPr/>
+            </p:nvSpPr>
+            <p:spPr>
+              <a:xfrm>
+                <a:off x="2368978" y="1275146"/>
+                <a:ext cx="180000" cy="90000"/>
+              </a:xfrm>
+              <a:prstGeom prst="rect">
+                <a:avLst/>
+              </a:prstGeom>
+              <a:solidFill>
+                <a:schemeClr val="bg1">
+                  <a:lumMod val="50000"/>
+                </a:schemeClr>
+              </a:solidFill>
+              <a:ln w="6350">
+                <a:solidFill>
+                  <a:schemeClr val="tx1"/>
+                </a:solidFill>
+              </a:ln>
+            </p:spPr>
+            <p:style>
+              <a:lnRef idx="2">
+                <a:schemeClr val="accent1">
+                  <a:shade val="50000"/>
+                </a:schemeClr>
+              </a:lnRef>
+              <a:fillRef idx="1">
+                <a:schemeClr val="accent1"/>
+              </a:fillRef>
+              <a:effectRef idx="0">
+                <a:schemeClr val="accent1"/>
+              </a:effectRef>
+              <a:fontRef idx="minor">
+                <a:schemeClr val="lt1"/>
+              </a:fontRef>
+            </p:style>
+            <p:txBody>
+              <a:bodyPr rtlCol="0" anchor="ctr"/>
+              <a:lstStyle/>
+              <a:p>
+                <a:pPr algn="ctr"/>
+                <a:endParaRPr lang="zh-CN" altLang="en-US" dirty="0"/>
+              </a:p>
+            </p:txBody>
+          </p:sp>
+        </p:grpSp>
+      </p:grpSp>
+      <p:grpSp>
+        <p:nvGrpSpPr>
+          <p:cNvPr id="136" name="组合 135">
+            <a:extLst>
+              <a:ext uri="{FF2B5EF4-FFF2-40B4-BE49-F238E27FC236}">
+                <a16:creationId xmlns:a16="http://schemas.microsoft.com/office/drawing/2014/main" id="{3FE86AC6-B0CD-4832-A052-45EC8545C78D}"/>
+              </a:ext>
+            </a:extLst>
+          </p:cNvPr>
+          <p:cNvGrpSpPr/>
+          <p:nvPr/>
+        </p:nvGrpSpPr>
+        <p:grpSpPr>
+          <a:xfrm>
+            <a:off x="2084000" y="887891"/>
+            <a:ext cx="382189" cy="367303"/>
+            <a:chOff x="715628" y="1660996"/>
+            <a:chExt cx="720000" cy="720000"/>
+          </a:xfrm>
+        </p:grpSpPr>
+        <p:sp>
+          <p:nvSpPr>
+            <p:cNvPr id="119" name="矩形: 圆角 118">
+              <a:extLst>
+                <a:ext uri="{FF2B5EF4-FFF2-40B4-BE49-F238E27FC236}">
+                  <a16:creationId xmlns:a16="http://schemas.microsoft.com/office/drawing/2014/main" id="{8A9A4584-769A-4C1E-A2C2-5A9BF25790C4}"/>
+                </a:ext>
+              </a:extLst>
+            </p:cNvPr>
+            <p:cNvSpPr/>
+            <p:nvPr/>
+          </p:nvSpPr>
+          <p:spPr>
+            <a:xfrm>
+              <a:off x="895628" y="1930996"/>
+              <a:ext cx="360000" cy="360000"/>
+            </a:xfrm>
+            <a:prstGeom prst="roundRect">
+              <a:avLst/>
+            </a:prstGeom>
+            <a:solidFill>
+              <a:schemeClr val="accent1"/>
+            </a:solidFill>
+            <a:ln w="6350">
+              <a:solidFill>
+                <a:schemeClr val="tx1"/>
+              </a:solidFill>
+            </a:ln>
+          </p:spPr>
+          <p:style>
+            <a:lnRef idx="2">
+              <a:schemeClr val="accent1">
+                <a:shade val="50000"/>
+              </a:schemeClr>
+            </a:lnRef>
+            <a:fillRef idx="1">
+              <a:schemeClr val="accent1"/>
+            </a:fillRef>
+            <a:effectRef idx="0">
+              <a:schemeClr val="accent1"/>
+            </a:effectRef>
+            <a:fontRef idx="minor">
+              <a:schemeClr val="lt1"/>
+            </a:fontRef>
+          </p:style>
+          <p:txBody>
+            <a:bodyPr rtlCol="0" anchor="ctr"/>
+            <a:lstStyle/>
+            <a:p>
+              <a:pPr algn="ctr"/>
+              <a:endParaRPr lang="zh-CN" altLang="en-US" dirty="0"/>
+            </a:p>
+          </p:txBody>
+        </p:sp>
+        <p:sp>
+          <p:nvSpPr>
+            <p:cNvPr id="120" name="矩形 119">
+              <a:extLst>
+                <a:ext uri="{FF2B5EF4-FFF2-40B4-BE49-F238E27FC236}">
+                  <a16:creationId xmlns:a16="http://schemas.microsoft.com/office/drawing/2014/main" id="{3327BBE6-D0D3-4D3B-B691-39DF680D8969}"/>
+                </a:ext>
+              </a:extLst>
+            </p:cNvPr>
+            <p:cNvSpPr/>
+            <p:nvPr/>
+          </p:nvSpPr>
+          <p:spPr>
+            <a:xfrm>
+              <a:off x="1255628" y="1840996"/>
+              <a:ext cx="180000" cy="540000"/>
+            </a:xfrm>
+            <a:prstGeom prst="rect">
+              <a:avLst/>
+            </a:prstGeom>
+            <a:solidFill>
+              <a:schemeClr val="bg1">
+                <a:lumMod val="50000"/>
+              </a:schemeClr>
+            </a:solidFill>
+            <a:ln w="6350">
+              <a:solidFill>
+                <a:schemeClr val="tx1"/>
+              </a:solidFill>
+            </a:ln>
+          </p:spPr>
+          <p:style>
+            <a:lnRef idx="2">
+              <a:schemeClr val="accent1">
+                <a:shade val="50000"/>
+              </a:schemeClr>
+            </a:lnRef>
+            <a:fillRef idx="1">
+              <a:schemeClr val="accent1"/>
+            </a:fillRef>
+            <a:effectRef idx="0">
+              <a:schemeClr val="accent1"/>
+            </a:effectRef>
+            <a:fontRef idx="minor">
+              <a:schemeClr val="lt1"/>
+            </a:fontRef>
+          </p:style>
+          <p:txBody>
+            <a:bodyPr rtlCol="0" anchor="ctr"/>
+            <a:lstStyle/>
+            <a:p>
+              <a:pPr algn="ctr"/>
+              <a:endParaRPr lang="zh-CN" altLang="en-US" dirty="0"/>
+            </a:p>
+          </p:txBody>
+        </p:sp>
+        <p:sp>
+          <p:nvSpPr>
+            <p:cNvPr id="121" name="矩形 120">
+              <a:extLst>
+                <a:ext uri="{FF2B5EF4-FFF2-40B4-BE49-F238E27FC236}">
+                  <a16:creationId xmlns:a16="http://schemas.microsoft.com/office/drawing/2014/main" id="{162CFCC0-EE2C-41AF-A520-2BD2963F223D}"/>
+                </a:ext>
+              </a:extLst>
+            </p:cNvPr>
+            <p:cNvSpPr/>
+            <p:nvPr/>
+          </p:nvSpPr>
+          <p:spPr>
+            <a:xfrm>
+              <a:off x="1039628" y="1660996"/>
+              <a:ext cx="72000" cy="450000"/>
+            </a:xfrm>
+            <a:prstGeom prst="rect">
+              <a:avLst/>
+            </a:prstGeom>
+            <a:solidFill>
+              <a:schemeClr val="accent3">
+                <a:lumMod val="50000"/>
+              </a:schemeClr>
+            </a:solidFill>
+            <a:ln w="6350">
+              <a:solidFill>
+                <a:schemeClr val="tx1"/>
+              </a:solidFill>
+            </a:ln>
+          </p:spPr>
+          <p:style>
+            <a:lnRef idx="2">
+              <a:schemeClr val="accent1">
+                <a:shade val="50000"/>
+              </a:schemeClr>
+            </a:lnRef>
+            <a:fillRef idx="1">
+              <a:schemeClr val="accent1"/>
+            </a:fillRef>
+            <a:effectRef idx="0">
+              <a:schemeClr val="accent1"/>
+            </a:effectRef>
+            <a:fontRef idx="minor">
+              <a:schemeClr val="lt1"/>
+            </a:fontRef>
+          </p:style>
+          <p:txBody>
+            <a:bodyPr rtlCol="0" anchor="ctr"/>
+            <a:lstStyle/>
+            <a:p>
+              <a:pPr algn="ctr"/>
+              <a:endParaRPr lang="zh-CN" altLang="en-US" dirty="0"/>
+            </a:p>
+          </p:txBody>
+        </p:sp>
+        <p:sp>
+          <p:nvSpPr>
+            <p:cNvPr id="122" name="椭圆 121">
+              <a:extLst>
+                <a:ext uri="{FF2B5EF4-FFF2-40B4-BE49-F238E27FC236}">
+                  <a16:creationId xmlns:a16="http://schemas.microsoft.com/office/drawing/2014/main" id="{DD22574D-F2A0-4CAB-804A-9297DE73731B}"/>
+                </a:ext>
+              </a:extLst>
+            </p:cNvPr>
+            <p:cNvSpPr/>
+            <p:nvPr/>
+          </p:nvSpPr>
+          <p:spPr>
+            <a:xfrm>
+              <a:off x="967628" y="2002996"/>
+              <a:ext cx="216000" cy="216000"/>
+            </a:xfrm>
+            <a:prstGeom prst="ellipse">
+              <a:avLst/>
+            </a:prstGeom>
+            <a:solidFill>
+              <a:schemeClr val="accent3">
+                <a:lumMod val="50000"/>
+              </a:schemeClr>
+            </a:solidFill>
+            <a:ln w="6350">
+              <a:solidFill>
+                <a:schemeClr val="tx1"/>
+              </a:solidFill>
+            </a:ln>
+          </p:spPr>
+          <p:style>
+            <a:lnRef idx="1">
+              <a:schemeClr val="dk1"/>
+            </a:lnRef>
+            <a:fillRef idx="2">
+              <a:schemeClr val="dk1"/>
+            </a:fillRef>
+            <a:effectRef idx="1">
+              <a:schemeClr val="dk1"/>
+            </a:effectRef>
+            <a:fontRef idx="minor">
+              <a:schemeClr val="dk1"/>
+            </a:fontRef>
+          </p:style>
+          <p:txBody>
+            <a:bodyPr rtlCol="0" anchor="ctr"/>
+            <a:lstStyle/>
+            <a:p>
+              <a:pPr algn="ctr"/>
+              <a:endParaRPr lang="zh-CN" altLang="en-US">
+                <a:ln>
+                  <a:solidFill>
+                    <a:sysClr val="windowText" lastClr="000000"/>
+                  </a:solidFill>
+                </a:ln>
+              </a:endParaRPr>
+            </a:p>
+          </p:txBody>
+        </p:sp>
+        <p:sp>
+          <p:nvSpPr>
+            <p:cNvPr id="123" name="矩形 122">
+              <a:extLst>
+                <a:ext uri="{FF2B5EF4-FFF2-40B4-BE49-F238E27FC236}">
+                  <a16:creationId xmlns:a16="http://schemas.microsoft.com/office/drawing/2014/main" id="{6A73AF78-7B95-463C-AF94-DD498D14E809}"/>
+                </a:ext>
+              </a:extLst>
+            </p:cNvPr>
+            <p:cNvSpPr/>
+            <p:nvPr/>
+          </p:nvSpPr>
+          <p:spPr>
+            <a:xfrm>
+              <a:off x="715628" y="1840996"/>
+              <a:ext cx="180000" cy="540000"/>
+            </a:xfrm>
+            <a:prstGeom prst="rect">
+              <a:avLst/>
+            </a:prstGeom>
+            <a:solidFill>
+              <a:schemeClr val="bg1">
+                <a:lumMod val="50000"/>
+              </a:schemeClr>
+            </a:solidFill>
+            <a:ln w="6350">
+              <a:solidFill>
+                <a:schemeClr val="tx1"/>
+              </a:solidFill>
+            </a:ln>
+          </p:spPr>
+          <p:style>
+            <a:lnRef idx="2">
+              <a:schemeClr val="accent1">
+                <a:shade val="50000"/>
+              </a:schemeClr>
+            </a:lnRef>
+            <a:fillRef idx="1">
+              <a:schemeClr val="accent1"/>
+            </a:fillRef>
+            <a:effectRef idx="0">
+              <a:schemeClr val="accent1"/>
+            </a:effectRef>
+            <a:fontRef idx="minor">
+              <a:schemeClr val="lt1"/>
+            </a:fontRef>
+          </p:style>
+          <p:txBody>
+            <a:bodyPr rtlCol="0" anchor="ctr"/>
+            <a:lstStyle/>
+            <a:p>
+              <a:pPr algn="ctr"/>
+              <a:endParaRPr lang="zh-CN" altLang="en-US" dirty="0"/>
+            </a:p>
+          </p:txBody>
+        </p:sp>
+        <p:grpSp>
+          <p:nvGrpSpPr>
+            <p:cNvPr id="124" name="组合 123">
+              <a:extLst>
+                <a:ext uri="{FF2B5EF4-FFF2-40B4-BE49-F238E27FC236}">
+                  <a16:creationId xmlns:a16="http://schemas.microsoft.com/office/drawing/2014/main" id="{153BB265-D739-48CF-B395-6D280317244D}"/>
+                </a:ext>
+              </a:extLst>
+            </p:cNvPr>
+            <p:cNvGrpSpPr/>
+            <p:nvPr/>
+          </p:nvGrpSpPr>
+          <p:grpSpPr>
+            <a:xfrm>
+              <a:off x="1255628" y="1894719"/>
+              <a:ext cx="180000" cy="450000"/>
+              <a:chOff x="2368978" y="915146"/>
+              <a:chExt cx="180000" cy="450000"/>
+            </a:xfrm>
+          </p:grpSpPr>
+          <p:sp>
+            <p:nvSpPr>
+              <p:cNvPr id="125" name="矩形 124">
+                <a:extLst>
+                  <a:ext uri="{FF2B5EF4-FFF2-40B4-BE49-F238E27FC236}">
+                    <a16:creationId xmlns:a16="http://schemas.microsoft.com/office/drawing/2014/main" id="{CB557343-85D6-47C0-A6C0-12B267B94CDA}"/>
+                  </a:ext>
+                </a:extLst>
+              </p:cNvPr>
+              <p:cNvSpPr/>
+              <p:nvPr/>
+            </p:nvSpPr>
+            <p:spPr>
+              <a:xfrm>
+                <a:off x="2368978" y="915146"/>
+                <a:ext cx="180000" cy="90000"/>
+              </a:xfrm>
+              <a:prstGeom prst="rect">
+                <a:avLst/>
+              </a:prstGeom>
+              <a:solidFill>
+                <a:schemeClr val="bg1">
+                  <a:lumMod val="50000"/>
+                </a:schemeClr>
+              </a:solidFill>
+              <a:ln w="6350">
+                <a:solidFill>
+                  <a:schemeClr val="tx1"/>
+                </a:solidFill>
+              </a:ln>
+            </p:spPr>
+            <p:style>
+              <a:lnRef idx="2">
+                <a:schemeClr val="accent1">
+                  <a:shade val="50000"/>
+                </a:schemeClr>
+              </a:lnRef>
+              <a:fillRef idx="1">
+                <a:schemeClr val="accent1"/>
+              </a:fillRef>
+              <a:effectRef idx="0">
+                <a:schemeClr val="accent1"/>
+              </a:effectRef>
+              <a:fontRef idx="minor">
+                <a:schemeClr val="lt1"/>
+              </a:fontRef>
+            </p:style>
+            <p:txBody>
+              <a:bodyPr rtlCol="0" anchor="ctr"/>
+              <a:lstStyle/>
+              <a:p>
+                <a:pPr algn="ctr"/>
+                <a:endParaRPr lang="zh-CN" altLang="en-US" dirty="0"/>
+              </a:p>
+            </p:txBody>
+          </p:sp>
+          <p:sp>
+            <p:nvSpPr>
+              <p:cNvPr id="126" name="矩形 125">
+                <a:extLst>
+                  <a:ext uri="{FF2B5EF4-FFF2-40B4-BE49-F238E27FC236}">
+                    <a16:creationId xmlns:a16="http://schemas.microsoft.com/office/drawing/2014/main" id="{FAC5A120-2F21-42D9-907E-D7470E5EF0C5}"/>
+                  </a:ext>
+                </a:extLst>
+              </p:cNvPr>
+              <p:cNvSpPr/>
+              <p:nvPr/>
+            </p:nvSpPr>
+            <p:spPr>
+              <a:xfrm>
+                <a:off x="2368978" y="1005146"/>
+                <a:ext cx="180000" cy="90000"/>
+              </a:xfrm>
+              <a:prstGeom prst="rect">
+                <a:avLst/>
+              </a:prstGeom>
+              <a:solidFill>
+                <a:schemeClr val="bg1">
+                  <a:lumMod val="50000"/>
+                </a:schemeClr>
+              </a:solidFill>
+              <a:ln w="6350">
+                <a:solidFill>
+                  <a:schemeClr val="tx1"/>
+                </a:solidFill>
+              </a:ln>
+            </p:spPr>
+            <p:style>
+              <a:lnRef idx="2">
+                <a:schemeClr val="accent1">
+                  <a:shade val="50000"/>
+                </a:schemeClr>
+              </a:lnRef>
+              <a:fillRef idx="1">
+                <a:schemeClr val="accent1"/>
+              </a:fillRef>
+              <a:effectRef idx="0">
+                <a:schemeClr val="accent1"/>
+              </a:effectRef>
+              <a:fontRef idx="minor">
+                <a:schemeClr val="lt1"/>
+              </a:fontRef>
+            </p:style>
+            <p:txBody>
+              <a:bodyPr rtlCol="0" anchor="ctr"/>
+              <a:lstStyle/>
+              <a:p>
+                <a:pPr algn="ctr"/>
+                <a:endParaRPr lang="zh-CN" altLang="en-US" dirty="0"/>
+              </a:p>
+            </p:txBody>
+          </p:sp>
+          <p:sp>
+            <p:nvSpPr>
+              <p:cNvPr id="127" name="矩形 126">
+                <a:extLst>
+                  <a:ext uri="{FF2B5EF4-FFF2-40B4-BE49-F238E27FC236}">
+                    <a16:creationId xmlns:a16="http://schemas.microsoft.com/office/drawing/2014/main" id="{211D6056-695F-4F19-86BB-D504731E2612}"/>
+                  </a:ext>
+                </a:extLst>
+              </p:cNvPr>
+              <p:cNvSpPr/>
+              <p:nvPr/>
+            </p:nvSpPr>
+            <p:spPr>
+              <a:xfrm>
+                <a:off x="2368978" y="1095146"/>
+                <a:ext cx="180000" cy="90000"/>
+              </a:xfrm>
+              <a:prstGeom prst="rect">
+                <a:avLst/>
+              </a:prstGeom>
+              <a:solidFill>
+                <a:schemeClr val="bg1">
+                  <a:lumMod val="50000"/>
+                </a:schemeClr>
+              </a:solidFill>
+              <a:ln w="6350">
+                <a:solidFill>
+                  <a:schemeClr val="tx1"/>
+                </a:solidFill>
+              </a:ln>
+            </p:spPr>
+            <p:style>
+              <a:lnRef idx="2">
+                <a:schemeClr val="accent1">
+                  <a:shade val="50000"/>
+                </a:schemeClr>
+              </a:lnRef>
+              <a:fillRef idx="1">
+                <a:schemeClr val="accent1"/>
+              </a:fillRef>
+              <a:effectRef idx="0">
+                <a:schemeClr val="accent1"/>
+              </a:effectRef>
+              <a:fontRef idx="minor">
+                <a:schemeClr val="lt1"/>
+              </a:fontRef>
+            </p:style>
+            <p:txBody>
+              <a:bodyPr rtlCol="0" anchor="ctr"/>
+              <a:lstStyle/>
+              <a:p>
+                <a:pPr algn="ctr"/>
+                <a:endParaRPr lang="zh-CN" altLang="en-US" dirty="0"/>
+              </a:p>
+            </p:txBody>
+          </p:sp>
+          <p:sp>
+            <p:nvSpPr>
+              <p:cNvPr id="128" name="矩形 127">
+                <a:extLst>
+                  <a:ext uri="{FF2B5EF4-FFF2-40B4-BE49-F238E27FC236}">
+                    <a16:creationId xmlns:a16="http://schemas.microsoft.com/office/drawing/2014/main" id="{52B544CD-FC18-40BD-8B8F-A40E4D776456}"/>
+                  </a:ext>
+                </a:extLst>
+              </p:cNvPr>
+              <p:cNvSpPr/>
+              <p:nvPr/>
+            </p:nvSpPr>
+            <p:spPr>
+              <a:xfrm>
+                <a:off x="2368978" y="1185146"/>
+                <a:ext cx="180000" cy="90000"/>
+              </a:xfrm>
+              <a:prstGeom prst="rect">
+                <a:avLst/>
+              </a:prstGeom>
+              <a:solidFill>
+                <a:schemeClr val="bg1">
+                  <a:lumMod val="50000"/>
+                </a:schemeClr>
+              </a:solidFill>
+              <a:ln w="6350">
+                <a:solidFill>
+                  <a:schemeClr val="tx1"/>
+                </a:solidFill>
+              </a:ln>
+            </p:spPr>
+            <p:style>
+              <a:lnRef idx="2">
+                <a:schemeClr val="accent1">
+                  <a:shade val="50000"/>
+                </a:schemeClr>
+              </a:lnRef>
+              <a:fillRef idx="1">
+                <a:schemeClr val="accent1"/>
+              </a:fillRef>
+              <a:effectRef idx="0">
+                <a:schemeClr val="accent1"/>
+              </a:effectRef>
+              <a:fontRef idx="minor">
+                <a:schemeClr val="lt1"/>
+              </a:fontRef>
+            </p:style>
+            <p:txBody>
+              <a:bodyPr rtlCol="0" anchor="ctr"/>
+              <a:lstStyle/>
+              <a:p>
+                <a:pPr algn="ctr"/>
+                <a:endParaRPr lang="zh-CN" altLang="en-US" dirty="0"/>
+              </a:p>
+            </p:txBody>
+          </p:sp>
+          <p:sp>
+            <p:nvSpPr>
+              <p:cNvPr id="129" name="矩形 128">
+                <a:extLst>
+                  <a:ext uri="{FF2B5EF4-FFF2-40B4-BE49-F238E27FC236}">
+                    <a16:creationId xmlns:a16="http://schemas.microsoft.com/office/drawing/2014/main" id="{56D6B5EB-EE27-44A6-B247-7EDDA4ADF189}"/>
+                  </a:ext>
+                </a:extLst>
+              </p:cNvPr>
+              <p:cNvSpPr/>
+              <p:nvPr/>
+            </p:nvSpPr>
+            <p:spPr>
+              <a:xfrm>
+                <a:off x="2368978" y="1275146"/>
+                <a:ext cx="180000" cy="90000"/>
+              </a:xfrm>
+              <a:prstGeom prst="rect">
+                <a:avLst/>
+              </a:prstGeom>
+              <a:solidFill>
+                <a:schemeClr val="bg1">
+                  <a:lumMod val="50000"/>
+                </a:schemeClr>
+              </a:solidFill>
+              <a:ln w="6350">
+                <a:solidFill>
+                  <a:schemeClr val="tx1"/>
+                </a:solidFill>
+              </a:ln>
+            </p:spPr>
+            <p:style>
+              <a:lnRef idx="2">
+                <a:schemeClr val="accent1">
+                  <a:shade val="50000"/>
+                </a:schemeClr>
+              </a:lnRef>
+              <a:fillRef idx="1">
+                <a:schemeClr val="accent1"/>
+              </a:fillRef>
+              <a:effectRef idx="0">
+                <a:schemeClr val="accent1"/>
+              </a:effectRef>
+              <a:fontRef idx="minor">
+                <a:schemeClr val="lt1"/>
+              </a:fontRef>
+            </p:style>
+            <p:txBody>
+              <a:bodyPr rtlCol="0" anchor="ctr"/>
+              <a:lstStyle/>
+              <a:p>
+                <a:pPr algn="ctr"/>
+                <a:endParaRPr lang="zh-CN" altLang="en-US" dirty="0"/>
+              </a:p>
+            </p:txBody>
+          </p:sp>
+        </p:grpSp>
+        <p:grpSp>
+          <p:nvGrpSpPr>
+            <p:cNvPr id="130" name="组合 129">
+              <a:extLst>
+                <a:ext uri="{FF2B5EF4-FFF2-40B4-BE49-F238E27FC236}">
+                  <a16:creationId xmlns:a16="http://schemas.microsoft.com/office/drawing/2014/main" id="{FEE2A526-F908-4ACA-A941-178B97DACD57}"/>
+                </a:ext>
+              </a:extLst>
+            </p:cNvPr>
+            <p:cNvGrpSpPr/>
+            <p:nvPr/>
+          </p:nvGrpSpPr>
+          <p:grpSpPr>
+            <a:xfrm>
+              <a:off x="715628" y="1894719"/>
+              <a:ext cx="180000" cy="450000"/>
+              <a:chOff x="2368978" y="915146"/>
+              <a:chExt cx="180000" cy="450000"/>
+            </a:xfrm>
+          </p:grpSpPr>
+          <p:sp>
+            <p:nvSpPr>
+              <p:cNvPr id="131" name="矩形 130">
+                <a:extLst>
+                  <a:ext uri="{FF2B5EF4-FFF2-40B4-BE49-F238E27FC236}">
+                    <a16:creationId xmlns:a16="http://schemas.microsoft.com/office/drawing/2014/main" id="{EF091230-9B1C-4796-BA6B-7F79975A6CFD}"/>
+                  </a:ext>
+                </a:extLst>
+              </p:cNvPr>
+              <p:cNvSpPr/>
+              <p:nvPr/>
+            </p:nvSpPr>
+            <p:spPr>
+              <a:xfrm>
+                <a:off x="2368978" y="915146"/>
+                <a:ext cx="180000" cy="90000"/>
+              </a:xfrm>
+              <a:prstGeom prst="rect">
+                <a:avLst/>
+              </a:prstGeom>
+              <a:solidFill>
+                <a:schemeClr val="bg1">
+                  <a:lumMod val="50000"/>
+                </a:schemeClr>
+              </a:solidFill>
+              <a:ln w="6350">
+                <a:solidFill>
+                  <a:schemeClr val="tx1"/>
+                </a:solidFill>
+              </a:ln>
+            </p:spPr>
+            <p:style>
+              <a:lnRef idx="2">
+                <a:schemeClr val="accent1">
+                  <a:shade val="50000"/>
+                </a:schemeClr>
+              </a:lnRef>
+              <a:fillRef idx="1">
+                <a:schemeClr val="accent1"/>
+              </a:fillRef>
+              <a:effectRef idx="0">
+                <a:schemeClr val="accent1"/>
+              </a:effectRef>
+              <a:fontRef idx="minor">
+                <a:schemeClr val="lt1"/>
+              </a:fontRef>
+            </p:style>
+            <p:txBody>
+              <a:bodyPr rtlCol="0" anchor="ctr"/>
+              <a:lstStyle/>
+              <a:p>
+                <a:pPr algn="ctr"/>
+                <a:endParaRPr lang="zh-CN" altLang="en-US" dirty="0"/>
+              </a:p>
+            </p:txBody>
+          </p:sp>
+          <p:sp>
+            <p:nvSpPr>
+              <p:cNvPr id="132" name="矩形 131">
+                <a:extLst>
+                  <a:ext uri="{FF2B5EF4-FFF2-40B4-BE49-F238E27FC236}">
+                    <a16:creationId xmlns:a16="http://schemas.microsoft.com/office/drawing/2014/main" id="{8BF20337-003E-46EB-9278-A0B83E101DB0}"/>
+                  </a:ext>
+                </a:extLst>
+              </p:cNvPr>
+              <p:cNvSpPr/>
+              <p:nvPr/>
+            </p:nvSpPr>
+            <p:spPr>
+              <a:xfrm>
+                <a:off x="2368978" y="1005146"/>
+                <a:ext cx="180000" cy="90000"/>
+              </a:xfrm>
+              <a:prstGeom prst="rect">
+                <a:avLst/>
+              </a:prstGeom>
+              <a:solidFill>
+                <a:schemeClr val="bg1">
+                  <a:lumMod val="50000"/>
+                </a:schemeClr>
+              </a:solidFill>
+              <a:ln w="6350">
+                <a:solidFill>
+                  <a:schemeClr val="tx1"/>
+                </a:solidFill>
+              </a:ln>
+            </p:spPr>
+            <p:style>
+              <a:lnRef idx="2">
+                <a:schemeClr val="accent1">
+                  <a:shade val="50000"/>
+                </a:schemeClr>
+              </a:lnRef>
+              <a:fillRef idx="1">
+                <a:schemeClr val="accent1"/>
+              </a:fillRef>
+              <a:effectRef idx="0">
+                <a:schemeClr val="accent1"/>
+              </a:effectRef>
+              <a:fontRef idx="minor">
+                <a:schemeClr val="lt1"/>
+              </a:fontRef>
+            </p:style>
+            <p:txBody>
+              <a:bodyPr rtlCol="0" anchor="ctr"/>
+              <a:lstStyle/>
+              <a:p>
+                <a:pPr algn="ctr"/>
+                <a:endParaRPr lang="zh-CN" altLang="en-US" dirty="0"/>
+              </a:p>
+            </p:txBody>
+          </p:sp>
+          <p:sp>
+            <p:nvSpPr>
+              <p:cNvPr id="133" name="矩形 132">
+                <a:extLst>
+                  <a:ext uri="{FF2B5EF4-FFF2-40B4-BE49-F238E27FC236}">
+                    <a16:creationId xmlns:a16="http://schemas.microsoft.com/office/drawing/2014/main" id="{B70121F6-93BF-44F8-BF70-33A0EE89347A}"/>
+                  </a:ext>
+                </a:extLst>
+              </p:cNvPr>
+              <p:cNvSpPr/>
+              <p:nvPr/>
+            </p:nvSpPr>
+            <p:spPr>
+              <a:xfrm>
+                <a:off x="2368978" y="1095146"/>
+                <a:ext cx="180000" cy="90000"/>
+              </a:xfrm>
+              <a:prstGeom prst="rect">
+                <a:avLst/>
+              </a:prstGeom>
+              <a:solidFill>
+                <a:schemeClr val="bg1">
+                  <a:lumMod val="50000"/>
+                </a:schemeClr>
+              </a:solidFill>
+              <a:ln w="6350">
+                <a:solidFill>
+                  <a:schemeClr val="tx1"/>
+                </a:solidFill>
+              </a:ln>
+            </p:spPr>
+            <p:style>
+              <a:lnRef idx="2">
+                <a:schemeClr val="accent1">
+                  <a:shade val="50000"/>
+                </a:schemeClr>
+              </a:lnRef>
+              <a:fillRef idx="1">
+                <a:schemeClr val="accent1"/>
+              </a:fillRef>
+              <a:effectRef idx="0">
+                <a:schemeClr val="accent1"/>
+              </a:effectRef>
+              <a:fontRef idx="minor">
+                <a:schemeClr val="lt1"/>
+              </a:fontRef>
+            </p:style>
+            <p:txBody>
+              <a:bodyPr rtlCol="0" anchor="ctr"/>
+              <a:lstStyle/>
+              <a:p>
+                <a:pPr algn="ctr"/>
+                <a:endParaRPr lang="zh-CN" altLang="en-US" dirty="0"/>
+              </a:p>
+            </p:txBody>
+          </p:sp>
+          <p:sp>
+            <p:nvSpPr>
+              <p:cNvPr id="134" name="矩形 133">
+                <a:extLst>
+                  <a:ext uri="{FF2B5EF4-FFF2-40B4-BE49-F238E27FC236}">
+                    <a16:creationId xmlns:a16="http://schemas.microsoft.com/office/drawing/2014/main" id="{8EFDB9E2-CEFE-46B0-BA87-5FB53DA75DD6}"/>
+                  </a:ext>
+                </a:extLst>
+              </p:cNvPr>
+              <p:cNvSpPr/>
+              <p:nvPr/>
+            </p:nvSpPr>
+            <p:spPr>
+              <a:xfrm>
+                <a:off x="2368978" y="1185146"/>
+                <a:ext cx="180000" cy="90000"/>
+              </a:xfrm>
+              <a:prstGeom prst="rect">
+                <a:avLst/>
+              </a:prstGeom>
+              <a:solidFill>
+                <a:schemeClr val="bg1">
+                  <a:lumMod val="50000"/>
+                </a:schemeClr>
+              </a:solidFill>
+              <a:ln w="6350">
+                <a:solidFill>
+                  <a:schemeClr val="tx1"/>
+                </a:solidFill>
+              </a:ln>
+            </p:spPr>
+            <p:style>
+              <a:lnRef idx="2">
+                <a:schemeClr val="accent1">
+                  <a:shade val="50000"/>
+                </a:schemeClr>
+              </a:lnRef>
+              <a:fillRef idx="1">
+                <a:schemeClr val="accent1"/>
+              </a:fillRef>
+              <a:effectRef idx="0">
+                <a:schemeClr val="accent1"/>
+              </a:effectRef>
+              <a:fontRef idx="minor">
+                <a:schemeClr val="lt1"/>
+              </a:fontRef>
+            </p:style>
+            <p:txBody>
+              <a:bodyPr rtlCol="0" anchor="ctr"/>
+              <a:lstStyle/>
+              <a:p>
+                <a:pPr algn="ctr"/>
+                <a:endParaRPr lang="zh-CN" altLang="en-US" dirty="0"/>
+              </a:p>
+            </p:txBody>
+          </p:sp>
+          <p:sp>
+            <p:nvSpPr>
+              <p:cNvPr id="135" name="矩形 134">
+                <a:extLst>
+                  <a:ext uri="{FF2B5EF4-FFF2-40B4-BE49-F238E27FC236}">
+                    <a16:creationId xmlns:a16="http://schemas.microsoft.com/office/drawing/2014/main" id="{C1A7128D-B459-4655-BB8B-99D42178816A}"/>
+                  </a:ext>
+                </a:extLst>
+              </p:cNvPr>
+              <p:cNvSpPr/>
+              <p:nvPr/>
+            </p:nvSpPr>
+            <p:spPr>
+              <a:xfrm>
+                <a:off x="2368978" y="1275146"/>
+                <a:ext cx="180000" cy="90000"/>
+              </a:xfrm>
+              <a:prstGeom prst="rect">
+                <a:avLst/>
+              </a:prstGeom>
+              <a:solidFill>
+                <a:schemeClr val="bg1">
+                  <a:lumMod val="50000"/>
+                </a:schemeClr>
+              </a:solidFill>
+              <a:ln w="6350">
+                <a:solidFill>
+                  <a:schemeClr val="tx1"/>
+                </a:solidFill>
+              </a:ln>
+            </p:spPr>
+            <p:style>
+              <a:lnRef idx="2">
+                <a:schemeClr val="accent1">
+                  <a:shade val="50000"/>
+                </a:schemeClr>
+              </a:lnRef>
+              <a:fillRef idx="1">
+                <a:schemeClr val="accent1"/>
+              </a:fillRef>
+              <a:effectRef idx="0">
+                <a:schemeClr val="accent1"/>
+              </a:effectRef>
+              <a:fontRef idx="minor">
+                <a:schemeClr val="lt1"/>
+              </a:fontRef>
+            </p:style>
+            <p:txBody>
+              <a:bodyPr rtlCol="0" anchor="ctr"/>
+              <a:lstStyle/>
+              <a:p>
+                <a:pPr algn="ctr"/>
+                <a:endParaRPr lang="zh-CN" altLang="en-US" dirty="0"/>
+              </a:p>
+            </p:txBody>
+          </p:sp>
+        </p:grpSp>
+      </p:grpSp>
+      <p:grpSp>
+        <p:nvGrpSpPr>
+          <p:cNvPr id="154" name="组合 153">
+            <a:extLst>
+              <a:ext uri="{FF2B5EF4-FFF2-40B4-BE49-F238E27FC236}">
+                <a16:creationId xmlns:a16="http://schemas.microsoft.com/office/drawing/2014/main" id="{81506F10-7BD4-4C44-83B0-EBD93F5C1216}"/>
+              </a:ext>
+            </a:extLst>
+          </p:cNvPr>
+          <p:cNvGrpSpPr/>
+          <p:nvPr/>
+        </p:nvGrpSpPr>
+        <p:grpSpPr>
+          <a:xfrm>
+            <a:off x="2573596" y="887891"/>
+            <a:ext cx="382189" cy="367303"/>
+            <a:chOff x="1969428" y="44279"/>
+            <a:chExt cx="720000" cy="720000"/>
+          </a:xfrm>
+        </p:grpSpPr>
+        <p:sp>
+          <p:nvSpPr>
+            <p:cNvPr id="137" name="矩形: 圆角 136">
+              <a:extLst>
+                <a:ext uri="{FF2B5EF4-FFF2-40B4-BE49-F238E27FC236}">
+                  <a16:creationId xmlns:a16="http://schemas.microsoft.com/office/drawing/2014/main" id="{39C7096E-5504-42AB-B33C-CB631DE83AB4}"/>
+                </a:ext>
+              </a:extLst>
+            </p:cNvPr>
+            <p:cNvSpPr/>
+            <p:nvPr/>
+          </p:nvSpPr>
+          <p:spPr>
+            <a:xfrm>
+              <a:off x="2149428" y="314279"/>
+              <a:ext cx="360000" cy="360000"/>
+            </a:xfrm>
+            <a:prstGeom prst="roundRect">
+              <a:avLst/>
+            </a:prstGeom>
+            <a:solidFill>
+              <a:schemeClr val="accent1"/>
+            </a:solidFill>
+            <a:ln w="6350">
+              <a:solidFill>
+                <a:schemeClr val="tx1"/>
+              </a:solidFill>
+            </a:ln>
+          </p:spPr>
+          <p:style>
+            <a:lnRef idx="2">
+              <a:schemeClr val="accent1">
+                <a:shade val="50000"/>
+              </a:schemeClr>
+            </a:lnRef>
+            <a:fillRef idx="1">
+              <a:schemeClr val="accent1"/>
+            </a:fillRef>
+            <a:effectRef idx="0">
+              <a:schemeClr val="accent1"/>
+            </a:effectRef>
+            <a:fontRef idx="minor">
+              <a:schemeClr val="lt1"/>
+            </a:fontRef>
+          </p:style>
+          <p:txBody>
+            <a:bodyPr rtlCol="0" anchor="ctr"/>
+            <a:lstStyle/>
+            <a:p>
+              <a:pPr algn="ctr"/>
+              <a:endParaRPr lang="zh-CN" altLang="en-US" dirty="0"/>
+            </a:p>
+          </p:txBody>
+        </p:sp>
+        <p:sp>
+          <p:nvSpPr>
+            <p:cNvPr id="138" name="矩形 137">
+              <a:extLst>
+                <a:ext uri="{FF2B5EF4-FFF2-40B4-BE49-F238E27FC236}">
+                  <a16:creationId xmlns:a16="http://schemas.microsoft.com/office/drawing/2014/main" id="{BA427ED5-F13A-4AC4-B4F4-690D9D06D976}"/>
+                </a:ext>
+              </a:extLst>
+            </p:cNvPr>
+            <p:cNvSpPr/>
+            <p:nvPr/>
+          </p:nvSpPr>
+          <p:spPr>
+            <a:xfrm>
+              <a:off x="2509428" y="224279"/>
+              <a:ext cx="180000" cy="540000"/>
+            </a:xfrm>
+            <a:prstGeom prst="rect">
+              <a:avLst/>
+            </a:prstGeom>
+            <a:solidFill>
+              <a:schemeClr val="bg1">
+                <a:lumMod val="50000"/>
+              </a:schemeClr>
+            </a:solidFill>
+            <a:ln w="6350">
+              <a:solidFill>
+                <a:schemeClr val="tx1"/>
+              </a:solidFill>
+            </a:ln>
+          </p:spPr>
+          <p:style>
+            <a:lnRef idx="2">
+              <a:schemeClr val="accent1">
+                <a:shade val="50000"/>
+              </a:schemeClr>
+            </a:lnRef>
+            <a:fillRef idx="1">
+              <a:schemeClr val="accent1"/>
+            </a:fillRef>
+            <a:effectRef idx="0">
+              <a:schemeClr val="accent1"/>
+            </a:effectRef>
+            <a:fontRef idx="minor">
+              <a:schemeClr val="lt1"/>
+            </a:fontRef>
+          </p:style>
+          <p:txBody>
+            <a:bodyPr rtlCol="0" anchor="ctr"/>
+            <a:lstStyle/>
+            <a:p>
+              <a:pPr algn="ctr"/>
+              <a:endParaRPr lang="zh-CN" altLang="en-US" dirty="0"/>
+            </a:p>
+          </p:txBody>
+        </p:sp>
+        <p:sp>
+          <p:nvSpPr>
+            <p:cNvPr id="139" name="矩形 138">
+              <a:extLst>
+                <a:ext uri="{FF2B5EF4-FFF2-40B4-BE49-F238E27FC236}">
+                  <a16:creationId xmlns:a16="http://schemas.microsoft.com/office/drawing/2014/main" id="{AACDD4C7-12B2-4B94-AB3E-102F4743319D}"/>
+                </a:ext>
+              </a:extLst>
+            </p:cNvPr>
+            <p:cNvSpPr/>
+            <p:nvPr/>
+          </p:nvSpPr>
+          <p:spPr>
+            <a:xfrm>
+              <a:off x="2293428" y="44279"/>
+              <a:ext cx="72000" cy="450000"/>
+            </a:xfrm>
+            <a:prstGeom prst="rect">
+              <a:avLst/>
+            </a:prstGeom>
+            <a:solidFill>
+              <a:schemeClr val="accent3">
+                <a:lumMod val="50000"/>
+              </a:schemeClr>
+            </a:solidFill>
+            <a:ln w="6350">
+              <a:solidFill>
+                <a:schemeClr val="tx1"/>
+              </a:solidFill>
+            </a:ln>
+          </p:spPr>
+          <p:style>
+            <a:lnRef idx="2">
+              <a:schemeClr val="accent1">
+                <a:shade val="50000"/>
+              </a:schemeClr>
+            </a:lnRef>
+            <a:fillRef idx="1">
+              <a:schemeClr val="accent1"/>
+            </a:fillRef>
+            <a:effectRef idx="0">
+              <a:schemeClr val="accent1"/>
+            </a:effectRef>
+            <a:fontRef idx="minor">
+              <a:schemeClr val="lt1"/>
+            </a:fontRef>
+          </p:style>
+          <p:txBody>
+            <a:bodyPr rtlCol="0" anchor="ctr"/>
+            <a:lstStyle/>
+            <a:p>
+              <a:pPr algn="ctr"/>
+              <a:endParaRPr lang="zh-CN" altLang="en-US" dirty="0"/>
+            </a:p>
+          </p:txBody>
+        </p:sp>
+        <p:sp>
+          <p:nvSpPr>
+            <p:cNvPr id="140" name="椭圆 139">
+              <a:extLst>
+                <a:ext uri="{FF2B5EF4-FFF2-40B4-BE49-F238E27FC236}">
+                  <a16:creationId xmlns:a16="http://schemas.microsoft.com/office/drawing/2014/main" id="{00A18BE4-F23E-4760-8174-352663DD9997}"/>
+                </a:ext>
+              </a:extLst>
+            </p:cNvPr>
+            <p:cNvSpPr/>
+            <p:nvPr/>
+          </p:nvSpPr>
+          <p:spPr>
+            <a:xfrm>
+              <a:off x="2221428" y="386279"/>
+              <a:ext cx="216000" cy="216000"/>
+            </a:xfrm>
+            <a:prstGeom prst="ellipse">
+              <a:avLst/>
+            </a:prstGeom>
+            <a:solidFill>
+              <a:schemeClr val="accent3">
+                <a:lumMod val="50000"/>
+              </a:schemeClr>
+            </a:solidFill>
+            <a:ln w="6350">
+              <a:solidFill>
+                <a:schemeClr val="tx1"/>
+              </a:solidFill>
+            </a:ln>
+          </p:spPr>
+          <p:style>
+            <a:lnRef idx="1">
+              <a:schemeClr val="dk1"/>
+            </a:lnRef>
+            <a:fillRef idx="2">
+              <a:schemeClr val="dk1"/>
+            </a:fillRef>
+            <a:effectRef idx="1">
+              <a:schemeClr val="dk1"/>
+            </a:effectRef>
+            <a:fontRef idx="minor">
+              <a:schemeClr val="dk1"/>
+            </a:fontRef>
+          </p:style>
+          <p:txBody>
+            <a:bodyPr rtlCol="0" anchor="ctr"/>
+            <a:lstStyle/>
+            <a:p>
+              <a:pPr algn="ctr"/>
+              <a:endParaRPr lang="zh-CN" altLang="en-US">
+                <a:ln>
+                  <a:solidFill>
+                    <a:sysClr val="windowText" lastClr="000000"/>
+                  </a:solidFill>
+                </a:ln>
+              </a:endParaRPr>
+            </a:p>
+          </p:txBody>
+        </p:sp>
+        <p:sp>
+          <p:nvSpPr>
+            <p:cNvPr id="141" name="矩形 140">
+              <a:extLst>
+                <a:ext uri="{FF2B5EF4-FFF2-40B4-BE49-F238E27FC236}">
+                  <a16:creationId xmlns:a16="http://schemas.microsoft.com/office/drawing/2014/main" id="{97839CE4-FB3E-4CB9-8F0B-BE75D9052D45}"/>
+                </a:ext>
+              </a:extLst>
+            </p:cNvPr>
+            <p:cNvSpPr/>
+            <p:nvPr/>
+          </p:nvSpPr>
+          <p:spPr>
+            <a:xfrm>
+              <a:off x="1969428" y="224279"/>
+              <a:ext cx="180000" cy="540000"/>
+            </a:xfrm>
+            <a:prstGeom prst="rect">
+              <a:avLst/>
+            </a:prstGeom>
+            <a:solidFill>
+              <a:schemeClr val="bg1">
+                <a:lumMod val="50000"/>
+              </a:schemeClr>
+            </a:solidFill>
+            <a:ln w="6350">
+              <a:solidFill>
+                <a:schemeClr val="tx1"/>
+              </a:solidFill>
+            </a:ln>
+          </p:spPr>
+          <p:style>
+            <a:lnRef idx="2">
+              <a:schemeClr val="accent1">
+                <a:shade val="50000"/>
+              </a:schemeClr>
+            </a:lnRef>
+            <a:fillRef idx="1">
+              <a:schemeClr val="accent1"/>
+            </a:fillRef>
+            <a:effectRef idx="0">
+              <a:schemeClr val="accent1"/>
+            </a:effectRef>
+            <a:fontRef idx="minor">
+              <a:schemeClr val="lt1"/>
+            </a:fontRef>
+          </p:style>
+          <p:txBody>
+            <a:bodyPr rtlCol="0" anchor="ctr"/>
+            <a:lstStyle/>
+            <a:p>
+              <a:pPr algn="ctr"/>
+              <a:endParaRPr lang="zh-CN" altLang="en-US" dirty="0"/>
+            </a:p>
+          </p:txBody>
+        </p:sp>
+        <p:grpSp>
+          <p:nvGrpSpPr>
+            <p:cNvPr id="142" name="组合 141">
+              <a:extLst>
+                <a:ext uri="{FF2B5EF4-FFF2-40B4-BE49-F238E27FC236}">
+                  <a16:creationId xmlns:a16="http://schemas.microsoft.com/office/drawing/2014/main" id="{C24ADEAD-5A68-4F65-AF1B-A58B80D49C59}"/>
+                </a:ext>
+              </a:extLst>
+            </p:cNvPr>
+            <p:cNvGrpSpPr/>
+            <p:nvPr/>
+          </p:nvGrpSpPr>
+          <p:grpSpPr>
+            <a:xfrm>
+              <a:off x="2509428" y="296002"/>
+              <a:ext cx="180000" cy="450000"/>
+              <a:chOff x="2368978" y="915146"/>
+              <a:chExt cx="180000" cy="450000"/>
+            </a:xfrm>
+          </p:grpSpPr>
+          <p:sp>
+            <p:nvSpPr>
+              <p:cNvPr id="143" name="矩形 142">
+                <a:extLst>
+                  <a:ext uri="{FF2B5EF4-FFF2-40B4-BE49-F238E27FC236}">
+                    <a16:creationId xmlns:a16="http://schemas.microsoft.com/office/drawing/2014/main" id="{2C2C8763-273D-41AC-858A-6FC8A5D612B1}"/>
+                  </a:ext>
+                </a:extLst>
+              </p:cNvPr>
+              <p:cNvSpPr/>
+              <p:nvPr/>
+            </p:nvSpPr>
+            <p:spPr>
+              <a:xfrm>
+                <a:off x="2368978" y="915146"/>
+                <a:ext cx="180000" cy="90000"/>
+              </a:xfrm>
+              <a:prstGeom prst="rect">
+                <a:avLst/>
+              </a:prstGeom>
+              <a:solidFill>
+                <a:schemeClr val="bg1">
+                  <a:lumMod val="50000"/>
+                </a:schemeClr>
+              </a:solidFill>
+              <a:ln w="6350">
+                <a:solidFill>
+                  <a:schemeClr val="tx1"/>
+                </a:solidFill>
+              </a:ln>
+            </p:spPr>
+            <p:style>
+              <a:lnRef idx="2">
+                <a:schemeClr val="accent1">
+                  <a:shade val="50000"/>
+                </a:schemeClr>
+              </a:lnRef>
+              <a:fillRef idx="1">
+                <a:schemeClr val="accent1"/>
+              </a:fillRef>
+              <a:effectRef idx="0">
+                <a:schemeClr val="accent1"/>
+              </a:effectRef>
+              <a:fontRef idx="minor">
+                <a:schemeClr val="lt1"/>
+              </a:fontRef>
+            </p:style>
+            <p:txBody>
+              <a:bodyPr rtlCol="0" anchor="ctr"/>
+              <a:lstStyle/>
+              <a:p>
+                <a:pPr algn="ctr"/>
+                <a:endParaRPr lang="zh-CN" altLang="en-US" dirty="0"/>
+              </a:p>
+            </p:txBody>
+          </p:sp>
+          <p:sp>
+            <p:nvSpPr>
+              <p:cNvPr id="144" name="矩形 143">
+                <a:extLst>
+                  <a:ext uri="{FF2B5EF4-FFF2-40B4-BE49-F238E27FC236}">
+                    <a16:creationId xmlns:a16="http://schemas.microsoft.com/office/drawing/2014/main" id="{ED38B073-4EE1-4049-9863-241AFF3BA580}"/>
+                  </a:ext>
+                </a:extLst>
+              </p:cNvPr>
+              <p:cNvSpPr/>
+              <p:nvPr/>
+            </p:nvSpPr>
+            <p:spPr>
+              <a:xfrm>
+                <a:off x="2368978" y="1005146"/>
+                <a:ext cx="180000" cy="90000"/>
+              </a:xfrm>
+              <a:prstGeom prst="rect">
+                <a:avLst/>
+              </a:prstGeom>
+              <a:solidFill>
+                <a:schemeClr val="bg1">
+                  <a:lumMod val="50000"/>
+                </a:schemeClr>
+              </a:solidFill>
+              <a:ln w="6350">
+                <a:solidFill>
+                  <a:schemeClr val="tx1"/>
+                </a:solidFill>
+              </a:ln>
+            </p:spPr>
+            <p:style>
+              <a:lnRef idx="2">
+                <a:schemeClr val="accent1">
+                  <a:shade val="50000"/>
+                </a:schemeClr>
+              </a:lnRef>
+              <a:fillRef idx="1">
+                <a:schemeClr val="accent1"/>
+              </a:fillRef>
+              <a:effectRef idx="0">
+                <a:schemeClr val="accent1"/>
+              </a:effectRef>
+              <a:fontRef idx="minor">
+                <a:schemeClr val="lt1"/>
+              </a:fontRef>
+            </p:style>
+            <p:txBody>
+              <a:bodyPr rtlCol="0" anchor="ctr"/>
+              <a:lstStyle/>
+              <a:p>
+                <a:pPr algn="ctr"/>
+                <a:endParaRPr lang="zh-CN" altLang="en-US" dirty="0"/>
+              </a:p>
+            </p:txBody>
+          </p:sp>
+          <p:sp>
+            <p:nvSpPr>
+              <p:cNvPr id="145" name="矩形 144">
+                <a:extLst>
+                  <a:ext uri="{FF2B5EF4-FFF2-40B4-BE49-F238E27FC236}">
+                    <a16:creationId xmlns:a16="http://schemas.microsoft.com/office/drawing/2014/main" id="{A3378795-68CF-43EA-B9B0-AFAD716248F4}"/>
+                  </a:ext>
+                </a:extLst>
+              </p:cNvPr>
+              <p:cNvSpPr/>
+              <p:nvPr/>
+            </p:nvSpPr>
+            <p:spPr>
+              <a:xfrm>
+                <a:off x="2368978" y="1095146"/>
+                <a:ext cx="180000" cy="90000"/>
+              </a:xfrm>
+              <a:prstGeom prst="rect">
+                <a:avLst/>
+              </a:prstGeom>
+              <a:solidFill>
+                <a:schemeClr val="bg1">
+                  <a:lumMod val="50000"/>
+                </a:schemeClr>
+              </a:solidFill>
+              <a:ln w="6350">
+                <a:solidFill>
+                  <a:schemeClr val="tx1"/>
+                </a:solidFill>
+              </a:ln>
+            </p:spPr>
+            <p:style>
+              <a:lnRef idx="2">
+                <a:schemeClr val="accent1">
+                  <a:shade val="50000"/>
+                </a:schemeClr>
+              </a:lnRef>
+              <a:fillRef idx="1">
+                <a:schemeClr val="accent1"/>
+              </a:fillRef>
+              <a:effectRef idx="0">
+                <a:schemeClr val="accent1"/>
+              </a:effectRef>
+              <a:fontRef idx="minor">
+                <a:schemeClr val="lt1"/>
+              </a:fontRef>
+            </p:style>
+            <p:txBody>
+              <a:bodyPr rtlCol="0" anchor="ctr"/>
+              <a:lstStyle/>
+              <a:p>
+                <a:pPr algn="ctr"/>
+                <a:endParaRPr lang="zh-CN" altLang="en-US" dirty="0"/>
+              </a:p>
+            </p:txBody>
+          </p:sp>
+          <p:sp>
+            <p:nvSpPr>
+              <p:cNvPr id="146" name="矩形 145">
+                <a:extLst>
+                  <a:ext uri="{FF2B5EF4-FFF2-40B4-BE49-F238E27FC236}">
+                    <a16:creationId xmlns:a16="http://schemas.microsoft.com/office/drawing/2014/main" id="{9127BDDF-8D4C-481E-9AF2-331423BF46DE}"/>
+                  </a:ext>
+                </a:extLst>
+              </p:cNvPr>
+              <p:cNvSpPr/>
+              <p:nvPr/>
+            </p:nvSpPr>
+            <p:spPr>
+              <a:xfrm>
+                <a:off x="2368978" y="1185146"/>
+                <a:ext cx="180000" cy="90000"/>
+              </a:xfrm>
+              <a:prstGeom prst="rect">
+                <a:avLst/>
+              </a:prstGeom>
+              <a:solidFill>
+                <a:schemeClr val="bg1">
+                  <a:lumMod val="50000"/>
+                </a:schemeClr>
+              </a:solidFill>
+              <a:ln w="6350">
+                <a:solidFill>
+                  <a:schemeClr val="tx1"/>
+                </a:solidFill>
+              </a:ln>
+            </p:spPr>
+            <p:style>
+              <a:lnRef idx="2">
+                <a:schemeClr val="accent1">
+                  <a:shade val="50000"/>
+                </a:schemeClr>
+              </a:lnRef>
+              <a:fillRef idx="1">
+                <a:schemeClr val="accent1"/>
+              </a:fillRef>
+              <a:effectRef idx="0">
+                <a:schemeClr val="accent1"/>
+              </a:effectRef>
+              <a:fontRef idx="minor">
+                <a:schemeClr val="lt1"/>
+              </a:fontRef>
+            </p:style>
+            <p:txBody>
+              <a:bodyPr rtlCol="0" anchor="ctr"/>
+              <a:lstStyle/>
+              <a:p>
+                <a:pPr algn="ctr"/>
+                <a:endParaRPr lang="zh-CN" altLang="en-US" dirty="0"/>
+              </a:p>
+            </p:txBody>
+          </p:sp>
+          <p:sp>
+            <p:nvSpPr>
+              <p:cNvPr id="147" name="矩形 146">
+                <a:extLst>
+                  <a:ext uri="{FF2B5EF4-FFF2-40B4-BE49-F238E27FC236}">
+                    <a16:creationId xmlns:a16="http://schemas.microsoft.com/office/drawing/2014/main" id="{622BB17D-20BD-41CF-8BD3-B12BF98A3F63}"/>
+                  </a:ext>
+                </a:extLst>
+              </p:cNvPr>
+              <p:cNvSpPr/>
+              <p:nvPr/>
+            </p:nvSpPr>
+            <p:spPr>
+              <a:xfrm>
+                <a:off x="2368978" y="1275146"/>
+                <a:ext cx="180000" cy="90000"/>
+              </a:xfrm>
+              <a:prstGeom prst="rect">
+                <a:avLst/>
+              </a:prstGeom>
+              <a:solidFill>
+                <a:schemeClr val="bg1">
+                  <a:lumMod val="50000"/>
+                </a:schemeClr>
+              </a:solidFill>
+              <a:ln w="6350">
+                <a:solidFill>
+                  <a:schemeClr val="tx1"/>
+                </a:solidFill>
+              </a:ln>
+            </p:spPr>
+            <p:style>
+              <a:lnRef idx="2">
+                <a:schemeClr val="accent1">
+                  <a:shade val="50000"/>
+                </a:schemeClr>
+              </a:lnRef>
+              <a:fillRef idx="1">
+                <a:schemeClr val="accent1"/>
+              </a:fillRef>
+              <a:effectRef idx="0">
+                <a:schemeClr val="accent1"/>
+              </a:effectRef>
+              <a:fontRef idx="minor">
+                <a:schemeClr val="lt1"/>
+              </a:fontRef>
+            </p:style>
+            <p:txBody>
+              <a:bodyPr rtlCol="0" anchor="ctr"/>
+              <a:lstStyle/>
+              <a:p>
+                <a:pPr algn="ctr"/>
+                <a:endParaRPr lang="zh-CN" altLang="en-US" dirty="0"/>
+              </a:p>
+            </p:txBody>
+          </p:sp>
+        </p:grpSp>
+        <p:grpSp>
+          <p:nvGrpSpPr>
+            <p:cNvPr id="148" name="组合 147">
+              <a:extLst>
+                <a:ext uri="{FF2B5EF4-FFF2-40B4-BE49-F238E27FC236}">
+                  <a16:creationId xmlns:a16="http://schemas.microsoft.com/office/drawing/2014/main" id="{333A45B3-DD8B-438D-8F94-5BE96074648B}"/>
+                </a:ext>
+              </a:extLst>
+            </p:cNvPr>
+            <p:cNvGrpSpPr/>
+            <p:nvPr/>
+          </p:nvGrpSpPr>
+          <p:grpSpPr>
+            <a:xfrm>
+              <a:off x="1969428" y="296002"/>
+              <a:ext cx="180000" cy="450000"/>
+              <a:chOff x="2368978" y="915146"/>
+              <a:chExt cx="180000" cy="450000"/>
+            </a:xfrm>
+          </p:grpSpPr>
+          <p:sp>
+            <p:nvSpPr>
+              <p:cNvPr id="149" name="矩形 148">
+                <a:extLst>
+                  <a:ext uri="{FF2B5EF4-FFF2-40B4-BE49-F238E27FC236}">
+                    <a16:creationId xmlns:a16="http://schemas.microsoft.com/office/drawing/2014/main" id="{2E3ADB96-EB74-4674-A016-E32AFAF75F9B}"/>
+                  </a:ext>
+                </a:extLst>
+              </p:cNvPr>
+              <p:cNvSpPr/>
+              <p:nvPr/>
+            </p:nvSpPr>
+            <p:spPr>
+              <a:xfrm>
+                <a:off x="2368978" y="915146"/>
+                <a:ext cx="180000" cy="90000"/>
+              </a:xfrm>
+              <a:prstGeom prst="rect">
+                <a:avLst/>
+              </a:prstGeom>
+              <a:solidFill>
+                <a:schemeClr val="bg1">
+                  <a:lumMod val="50000"/>
+                </a:schemeClr>
+              </a:solidFill>
+              <a:ln w="6350">
+                <a:solidFill>
+                  <a:schemeClr val="tx1"/>
+                </a:solidFill>
+              </a:ln>
+            </p:spPr>
+            <p:style>
+              <a:lnRef idx="2">
+                <a:schemeClr val="accent1">
+                  <a:shade val="50000"/>
+                </a:schemeClr>
+              </a:lnRef>
+              <a:fillRef idx="1">
+                <a:schemeClr val="accent1"/>
+              </a:fillRef>
+              <a:effectRef idx="0">
+                <a:schemeClr val="accent1"/>
+              </a:effectRef>
+              <a:fontRef idx="minor">
+                <a:schemeClr val="lt1"/>
+              </a:fontRef>
+            </p:style>
+            <p:txBody>
+              <a:bodyPr rtlCol="0" anchor="ctr"/>
+              <a:lstStyle/>
+              <a:p>
+                <a:pPr algn="ctr"/>
+                <a:endParaRPr lang="zh-CN" altLang="en-US" dirty="0"/>
+              </a:p>
+            </p:txBody>
+          </p:sp>
+          <p:sp>
+            <p:nvSpPr>
+              <p:cNvPr id="150" name="矩形 149">
+                <a:extLst>
+                  <a:ext uri="{FF2B5EF4-FFF2-40B4-BE49-F238E27FC236}">
+                    <a16:creationId xmlns:a16="http://schemas.microsoft.com/office/drawing/2014/main" id="{34602943-0B62-4650-AA3C-16F969A8F099}"/>
+                  </a:ext>
+                </a:extLst>
+              </p:cNvPr>
+              <p:cNvSpPr/>
+              <p:nvPr/>
+            </p:nvSpPr>
+            <p:spPr>
+              <a:xfrm>
+                <a:off x="2368978" y="1005146"/>
+                <a:ext cx="180000" cy="90000"/>
+              </a:xfrm>
+              <a:prstGeom prst="rect">
+                <a:avLst/>
+              </a:prstGeom>
+              <a:solidFill>
+                <a:schemeClr val="bg1">
+                  <a:lumMod val="50000"/>
+                </a:schemeClr>
+              </a:solidFill>
+              <a:ln w="6350">
+                <a:solidFill>
+                  <a:schemeClr val="tx1"/>
+                </a:solidFill>
+              </a:ln>
+            </p:spPr>
+            <p:style>
+              <a:lnRef idx="2">
+                <a:schemeClr val="accent1">
+                  <a:shade val="50000"/>
+                </a:schemeClr>
+              </a:lnRef>
+              <a:fillRef idx="1">
+                <a:schemeClr val="accent1"/>
+              </a:fillRef>
+              <a:effectRef idx="0">
+                <a:schemeClr val="accent1"/>
+              </a:effectRef>
+              <a:fontRef idx="minor">
+                <a:schemeClr val="lt1"/>
+              </a:fontRef>
+            </p:style>
+            <p:txBody>
+              <a:bodyPr rtlCol="0" anchor="ctr"/>
+              <a:lstStyle/>
+              <a:p>
+                <a:pPr algn="ctr"/>
+                <a:endParaRPr lang="zh-CN" altLang="en-US" dirty="0"/>
+              </a:p>
+            </p:txBody>
+          </p:sp>
+          <p:sp>
+            <p:nvSpPr>
+              <p:cNvPr id="151" name="矩形 150">
+                <a:extLst>
+                  <a:ext uri="{FF2B5EF4-FFF2-40B4-BE49-F238E27FC236}">
+                    <a16:creationId xmlns:a16="http://schemas.microsoft.com/office/drawing/2014/main" id="{4DDF7D79-213B-446F-8EEB-FFC07808D7E2}"/>
+                  </a:ext>
+                </a:extLst>
+              </p:cNvPr>
+              <p:cNvSpPr/>
+              <p:nvPr/>
+            </p:nvSpPr>
+            <p:spPr>
+              <a:xfrm>
+                <a:off x="2368978" y="1095146"/>
+                <a:ext cx="180000" cy="90000"/>
+              </a:xfrm>
+              <a:prstGeom prst="rect">
+                <a:avLst/>
+              </a:prstGeom>
+              <a:solidFill>
+                <a:schemeClr val="bg1">
+                  <a:lumMod val="50000"/>
+                </a:schemeClr>
+              </a:solidFill>
+              <a:ln w="6350">
+                <a:solidFill>
+                  <a:schemeClr val="tx1"/>
+                </a:solidFill>
+              </a:ln>
+            </p:spPr>
+            <p:style>
+              <a:lnRef idx="2">
+                <a:schemeClr val="accent1">
+                  <a:shade val="50000"/>
+                </a:schemeClr>
+              </a:lnRef>
+              <a:fillRef idx="1">
+                <a:schemeClr val="accent1"/>
+              </a:fillRef>
+              <a:effectRef idx="0">
+                <a:schemeClr val="accent1"/>
+              </a:effectRef>
+              <a:fontRef idx="minor">
+                <a:schemeClr val="lt1"/>
+              </a:fontRef>
+            </p:style>
+            <p:txBody>
+              <a:bodyPr rtlCol="0" anchor="ctr"/>
+              <a:lstStyle/>
+              <a:p>
+                <a:pPr algn="ctr"/>
+                <a:endParaRPr lang="zh-CN" altLang="en-US" dirty="0"/>
+              </a:p>
+            </p:txBody>
+          </p:sp>
+          <p:sp>
+            <p:nvSpPr>
+              <p:cNvPr id="152" name="矩形 151">
+                <a:extLst>
+                  <a:ext uri="{FF2B5EF4-FFF2-40B4-BE49-F238E27FC236}">
+                    <a16:creationId xmlns:a16="http://schemas.microsoft.com/office/drawing/2014/main" id="{91DDE442-CBA5-48A6-949E-FA1144FDC767}"/>
+                  </a:ext>
+                </a:extLst>
+              </p:cNvPr>
+              <p:cNvSpPr/>
+              <p:nvPr/>
+            </p:nvSpPr>
+            <p:spPr>
+              <a:xfrm>
+                <a:off x="2368978" y="1185146"/>
+                <a:ext cx="180000" cy="90000"/>
+              </a:xfrm>
+              <a:prstGeom prst="rect">
+                <a:avLst/>
+              </a:prstGeom>
+              <a:solidFill>
+                <a:schemeClr val="bg1">
+                  <a:lumMod val="50000"/>
+                </a:schemeClr>
+              </a:solidFill>
+              <a:ln w="6350">
+                <a:solidFill>
+                  <a:schemeClr val="tx1"/>
+                </a:solidFill>
+              </a:ln>
+            </p:spPr>
+            <p:style>
+              <a:lnRef idx="2">
+                <a:schemeClr val="accent1">
+                  <a:shade val="50000"/>
+                </a:schemeClr>
+              </a:lnRef>
+              <a:fillRef idx="1">
+                <a:schemeClr val="accent1"/>
+              </a:fillRef>
+              <a:effectRef idx="0">
+                <a:schemeClr val="accent1"/>
+              </a:effectRef>
+              <a:fontRef idx="minor">
+                <a:schemeClr val="lt1"/>
+              </a:fontRef>
+            </p:style>
+            <p:txBody>
+              <a:bodyPr rtlCol="0" anchor="ctr"/>
+              <a:lstStyle/>
+              <a:p>
+                <a:pPr algn="ctr"/>
+                <a:endParaRPr lang="zh-CN" altLang="en-US" dirty="0"/>
+              </a:p>
+            </p:txBody>
+          </p:sp>
+          <p:sp>
+            <p:nvSpPr>
+              <p:cNvPr id="153" name="矩形 152">
+                <a:extLst>
+                  <a:ext uri="{FF2B5EF4-FFF2-40B4-BE49-F238E27FC236}">
+                    <a16:creationId xmlns:a16="http://schemas.microsoft.com/office/drawing/2014/main" id="{FDA772CC-9625-4055-A6A3-895A1A9D614A}"/>
+                  </a:ext>
+                </a:extLst>
+              </p:cNvPr>
+              <p:cNvSpPr/>
+              <p:nvPr/>
+            </p:nvSpPr>
+            <p:spPr>
+              <a:xfrm>
+                <a:off x="2368978" y="1275146"/>
+                <a:ext cx="180000" cy="90000"/>
+              </a:xfrm>
+              <a:prstGeom prst="rect">
+                <a:avLst/>
+              </a:prstGeom>
+              <a:solidFill>
+                <a:schemeClr val="bg1">
+                  <a:lumMod val="50000"/>
+                </a:schemeClr>
+              </a:solidFill>
+              <a:ln w="6350">
+                <a:solidFill>
+                  <a:schemeClr val="tx1"/>
+                </a:solidFill>
+              </a:ln>
+            </p:spPr>
+            <p:style>
+              <a:lnRef idx="2">
+                <a:schemeClr val="accent1">
+                  <a:shade val="50000"/>
+                </a:schemeClr>
+              </a:lnRef>
+              <a:fillRef idx="1">
+                <a:schemeClr val="accent1"/>
+              </a:fillRef>
+              <a:effectRef idx="0">
+                <a:schemeClr val="accent1"/>
+              </a:effectRef>
+              <a:fontRef idx="minor">
+                <a:schemeClr val="lt1"/>
+              </a:fontRef>
+            </p:style>
+            <p:txBody>
+              <a:bodyPr rtlCol="0" anchor="ctr"/>
+              <a:lstStyle/>
+              <a:p>
+                <a:pPr algn="ctr"/>
+                <a:endParaRPr lang="zh-CN" altLang="en-US" dirty="0"/>
+              </a:p>
+            </p:txBody>
+          </p:sp>
+        </p:grpSp>
+      </p:grpSp>
+      <p:grpSp>
+        <p:nvGrpSpPr>
+          <p:cNvPr id="172" name="组合 171">
+            <a:extLst>
+              <a:ext uri="{FF2B5EF4-FFF2-40B4-BE49-F238E27FC236}">
+                <a16:creationId xmlns:a16="http://schemas.microsoft.com/office/drawing/2014/main" id="{A04FE550-6189-46AC-8305-C104C68FB907}"/>
+              </a:ext>
+            </a:extLst>
+          </p:cNvPr>
+          <p:cNvGrpSpPr/>
+          <p:nvPr/>
+        </p:nvGrpSpPr>
+        <p:grpSpPr>
+          <a:xfrm>
+            <a:off x="1958385" y="95947"/>
+            <a:ext cx="382189" cy="367895"/>
+            <a:chOff x="2863228" y="48809"/>
+            <a:chExt cx="720000" cy="721160"/>
+          </a:xfrm>
+        </p:grpSpPr>
+        <p:sp>
+          <p:nvSpPr>
+            <p:cNvPr id="155" name="矩形: 圆角 154">
+              <a:extLst>
+                <a:ext uri="{FF2B5EF4-FFF2-40B4-BE49-F238E27FC236}">
+                  <a16:creationId xmlns:a16="http://schemas.microsoft.com/office/drawing/2014/main" id="{E3A4F27C-E739-4D93-9EED-7833D51C3E11}"/>
+                </a:ext>
+              </a:extLst>
+            </p:cNvPr>
+            <p:cNvSpPr/>
+            <p:nvPr/>
+          </p:nvSpPr>
+          <p:spPr>
+            <a:xfrm>
+              <a:off x="3043228" y="318809"/>
+              <a:ext cx="360000" cy="360000"/>
+            </a:xfrm>
+            <a:prstGeom prst="roundRect">
+              <a:avLst/>
+            </a:prstGeom>
+            <a:solidFill>
+              <a:schemeClr val="accent1"/>
+            </a:solidFill>
+            <a:ln w="12700">
+              <a:solidFill>
+                <a:schemeClr val="tx1"/>
+              </a:solidFill>
+            </a:ln>
+          </p:spPr>
+          <p:style>
+            <a:lnRef idx="2">
+              <a:schemeClr val="accent1">
+                <a:shade val="50000"/>
+              </a:schemeClr>
+            </a:lnRef>
+            <a:fillRef idx="1">
+              <a:schemeClr val="accent1"/>
+            </a:fillRef>
+            <a:effectRef idx="0">
+              <a:schemeClr val="accent1"/>
+            </a:effectRef>
+            <a:fontRef idx="minor">
+              <a:schemeClr val="lt1"/>
+            </a:fontRef>
+          </p:style>
+          <p:txBody>
+            <a:bodyPr rtlCol="0" anchor="ctr"/>
+            <a:lstStyle/>
+            <a:p>
+              <a:pPr algn="ctr"/>
+              <a:endParaRPr lang="zh-CN" altLang="en-US" dirty="0"/>
+            </a:p>
+          </p:txBody>
+        </p:sp>
+        <p:sp>
+          <p:nvSpPr>
+            <p:cNvPr id="156" name="矩形 155">
+              <a:extLst>
+                <a:ext uri="{FF2B5EF4-FFF2-40B4-BE49-F238E27FC236}">
+                  <a16:creationId xmlns:a16="http://schemas.microsoft.com/office/drawing/2014/main" id="{842772B0-D99B-4DEC-AE53-1CEF9BD1F5F1}"/>
+                </a:ext>
+              </a:extLst>
+            </p:cNvPr>
+            <p:cNvSpPr/>
+            <p:nvPr/>
+          </p:nvSpPr>
+          <p:spPr>
+            <a:xfrm>
+              <a:off x="3403228" y="228809"/>
+              <a:ext cx="180000" cy="540000"/>
+            </a:xfrm>
+            <a:prstGeom prst="rect">
+              <a:avLst/>
+            </a:prstGeom>
+            <a:solidFill>
+              <a:schemeClr val="bg1">
+                <a:lumMod val="50000"/>
+              </a:schemeClr>
+            </a:solidFill>
+            <a:ln w="12700">
+              <a:solidFill>
+                <a:schemeClr val="tx1"/>
+              </a:solidFill>
+            </a:ln>
+          </p:spPr>
+          <p:style>
+            <a:lnRef idx="2">
+              <a:schemeClr val="accent1">
+                <a:shade val="50000"/>
+              </a:schemeClr>
+            </a:lnRef>
+            <a:fillRef idx="1">
+              <a:schemeClr val="accent1"/>
+            </a:fillRef>
+            <a:effectRef idx="0">
+              <a:schemeClr val="accent1"/>
+            </a:effectRef>
+            <a:fontRef idx="minor">
+              <a:schemeClr val="lt1"/>
+            </a:fontRef>
+          </p:style>
+          <p:txBody>
+            <a:bodyPr rtlCol="0" anchor="ctr"/>
+            <a:lstStyle/>
+            <a:p>
+              <a:pPr algn="ctr"/>
+              <a:endParaRPr lang="zh-CN" altLang="en-US" dirty="0"/>
+            </a:p>
+          </p:txBody>
+        </p:sp>
+        <p:sp>
+          <p:nvSpPr>
+            <p:cNvPr id="157" name="矩形 156">
+              <a:extLst>
+                <a:ext uri="{FF2B5EF4-FFF2-40B4-BE49-F238E27FC236}">
+                  <a16:creationId xmlns:a16="http://schemas.microsoft.com/office/drawing/2014/main" id="{360A52F7-8FCB-402A-8814-6F60F4185937}"/>
+                </a:ext>
+              </a:extLst>
+            </p:cNvPr>
+            <p:cNvSpPr/>
+            <p:nvPr/>
+          </p:nvSpPr>
+          <p:spPr>
+            <a:xfrm>
+              <a:off x="3187228" y="48809"/>
+              <a:ext cx="72000" cy="450000"/>
+            </a:xfrm>
+            <a:prstGeom prst="rect">
+              <a:avLst/>
+            </a:prstGeom>
+            <a:solidFill>
+              <a:schemeClr val="accent3">
+                <a:lumMod val="50000"/>
+              </a:schemeClr>
+            </a:solidFill>
+            <a:ln w="12700">
+              <a:solidFill>
+                <a:schemeClr val="tx1"/>
+              </a:solidFill>
+            </a:ln>
+          </p:spPr>
+          <p:style>
+            <a:lnRef idx="2">
+              <a:schemeClr val="accent1">
+                <a:shade val="50000"/>
+              </a:schemeClr>
+            </a:lnRef>
+            <a:fillRef idx="1">
+              <a:schemeClr val="accent1"/>
+            </a:fillRef>
+            <a:effectRef idx="0">
+              <a:schemeClr val="accent1"/>
+            </a:effectRef>
+            <a:fontRef idx="minor">
+              <a:schemeClr val="lt1"/>
+            </a:fontRef>
+          </p:style>
+          <p:txBody>
+            <a:bodyPr rtlCol="0" anchor="ctr"/>
+            <a:lstStyle/>
+            <a:p>
+              <a:pPr algn="ctr"/>
+              <a:endParaRPr lang="zh-CN" altLang="en-US" dirty="0"/>
+            </a:p>
+          </p:txBody>
+        </p:sp>
+        <p:sp>
+          <p:nvSpPr>
+            <p:cNvPr id="158" name="椭圆 157">
+              <a:extLst>
+                <a:ext uri="{FF2B5EF4-FFF2-40B4-BE49-F238E27FC236}">
+                  <a16:creationId xmlns:a16="http://schemas.microsoft.com/office/drawing/2014/main" id="{E673F166-2CA1-4AEF-A2D1-39F126717646}"/>
+                </a:ext>
+              </a:extLst>
+            </p:cNvPr>
+            <p:cNvSpPr/>
+            <p:nvPr/>
+          </p:nvSpPr>
+          <p:spPr>
+            <a:xfrm>
+              <a:off x="3115228" y="390809"/>
+              <a:ext cx="216000" cy="216000"/>
+            </a:xfrm>
+            <a:prstGeom prst="ellipse">
+              <a:avLst/>
+            </a:prstGeom>
+            <a:solidFill>
+              <a:schemeClr val="accent3">
+                <a:lumMod val="50000"/>
+              </a:schemeClr>
+            </a:solidFill>
+            <a:ln w="12700">
+              <a:solidFill>
+                <a:schemeClr val="tx1"/>
+              </a:solidFill>
+            </a:ln>
+          </p:spPr>
+          <p:style>
+            <a:lnRef idx="1">
+              <a:schemeClr val="dk1"/>
+            </a:lnRef>
+            <a:fillRef idx="2">
+              <a:schemeClr val="dk1"/>
+            </a:fillRef>
+            <a:effectRef idx="1">
+              <a:schemeClr val="dk1"/>
+            </a:effectRef>
+            <a:fontRef idx="minor">
+              <a:schemeClr val="dk1"/>
+            </a:fontRef>
+          </p:style>
+          <p:txBody>
+            <a:bodyPr rtlCol="0" anchor="ctr"/>
+            <a:lstStyle/>
+            <a:p>
+              <a:pPr algn="ctr"/>
+              <a:endParaRPr lang="zh-CN" altLang="en-US">
+                <a:ln>
+                  <a:solidFill>
+                    <a:sysClr val="windowText" lastClr="000000"/>
+                  </a:solidFill>
+                </a:ln>
+              </a:endParaRPr>
+            </a:p>
+          </p:txBody>
+        </p:sp>
+        <p:sp>
+          <p:nvSpPr>
+            <p:cNvPr id="159" name="矩形 158">
+              <a:extLst>
+                <a:ext uri="{FF2B5EF4-FFF2-40B4-BE49-F238E27FC236}">
+                  <a16:creationId xmlns:a16="http://schemas.microsoft.com/office/drawing/2014/main" id="{974EB2E0-CA22-4F44-9272-F146632E312E}"/>
+                </a:ext>
+              </a:extLst>
+            </p:cNvPr>
+            <p:cNvSpPr/>
+            <p:nvPr/>
+          </p:nvSpPr>
+          <p:spPr>
+            <a:xfrm>
+              <a:off x="2863228" y="228809"/>
+              <a:ext cx="180000" cy="540000"/>
+            </a:xfrm>
+            <a:prstGeom prst="rect">
+              <a:avLst/>
+            </a:prstGeom>
+            <a:solidFill>
+              <a:schemeClr val="bg1">
+                <a:lumMod val="50000"/>
+              </a:schemeClr>
+            </a:solidFill>
+            <a:ln w="12700">
+              <a:solidFill>
+                <a:schemeClr val="tx1"/>
+              </a:solidFill>
+            </a:ln>
+          </p:spPr>
+          <p:style>
+            <a:lnRef idx="2">
+              <a:schemeClr val="accent1">
+                <a:shade val="50000"/>
+              </a:schemeClr>
+            </a:lnRef>
+            <a:fillRef idx="1">
+              <a:schemeClr val="accent1"/>
+            </a:fillRef>
+            <a:effectRef idx="0">
+              <a:schemeClr val="accent1"/>
+            </a:effectRef>
+            <a:fontRef idx="minor">
+              <a:schemeClr val="lt1"/>
+            </a:fontRef>
+          </p:style>
+          <p:txBody>
+            <a:bodyPr rtlCol="0" anchor="ctr"/>
+            <a:lstStyle/>
+            <a:p>
+              <a:pPr algn="ctr"/>
+              <a:endParaRPr lang="zh-CN" altLang="en-US" dirty="0"/>
+            </a:p>
+          </p:txBody>
+        </p:sp>
+        <p:grpSp>
+          <p:nvGrpSpPr>
+            <p:cNvPr id="160" name="组合 159">
+              <a:extLst>
+                <a:ext uri="{FF2B5EF4-FFF2-40B4-BE49-F238E27FC236}">
+                  <a16:creationId xmlns:a16="http://schemas.microsoft.com/office/drawing/2014/main" id="{85E16177-8A44-4992-BAC5-32239943F063}"/>
+                </a:ext>
+              </a:extLst>
+            </p:cNvPr>
+            <p:cNvGrpSpPr/>
+            <p:nvPr/>
+          </p:nvGrpSpPr>
+          <p:grpSpPr>
+            <a:xfrm>
+              <a:off x="3403228" y="319969"/>
+              <a:ext cx="180000" cy="450000"/>
+              <a:chOff x="2368978" y="915146"/>
+              <a:chExt cx="180000" cy="450000"/>
+            </a:xfrm>
+          </p:grpSpPr>
+          <p:sp>
+            <p:nvSpPr>
+              <p:cNvPr id="161" name="矩形 160">
+                <a:extLst>
+                  <a:ext uri="{FF2B5EF4-FFF2-40B4-BE49-F238E27FC236}">
+                    <a16:creationId xmlns:a16="http://schemas.microsoft.com/office/drawing/2014/main" id="{492B2BB0-01BB-49F1-AC00-6EB2AD85674D}"/>
+                  </a:ext>
+                </a:extLst>
+              </p:cNvPr>
+              <p:cNvSpPr/>
+              <p:nvPr/>
+            </p:nvSpPr>
+            <p:spPr>
+              <a:xfrm>
+                <a:off x="2368978" y="915146"/>
+                <a:ext cx="180000" cy="90000"/>
+              </a:xfrm>
+              <a:prstGeom prst="rect">
+                <a:avLst/>
+              </a:prstGeom>
+              <a:solidFill>
+                <a:schemeClr val="bg1">
+                  <a:lumMod val="50000"/>
+                </a:schemeClr>
+              </a:solidFill>
+              <a:ln w="12700">
+                <a:solidFill>
+                  <a:schemeClr val="tx1"/>
+                </a:solidFill>
+              </a:ln>
+            </p:spPr>
+            <p:style>
+              <a:lnRef idx="2">
+                <a:schemeClr val="accent1">
+                  <a:shade val="50000"/>
+                </a:schemeClr>
+              </a:lnRef>
+              <a:fillRef idx="1">
+                <a:schemeClr val="accent1"/>
+              </a:fillRef>
+              <a:effectRef idx="0">
+                <a:schemeClr val="accent1"/>
+              </a:effectRef>
+              <a:fontRef idx="minor">
+                <a:schemeClr val="lt1"/>
+              </a:fontRef>
+            </p:style>
+            <p:txBody>
+              <a:bodyPr rtlCol="0" anchor="ctr"/>
+              <a:lstStyle/>
+              <a:p>
+                <a:pPr algn="ctr"/>
+                <a:endParaRPr lang="zh-CN" altLang="en-US" dirty="0"/>
+              </a:p>
+            </p:txBody>
+          </p:sp>
+          <p:sp>
+            <p:nvSpPr>
+              <p:cNvPr id="162" name="矩形 161">
+                <a:extLst>
+                  <a:ext uri="{FF2B5EF4-FFF2-40B4-BE49-F238E27FC236}">
+                    <a16:creationId xmlns:a16="http://schemas.microsoft.com/office/drawing/2014/main" id="{7C308019-E483-45E6-AC1E-8D9595F60DE3}"/>
+                  </a:ext>
+                </a:extLst>
+              </p:cNvPr>
+              <p:cNvSpPr/>
+              <p:nvPr/>
+            </p:nvSpPr>
+            <p:spPr>
+              <a:xfrm>
+                <a:off x="2368978" y="1005146"/>
+                <a:ext cx="180000" cy="90000"/>
+              </a:xfrm>
+              <a:prstGeom prst="rect">
+                <a:avLst/>
+              </a:prstGeom>
+              <a:solidFill>
+                <a:schemeClr val="bg1">
+                  <a:lumMod val="50000"/>
+                </a:schemeClr>
+              </a:solidFill>
+              <a:ln w="12700">
+                <a:solidFill>
+                  <a:schemeClr val="tx1"/>
+                </a:solidFill>
+              </a:ln>
+            </p:spPr>
+            <p:style>
+              <a:lnRef idx="2">
+                <a:schemeClr val="accent1">
+                  <a:shade val="50000"/>
+                </a:schemeClr>
+              </a:lnRef>
+              <a:fillRef idx="1">
+                <a:schemeClr val="accent1"/>
+              </a:fillRef>
+              <a:effectRef idx="0">
+                <a:schemeClr val="accent1"/>
+              </a:effectRef>
+              <a:fontRef idx="minor">
+                <a:schemeClr val="lt1"/>
+              </a:fontRef>
+            </p:style>
+            <p:txBody>
+              <a:bodyPr rtlCol="0" anchor="ctr"/>
+              <a:lstStyle/>
+              <a:p>
+                <a:pPr algn="ctr"/>
+                <a:endParaRPr lang="zh-CN" altLang="en-US" dirty="0"/>
+              </a:p>
+            </p:txBody>
+          </p:sp>
+          <p:sp>
+            <p:nvSpPr>
+              <p:cNvPr id="163" name="矩形 162">
+                <a:extLst>
+                  <a:ext uri="{FF2B5EF4-FFF2-40B4-BE49-F238E27FC236}">
+                    <a16:creationId xmlns:a16="http://schemas.microsoft.com/office/drawing/2014/main" id="{20826B30-80A9-456D-9357-7AB6C21BA505}"/>
+                  </a:ext>
+                </a:extLst>
+              </p:cNvPr>
+              <p:cNvSpPr/>
+              <p:nvPr/>
+            </p:nvSpPr>
+            <p:spPr>
+              <a:xfrm>
+                <a:off x="2368978" y="1095146"/>
+                <a:ext cx="180000" cy="90000"/>
+              </a:xfrm>
+              <a:prstGeom prst="rect">
+                <a:avLst/>
+              </a:prstGeom>
+              <a:solidFill>
+                <a:schemeClr val="bg1">
+                  <a:lumMod val="50000"/>
+                </a:schemeClr>
+              </a:solidFill>
+              <a:ln w="12700">
+                <a:solidFill>
+                  <a:schemeClr val="tx1"/>
+                </a:solidFill>
+              </a:ln>
+            </p:spPr>
+            <p:style>
+              <a:lnRef idx="2">
+                <a:schemeClr val="accent1">
+                  <a:shade val="50000"/>
+                </a:schemeClr>
+              </a:lnRef>
+              <a:fillRef idx="1">
+                <a:schemeClr val="accent1"/>
+              </a:fillRef>
+              <a:effectRef idx="0">
+                <a:schemeClr val="accent1"/>
+              </a:effectRef>
+              <a:fontRef idx="minor">
+                <a:schemeClr val="lt1"/>
+              </a:fontRef>
+            </p:style>
+            <p:txBody>
+              <a:bodyPr rtlCol="0" anchor="ctr"/>
+              <a:lstStyle/>
+              <a:p>
+                <a:pPr algn="ctr"/>
+                <a:endParaRPr lang="zh-CN" altLang="en-US" dirty="0"/>
+              </a:p>
+            </p:txBody>
+          </p:sp>
+          <p:sp>
+            <p:nvSpPr>
+              <p:cNvPr id="164" name="矩形 163">
+                <a:extLst>
+                  <a:ext uri="{FF2B5EF4-FFF2-40B4-BE49-F238E27FC236}">
+                    <a16:creationId xmlns:a16="http://schemas.microsoft.com/office/drawing/2014/main" id="{9F59F31E-D0B4-4A3C-BA32-8633AAB967A7}"/>
+                  </a:ext>
+                </a:extLst>
+              </p:cNvPr>
+              <p:cNvSpPr/>
+              <p:nvPr/>
+            </p:nvSpPr>
+            <p:spPr>
+              <a:xfrm>
+                <a:off x="2368978" y="1185146"/>
+                <a:ext cx="180000" cy="90000"/>
+              </a:xfrm>
+              <a:prstGeom prst="rect">
+                <a:avLst/>
+              </a:prstGeom>
+              <a:solidFill>
+                <a:schemeClr val="bg1">
+                  <a:lumMod val="50000"/>
+                </a:schemeClr>
+              </a:solidFill>
+              <a:ln w="12700">
+                <a:solidFill>
+                  <a:schemeClr val="tx1"/>
+                </a:solidFill>
+              </a:ln>
+            </p:spPr>
+            <p:style>
+              <a:lnRef idx="2">
+                <a:schemeClr val="accent1">
+                  <a:shade val="50000"/>
+                </a:schemeClr>
+              </a:lnRef>
+              <a:fillRef idx="1">
+                <a:schemeClr val="accent1"/>
+              </a:fillRef>
+              <a:effectRef idx="0">
+                <a:schemeClr val="accent1"/>
+              </a:effectRef>
+              <a:fontRef idx="minor">
+                <a:schemeClr val="lt1"/>
+              </a:fontRef>
+            </p:style>
+            <p:txBody>
+              <a:bodyPr rtlCol="0" anchor="ctr"/>
+              <a:lstStyle/>
+              <a:p>
+                <a:pPr algn="ctr"/>
+                <a:endParaRPr lang="zh-CN" altLang="en-US" dirty="0"/>
+              </a:p>
+            </p:txBody>
+          </p:sp>
+          <p:sp>
+            <p:nvSpPr>
+              <p:cNvPr id="165" name="矩形 164">
+                <a:extLst>
+                  <a:ext uri="{FF2B5EF4-FFF2-40B4-BE49-F238E27FC236}">
+                    <a16:creationId xmlns:a16="http://schemas.microsoft.com/office/drawing/2014/main" id="{CF556384-0B5D-4A30-A1C1-9FD323A7D68C}"/>
+                  </a:ext>
+                </a:extLst>
+              </p:cNvPr>
+              <p:cNvSpPr/>
+              <p:nvPr/>
+            </p:nvSpPr>
+            <p:spPr>
+              <a:xfrm>
+                <a:off x="2368978" y="1275146"/>
+                <a:ext cx="180000" cy="90000"/>
+              </a:xfrm>
+              <a:prstGeom prst="rect">
+                <a:avLst/>
+              </a:prstGeom>
+              <a:solidFill>
+                <a:schemeClr val="bg1">
+                  <a:lumMod val="50000"/>
+                </a:schemeClr>
+              </a:solidFill>
+              <a:ln w="12700">
+                <a:solidFill>
+                  <a:schemeClr val="tx1"/>
+                </a:solidFill>
+              </a:ln>
+            </p:spPr>
+            <p:style>
+              <a:lnRef idx="2">
+                <a:schemeClr val="accent1">
+                  <a:shade val="50000"/>
+                </a:schemeClr>
+              </a:lnRef>
+              <a:fillRef idx="1">
+                <a:schemeClr val="accent1"/>
+              </a:fillRef>
+              <a:effectRef idx="0">
+                <a:schemeClr val="accent1"/>
+              </a:effectRef>
+              <a:fontRef idx="minor">
+                <a:schemeClr val="lt1"/>
+              </a:fontRef>
+            </p:style>
+            <p:txBody>
+              <a:bodyPr rtlCol="0" anchor="ctr"/>
+              <a:lstStyle/>
+              <a:p>
+                <a:pPr algn="ctr"/>
+                <a:endParaRPr lang="zh-CN" altLang="en-US" dirty="0"/>
+              </a:p>
+            </p:txBody>
+          </p:sp>
+        </p:grpSp>
+        <p:grpSp>
+          <p:nvGrpSpPr>
+            <p:cNvPr id="166" name="组合 165">
+              <a:extLst>
+                <a:ext uri="{FF2B5EF4-FFF2-40B4-BE49-F238E27FC236}">
+                  <a16:creationId xmlns:a16="http://schemas.microsoft.com/office/drawing/2014/main" id="{94F7BAC0-3805-4B3C-A435-E0F21C1217C3}"/>
+                </a:ext>
+              </a:extLst>
+            </p:cNvPr>
+            <p:cNvGrpSpPr/>
+            <p:nvPr/>
+          </p:nvGrpSpPr>
+          <p:grpSpPr>
+            <a:xfrm>
+              <a:off x="2863228" y="319969"/>
+              <a:ext cx="180000" cy="450000"/>
+              <a:chOff x="2368978" y="915146"/>
+              <a:chExt cx="180000" cy="450000"/>
+            </a:xfrm>
+          </p:grpSpPr>
+          <p:sp>
+            <p:nvSpPr>
+              <p:cNvPr id="167" name="矩形 166">
+                <a:extLst>
+                  <a:ext uri="{FF2B5EF4-FFF2-40B4-BE49-F238E27FC236}">
+                    <a16:creationId xmlns:a16="http://schemas.microsoft.com/office/drawing/2014/main" id="{52B77077-6AEB-4556-8F66-093FDFF4B8A5}"/>
+                  </a:ext>
+                </a:extLst>
+              </p:cNvPr>
+              <p:cNvSpPr/>
+              <p:nvPr/>
+            </p:nvSpPr>
+            <p:spPr>
+              <a:xfrm>
+                <a:off x="2368978" y="915146"/>
+                <a:ext cx="180000" cy="90000"/>
+              </a:xfrm>
+              <a:prstGeom prst="rect">
+                <a:avLst/>
+              </a:prstGeom>
+              <a:solidFill>
+                <a:schemeClr val="bg1">
+                  <a:lumMod val="50000"/>
+                </a:schemeClr>
+              </a:solidFill>
+              <a:ln w="12700">
+                <a:solidFill>
+                  <a:schemeClr val="tx1"/>
+                </a:solidFill>
+              </a:ln>
+            </p:spPr>
+            <p:style>
+              <a:lnRef idx="2">
+                <a:schemeClr val="accent1">
+                  <a:shade val="50000"/>
+                </a:schemeClr>
+              </a:lnRef>
+              <a:fillRef idx="1">
+                <a:schemeClr val="accent1"/>
+              </a:fillRef>
+              <a:effectRef idx="0">
+                <a:schemeClr val="accent1"/>
+              </a:effectRef>
+              <a:fontRef idx="minor">
+                <a:schemeClr val="lt1"/>
+              </a:fontRef>
+            </p:style>
+            <p:txBody>
+              <a:bodyPr rtlCol="0" anchor="ctr"/>
+              <a:lstStyle/>
+              <a:p>
+                <a:pPr algn="ctr"/>
+                <a:endParaRPr lang="zh-CN" altLang="en-US" dirty="0"/>
+              </a:p>
+            </p:txBody>
+          </p:sp>
+          <p:sp>
+            <p:nvSpPr>
+              <p:cNvPr id="168" name="矩形 167">
+                <a:extLst>
+                  <a:ext uri="{FF2B5EF4-FFF2-40B4-BE49-F238E27FC236}">
+                    <a16:creationId xmlns:a16="http://schemas.microsoft.com/office/drawing/2014/main" id="{CEB07AA4-17EB-4901-8D25-F9CE367AB337}"/>
+                  </a:ext>
+                </a:extLst>
+              </p:cNvPr>
+              <p:cNvSpPr/>
+              <p:nvPr/>
+            </p:nvSpPr>
+            <p:spPr>
+              <a:xfrm>
+                <a:off x="2368978" y="1005146"/>
+                <a:ext cx="180000" cy="90000"/>
+              </a:xfrm>
+              <a:prstGeom prst="rect">
+                <a:avLst/>
+              </a:prstGeom>
+              <a:solidFill>
+                <a:schemeClr val="bg1">
+                  <a:lumMod val="50000"/>
+                </a:schemeClr>
+              </a:solidFill>
+              <a:ln w="12700">
+                <a:solidFill>
+                  <a:schemeClr val="tx1"/>
+                </a:solidFill>
+              </a:ln>
+            </p:spPr>
+            <p:style>
+              <a:lnRef idx="2">
+                <a:schemeClr val="accent1">
+                  <a:shade val="50000"/>
+                </a:schemeClr>
+              </a:lnRef>
+              <a:fillRef idx="1">
+                <a:schemeClr val="accent1"/>
+              </a:fillRef>
+              <a:effectRef idx="0">
+                <a:schemeClr val="accent1"/>
+              </a:effectRef>
+              <a:fontRef idx="minor">
+                <a:schemeClr val="lt1"/>
+              </a:fontRef>
+            </p:style>
+            <p:txBody>
+              <a:bodyPr rtlCol="0" anchor="ctr"/>
+              <a:lstStyle/>
+              <a:p>
+                <a:pPr algn="ctr"/>
+                <a:endParaRPr lang="zh-CN" altLang="en-US" dirty="0"/>
+              </a:p>
+            </p:txBody>
+          </p:sp>
+          <p:sp>
+            <p:nvSpPr>
+              <p:cNvPr id="169" name="矩形 168">
+                <a:extLst>
+                  <a:ext uri="{FF2B5EF4-FFF2-40B4-BE49-F238E27FC236}">
+                    <a16:creationId xmlns:a16="http://schemas.microsoft.com/office/drawing/2014/main" id="{3B647EB9-F430-4BB5-8EBB-E51D7028952A}"/>
+                  </a:ext>
+                </a:extLst>
+              </p:cNvPr>
+              <p:cNvSpPr/>
+              <p:nvPr/>
+            </p:nvSpPr>
+            <p:spPr>
+              <a:xfrm>
+                <a:off x="2368978" y="1095146"/>
+                <a:ext cx="180000" cy="90000"/>
+              </a:xfrm>
+              <a:prstGeom prst="rect">
+                <a:avLst/>
+              </a:prstGeom>
+              <a:solidFill>
+                <a:schemeClr val="bg1">
+                  <a:lumMod val="50000"/>
+                </a:schemeClr>
+              </a:solidFill>
+              <a:ln w="12700">
+                <a:solidFill>
+                  <a:schemeClr val="tx1"/>
+                </a:solidFill>
+              </a:ln>
+            </p:spPr>
+            <p:style>
+              <a:lnRef idx="2">
+                <a:schemeClr val="accent1">
+                  <a:shade val="50000"/>
+                </a:schemeClr>
+              </a:lnRef>
+              <a:fillRef idx="1">
+                <a:schemeClr val="accent1"/>
+              </a:fillRef>
+              <a:effectRef idx="0">
+                <a:schemeClr val="accent1"/>
+              </a:effectRef>
+              <a:fontRef idx="minor">
+                <a:schemeClr val="lt1"/>
+              </a:fontRef>
+            </p:style>
+            <p:txBody>
+              <a:bodyPr rtlCol="0" anchor="ctr"/>
+              <a:lstStyle/>
+              <a:p>
+                <a:pPr algn="ctr"/>
+                <a:endParaRPr lang="zh-CN" altLang="en-US" dirty="0"/>
+              </a:p>
+            </p:txBody>
+          </p:sp>
+          <p:sp>
+            <p:nvSpPr>
+              <p:cNvPr id="170" name="矩形 169">
+                <a:extLst>
+                  <a:ext uri="{FF2B5EF4-FFF2-40B4-BE49-F238E27FC236}">
+                    <a16:creationId xmlns:a16="http://schemas.microsoft.com/office/drawing/2014/main" id="{2A4F4A14-C38A-4E92-8651-9C455E3C8692}"/>
+                  </a:ext>
+                </a:extLst>
+              </p:cNvPr>
+              <p:cNvSpPr/>
+              <p:nvPr/>
+            </p:nvSpPr>
+            <p:spPr>
+              <a:xfrm>
+                <a:off x="2368978" y="1185146"/>
+                <a:ext cx="180000" cy="90000"/>
+              </a:xfrm>
+              <a:prstGeom prst="rect">
+                <a:avLst/>
+              </a:prstGeom>
+              <a:solidFill>
+                <a:schemeClr val="bg1">
+                  <a:lumMod val="50000"/>
+                </a:schemeClr>
+              </a:solidFill>
+              <a:ln w="12700">
+                <a:solidFill>
+                  <a:schemeClr val="tx1"/>
+                </a:solidFill>
+              </a:ln>
+            </p:spPr>
+            <p:style>
+              <a:lnRef idx="2">
+                <a:schemeClr val="accent1">
+                  <a:shade val="50000"/>
+                </a:schemeClr>
+              </a:lnRef>
+              <a:fillRef idx="1">
+                <a:schemeClr val="accent1"/>
+              </a:fillRef>
+              <a:effectRef idx="0">
+                <a:schemeClr val="accent1"/>
+              </a:effectRef>
+              <a:fontRef idx="minor">
+                <a:schemeClr val="lt1"/>
+              </a:fontRef>
+            </p:style>
+            <p:txBody>
+              <a:bodyPr rtlCol="0" anchor="ctr"/>
+              <a:lstStyle/>
+              <a:p>
+                <a:pPr algn="ctr"/>
+                <a:endParaRPr lang="zh-CN" altLang="en-US" dirty="0"/>
+              </a:p>
+            </p:txBody>
+          </p:sp>
+          <p:sp>
+            <p:nvSpPr>
+              <p:cNvPr id="171" name="矩形 170">
+                <a:extLst>
+                  <a:ext uri="{FF2B5EF4-FFF2-40B4-BE49-F238E27FC236}">
+                    <a16:creationId xmlns:a16="http://schemas.microsoft.com/office/drawing/2014/main" id="{82D19783-3566-4B6B-B1CF-C6AA41ABF701}"/>
+                  </a:ext>
+                </a:extLst>
+              </p:cNvPr>
+              <p:cNvSpPr/>
+              <p:nvPr/>
+            </p:nvSpPr>
+            <p:spPr>
+              <a:xfrm>
+                <a:off x="2368978" y="1275146"/>
+                <a:ext cx="180000" cy="90000"/>
+              </a:xfrm>
+              <a:prstGeom prst="rect">
+                <a:avLst/>
+              </a:prstGeom>
+              <a:solidFill>
+                <a:schemeClr val="bg1">
+                  <a:lumMod val="50000"/>
+                </a:schemeClr>
+              </a:solidFill>
+              <a:ln w="12700">
+                <a:solidFill>
+                  <a:schemeClr val="tx1"/>
+                </a:solidFill>
+              </a:ln>
+            </p:spPr>
+            <p:style>
+              <a:lnRef idx="2">
+                <a:schemeClr val="accent1">
+                  <a:shade val="50000"/>
+                </a:schemeClr>
+              </a:lnRef>
+              <a:fillRef idx="1">
+                <a:schemeClr val="accent1"/>
+              </a:fillRef>
+              <a:effectRef idx="0">
+                <a:schemeClr val="accent1"/>
+              </a:effectRef>
+              <a:fontRef idx="minor">
+                <a:schemeClr val="lt1"/>
+              </a:fontRef>
+            </p:style>
+            <p:txBody>
+              <a:bodyPr rtlCol="0" anchor="ctr"/>
+              <a:lstStyle/>
+              <a:p>
+                <a:pPr algn="ctr"/>
+                <a:endParaRPr lang="zh-CN" altLang="en-US" dirty="0"/>
+              </a:p>
+            </p:txBody>
+          </p:sp>
+        </p:grpSp>
+      </p:grpSp>
+    </p:spTree>
+    <p:extLst>
+      <p:ext uri="{BB962C8B-B14F-4D97-AF65-F5344CB8AC3E}">
+        <p14:creationId xmlns:p14="http://schemas.microsoft.com/office/powerpoint/2010/main" val="4099140822"/>
       </p:ext>
     </p:extLst>
   </p:cSld>

--- a/resources/desigin.pptx
+++ b/resources/desigin.pptx
@@ -10826,6 +10826,7 @@
           <a:prstGeom prst="rect">
             <a:avLst/>
           </a:prstGeom>
+          <a:ln w="12700"/>
         </p:spPr>
         <p:style>
           <a:lnRef idx="2">
@@ -10872,6 +10873,7 @@
           <a:prstGeom prst="rect">
             <a:avLst/>
           </a:prstGeom>
+          <a:ln w="12700"/>
         </p:spPr>
         <p:style>
           <a:lnRef idx="2">
@@ -10918,6 +10920,7 @@
           <a:prstGeom prst="rect">
             <a:avLst/>
           </a:prstGeom>
+          <a:ln w="12700"/>
         </p:spPr>
         <p:style>
           <a:lnRef idx="2">
@@ -10964,6 +10967,7 @@
           <a:prstGeom prst="rect">
             <a:avLst/>
           </a:prstGeom>
+          <a:ln w="12700"/>
         </p:spPr>
         <p:style>
           <a:lnRef idx="2">
@@ -11010,6 +11014,7 @@
           <a:prstGeom prst="rect">
             <a:avLst/>
           </a:prstGeom>
+          <a:ln w="12700"/>
         </p:spPr>
         <p:style>
           <a:lnRef idx="2">
@@ -11051,7 +11056,7 @@
         <p:grpSpPr>
           <a:xfrm>
             <a:off x="615212" y="887891"/>
-            <a:ext cx="382189" cy="367303"/>
+            <a:ext cx="360000" cy="360000"/>
             <a:chOff x="679628" y="897073"/>
             <a:chExt cx="720000" cy="720000"/>
           </a:xfrm>
@@ -11070,8 +11075,8 @@
           </p:nvSpPr>
           <p:spPr>
             <a:xfrm>
-              <a:off x="859628" y="1167073"/>
-              <a:ext cx="360000" cy="360000"/>
+              <a:off x="859628" y="1167074"/>
+              <a:ext cx="359999" cy="359999"/>
             </a:xfrm>
             <a:prstGeom prst="roundRect">
               <a:avLst/>
@@ -11079,7 +11084,7 @@
             <a:solidFill>
               <a:schemeClr val="accent1"/>
             </a:solidFill>
-            <a:ln w="6350">
+            <a:ln w="12700">
               <a:solidFill>
                 <a:schemeClr val="tx1"/>
               </a:solidFill>
@@ -11135,7 +11140,7 @@
                 <a:lumMod val="50000"/>
               </a:schemeClr>
             </a:solidFill>
-            <a:ln w="6350">
+            <a:ln w="12700">
               <a:solidFill>
                 <a:schemeClr val="tx1"/>
               </a:solidFill>
@@ -11191,7 +11196,7 @@
                 <a:lumMod val="50000"/>
               </a:schemeClr>
             </a:solidFill>
-            <a:ln w="6350">
+            <a:ln w="12700">
               <a:solidFill>
                 <a:schemeClr val="tx1"/>
               </a:solidFill>
@@ -11237,7 +11242,7 @@
           <p:spPr>
             <a:xfrm>
               <a:off x="931628" y="1239073"/>
-              <a:ext cx="216000" cy="216000"/>
+              <a:ext cx="216001" cy="216000"/>
             </a:xfrm>
             <a:prstGeom prst="ellipse">
               <a:avLst/>
@@ -11247,7 +11252,7 @@
                 <a:lumMod val="50000"/>
               </a:schemeClr>
             </a:solidFill>
-            <a:ln w="6350">
+            <a:ln w="12700">
               <a:solidFill>
                 <a:schemeClr val="tx1"/>
               </a:solidFill>
@@ -11307,7 +11312,7 @@
                 <a:lumMod val="50000"/>
               </a:schemeClr>
             </a:solidFill>
-            <a:ln w="6350">
+            <a:ln w="12700">
               <a:solidFill>
                 <a:schemeClr val="tx1"/>
               </a:solidFill>
@@ -11383,7 +11388,7 @@
                   <a:lumMod val="50000"/>
                 </a:schemeClr>
               </a:solidFill>
-              <a:ln w="6350">
+              <a:ln w="12700">
                 <a:solidFill>
                   <a:schemeClr val="tx1"/>
                 </a:solidFill>
@@ -11439,7 +11444,7 @@
                   <a:lumMod val="50000"/>
                 </a:schemeClr>
               </a:solidFill>
-              <a:ln w="6350">
+              <a:ln w="12700">
                 <a:solidFill>
                   <a:schemeClr val="tx1"/>
                 </a:solidFill>
@@ -11495,7 +11500,7 @@
                   <a:lumMod val="50000"/>
                 </a:schemeClr>
               </a:solidFill>
-              <a:ln w="6350">
+              <a:ln w="12700">
                 <a:solidFill>
                   <a:schemeClr val="tx1"/>
                 </a:solidFill>
@@ -11551,7 +11556,7 @@
                   <a:lumMod val="50000"/>
                 </a:schemeClr>
               </a:solidFill>
-              <a:ln w="6350">
+              <a:ln w="12700">
                 <a:solidFill>
                   <a:schemeClr val="tx1"/>
                 </a:solidFill>
@@ -11607,7 +11612,7 @@
                   <a:lumMod val="50000"/>
                 </a:schemeClr>
               </a:solidFill>
-              <a:ln w="6350">
+              <a:ln w="12700">
                 <a:solidFill>
                   <a:schemeClr val="tx1"/>
                 </a:solidFill>
@@ -11684,7 +11689,7 @@
                   <a:lumMod val="50000"/>
                 </a:schemeClr>
               </a:solidFill>
-              <a:ln w="6350">
+              <a:ln w="12700">
                 <a:solidFill>
                   <a:schemeClr val="tx1"/>
                 </a:solidFill>
@@ -11740,7 +11745,7 @@
                   <a:lumMod val="50000"/>
                 </a:schemeClr>
               </a:solidFill>
-              <a:ln w="6350">
+              <a:ln w="12700">
                 <a:solidFill>
                   <a:schemeClr val="tx1"/>
                 </a:solidFill>
@@ -11796,7 +11801,7 @@
                   <a:lumMod val="50000"/>
                 </a:schemeClr>
               </a:solidFill>
-              <a:ln w="6350">
+              <a:ln w="12700">
                 <a:solidFill>
                   <a:schemeClr val="tx1"/>
                 </a:solidFill>
@@ -11852,7 +11857,7 @@
                   <a:lumMod val="50000"/>
                 </a:schemeClr>
               </a:solidFill>
-              <a:ln w="6350">
+              <a:ln w="12700">
                 <a:solidFill>
                   <a:schemeClr val="tx1"/>
                 </a:solidFill>
@@ -11908,7 +11913,7 @@
                   <a:lumMod val="50000"/>
                 </a:schemeClr>
               </a:solidFill>
-              <a:ln w="6350">
+              <a:ln w="12700">
                 <a:solidFill>
                   <a:schemeClr val="tx1"/>
                 </a:solidFill>
@@ -11956,7 +11961,7 @@
         <p:grpSpPr>
           <a:xfrm>
             <a:off x="1104808" y="887891"/>
-            <a:ext cx="382189" cy="367303"/>
+            <a:ext cx="360000" cy="360000"/>
             <a:chOff x="1542372" y="897073"/>
             <a:chExt cx="720000" cy="720000"/>
           </a:xfrm>
@@ -11984,7 +11989,7 @@
             <a:solidFill>
               <a:schemeClr val="accent1"/>
             </a:solidFill>
-            <a:ln w="6350">
+            <a:ln w="12700">
               <a:solidFill>
                 <a:schemeClr val="tx1"/>
               </a:solidFill>
@@ -12040,7 +12045,7 @@
                 <a:lumMod val="50000"/>
               </a:schemeClr>
             </a:solidFill>
-            <a:ln w="6350">
+            <a:ln w="12700">
               <a:solidFill>
                 <a:schemeClr val="tx1"/>
               </a:solidFill>
@@ -12096,7 +12101,7 @@
                 <a:lumMod val="50000"/>
               </a:schemeClr>
             </a:solidFill>
-            <a:ln w="6350">
+            <a:ln w="12700">
               <a:solidFill>
                 <a:schemeClr val="tx1"/>
               </a:solidFill>
@@ -12152,7 +12157,7 @@
                 <a:lumMod val="50000"/>
               </a:schemeClr>
             </a:solidFill>
-            <a:ln w="6350">
+            <a:ln w="12700">
               <a:solidFill>
                 <a:schemeClr val="tx1"/>
               </a:solidFill>
@@ -12212,7 +12217,7 @@
                 <a:lumMod val="50000"/>
               </a:schemeClr>
             </a:solidFill>
-            <a:ln w="6350">
+            <a:ln w="12700">
               <a:solidFill>
                 <a:schemeClr val="tx1"/>
               </a:solidFill>
@@ -12288,7 +12293,7 @@
                   <a:lumMod val="50000"/>
                 </a:schemeClr>
               </a:solidFill>
-              <a:ln w="6350">
+              <a:ln w="12700">
                 <a:solidFill>
                   <a:schemeClr val="tx1"/>
                 </a:solidFill>
@@ -12344,7 +12349,7 @@
                   <a:lumMod val="50000"/>
                 </a:schemeClr>
               </a:solidFill>
-              <a:ln w="6350">
+              <a:ln w="12700">
                 <a:solidFill>
                   <a:schemeClr val="tx1"/>
                 </a:solidFill>
@@ -12400,7 +12405,7 @@
                   <a:lumMod val="50000"/>
                 </a:schemeClr>
               </a:solidFill>
-              <a:ln w="6350">
+              <a:ln w="12700">
                 <a:solidFill>
                   <a:schemeClr val="tx1"/>
                 </a:solidFill>
@@ -12456,7 +12461,7 @@
                   <a:lumMod val="50000"/>
                 </a:schemeClr>
               </a:solidFill>
-              <a:ln w="6350">
+              <a:ln w="12700">
                 <a:solidFill>
                   <a:schemeClr val="tx1"/>
                 </a:solidFill>
@@ -12512,7 +12517,7 @@
                   <a:lumMod val="50000"/>
                 </a:schemeClr>
               </a:solidFill>
-              <a:ln w="6350">
+              <a:ln w="12700">
                 <a:solidFill>
                   <a:schemeClr val="tx1"/>
                 </a:solidFill>
@@ -12589,7 +12594,7 @@
                   <a:lumMod val="50000"/>
                 </a:schemeClr>
               </a:solidFill>
-              <a:ln w="6350">
+              <a:ln w="12700">
                 <a:solidFill>
                   <a:schemeClr val="tx1"/>
                 </a:solidFill>
@@ -12645,7 +12650,7 @@
                   <a:lumMod val="50000"/>
                 </a:schemeClr>
               </a:solidFill>
-              <a:ln w="6350">
+              <a:ln w="12700">
                 <a:solidFill>
                   <a:schemeClr val="tx1"/>
                 </a:solidFill>
@@ -12701,7 +12706,7 @@
                   <a:lumMod val="50000"/>
                 </a:schemeClr>
               </a:solidFill>
-              <a:ln w="6350">
+              <a:ln w="12700">
                 <a:solidFill>
                   <a:schemeClr val="tx1"/>
                 </a:solidFill>
@@ -12757,7 +12762,7 @@
                   <a:lumMod val="50000"/>
                 </a:schemeClr>
               </a:solidFill>
-              <a:ln w="6350">
+              <a:ln w="12700">
                 <a:solidFill>
                   <a:schemeClr val="tx1"/>
                 </a:solidFill>
@@ -12813,7 +12818,7 @@
                   <a:lumMod val="50000"/>
                 </a:schemeClr>
               </a:solidFill>
-              <a:ln w="6350">
+              <a:ln w="12700">
                 <a:solidFill>
                   <a:schemeClr val="tx1"/>
                 </a:solidFill>
@@ -12861,7 +12866,7 @@
         <p:grpSpPr>
           <a:xfrm>
             <a:off x="1594404" y="887891"/>
-            <a:ext cx="382189" cy="367303"/>
+            <a:ext cx="360000" cy="360000"/>
             <a:chOff x="2442372" y="894169"/>
             <a:chExt cx="720000" cy="720000"/>
           </a:xfrm>
@@ -12889,7 +12894,7 @@
             <a:solidFill>
               <a:schemeClr val="accent1"/>
             </a:solidFill>
-            <a:ln w="6350">
+            <a:ln w="12700">
               <a:solidFill>
                 <a:schemeClr val="tx1"/>
               </a:solidFill>
@@ -12945,7 +12950,7 @@
                 <a:lumMod val="50000"/>
               </a:schemeClr>
             </a:solidFill>
-            <a:ln w="6350">
+            <a:ln w="12700">
               <a:solidFill>
                 <a:schemeClr val="tx1"/>
               </a:solidFill>
@@ -13001,7 +13006,7 @@
                 <a:lumMod val="50000"/>
               </a:schemeClr>
             </a:solidFill>
-            <a:ln w="6350">
+            <a:ln w="12700">
               <a:solidFill>
                 <a:schemeClr val="tx1"/>
               </a:solidFill>
@@ -13057,7 +13062,7 @@
                 <a:lumMod val="50000"/>
               </a:schemeClr>
             </a:solidFill>
-            <a:ln w="6350">
+            <a:ln w="12700">
               <a:solidFill>
                 <a:schemeClr val="tx1"/>
               </a:solidFill>
@@ -13117,7 +13122,7 @@
                 <a:lumMod val="50000"/>
               </a:schemeClr>
             </a:solidFill>
-            <a:ln w="6350">
+            <a:ln w="12700">
               <a:solidFill>
                 <a:schemeClr val="tx1"/>
               </a:solidFill>
@@ -13193,7 +13198,7 @@
                   <a:lumMod val="50000"/>
                 </a:schemeClr>
               </a:solidFill>
-              <a:ln w="6350">
+              <a:ln w="12700">
                 <a:solidFill>
                   <a:schemeClr val="tx1"/>
                 </a:solidFill>
@@ -13249,7 +13254,7 @@
                   <a:lumMod val="50000"/>
                 </a:schemeClr>
               </a:solidFill>
-              <a:ln w="6350">
+              <a:ln w="12700">
                 <a:solidFill>
                   <a:schemeClr val="tx1"/>
                 </a:solidFill>
@@ -13305,7 +13310,7 @@
                   <a:lumMod val="50000"/>
                 </a:schemeClr>
               </a:solidFill>
-              <a:ln w="6350">
+              <a:ln w="12700">
                 <a:solidFill>
                   <a:schemeClr val="tx1"/>
                 </a:solidFill>
@@ -13361,7 +13366,7 @@
                   <a:lumMod val="50000"/>
                 </a:schemeClr>
               </a:solidFill>
-              <a:ln w="6350">
+              <a:ln w="12700">
                 <a:solidFill>
                   <a:schemeClr val="tx1"/>
                 </a:solidFill>
@@ -13417,7 +13422,7 @@
                   <a:lumMod val="50000"/>
                 </a:schemeClr>
               </a:solidFill>
-              <a:ln w="6350">
+              <a:ln w="12700">
                 <a:solidFill>
                   <a:schemeClr val="tx1"/>
                 </a:solidFill>
@@ -13494,7 +13499,7 @@
                   <a:lumMod val="50000"/>
                 </a:schemeClr>
               </a:solidFill>
-              <a:ln w="6350">
+              <a:ln w="12700">
                 <a:solidFill>
                   <a:schemeClr val="tx1"/>
                 </a:solidFill>
@@ -13550,7 +13555,7 @@
                   <a:lumMod val="50000"/>
                 </a:schemeClr>
               </a:solidFill>
-              <a:ln w="6350">
+              <a:ln w="12700">
                 <a:solidFill>
                   <a:schemeClr val="tx1"/>
                 </a:solidFill>
@@ -13606,7 +13611,7 @@
                   <a:lumMod val="50000"/>
                 </a:schemeClr>
               </a:solidFill>
-              <a:ln w="6350">
+              <a:ln w="12700">
                 <a:solidFill>
                   <a:schemeClr val="tx1"/>
                 </a:solidFill>
@@ -13662,7 +13667,7 @@
                   <a:lumMod val="50000"/>
                 </a:schemeClr>
               </a:solidFill>
-              <a:ln w="6350">
+              <a:ln w="12700">
                 <a:solidFill>
                   <a:schemeClr val="tx1"/>
                 </a:solidFill>
@@ -13718,7 +13723,7 @@
                   <a:lumMod val="50000"/>
                 </a:schemeClr>
               </a:solidFill>
-              <a:ln w="6350">
+              <a:ln w="12700">
                 <a:solidFill>
                   <a:schemeClr val="tx1"/>
                 </a:solidFill>
@@ -13766,7 +13771,7 @@
         <p:grpSpPr>
           <a:xfrm>
             <a:off x="2084000" y="887891"/>
-            <a:ext cx="382189" cy="367303"/>
+            <a:ext cx="360000" cy="360000"/>
             <a:chOff x="715628" y="1660996"/>
             <a:chExt cx="720000" cy="720000"/>
           </a:xfrm>
@@ -13794,7 +13799,7 @@
             <a:solidFill>
               <a:schemeClr val="accent1"/>
             </a:solidFill>
-            <a:ln w="6350">
+            <a:ln w="12700">
               <a:solidFill>
                 <a:schemeClr val="tx1"/>
               </a:solidFill>
@@ -13850,7 +13855,7 @@
                 <a:lumMod val="50000"/>
               </a:schemeClr>
             </a:solidFill>
-            <a:ln w="6350">
+            <a:ln w="12700">
               <a:solidFill>
                 <a:schemeClr val="tx1"/>
               </a:solidFill>
@@ -13906,7 +13911,7 @@
                 <a:lumMod val="50000"/>
               </a:schemeClr>
             </a:solidFill>
-            <a:ln w="6350">
+            <a:ln w="12700">
               <a:solidFill>
                 <a:schemeClr val="tx1"/>
               </a:solidFill>
@@ -13962,7 +13967,7 @@
                 <a:lumMod val="50000"/>
               </a:schemeClr>
             </a:solidFill>
-            <a:ln w="6350">
+            <a:ln w="12700">
               <a:solidFill>
                 <a:schemeClr val="tx1"/>
               </a:solidFill>
@@ -14022,7 +14027,7 @@
                 <a:lumMod val="50000"/>
               </a:schemeClr>
             </a:solidFill>
-            <a:ln w="6350">
+            <a:ln w="12700">
               <a:solidFill>
                 <a:schemeClr val="tx1"/>
               </a:solidFill>
@@ -14098,7 +14103,7 @@
                   <a:lumMod val="50000"/>
                 </a:schemeClr>
               </a:solidFill>
-              <a:ln w="6350">
+              <a:ln w="12700">
                 <a:solidFill>
                   <a:schemeClr val="tx1"/>
                 </a:solidFill>
@@ -14154,7 +14159,7 @@
                   <a:lumMod val="50000"/>
                 </a:schemeClr>
               </a:solidFill>
-              <a:ln w="6350">
+              <a:ln w="12700">
                 <a:solidFill>
                   <a:schemeClr val="tx1"/>
                 </a:solidFill>
@@ -14210,7 +14215,7 @@
                   <a:lumMod val="50000"/>
                 </a:schemeClr>
               </a:solidFill>
-              <a:ln w="6350">
+              <a:ln w="12700">
                 <a:solidFill>
                   <a:schemeClr val="tx1"/>
                 </a:solidFill>
@@ -14266,7 +14271,7 @@
                   <a:lumMod val="50000"/>
                 </a:schemeClr>
               </a:solidFill>
-              <a:ln w="6350">
+              <a:ln w="12700">
                 <a:solidFill>
                   <a:schemeClr val="tx1"/>
                 </a:solidFill>
@@ -14322,7 +14327,7 @@
                   <a:lumMod val="50000"/>
                 </a:schemeClr>
               </a:solidFill>
-              <a:ln w="6350">
+              <a:ln w="12700">
                 <a:solidFill>
                   <a:schemeClr val="tx1"/>
                 </a:solidFill>
@@ -14399,7 +14404,7 @@
                   <a:lumMod val="50000"/>
                 </a:schemeClr>
               </a:solidFill>
-              <a:ln w="6350">
+              <a:ln w="12700">
                 <a:solidFill>
                   <a:schemeClr val="tx1"/>
                 </a:solidFill>
@@ -14455,7 +14460,7 @@
                   <a:lumMod val="50000"/>
                 </a:schemeClr>
               </a:solidFill>
-              <a:ln w="6350">
+              <a:ln w="12700">
                 <a:solidFill>
                   <a:schemeClr val="tx1"/>
                 </a:solidFill>
@@ -14511,7 +14516,7 @@
                   <a:lumMod val="50000"/>
                 </a:schemeClr>
               </a:solidFill>
-              <a:ln w="6350">
+              <a:ln w="12700">
                 <a:solidFill>
                   <a:schemeClr val="tx1"/>
                 </a:solidFill>
@@ -14567,7 +14572,7 @@
                   <a:lumMod val="50000"/>
                 </a:schemeClr>
               </a:solidFill>
-              <a:ln w="6350">
+              <a:ln w="12700">
                 <a:solidFill>
                   <a:schemeClr val="tx1"/>
                 </a:solidFill>
@@ -14623,7 +14628,7 @@
                   <a:lumMod val="50000"/>
                 </a:schemeClr>
               </a:solidFill>
-              <a:ln w="6350">
+              <a:ln w="12700">
                 <a:solidFill>
                   <a:schemeClr val="tx1"/>
                 </a:solidFill>
@@ -14671,7 +14676,7 @@
         <p:grpSpPr>
           <a:xfrm>
             <a:off x="2573596" y="887891"/>
-            <a:ext cx="382189" cy="367303"/>
+            <a:ext cx="360000" cy="360000"/>
             <a:chOff x="1969428" y="44279"/>
             <a:chExt cx="720000" cy="720000"/>
           </a:xfrm>
@@ -14699,7 +14704,7 @@
             <a:solidFill>
               <a:schemeClr val="accent1"/>
             </a:solidFill>
-            <a:ln w="6350">
+            <a:ln w="12700">
               <a:solidFill>
                 <a:schemeClr val="tx1"/>
               </a:solidFill>
@@ -14755,7 +14760,7 @@
                 <a:lumMod val="50000"/>
               </a:schemeClr>
             </a:solidFill>
-            <a:ln w="6350">
+            <a:ln w="12700">
               <a:solidFill>
                 <a:schemeClr val="tx1"/>
               </a:solidFill>
@@ -14811,7 +14816,7 @@
                 <a:lumMod val="50000"/>
               </a:schemeClr>
             </a:solidFill>
-            <a:ln w="6350">
+            <a:ln w="12700">
               <a:solidFill>
                 <a:schemeClr val="tx1"/>
               </a:solidFill>
@@ -14867,7 +14872,7 @@
                 <a:lumMod val="50000"/>
               </a:schemeClr>
             </a:solidFill>
-            <a:ln w="6350">
+            <a:ln w="12700">
               <a:solidFill>
                 <a:schemeClr val="tx1"/>
               </a:solidFill>
@@ -14927,7 +14932,7 @@
                 <a:lumMod val="50000"/>
               </a:schemeClr>
             </a:solidFill>
-            <a:ln w="6350">
+            <a:ln w="12700">
               <a:solidFill>
                 <a:schemeClr val="tx1"/>
               </a:solidFill>
@@ -15003,7 +15008,7 @@
                   <a:lumMod val="50000"/>
                 </a:schemeClr>
               </a:solidFill>
-              <a:ln w="6350">
+              <a:ln w="12700">
                 <a:solidFill>
                   <a:schemeClr val="tx1"/>
                 </a:solidFill>
@@ -15059,7 +15064,7 @@
                   <a:lumMod val="50000"/>
                 </a:schemeClr>
               </a:solidFill>
-              <a:ln w="6350">
+              <a:ln w="12700">
                 <a:solidFill>
                   <a:schemeClr val="tx1"/>
                 </a:solidFill>
@@ -15115,7 +15120,7 @@
                   <a:lumMod val="50000"/>
                 </a:schemeClr>
               </a:solidFill>
-              <a:ln w="6350">
+              <a:ln w="12700">
                 <a:solidFill>
                   <a:schemeClr val="tx1"/>
                 </a:solidFill>
@@ -15171,7 +15176,7 @@
                   <a:lumMod val="50000"/>
                 </a:schemeClr>
               </a:solidFill>
-              <a:ln w="6350">
+              <a:ln w="12700">
                 <a:solidFill>
                   <a:schemeClr val="tx1"/>
                 </a:solidFill>
@@ -15227,7 +15232,7 @@
                   <a:lumMod val="50000"/>
                 </a:schemeClr>
               </a:solidFill>
-              <a:ln w="6350">
+              <a:ln w="12700">
                 <a:solidFill>
                   <a:schemeClr val="tx1"/>
                 </a:solidFill>
@@ -15304,7 +15309,7 @@
                   <a:lumMod val="50000"/>
                 </a:schemeClr>
               </a:solidFill>
-              <a:ln w="6350">
+              <a:ln w="12700">
                 <a:solidFill>
                   <a:schemeClr val="tx1"/>
                 </a:solidFill>
@@ -15360,7 +15365,7 @@
                   <a:lumMod val="50000"/>
                 </a:schemeClr>
               </a:solidFill>
-              <a:ln w="6350">
+              <a:ln w="12700">
                 <a:solidFill>
                   <a:schemeClr val="tx1"/>
                 </a:solidFill>
@@ -15416,7 +15421,7 @@
                   <a:lumMod val="50000"/>
                 </a:schemeClr>
               </a:solidFill>
-              <a:ln w="6350">
+              <a:ln w="12700">
                 <a:solidFill>
                   <a:schemeClr val="tx1"/>
                 </a:solidFill>
@@ -15472,7 +15477,7 @@
                   <a:lumMod val="50000"/>
                 </a:schemeClr>
               </a:solidFill>
-              <a:ln w="6350">
+              <a:ln w="12700">
                 <a:solidFill>
                   <a:schemeClr val="tx1"/>
                 </a:solidFill>
@@ -15528,7 +15533,7 @@
                   <a:lumMod val="50000"/>
                 </a:schemeClr>
               </a:solidFill>
-              <a:ln w="6350">
+              <a:ln w="12700">
                 <a:solidFill>
                   <a:schemeClr val="tx1"/>
                 </a:solidFill>
@@ -16465,6 +16470,4655 @@
             </p:txBody>
           </p:sp>
         </p:grpSp>
+      </p:grpSp>
+      <p:grpSp>
+        <p:nvGrpSpPr>
+          <p:cNvPr id="173" name="组合 172">
+            <a:extLst>
+              <a:ext uri="{FF2B5EF4-FFF2-40B4-BE49-F238E27FC236}">
+                <a16:creationId xmlns:a16="http://schemas.microsoft.com/office/drawing/2014/main" id="{5385C091-DAC2-4033-A62A-ED7E9BEE517F}"/>
+              </a:ext>
+            </a:extLst>
+          </p:cNvPr>
+          <p:cNvGrpSpPr/>
+          <p:nvPr/>
+        </p:nvGrpSpPr>
+        <p:grpSpPr>
+          <a:xfrm>
+            <a:off x="614532" y="1376841"/>
+            <a:ext cx="360000" cy="360000"/>
+            <a:chOff x="679628" y="897073"/>
+            <a:chExt cx="720000" cy="720000"/>
+          </a:xfrm>
+        </p:grpSpPr>
+        <p:sp>
+          <p:nvSpPr>
+            <p:cNvPr id="174" name="矩形: 圆角 173">
+              <a:extLst>
+                <a:ext uri="{FF2B5EF4-FFF2-40B4-BE49-F238E27FC236}">
+                  <a16:creationId xmlns:a16="http://schemas.microsoft.com/office/drawing/2014/main" id="{87690272-5F69-452B-B8EA-629996379883}"/>
+                </a:ext>
+              </a:extLst>
+            </p:cNvPr>
+            <p:cNvSpPr/>
+            <p:nvPr/>
+          </p:nvSpPr>
+          <p:spPr>
+            <a:xfrm>
+              <a:off x="859628" y="1167073"/>
+              <a:ext cx="360000" cy="360000"/>
+            </a:xfrm>
+            <a:prstGeom prst="roundRect">
+              <a:avLst/>
+            </a:prstGeom>
+            <a:solidFill>
+              <a:srgbClr val="FF0000"/>
+            </a:solidFill>
+            <a:ln w="12700">
+              <a:solidFill>
+                <a:schemeClr val="tx1"/>
+              </a:solidFill>
+            </a:ln>
+          </p:spPr>
+          <p:style>
+            <a:lnRef idx="2">
+              <a:schemeClr val="accent1">
+                <a:shade val="50000"/>
+              </a:schemeClr>
+            </a:lnRef>
+            <a:fillRef idx="1">
+              <a:schemeClr val="accent1"/>
+            </a:fillRef>
+            <a:effectRef idx="0">
+              <a:schemeClr val="accent1"/>
+            </a:effectRef>
+            <a:fontRef idx="minor">
+              <a:schemeClr val="lt1"/>
+            </a:fontRef>
+          </p:style>
+          <p:txBody>
+            <a:bodyPr rtlCol="0" anchor="ctr"/>
+            <a:lstStyle/>
+            <a:p>
+              <a:pPr algn="ctr"/>
+              <a:endParaRPr lang="zh-CN" altLang="en-US" dirty="0"/>
+            </a:p>
+          </p:txBody>
+        </p:sp>
+        <p:sp>
+          <p:nvSpPr>
+            <p:cNvPr id="175" name="矩形 174">
+              <a:extLst>
+                <a:ext uri="{FF2B5EF4-FFF2-40B4-BE49-F238E27FC236}">
+                  <a16:creationId xmlns:a16="http://schemas.microsoft.com/office/drawing/2014/main" id="{078DD564-018A-48A2-8DC7-9CA57EF4AEFB}"/>
+                </a:ext>
+              </a:extLst>
+            </p:cNvPr>
+            <p:cNvSpPr/>
+            <p:nvPr/>
+          </p:nvSpPr>
+          <p:spPr>
+            <a:xfrm>
+              <a:off x="1219628" y="1077073"/>
+              <a:ext cx="180000" cy="540000"/>
+            </a:xfrm>
+            <a:prstGeom prst="rect">
+              <a:avLst/>
+            </a:prstGeom>
+            <a:solidFill>
+              <a:schemeClr val="bg1">
+                <a:lumMod val="50000"/>
+              </a:schemeClr>
+            </a:solidFill>
+            <a:ln w="12700">
+              <a:solidFill>
+                <a:schemeClr val="tx1"/>
+              </a:solidFill>
+            </a:ln>
+          </p:spPr>
+          <p:style>
+            <a:lnRef idx="2">
+              <a:schemeClr val="accent1">
+                <a:shade val="50000"/>
+              </a:schemeClr>
+            </a:lnRef>
+            <a:fillRef idx="1">
+              <a:schemeClr val="accent1"/>
+            </a:fillRef>
+            <a:effectRef idx="0">
+              <a:schemeClr val="accent1"/>
+            </a:effectRef>
+            <a:fontRef idx="minor">
+              <a:schemeClr val="lt1"/>
+            </a:fontRef>
+          </p:style>
+          <p:txBody>
+            <a:bodyPr rtlCol="0" anchor="ctr"/>
+            <a:lstStyle/>
+            <a:p>
+              <a:pPr algn="ctr"/>
+              <a:endParaRPr lang="zh-CN" altLang="en-US" dirty="0"/>
+            </a:p>
+          </p:txBody>
+        </p:sp>
+        <p:sp>
+          <p:nvSpPr>
+            <p:cNvPr id="176" name="矩形 175">
+              <a:extLst>
+                <a:ext uri="{FF2B5EF4-FFF2-40B4-BE49-F238E27FC236}">
+                  <a16:creationId xmlns:a16="http://schemas.microsoft.com/office/drawing/2014/main" id="{83C7CF5F-0DA2-4B8E-9691-B3E17BFAA48B}"/>
+                </a:ext>
+              </a:extLst>
+            </p:cNvPr>
+            <p:cNvSpPr/>
+            <p:nvPr/>
+          </p:nvSpPr>
+          <p:spPr>
+            <a:xfrm>
+              <a:off x="1003628" y="897073"/>
+              <a:ext cx="72000" cy="450000"/>
+            </a:xfrm>
+            <a:prstGeom prst="rect">
+              <a:avLst/>
+            </a:prstGeom>
+            <a:solidFill>
+              <a:schemeClr val="accent3">
+                <a:lumMod val="50000"/>
+              </a:schemeClr>
+            </a:solidFill>
+            <a:ln w="12700">
+              <a:solidFill>
+                <a:schemeClr val="tx1"/>
+              </a:solidFill>
+            </a:ln>
+          </p:spPr>
+          <p:style>
+            <a:lnRef idx="2">
+              <a:schemeClr val="accent1">
+                <a:shade val="50000"/>
+              </a:schemeClr>
+            </a:lnRef>
+            <a:fillRef idx="1">
+              <a:schemeClr val="accent1"/>
+            </a:fillRef>
+            <a:effectRef idx="0">
+              <a:schemeClr val="accent1"/>
+            </a:effectRef>
+            <a:fontRef idx="minor">
+              <a:schemeClr val="lt1"/>
+            </a:fontRef>
+          </p:style>
+          <p:txBody>
+            <a:bodyPr rtlCol="0" anchor="ctr"/>
+            <a:lstStyle/>
+            <a:p>
+              <a:pPr algn="ctr"/>
+              <a:endParaRPr lang="zh-CN" altLang="en-US" dirty="0"/>
+            </a:p>
+          </p:txBody>
+        </p:sp>
+        <p:sp>
+          <p:nvSpPr>
+            <p:cNvPr id="177" name="椭圆 176">
+              <a:extLst>
+                <a:ext uri="{FF2B5EF4-FFF2-40B4-BE49-F238E27FC236}">
+                  <a16:creationId xmlns:a16="http://schemas.microsoft.com/office/drawing/2014/main" id="{E661F1F4-9A12-48D8-92E7-1158CFF2520C}"/>
+                </a:ext>
+              </a:extLst>
+            </p:cNvPr>
+            <p:cNvSpPr/>
+            <p:nvPr/>
+          </p:nvSpPr>
+          <p:spPr>
+            <a:xfrm>
+              <a:off x="931628" y="1239073"/>
+              <a:ext cx="216000" cy="216000"/>
+            </a:xfrm>
+            <a:prstGeom prst="ellipse">
+              <a:avLst/>
+            </a:prstGeom>
+            <a:solidFill>
+              <a:schemeClr val="accent3">
+                <a:lumMod val="50000"/>
+              </a:schemeClr>
+            </a:solidFill>
+            <a:ln w="12700">
+              <a:solidFill>
+                <a:schemeClr val="tx1"/>
+              </a:solidFill>
+            </a:ln>
+          </p:spPr>
+          <p:style>
+            <a:lnRef idx="1">
+              <a:schemeClr val="dk1"/>
+            </a:lnRef>
+            <a:fillRef idx="2">
+              <a:schemeClr val="dk1"/>
+            </a:fillRef>
+            <a:effectRef idx="1">
+              <a:schemeClr val="dk1"/>
+            </a:effectRef>
+            <a:fontRef idx="minor">
+              <a:schemeClr val="dk1"/>
+            </a:fontRef>
+          </p:style>
+          <p:txBody>
+            <a:bodyPr rtlCol="0" anchor="ctr"/>
+            <a:lstStyle/>
+            <a:p>
+              <a:pPr algn="ctr"/>
+              <a:endParaRPr lang="zh-CN" altLang="en-US">
+                <a:ln>
+                  <a:solidFill>
+                    <a:sysClr val="windowText" lastClr="000000"/>
+                  </a:solidFill>
+                </a:ln>
+              </a:endParaRPr>
+            </a:p>
+          </p:txBody>
+        </p:sp>
+        <p:sp>
+          <p:nvSpPr>
+            <p:cNvPr id="178" name="矩形 177">
+              <a:extLst>
+                <a:ext uri="{FF2B5EF4-FFF2-40B4-BE49-F238E27FC236}">
+                  <a16:creationId xmlns:a16="http://schemas.microsoft.com/office/drawing/2014/main" id="{43C27780-00B5-4E43-8DD1-229DEDB8E15D}"/>
+                </a:ext>
+              </a:extLst>
+            </p:cNvPr>
+            <p:cNvSpPr/>
+            <p:nvPr/>
+          </p:nvSpPr>
+          <p:spPr>
+            <a:xfrm>
+              <a:off x="679628" y="1077073"/>
+              <a:ext cx="180000" cy="540000"/>
+            </a:xfrm>
+            <a:prstGeom prst="rect">
+              <a:avLst/>
+            </a:prstGeom>
+            <a:solidFill>
+              <a:schemeClr val="bg1">
+                <a:lumMod val="50000"/>
+              </a:schemeClr>
+            </a:solidFill>
+            <a:ln w="12700">
+              <a:solidFill>
+                <a:schemeClr val="tx1"/>
+              </a:solidFill>
+            </a:ln>
+          </p:spPr>
+          <p:style>
+            <a:lnRef idx="2">
+              <a:schemeClr val="accent1">
+                <a:shade val="50000"/>
+              </a:schemeClr>
+            </a:lnRef>
+            <a:fillRef idx="1">
+              <a:schemeClr val="accent1"/>
+            </a:fillRef>
+            <a:effectRef idx="0">
+              <a:schemeClr val="accent1"/>
+            </a:effectRef>
+            <a:fontRef idx="minor">
+              <a:schemeClr val="lt1"/>
+            </a:fontRef>
+          </p:style>
+          <p:txBody>
+            <a:bodyPr rtlCol="0" anchor="ctr"/>
+            <a:lstStyle/>
+            <a:p>
+              <a:pPr algn="ctr"/>
+              <a:endParaRPr lang="zh-CN" altLang="en-US" dirty="0"/>
+            </a:p>
+          </p:txBody>
+        </p:sp>
+        <p:grpSp>
+          <p:nvGrpSpPr>
+            <p:cNvPr id="179" name="组合 178">
+              <a:extLst>
+                <a:ext uri="{FF2B5EF4-FFF2-40B4-BE49-F238E27FC236}">
+                  <a16:creationId xmlns:a16="http://schemas.microsoft.com/office/drawing/2014/main" id="{650ED9F9-BF91-46F1-AF39-A5081FB6505F}"/>
+                </a:ext>
+              </a:extLst>
+            </p:cNvPr>
+            <p:cNvGrpSpPr/>
+            <p:nvPr/>
+          </p:nvGrpSpPr>
+          <p:grpSpPr>
+            <a:xfrm>
+              <a:off x="1219628" y="1077073"/>
+              <a:ext cx="180000" cy="450000"/>
+              <a:chOff x="2368978" y="915146"/>
+              <a:chExt cx="180000" cy="450000"/>
+            </a:xfrm>
+          </p:grpSpPr>
+          <p:sp>
+            <p:nvSpPr>
+              <p:cNvPr id="186" name="矩形 185">
+                <a:extLst>
+                  <a:ext uri="{FF2B5EF4-FFF2-40B4-BE49-F238E27FC236}">
+                    <a16:creationId xmlns:a16="http://schemas.microsoft.com/office/drawing/2014/main" id="{233E26AC-204D-4233-B810-6888CC224BC1}"/>
+                  </a:ext>
+                </a:extLst>
+              </p:cNvPr>
+              <p:cNvSpPr/>
+              <p:nvPr/>
+            </p:nvSpPr>
+            <p:spPr>
+              <a:xfrm>
+                <a:off x="2368978" y="915146"/>
+                <a:ext cx="180000" cy="90000"/>
+              </a:xfrm>
+              <a:prstGeom prst="rect">
+                <a:avLst/>
+              </a:prstGeom>
+              <a:solidFill>
+                <a:schemeClr val="bg1">
+                  <a:lumMod val="50000"/>
+                </a:schemeClr>
+              </a:solidFill>
+              <a:ln w="12700">
+                <a:solidFill>
+                  <a:schemeClr val="tx1"/>
+                </a:solidFill>
+              </a:ln>
+            </p:spPr>
+            <p:style>
+              <a:lnRef idx="2">
+                <a:schemeClr val="accent1">
+                  <a:shade val="50000"/>
+                </a:schemeClr>
+              </a:lnRef>
+              <a:fillRef idx="1">
+                <a:schemeClr val="accent1"/>
+              </a:fillRef>
+              <a:effectRef idx="0">
+                <a:schemeClr val="accent1"/>
+              </a:effectRef>
+              <a:fontRef idx="minor">
+                <a:schemeClr val="lt1"/>
+              </a:fontRef>
+            </p:style>
+            <p:txBody>
+              <a:bodyPr rtlCol="0" anchor="ctr"/>
+              <a:lstStyle/>
+              <a:p>
+                <a:pPr algn="ctr"/>
+                <a:endParaRPr lang="zh-CN" altLang="en-US" dirty="0"/>
+              </a:p>
+            </p:txBody>
+          </p:sp>
+          <p:sp>
+            <p:nvSpPr>
+              <p:cNvPr id="187" name="矩形 186">
+                <a:extLst>
+                  <a:ext uri="{FF2B5EF4-FFF2-40B4-BE49-F238E27FC236}">
+                    <a16:creationId xmlns:a16="http://schemas.microsoft.com/office/drawing/2014/main" id="{0049D859-319F-4E4F-AA9C-5C516B2DBFAB}"/>
+                  </a:ext>
+                </a:extLst>
+              </p:cNvPr>
+              <p:cNvSpPr/>
+              <p:nvPr/>
+            </p:nvSpPr>
+            <p:spPr>
+              <a:xfrm>
+                <a:off x="2368978" y="1005146"/>
+                <a:ext cx="180000" cy="90000"/>
+              </a:xfrm>
+              <a:prstGeom prst="rect">
+                <a:avLst/>
+              </a:prstGeom>
+              <a:solidFill>
+                <a:schemeClr val="bg1">
+                  <a:lumMod val="50000"/>
+                </a:schemeClr>
+              </a:solidFill>
+              <a:ln w="12700">
+                <a:solidFill>
+                  <a:schemeClr val="tx1"/>
+                </a:solidFill>
+              </a:ln>
+            </p:spPr>
+            <p:style>
+              <a:lnRef idx="2">
+                <a:schemeClr val="accent1">
+                  <a:shade val="50000"/>
+                </a:schemeClr>
+              </a:lnRef>
+              <a:fillRef idx="1">
+                <a:schemeClr val="accent1"/>
+              </a:fillRef>
+              <a:effectRef idx="0">
+                <a:schemeClr val="accent1"/>
+              </a:effectRef>
+              <a:fontRef idx="minor">
+                <a:schemeClr val="lt1"/>
+              </a:fontRef>
+            </p:style>
+            <p:txBody>
+              <a:bodyPr rtlCol="0" anchor="ctr"/>
+              <a:lstStyle/>
+              <a:p>
+                <a:pPr algn="ctr"/>
+                <a:endParaRPr lang="zh-CN" altLang="en-US" dirty="0"/>
+              </a:p>
+            </p:txBody>
+          </p:sp>
+          <p:sp>
+            <p:nvSpPr>
+              <p:cNvPr id="188" name="矩形 187">
+                <a:extLst>
+                  <a:ext uri="{FF2B5EF4-FFF2-40B4-BE49-F238E27FC236}">
+                    <a16:creationId xmlns:a16="http://schemas.microsoft.com/office/drawing/2014/main" id="{F82477FE-9626-4D3E-BC04-2F815BF9C89E}"/>
+                  </a:ext>
+                </a:extLst>
+              </p:cNvPr>
+              <p:cNvSpPr/>
+              <p:nvPr/>
+            </p:nvSpPr>
+            <p:spPr>
+              <a:xfrm>
+                <a:off x="2368978" y="1095146"/>
+                <a:ext cx="180000" cy="90000"/>
+              </a:xfrm>
+              <a:prstGeom prst="rect">
+                <a:avLst/>
+              </a:prstGeom>
+              <a:solidFill>
+                <a:schemeClr val="bg1">
+                  <a:lumMod val="50000"/>
+                </a:schemeClr>
+              </a:solidFill>
+              <a:ln w="12700">
+                <a:solidFill>
+                  <a:schemeClr val="tx1"/>
+                </a:solidFill>
+              </a:ln>
+            </p:spPr>
+            <p:style>
+              <a:lnRef idx="2">
+                <a:schemeClr val="accent1">
+                  <a:shade val="50000"/>
+                </a:schemeClr>
+              </a:lnRef>
+              <a:fillRef idx="1">
+                <a:schemeClr val="accent1"/>
+              </a:fillRef>
+              <a:effectRef idx="0">
+                <a:schemeClr val="accent1"/>
+              </a:effectRef>
+              <a:fontRef idx="minor">
+                <a:schemeClr val="lt1"/>
+              </a:fontRef>
+            </p:style>
+            <p:txBody>
+              <a:bodyPr rtlCol="0" anchor="ctr"/>
+              <a:lstStyle/>
+              <a:p>
+                <a:pPr algn="ctr"/>
+                <a:endParaRPr lang="zh-CN" altLang="en-US" dirty="0"/>
+              </a:p>
+            </p:txBody>
+          </p:sp>
+          <p:sp>
+            <p:nvSpPr>
+              <p:cNvPr id="189" name="矩形 188">
+                <a:extLst>
+                  <a:ext uri="{FF2B5EF4-FFF2-40B4-BE49-F238E27FC236}">
+                    <a16:creationId xmlns:a16="http://schemas.microsoft.com/office/drawing/2014/main" id="{0FC25982-ABA7-49C8-B263-80A32A28650A}"/>
+                  </a:ext>
+                </a:extLst>
+              </p:cNvPr>
+              <p:cNvSpPr/>
+              <p:nvPr/>
+            </p:nvSpPr>
+            <p:spPr>
+              <a:xfrm>
+                <a:off x="2368978" y="1185146"/>
+                <a:ext cx="180000" cy="90000"/>
+              </a:xfrm>
+              <a:prstGeom prst="rect">
+                <a:avLst/>
+              </a:prstGeom>
+              <a:solidFill>
+                <a:schemeClr val="bg1">
+                  <a:lumMod val="50000"/>
+                </a:schemeClr>
+              </a:solidFill>
+              <a:ln w="12700">
+                <a:solidFill>
+                  <a:schemeClr val="tx1"/>
+                </a:solidFill>
+              </a:ln>
+            </p:spPr>
+            <p:style>
+              <a:lnRef idx="2">
+                <a:schemeClr val="accent1">
+                  <a:shade val="50000"/>
+                </a:schemeClr>
+              </a:lnRef>
+              <a:fillRef idx="1">
+                <a:schemeClr val="accent1"/>
+              </a:fillRef>
+              <a:effectRef idx="0">
+                <a:schemeClr val="accent1"/>
+              </a:effectRef>
+              <a:fontRef idx="minor">
+                <a:schemeClr val="lt1"/>
+              </a:fontRef>
+            </p:style>
+            <p:txBody>
+              <a:bodyPr rtlCol="0" anchor="ctr"/>
+              <a:lstStyle/>
+              <a:p>
+                <a:pPr algn="ctr"/>
+                <a:endParaRPr lang="zh-CN" altLang="en-US" dirty="0"/>
+              </a:p>
+            </p:txBody>
+          </p:sp>
+          <p:sp>
+            <p:nvSpPr>
+              <p:cNvPr id="190" name="矩形 189">
+                <a:extLst>
+                  <a:ext uri="{FF2B5EF4-FFF2-40B4-BE49-F238E27FC236}">
+                    <a16:creationId xmlns:a16="http://schemas.microsoft.com/office/drawing/2014/main" id="{D74CFFC3-C7E2-4717-9662-6D584D66BBF6}"/>
+                  </a:ext>
+                </a:extLst>
+              </p:cNvPr>
+              <p:cNvSpPr/>
+              <p:nvPr/>
+            </p:nvSpPr>
+            <p:spPr>
+              <a:xfrm>
+                <a:off x="2368978" y="1275146"/>
+                <a:ext cx="180000" cy="90000"/>
+              </a:xfrm>
+              <a:prstGeom prst="rect">
+                <a:avLst/>
+              </a:prstGeom>
+              <a:solidFill>
+                <a:schemeClr val="bg1">
+                  <a:lumMod val="50000"/>
+                </a:schemeClr>
+              </a:solidFill>
+              <a:ln w="12700">
+                <a:solidFill>
+                  <a:schemeClr val="tx1"/>
+                </a:solidFill>
+              </a:ln>
+            </p:spPr>
+            <p:style>
+              <a:lnRef idx="2">
+                <a:schemeClr val="accent1">
+                  <a:shade val="50000"/>
+                </a:schemeClr>
+              </a:lnRef>
+              <a:fillRef idx="1">
+                <a:schemeClr val="accent1"/>
+              </a:fillRef>
+              <a:effectRef idx="0">
+                <a:schemeClr val="accent1"/>
+              </a:effectRef>
+              <a:fontRef idx="minor">
+                <a:schemeClr val="lt1"/>
+              </a:fontRef>
+            </p:style>
+            <p:txBody>
+              <a:bodyPr rtlCol="0" anchor="ctr"/>
+              <a:lstStyle/>
+              <a:p>
+                <a:pPr algn="ctr"/>
+                <a:endParaRPr lang="zh-CN" altLang="en-US" dirty="0"/>
+              </a:p>
+            </p:txBody>
+          </p:sp>
+        </p:grpSp>
+        <p:grpSp>
+          <p:nvGrpSpPr>
+            <p:cNvPr id="180" name="组合 179">
+              <a:extLst>
+                <a:ext uri="{FF2B5EF4-FFF2-40B4-BE49-F238E27FC236}">
+                  <a16:creationId xmlns:a16="http://schemas.microsoft.com/office/drawing/2014/main" id="{D568C738-EAE3-4E5B-AEA2-4326C3E50FC1}"/>
+                </a:ext>
+              </a:extLst>
+            </p:cNvPr>
+            <p:cNvGrpSpPr/>
+            <p:nvPr/>
+          </p:nvGrpSpPr>
+          <p:grpSpPr>
+            <a:xfrm>
+              <a:off x="679628" y="1077073"/>
+              <a:ext cx="180000" cy="450000"/>
+              <a:chOff x="2368978" y="915146"/>
+              <a:chExt cx="180000" cy="450000"/>
+            </a:xfrm>
+          </p:grpSpPr>
+          <p:sp>
+            <p:nvSpPr>
+              <p:cNvPr id="181" name="矩形 180">
+                <a:extLst>
+                  <a:ext uri="{FF2B5EF4-FFF2-40B4-BE49-F238E27FC236}">
+                    <a16:creationId xmlns:a16="http://schemas.microsoft.com/office/drawing/2014/main" id="{0D451DFB-454E-4D79-99F6-B776C2AE20B6}"/>
+                  </a:ext>
+                </a:extLst>
+              </p:cNvPr>
+              <p:cNvSpPr/>
+              <p:nvPr/>
+            </p:nvSpPr>
+            <p:spPr>
+              <a:xfrm>
+                <a:off x="2368978" y="915146"/>
+                <a:ext cx="180000" cy="90000"/>
+              </a:xfrm>
+              <a:prstGeom prst="rect">
+                <a:avLst/>
+              </a:prstGeom>
+              <a:solidFill>
+                <a:schemeClr val="bg1">
+                  <a:lumMod val="50000"/>
+                </a:schemeClr>
+              </a:solidFill>
+              <a:ln w="12700">
+                <a:solidFill>
+                  <a:schemeClr val="tx1"/>
+                </a:solidFill>
+              </a:ln>
+            </p:spPr>
+            <p:style>
+              <a:lnRef idx="2">
+                <a:schemeClr val="accent1">
+                  <a:shade val="50000"/>
+                </a:schemeClr>
+              </a:lnRef>
+              <a:fillRef idx="1">
+                <a:schemeClr val="accent1"/>
+              </a:fillRef>
+              <a:effectRef idx="0">
+                <a:schemeClr val="accent1"/>
+              </a:effectRef>
+              <a:fontRef idx="minor">
+                <a:schemeClr val="lt1"/>
+              </a:fontRef>
+            </p:style>
+            <p:txBody>
+              <a:bodyPr rtlCol="0" anchor="ctr"/>
+              <a:lstStyle/>
+              <a:p>
+                <a:pPr algn="ctr"/>
+                <a:endParaRPr lang="zh-CN" altLang="en-US" dirty="0"/>
+              </a:p>
+            </p:txBody>
+          </p:sp>
+          <p:sp>
+            <p:nvSpPr>
+              <p:cNvPr id="182" name="矩形 181">
+                <a:extLst>
+                  <a:ext uri="{FF2B5EF4-FFF2-40B4-BE49-F238E27FC236}">
+                    <a16:creationId xmlns:a16="http://schemas.microsoft.com/office/drawing/2014/main" id="{5AC950AE-0C3B-44F3-9079-C2CACFEFA127}"/>
+                  </a:ext>
+                </a:extLst>
+              </p:cNvPr>
+              <p:cNvSpPr/>
+              <p:nvPr/>
+            </p:nvSpPr>
+            <p:spPr>
+              <a:xfrm>
+                <a:off x="2368978" y="1005146"/>
+                <a:ext cx="180000" cy="90000"/>
+              </a:xfrm>
+              <a:prstGeom prst="rect">
+                <a:avLst/>
+              </a:prstGeom>
+              <a:solidFill>
+                <a:schemeClr val="bg1">
+                  <a:lumMod val="50000"/>
+                </a:schemeClr>
+              </a:solidFill>
+              <a:ln w="12700">
+                <a:solidFill>
+                  <a:schemeClr val="tx1"/>
+                </a:solidFill>
+              </a:ln>
+            </p:spPr>
+            <p:style>
+              <a:lnRef idx="2">
+                <a:schemeClr val="accent1">
+                  <a:shade val="50000"/>
+                </a:schemeClr>
+              </a:lnRef>
+              <a:fillRef idx="1">
+                <a:schemeClr val="accent1"/>
+              </a:fillRef>
+              <a:effectRef idx="0">
+                <a:schemeClr val="accent1"/>
+              </a:effectRef>
+              <a:fontRef idx="minor">
+                <a:schemeClr val="lt1"/>
+              </a:fontRef>
+            </p:style>
+            <p:txBody>
+              <a:bodyPr rtlCol="0" anchor="ctr"/>
+              <a:lstStyle/>
+              <a:p>
+                <a:pPr algn="ctr"/>
+                <a:endParaRPr lang="zh-CN" altLang="en-US" dirty="0"/>
+              </a:p>
+            </p:txBody>
+          </p:sp>
+          <p:sp>
+            <p:nvSpPr>
+              <p:cNvPr id="183" name="矩形 182">
+                <a:extLst>
+                  <a:ext uri="{FF2B5EF4-FFF2-40B4-BE49-F238E27FC236}">
+                    <a16:creationId xmlns:a16="http://schemas.microsoft.com/office/drawing/2014/main" id="{62632379-4AC4-440C-9A9F-F16BB269722C}"/>
+                  </a:ext>
+                </a:extLst>
+              </p:cNvPr>
+              <p:cNvSpPr/>
+              <p:nvPr/>
+            </p:nvSpPr>
+            <p:spPr>
+              <a:xfrm>
+                <a:off x="2368978" y="1095146"/>
+                <a:ext cx="180000" cy="90000"/>
+              </a:xfrm>
+              <a:prstGeom prst="rect">
+                <a:avLst/>
+              </a:prstGeom>
+              <a:solidFill>
+                <a:schemeClr val="bg1">
+                  <a:lumMod val="50000"/>
+                </a:schemeClr>
+              </a:solidFill>
+              <a:ln w="12700">
+                <a:solidFill>
+                  <a:schemeClr val="tx1"/>
+                </a:solidFill>
+              </a:ln>
+            </p:spPr>
+            <p:style>
+              <a:lnRef idx="2">
+                <a:schemeClr val="accent1">
+                  <a:shade val="50000"/>
+                </a:schemeClr>
+              </a:lnRef>
+              <a:fillRef idx="1">
+                <a:schemeClr val="accent1"/>
+              </a:fillRef>
+              <a:effectRef idx="0">
+                <a:schemeClr val="accent1"/>
+              </a:effectRef>
+              <a:fontRef idx="minor">
+                <a:schemeClr val="lt1"/>
+              </a:fontRef>
+            </p:style>
+            <p:txBody>
+              <a:bodyPr rtlCol="0" anchor="ctr"/>
+              <a:lstStyle/>
+              <a:p>
+                <a:pPr algn="ctr"/>
+                <a:endParaRPr lang="zh-CN" altLang="en-US" dirty="0"/>
+              </a:p>
+            </p:txBody>
+          </p:sp>
+          <p:sp>
+            <p:nvSpPr>
+              <p:cNvPr id="184" name="矩形 183">
+                <a:extLst>
+                  <a:ext uri="{FF2B5EF4-FFF2-40B4-BE49-F238E27FC236}">
+                    <a16:creationId xmlns:a16="http://schemas.microsoft.com/office/drawing/2014/main" id="{2D73FAB2-7E5C-4AD9-AA14-523CAEB4B8B2}"/>
+                  </a:ext>
+                </a:extLst>
+              </p:cNvPr>
+              <p:cNvSpPr/>
+              <p:nvPr/>
+            </p:nvSpPr>
+            <p:spPr>
+              <a:xfrm>
+                <a:off x="2368978" y="1185146"/>
+                <a:ext cx="180000" cy="90000"/>
+              </a:xfrm>
+              <a:prstGeom prst="rect">
+                <a:avLst/>
+              </a:prstGeom>
+              <a:solidFill>
+                <a:schemeClr val="bg1">
+                  <a:lumMod val="50000"/>
+                </a:schemeClr>
+              </a:solidFill>
+              <a:ln w="12700">
+                <a:solidFill>
+                  <a:schemeClr val="tx1"/>
+                </a:solidFill>
+              </a:ln>
+            </p:spPr>
+            <p:style>
+              <a:lnRef idx="2">
+                <a:schemeClr val="accent1">
+                  <a:shade val="50000"/>
+                </a:schemeClr>
+              </a:lnRef>
+              <a:fillRef idx="1">
+                <a:schemeClr val="accent1"/>
+              </a:fillRef>
+              <a:effectRef idx="0">
+                <a:schemeClr val="accent1"/>
+              </a:effectRef>
+              <a:fontRef idx="minor">
+                <a:schemeClr val="lt1"/>
+              </a:fontRef>
+            </p:style>
+            <p:txBody>
+              <a:bodyPr rtlCol="0" anchor="ctr"/>
+              <a:lstStyle/>
+              <a:p>
+                <a:pPr algn="ctr"/>
+                <a:endParaRPr lang="zh-CN" altLang="en-US" dirty="0"/>
+              </a:p>
+            </p:txBody>
+          </p:sp>
+          <p:sp>
+            <p:nvSpPr>
+              <p:cNvPr id="185" name="矩形 184">
+                <a:extLst>
+                  <a:ext uri="{FF2B5EF4-FFF2-40B4-BE49-F238E27FC236}">
+                    <a16:creationId xmlns:a16="http://schemas.microsoft.com/office/drawing/2014/main" id="{037C67F2-71E2-41C9-8467-E8AF8D31DA53}"/>
+                  </a:ext>
+                </a:extLst>
+              </p:cNvPr>
+              <p:cNvSpPr/>
+              <p:nvPr/>
+            </p:nvSpPr>
+            <p:spPr>
+              <a:xfrm>
+                <a:off x="2368978" y="1275146"/>
+                <a:ext cx="180000" cy="90000"/>
+              </a:xfrm>
+              <a:prstGeom prst="rect">
+                <a:avLst/>
+              </a:prstGeom>
+              <a:solidFill>
+                <a:schemeClr val="bg1">
+                  <a:lumMod val="50000"/>
+                </a:schemeClr>
+              </a:solidFill>
+              <a:ln w="12700">
+                <a:solidFill>
+                  <a:schemeClr val="tx1"/>
+                </a:solidFill>
+              </a:ln>
+            </p:spPr>
+            <p:style>
+              <a:lnRef idx="2">
+                <a:schemeClr val="accent1">
+                  <a:shade val="50000"/>
+                </a:schemeClr>
+              </a:lnRef>
+              <a:fillRef idx="1">
+                <a:schemeClr val="accent1"/>
+              </a:fillRef>
+              <a:effectRef idx="0">
+                <a:schemeClr val="accent1"/>
+              </a:effectRef>
+              <a:fontRef idx="minor">
+                <a:schemeClr val="lt1"/>
+              </a:fontRef>
+            </p:style>
+            <p:txBody>
+              <a:bodyPr rtlCol="0" anchor="ctr"/>
+              <a:lstStyle/>
+              <a:p>
+                <a:pPr algn="ctr"/>
+                <a:endParaRPr lang="zh-CN" altLang="en-US" dirty="0"/>
+              </a:p>
+            </p:txBody>
+          </p:sp>
+        </p:grpSp>
+      </p:grpSp>
+      <p:grpSp>
+        <p:nvGrpSpPr>
+          <p:cNvPr id="191" name="组合 190">
+            <a:extLst>
+              <a:ext uri="{FF2B5EF4-FFF2-40B4-BE49-F238E27FC236}">
+                <a16:creationId xmlns:a16="http://schemas.microsoft.com/office/drawing/2014/main" id="{BBF6A75C-985C-4F6A-AEC4-A38CD7BFBBA8}"/>
+              </a:ext>
+            </a:extLst>
+          </p:cNvPr>
+          <p:cNvGrpSpPr/>
+          <p:nvPr/>
+        </p:nvGrpSpPr>
+        <p:grpSpPr>
+          <a:xfrm>
+            <a:off x="1104128" y="1376841"/>
+            <a:ext cx="360000" cy="360000"/>
+            <a:chOff x="1542372" y="897073"/>
+            <a:chExt cx="720000" cy="720000"/>
+          </a:xfrm>
+        </p:grpSpPr>
+        <p:sp>
+          <p:nvSpPr>
+            <p:cNvPr id="192" name="矩形: 圆角 191">
+              <a:extLst>
+                <a:ext uri="{FF2B5EF4-FFF2-40B4-BE49-F238E27FC236}">
+                  <a16:creationId xmlns:a16="http://schemas.microsoft.com/office/drawing/2014/main" id="{52722B67-BAAE-4FD4-B317-4D118A94936B}"/>
+                </a:ext>
+              </a:extLst>
+            </p:cNvPr>
+            <p:cNvSpPr/>
+            <p:nvPr/>
+          </p:nvSpPr>
+          <p:spPr>
+            <a:xfrm>
+              <a:off x="1722372" y="1167073"/>
+              <a:ext cx="360000" cy="360000"/>
+            </a:xfrm>
+            <a:prstGeom prst="roundRect">
+              <a:avLst/>
+            </a:prstGeom>
+            <a:solidFill>
+              <a:srgbClr val="FF0000"/>
+            </a:solidFill>
+            <a:ln w="12700">
+              <a:solidFill>
+                <a:schemeClr val="tx1"/>
+              </a:solidFill>
+            </a:ln>
+          </p:spPr>
+          <p:style>
+            <a:lnRef idx="2">
+              <a:schemeClr val="accent1">
+                <a:shade val="50000"/>
+              </a:schemeClr>
+            </a:lnRef>
+            <a:fillRef idx="1">
+              <a:schemeClr val="accent1"/>
+            </a:fillRef>
+            <a:effectRef idx="0">
+              <a:schemeClr val="accent1"/>
+            </a:effectRef>
+            <a:fontRef idx="minor">
+              <a:schemeClr val="lt1"/>
+            </a:fontRef>
+          </p:style>
+          <p:txBody>
+            <a:bodyPr rtlCol="0" anchor="ctr"/>
+            <a:lstStyle/>
+            <a:p>
+              <a:pPr algn="ctr"/>
+              <a:endParaRPr lang="zh-CN" altLang="en-US" dirty="0"/>
+            </a:p>
+          </p:txBody>
+        </p:sp>
+        <p:sp>
+          <p:nvSpPr>
+            <p:cNvPr id="193" name="矩形 192">
+              <a:extLst>
+                <a:ext uri="{FF2B5EF4-FFF2-40B4-BE49-F238E27FC236}">
+                  <a16:creationId xmlns:a16="http://schemas.microsoft.com/office/drawing/2014/main" id="{0612EC16-B54A-4CE0-96FA-A275EC7A2D42}"/>
+                </a:ext>
+              </a:extLst>
+            </p:cNvPr>
+            <p:cNvSpPr/>
+            <p:nvPr/>
+          </p:nvSpPr>
+          <p:spPr>
+            <a:xfrm>
+              <a:off x="2082372" y="1077073"/>
+              <a:ext cx="180000" cy="540000"/>
+            </a:xfrm>
+            <a:prstGeom prst="rect">
+              <a:avLst/>
+            </a:prstGeom>
+            <a:solidFill>
+              <a:schemeClr val="bg1">
+                <a:lumMod val="50000"/>
+              </a:schemeClr>
+            </a:solidFill>
+            <a:ln w="12700">
+              <a:solidFill>
+                <a:schemeClr val="tx1"/>
+              </a:solidFill>
+            </a:ln>
+          </p:spPr>
+          <p:style>
+            <a:lnRef idx="2">
+              <a:schemeClr val="accent1">
+                <a:shade val="50000"/>
+              </a:schemeClr>
+            </a:lnRef>
+            <a:fillRef idx="1">
+              <a:schemeClr val="accent1"/>
+            </a:fillRef>
+            <a:effectRef idx="0">
+              <a:schemeClr val="accent1"/>
+            </a:effectRef>
+            <a:fontRef idx="minor">
+              <a:schemeClr val="lt1"/>
+            </a:fontRef>
+          </p:style>
+          <p:txBody>
+            <a:bodyPr rtlCol="0" anchor="ctr"/>
+            <a:lstStyle/>
+            <a:p>
+              <a:pPr algn="ctr"/>
+              <a:endParaRPr lang="zh-CN" altLang="en-US" dirty="0"/>
+            </a:p>
+          </p:txBody>
+        </p:sp>
+        <p:sp>
+          <p:nvSpPr>
+            <p:cNvPr id="194" name="矩形 193">
+              <a:extLst>
+                <a:ext uri="{FF2B5EF4-FFF2-40B4-BE49-F238E27FC236}">
+                  <a16:creationId xmlns:a16="http://schemas.microsoft.com/office/drawing/2014/main" id="{FDB096C7-4A3B-48A4-BE35-E793F4806D82}"/>
+                </a:ext>
+              </a:extLst>
+            </p:cNvPr>
+            <p:cNvSpPr/>
+            <p:nvPr/>
+          </p:nvSpPr>
+          <p:spPr>
+            <a:xfrm>
+              <a:off x="1866372" y="897073"/>
+              <a:ext cx="72000" cy="450000"/>
+            </a:xfrm>
+            <a:prstGeom prst="rect">
+              <a:avLst/>
+            </a:prstGeom>
+            <a:solidFill>
+              <a:schemeClr val="accent3">
+                <a:lumMod val="50000"/>
+              </a:schemeClr>
+            </a:solidFill>
+            <a:ln w="12700">
+              <a:solidFill>
+                <a:schemeClr val="tx1"/>
+              </a:solidFill>
+            </a:ln>
+          </p:spPr>
+          <p:style>
+            <a:lnRef idx="2">
+              <a:schemeClr val="accent1">
+                <a:shade val="50000"/>
+              </a:schemeClr>
+            </a:lnRef>
+            <a:fillRef idx="1">
+              <a:schemeClr val="accent1"/>
+            </a:fillRef>
+            <a:effectRef idx="0">
+              <a:schemeClr val="accent1"/>
+            </a:effectRef>
+            <a:fontRef idx="minor">
+              <a:schemeClr val="lt1"/>
+            </a:fontRef>
+          </p:style>
+          <p:txBody>
+            <a:bodyPr rtlCol="0" anchor="ctr"/>
+            <a:lstStyle/>
+            <a:p>
+              <a:pPr algn="ctr"/>
+              <a:endParaRPr lang="zh-CN" altLang="en-US" dirty="0"/>
+            </a:p>
+          </p:txBody>
+        </p:sp>
+        <p:sp>
+          <p:nvSpPr>
+            <p:cNvPr id="195" name="椭圆 194">
+              <a:extLst>
+                <a:ext uri="{FF2B5EF4-FFF2-40B4-BE49-F238E27FC236}">
+                  <a16:creationId xmlns:a16="http://schemas.microsoft.com/office/drawing/2014/main" id="{8AB8C9F5-CAE2-4B7C-AD59-590632EDD8B7}"/>
+                </a:ext>
+              </a:extLst>
+            </p:cNvPr>
+            <p:cNvSpPr/>
+            <p:nvPr/>
+          </p:nvSpPr>
+          <p:spPr>
+            <a:xfrm>
+              <a:off x="1794372" y="1239073"/>
+              <a:ext cx="216000" cy="216000"/>
+            </a:xfrm>
+            <a:prstGeom prst="ellipse">
+              <a:avLst/>
+            </a:prstGeom>
+            <a:solidFill>
+              <a:schemeClr val="accent3">
+                <a:lumMod val="50000"/>
+              </a:schemeClr>
+            </a:solidFill>
+            <a:ln w="12700">
+              <a:solidFill>
+                <a:schemeClr val="tx1"/>
+              </a:solidFill>
+            </a:ln>
+          </p:spPr>
+          <p:style>
+            <a:lnRef idx="1">
+              <a:schemeClr val="dk1"/>
+            </a:lnRef>
+            <a:fillRef idx="2">
+              <a:schemeClr val="dk1"/>
+            </a:fillRef>
+            <a:effectRef idx="1">
+              <a:schemeClr val="dk1"/>
+            </a:effectRef>
+            <a:fontRef idx="minor">
+              <a:schemeClr val="dk1"/>
+            </a:fontRef>
+          </p:style>
+          <p:txBody>
+            <a:bodyPr rtlCol="0" anchor="ctr"/>
+            <a:lstStyle/>
+            <a:p>
+              <a:pPr algn="ctr"/>
+              <a:endParaRPr lang="zh-CN" altLang="en-US">
+                <a:ln>
+                  <a:solidFill>
+                    <a:sysClr val="windowText" lastClr="000000"/>
+                  </a:solidFill>
+                </a:ln>
+              </a:endParaRPr>
+            </a:p>
+          </p:txBody>
+        </p:sp>
+        <p:sp>
+          <p:nvSpPr>
+            <p:cNvPr id="196" name="矩形 195">
+              <a:extLst>
+                <a:ext uri="{FF2B5EF4-FFF2-40B4-BE49-F238E27FC236}">
+                  <a16:creationId xmlns:a16="http://schemas.microsoft.com/office/drawing/2014/main" id="{4A571820-B8B0-49BB-9B34-4782B54FA5E4}"/>
+                </a:ext>
+              </a:extLst>
+            </p:cNvPr>
+            <p:cNvSpPr/>
+            <p:nvPr/>
+          </p:nvSpPr>
+          <p:spPr>
+            <a:xfrm>
+              <a:off x="1542372" y="1077073"/>
+              <a:ext cx="180000" cy="540000"/>
+            </a:xfrm>
+            <a:prstGeom prst="rect">
+              <a:avLst/>
+            </a:prstGeom>
+            <a:solidFill>
+              <a:schemeClr val="bg1">
+                <a:lumMod val="50000"/>
+              </a:schemeClr>
+            </a:solidFill>
+            <a:ln w="12700">
+              <a:solidFill>
+                <a:schemeClr val="tx1"/>
+              </a:solidFill>
+            </a:ln>
+          </p:spPr>
+          <p:style>
+            <a:lnRef idx="2">
+              <a:schemeClr val="accent1">
+                <a:shade val="50000"/>
+              </a:schemeClr>
+            </a:lnRef>
+            <a:fillRef idx="1">
+              <a:schemeClr val="accent1"/>
+            </a:fillRef>
+            <a:effectRef idx="0">
+              <a:schemeClr val="accent1"/>
+            </a:effectRef>
+            <a:fontRef idx="minor">
+              <a:schemeClr val="lt1"/>
+            </a:fontRef>
+          </p:style>
+          <p:txBody>
+            <a:bodyPr rtlCol="0" anchor="ctr"/>
+            <a:lstStyle/>
+            <a:p>
+              <a:pPr algn="ctr"/>
+              <a:endParaRPr lang="zh-CN" altLang="en-US" dirty="0"/>
+            </a:p>
+          </p:txBody>
+        </p:sp>
+        <p:grpSp>
+          <p:nvGrpSpPr>
+            <p:cNvPr id="197" name="组合 196">
+              <a:extLst>
+                <a:ext uri="{FF2B5EF4-FFF2-40B4-BE49-F238E27FC236}">
+                  <a16:creationId xmlns:a16="http://schemas.microsoft.com/office/drawing/2014/main" id="{F40A3263-4C16-4107-8A63-BE5862602347}"/>
+                </a:ext>
+              </a:extLst>
+            </p:cNvPr>
+            <p:cNvGrpSpPr/>
+            <p:nvPr/>
+          </p:nvGrpSpPr>
+          <p:grpSpPr>
+            <a:xfrm>
+              <a:off x="2082372" y="1090946"/>
+              <a:ext cx="180000" cy="450000"/>
+              <a:chOff x="2368978" y="915146"/>
+              <a:chExt cx="180000" cy="450000"/>
+            </a:xfrm>
+          </p:grpSpPr>
+          <p:sp>
+            <p:nvSpPr>
+              <p:cNvPr id="204" name="矩形 203">
+                <a:extLst>
+                  <a:ext uri="{FF2B5EF4-FFF2-40B4-BE49-F238E27FC236}">
+                    <a16:creationId xmlns:a16="http://schemas.microsoft.com/office/drawing/2014/main" id="{D7C24A94-0542-4E18-A24C-3B8455950F0C}"/>
+                  </a:ext>
+                </a:extLst>
+              </p:cNvPr>
+              <p:cNvSpPr/>
+              <p:nvPr/>
+            </p:nvSpPr>
+            <p:spPr>
+              <a:xfrm>
+                <a:off x="2368978" y="915146"/>
+                <a:ext cx="180000" cy="90000"/>
+              </a:xfrm>
+              <a:prstGeom prst="rect">
+                <a:avLst/>
+              </a:prstGeom>
+              <a:solidFill>
+                <a:schemeClr val="bg1">
+                  <a:lumMod val="50000"/>
+                </a:schemeClr>
+              </a:solidFill>
+              <a:ln w="12700">
+                <a:solidFill>
+                  <a:schemeClr val="tx1"/>
+                </a:solidFill>
+              </a:ln>
+            </p:spPr>
+            <p:style>
+              <a:lnRef idx="2">
+                <a:schemeClr val="accent1">
+                  <a:shade val="50000"/>
+                </a:schemeClr>
+              </a:lnRef>
+              <a:fillRef idx="1">
+                <a:schemeClr val="accent1"/>
+              </a:fillRef>
+              <a:effectRef idx="0">
+                <a:schemeClr val="accent1"/>
+              </a:effectRef>
+              <a:fontRef idx="minor">
+                <a:schemeClr val="lt1"/>
+              </a:fontRef>
+            </p:style>
+            <p:txBody>
+              <a:bodyPr rtlCol="0" anchor="ctr"/>
+              <a:lstStyle/>
+              <a:p>
+                <a:pPr algn="ctr"/>
+                <a:endParaRPr lang="zh-CN" altLang="en-US" dirty="0"/>
+              </a:p>
+            </p:txBody>
+          </p:sp>
+          <p:sp>
+            <p:nvSpPr>
+              <p:cNvPr id="205" name="矩形 204">
+                <a:extLst>
+                  <a:ext uri="{FF2B5EF4-FFF2-40B4-BE49-F238E27FC236}">
+                    <a16:creationId xmlns:a16="http://schemas.microsoft.com/office/drawing/2014/main" id="{560FB1D4-CF46-41B0-BC17-4FF11DB98C3B}"/>
+                  </a:ext>
+                </a:extLst>
+              </p:cNvPr>
+              <p:cNvSpPr/>
+              <p:nvPr/>
+            </p:nvSpPr>
+            <p:spPr>
+              <a:xfrm>
+                <a:off x="2368978" y="1005146"/>
+                <a:ext cx="180000" cy="90000"/>
+              </a:xfrm>
+              <a:prstGeom prst="rect">
+                <a:avLst/>
+              </a:prstGeom>
+              <a:solidFill>
+                <a:schemeClr val="bg1">
+                  <a:lumMod val="50000"/>
+                </a:schemeClr>
+              </a:solidFill>
+              <a:ln w="12700">
+                <a:solidFill>
+                  <a:schemeClr val="tx1"/>
+                </a:solidFill>
+              </a:ln>
+            </p:spPr>
+            <p:style>
+              <a:lnRef idx="2">
+                <a:schemeClr val="accent1">
+                  <a:shade val="50000"/>
+                </a:schemeClr>
+              </a:lnRef>
+              <a:fillRef idx="1">
+                <a:schemeClr val="accent1"/>
+              </a:fillRef>
+              <a:effectRef idx="0">
+                <a:schemeClr val="accent1"/>
+              </a:effectRef>
+              <a:fontRef idx="minor">
+                <a:schemeClr val="lt1"/>
+              </a:fontRef>
+            </p:style>
+            <p:txBody>
+              <a:bodyPr rtlCol="0" anchor="ctr"/>
+              <a:lstStyle/>
+              <a:p>
+                <a:pPr algn="ctr"/>
+                <a:endParaRPr lang="zh-CN" altLang="en-US" dirty="0"/>
+              </a:p>
+            </p:txBody>
+          </p:sp>
+          <p:sp>
+            <p:nvSpPr>
+              <p:cNvPr id="206" name="矩形 205">
+                <a:extLst>
+                  <a:ext uri="{FF2B5EF4-FFF2-40B4-BE49-F238E27FC236}">
+                    <a16:creationId xmlns:a16="http://schemas.microsoft.com/office/drawing/2014/main" id="{72E7EC3D-F03A-47C5-B24D-439FC738C245}"/>
+                  </a:ext>
+                </a:extLst>
+              </p:cNvPr>
+              <p:cNvSpPr/>
+              <p:nvPr/>
+            </p:nvSpPr>
+            <p:spPr>
+              <a:xfrm>
+                <a:off x="2368978" y="1095146"/>
+                <a:ext cx="180000" cy="90000"/>
+              </a:xfrm>
+              <a:prstGeom prst="rect">
+                <a:avLst/>
+              </a:prstGeom>
+              <a:solidFill>
+                <a:schemeClr val="bg1">
+                  <a:lumMod val="50000"/>
+                </a:schemeClr>
+              </a:solidFill>
+              <a:ln w="12700">
+                <a:solidFill>
+                  <a:schemeClr val="tx1"/>
+                </a:solidFill>
+              </a:ln>
+            </p:spPr>
+            <p:style>
+              <a:lnRef idx="2">
+                <a:schemeClr val="accent1">
+                  <a:shade val="50000"/>
+                </a:schemeClr>
+              </a:lnRef>
+              <a:fillRef idx="1">
+                <a:schemeClr val="accent1"/>
+              </a:fillRef>
+              <a:effectRef idx="0">
+                <a:schemeClr val="accent1"/>
+              </a:effectRef>
+              <a:fontRef idx="minor">
+                <a:schemeClr val="lt1"/>
+              </a:fontRef>
+            </p:style>
+            <p:txBody>
+              <a:bodyPr rtlCol="0" anchor="ctr"/>
+              <a:lstStyle/>
+              <a:p>
+                <a:pPr algn="ctr"/>
+                <a:endParaRPr lang="zh-CN" altLang="en-US" dirty="0"/>
+              </a:p>
+            </p:txBody>
+          </p:sp>
+          <p:sp>
+            <p:nvSpPr>
+              <p:cNvPr id="207" name="矩形 206">
+                <a:extLst>
+                  <a:ext uri="{FF2B5EF4-FFF2-40B4-BE49-F238E27FC236}">
+                    <a16:creationId xmlns:a16="http://schemas.microsoft.com/office/drawing/2014/main" id="{B4098D78-9186-416C-8CCB-048289890854}"/>
+                  </a:ext>
+                </a:extLst>
+              </p:cNvPr>
+              <p:cNvSpPr/>
+              <p:nvPr/>
+            </p:nvSpPr>
+            <p:spPr>
+              <a:xfrm>
+                <a:off x="2368978" y="1185146"/>
+                <a:ext cx="180000" cy="90000"/>
+              </a:xfrm>
+              <a:prstGeom prst="rect">
+                <a:avLst/>
+              </a:prstGeom>
+              <a:solidFill>
+                <a:schemeClr val="bg1">
+                  <a:lumMod val="50000"/>
+                </a:schemeClr>
+              </a:solidFill>
+              <a:ln w="12700">
+                <a:solidFill>
+                  <a:schemeClr val="tx1"/>
+                </a:solidFill>
+              </a:ln>
+            </p:spPr>
+            <p:style>
+              <a:lnRef idx="2">
+                <a:schemeClr val="accent1">
+                  <a:shade val="50000"/>
+                </a:schemeClr>
+              </a:lnRef>
+              <a:fillRef idx="1">
+                <a:schemeClr val="accent1"/>
+              </a:fillRef>
+              <a:effectRef idx="0">
+                <a:schemeClr val="accent1"/>
+              </a:effectRef>
+              <a:fontRef idx="minor">
+                <a:schemeClr val="lt1"/>
+              </a:fontRef>
+            </p:style>
+            <p:txBody>
+              <a:bodyPr rtlCol="0" anchor="ctr"/>
+              <a:lstStyle/>
+              <a:p>
+                <a:pPr algn="ctr"/>
+                <a:endParaRPr lang="zh-CN" altLang="en-US" dirty="0"/>
+              </a:p>
+            </p:txBody>
+          </p:sp>
+          <p:sp>
+            <p:nvSpPr>
+              <p:cNvPr id="208" name="矩形 207">
+                <a:extLst>
+                  <a:ext uri="{FF2B5EF4-FFF2-40B4-BE49-F238E27FC236}">
+                    <a16:creationId xmlns:a16="http://schemas.microsoft.com/office/drawing/2014/main" id="{5BC5ACEA-2640-4864-AFF8-1EA777D16FBC}"/>
+                  </a:ext>
+                </a:extLst>
+              </p:cNvPr>
+              <p:cNvSpPr/>
+              <p:nvPr/>
+            </p:nvSpPr>
+            <p:spPr>
+              <a:xfrm>
+                <a:off x="2368978" y="1275146"/>
+                <a:ext cx="180000" cy="90000"/>
+              </a:xfrm>
+              <a:prstGeom prst="rect">
+                <a:avLst/>
+              </a:prstGeom>
+              <a:solidFill>
+                <a:schemeClr val="bg1">
+                  <a:lumMod val="50000"/>
+                </a:schemeClr>
+              </a:solidFill>
+              <a:ln w="12700">
+                <a:solidFill>
+                  <a:schemeClr val="tx1"/>
+                </a:solidFill>
+              </a:ln>
+            </p:spPr>
+            <p:style>
+              <a:lnRef idx="2">
+                <a:schemeClr val="accent1">
+                  <a:shade val="50000"/>
+                </a:schemeClr>
+              </a:lnRef>
+              <a:fillRef idx="1">
+                <a:schemeClr val="accent1"/>
+              </a:fillRef>
+              <a:effectRef idx="0">
+                <a:schemeClr val="accent1"/>
+              </a:effectRef>
+              <a:fontRef idx="minor">
+                <a:schemeClr val="lt1"/>
+              </a:fontRef>
+            </p:style>
+            <p:txBody>
+              <a:bodyPr rtlCol="0" anchor="ctr"/>
+              <a:lstStyle/>
+              <a:p>
+                <a:pPr algn="ctr"/>
+                <a:endParaRPr lang="zh-CN" altLang="en-US" dirty="0"/>
+              </a:p>
+            </p:txBody>
+          </p:sp>
+        </p:grpSp>
+        <p:grpSp>
+          <p:nvGrpSpPr>
+            <p:cNvPr id="198" name="组合 197">
+              <a:extLst>
+                <a:ext uri="{FF2B5EF4-FFF2-40B4-BE49-F238E27FC236}">
+                  <a16:creationId xmlns:a16="http://schemas.microsoft.com/office/drawing/2014/main" id="{C6D856B2-0B14-4592-BEF6-CD6346C91ED0}"/>
+                </a:ext>
+              </a:extLst>
+            </p:cNvPr>
+            <p:cNvGrpSpPr/>
+            <p:nvPr/>
+          </p:nvGrpSpPr>
+          <p:grpSpPr>
+            <a:xfrm>
+              <a:off x="1542372" y="1090946"/>
+              <a:ext cx="180000" cy="450000"/>
+              <a:chOff x="2368978" y="915146"/>
+              <a:chExt cx="180000" cy="450000"/>
+            </a:xfrm>
+          </p:grpSpPr>
+          <p:sp>
+            <p:nvSpPr>
+              <p:cNvPr id="199" name="矩形 198">
+                <a:extLst>
+                  <a:ext uri="{FF2B5EF4-FFF2-40B4-BE49-F238E27FC236}">
+                    <a16:creationId xmlns:a16="http://schemas.microsoft.com/office/drawing/2014/main" id="{1771CB79-18BA-4381-8FDB-B205F73AE328}"/>
+                  </a:ext>
+                </a:extLst>
+              </p:cNvPr>
+              <p:cNvSpPr/>
+              <p:nvPr/>
+            </p:nvSpPr>
+            <p:spPr>
+              <a:xfrm>
+                <a:off x="2368978" y="915146"/>
+                <a:ext cx="180000" cy="90000"/>
+              </a:xfrm>
+              <a:prstGeom prst="rect">
+                <a:avLst/>
+              </a:prstGeom>
+              <a:solidFill>
+                <a:schemeClr val="bg1">
+                  <a:lumMod val="50000"/>
+                </a:schemeClr>
+              </a:solidFill>
+              <a:ln w="12700">
+                <a:solidFill>
+                  <a:schemeClr val="tx1"/>
+                </a:solidFill>
+              </a:ln>
+            </p:spPr>
+            <p:style>
+              <a:lnRef idx="2">
+                <a:schemeClr val="accent1">
+                  <a:shade val="50000"/>
+                </a:schemeClr>
+              </a:lnRef>
+              <a:fillRef idx="1">
+                <a:schemeClr val="accent1"/>
+              </a:fillRef>
+              <a:effectRef idx="0">
+                <a:schemeClr val="accent1"/>
+              </a:effectRef>
+              <a:fontRef idx="minor">
+                <a:schemeClr val="lt1"/>
+              </a:fontRef>
+            </p:style>
+            <p:txBody>
+              <a:bodyPr rtlCol="0" anchor="ctr"/>
+              <a:lstStyle/>
+              <a:p>
+                <a:pPr algn="ctr"/>
+                <a:endParaRPr lang="zh-CN" altLang="en-US" dirty="0"/>
+              </a:p>
+            </p:txBody>
+          </p:sp>
+          <p:sp>
+            <p:nvSpPr>
+              <p:cNvPr id="200" name="矩形 199">
+                <a:extLst>
+                  <a:ext uri="{FF2B5EF4-FFF2-40B4-BE49-F238E27FC236}">
+                    <a16:creationId xmlns:a16="http://schemas.microsoft.com/office/drawing/2014/main" id="{B5112133-A13B-48CB-B12F-37F1198BCCB0}"/>
+                  </a:ext>
+                </a:extLst>
+              </p:cNvPr>
+              <p:cNvSpPr/>
+              <p:nvPr/>
+            </p:nvSpPr>
+            <p:spPr>
+              <a:xfrm>
+                <a:off x="2368978" y="1005146"/>
+                <a:ext cx="180000" cy="90000"/>
+              </a:xfrm>
+              <a:prstGeom prst="rect">
+                <a:avLst/>
+              </a:prstGeom>
+              <a:solidFill>
+                <a:schemeClr val="bg1">
+                  <a:lumMod val="50000"/>
+                </a:schemeClr>
+              </a:solidFill>
+              <a:ln w="12700">
+                <a:solidFill>
+                  <a:schemeClr val="tx1"/>
+                </a:solidFill>
+              </a:ln>
+            </p:spPr>
+            <p:style>
+              <a:lnRef idx="2">
+                <a:schemeClr val="accent1">
+                  <a:shade val="50000"/>
+                </a:schemeClr>
+              </a:lnRef>
+              <a:fillRef idx="1">
+                <a:schemeClr val="accent1"/>
+              </a:fillRef>
+              <a:effectRef idx="0">
+                <a:schemeClr val="accent1"/>
+              </a:effectRef>
+              <a:fontRef idx="minor">
+                <a:schemeClr val="lt1"/>
+              </a:fontRef>
+            </p:style>
+            <p:txBody>
+              <a:bodyPr rtlCol="0" anchor="ctr"/>
+              <a:lstStyle/>
+              <a:p>
+                <a:pPr algn="ctr"/>
+                <a:endParaRPr lang="zh-CN" altLang="en-US" dirty="0"/>
+              </a:p>
+            </p:txBody>
+          </p:sp>
+          <p:sp>
+            <p:nvSpPr>
+              <p:cNvPr id="201" name="矩形 200">
+                <a:extLst>
+                  <a:ext uri="{FF2B5EF4-FFF2-40B4-BE49-F238E27FC236}">
+                    <a16:creationId xmlns:a16="http://schemas.microsoft.com/office/drawing/2014/main" id="{054A135B-91FB-49F4-BDC4-E7CCB311537F}"/>
+                  </a:ext>
+                </a:extLst>
+              </p:cNvPr>
+              <p:cNvSpPr/>
+              <p:nvPr/>
+            </p:nvSpPr>
+            <p:spPr>
+              <a:xfrm>
+                <a:off x="2368978" y="1095146"/>
+                <a:ext cx="180000" cy="90000"/>
+              </a:xfrm>
+              <a:prstGeom prst="rect">
+                <a:avLst/>
+              </a:prstGeom>
+              <a:solidFill>
+                <a:schemeClr val="bg1">
+                  <a:lumMod val="50000"/>
+                </a:schemeClr>
+              </a:solidFill>
+              <a:ln w="12700">
+                <a:solidFill>
+                  <a:schemeClr val="tx1"/>
+                </a:solidFill>
+              </a:ln>
+            </p:spPr>
+            <p:style>
+              <a:lnRef idx="2">
+                <a:schemeClr val="accent1">
+                  <a:shade val="50000"/>
+                </a:schemeClr>
+              </a:lnRef>
+              <a:fillRef idx="1">
+                <a:schemeClr val="accent1"/>
+              </a:fillRef>
+              <a:effectRef idx="0">
+                <a:schemeClr val="accent1"/>
+              </a:effectRef>
+              <a:fontRef idx="minor">
+                <a:schemeClr val="lt1"/>
+              </a:fontRef>
+            </p:style>
+            <p:txBody>
+              <a:bodyPr rtlCol="0" anchor="ctr"/>
+              <a:lstStyle/>
+              <a:p>
+                <a:pPr algn="ctr"/>
+                <a:endParaRPr lang="zh-CN" altLang="en-US" dirty="0"/>
+              </a:p>
+            </p:txBody>
+          </p:sp>
+          <p:sp>
+            <p:nvSpPr>
+              <p:cNvPr id="202" name="矩形 201">
+                <a:extLst>
+                  <a:ext uri="{FF2B5EF4-FFF2-40B4-BE49-F238E27FC236}">
+                    <a16:creationId xmlns:a16="http://schemas.microsoft.com/office/drawing/2014/main" id="{F04271A1-FC03-4340-9007-848FD0BC3658}"/>
+                  </a:ext>
+                </a:extLst>
+              </p:cNvPr>
+              <p:cNvSpPr/>
+              <p:nvPr/>
+            </p:nvSpPr>
+            <p:spPr>
+              <a:xfrm>
+                <a:off x="2368978" y="1185146"/>
+                <a:ext cx="180000" cy="90000"/>
+              </a:xfrm>
+              <a:prstGeom prst="rect">
+                <a:avLst/>
+              </a:prstGeom>
+              <a:solidFill>
+                <a:schemeClr val="bg1">
+                  <a:lumMod val="50000"/>
+                </a:schemeClr>
+              </a:solidFill>
+              <a:ln w="12700">
+                <a:solidFill>
+                  <a:schemeClr val="tx1"/>
+                </a:solidFill>
+              </a:ln>
+            </p:spPr>
+            <p:style>
+              <a:lnRef idx="2">
+                <a:schemeClr val="accent1">
+                  <a:shade val="50000"/>
+                </a:schemeClr>
+              </a:lnRef>
+              <a:fillRef idx="1">
+                <a:schemeClr val="accent1"/>
+              </a:fillRef>
+              <a:effectRef idx="0">
+                <a:schemeClr val="accent1"/>
+              </a:effectRef>
+              <a:fontRef idx="minor">
+                <a:schemeClr val="lt1"/>
+              </a:fontRef>
+            </p:style>
+            <p:txBody>
+              <a:bodyPr rtlCol="0" anchor="ctr"/>
+              <a:lstStyle/>
+              <a:p>
+                <a:pPr algn="ctr"/>
+                <a:endParaRPr lang="zh-CN" altLang="en-US" dirty="0"/>
+              </a:p>
+            </p:txBody>
+          </p:sp>
+          <p:sp>
+            <p:nvSpPr>
+              <p:cNvPr id="203" name="矩形 202">
+                <a:extLst>
+                  <a:ext uri="{FF2B5EF4-FFF2-40B4-BE49-F238E27FC236}">
+                    <a16:creationId xmlns:a16="http://schemas.microsoft.com/office/drawing/2014/main" id="{95213226-4BF7-4DCC-9B35-65339E1709D7}"/>
+                  </a:ext>
+                </a:extLst>
+              </p:cNvPr>
+              <p:cNvSpPr/>
+              <p:nvPr/>
+            </p:nvSpPr>
+            <p:spPr>
+              <a:xfrm>
+                <a:off x="2368978" y="1275146"/>
+                <a:ext cx="180000" cy="90000"/>
+              </a:xfrm>
+              <a:prstGeom prst="rect">
+                <a:avLst/>
+              </a:prstGeom>
+              <a:solidFill>
+                <a:schemeClr val="bg1">
+                  <a:lumMod val="50000"/>
+                </a:schemeClr>
+              </a:solidFill>
+              <a:ln w="12700">
+                <a:solidFill>
+                  <a:schemeClr val="tx1"/>
+                </a:solidFill>
+              </a:ln>
+            </p:spPr>
+            <p:style>
+              <a:lnRef idx="2">
+                <a:schemeClr val="accent1">
+                  <a:shade val="50000"/>
+                </a:schemeClr>
+              </a:lnRef>
+              <a:fillRef idx="1">
+                <a:schemeClr val="accent1"/>
+              </a:fillRef>
+              <a:effectRef idx="0">
+                <a:schemeClr val="accent1"/>
+              </a:effectRef>
+              <a:fontRef idx="minor">
+                <a:schemeClr val="lt1"/>
+              </a:fontRef>
+            </p:style>
+            <p:txBody>
+              <a:bodyPr rtlCol="0" anchor="ctr"/>
+              <a:lstStyle/>
+              <a:p>
+                <a:pPr algn="ctr"/>
+                <a:endParaRPr lang="zh-CN" altLang="en-US" dirty="0"/>
+              </a:p>
+            </p:txBody>
+          </p:sp>
+        </p:grpSp>
+      </p:grpSp>
+      <p:grpSp>
+        <p:nvGrpSpPr>
+          <p:cNvPr id="209" name="组合 208">
+            <a:extLst>
+              <a:ext uri="{FF2B5EF4-FFF2-40B4-BE49-F238E27FC236}">
+                <a16:creationId xmlns:a16="http://schemas.microsoft.com/office/drawing/2014/main" id="{85E12104-2C90-4ACA-A26F-A8FF0631C9C9}"/>
+              </a:ext>
+            </a:extLst>
+          </p:cNvPr>
+          <p:cNvGrpSpPr/>
+          <p:nvPr/>
+        </p:nvGrpSpPr>
+        <p:grpSpPr>
+          <a:xfrm>
+            <a:off x="1593724" y="1376841"/>
+            <a:ext cx="360000" cy="360000"/>
+            <a:chOff x="2442372" y="894169"/>
+            <a:chExt cx="720000" cy="720000"/>
+          </a:xfrm>
+        </p:grpSpPr>
+        <p:sp>
+          <p:nvSpPr>
+            <p:cNvPr id="210" name="矩形: 圆角 209">
+              <a:extLst>
+                <a:ext uri="{FF2B5EF4-FFF2-40B4-BE49-F238E27FC236}">
+                  <a16:creationId xmlns:a16="http://schemas.microsoft.com/office/drawing/2014/main" id="{8AE07DF5-F3F7-4EB8-BBB2-CED03DA09016}"/>
+                </a:ext>
+              </a:extLst>
+            </p:cNvPr>
+            <p:cNvSpPr/>
+            <p:nvPr/>
+          </p:nvSpPr>
+          <p:spPr>
+            <a:xfrm>
+              <a:off x="2622372" y="1164169"/>
+              <a:ext cx="360000" cy="360000"/>
+            </a:xfrm>
+            <a:prstGeom prst="roundRect">
+              <a:avLst/>
+            </a:prstGeom>
+            <a:solidFill>
+              <a:srgbClr val="FF0000"/>
+            </a:solidFill>
+            <a:ln w="12700">
+              <a:solidFill>
+                <a:schemeClr val="tx1"/>
+              </a:solidFill>
+            </a:ln>
+          </p:spPr>
+          <p:style>
+            <a:lnRef idx="2">
+              <a:schemeClr val="accent1">
+                <a:shade val="50000"/>
+              </a:schemeClr>
+            </a:lnRef>
+            <a:fillRef idx="1">
+              <a:schemeClr val="accent1"/>
+            </a:fillRef>
+            <a:effectRef idx="0">
+              <a:schemeClr val="accent1"/>
+            </a:effectRef>
+            <a:fontRef idx="minor">
+              <a:schemeClr val="lt1"/>
+            </a:fontRef>
+          </p:style>
+          <p:txBody>
+            <a:bodyPr rtlCol="0" anchor="ctr"/>
+            <a:lstStyle/>
+            <a:p>
+              <a:pPr algn="ctr"/>
+              <a:endParaRPr lang="zh-CN" altLang="en-US" dirty="0"/>
+            </a:p>
+          </p:txBody>
+        </p:sp>
+        <p:sp>
+          <p:nvSpPr>
+            <p:cNvPr id="211" name="矩形 210">
+              <a:extLst>
+                <a:ext uri="{FF2B5EF4-FFF2-40B4-BE49-F238E27FC236}">
+                  <a16:creationId xmlns:a16="http://schemas.microsoft.com/office/drawing/2014/main" id="{1D5D8109-DDC0-4D92-A67C-B95EA600E3EC}"/>
+                </a:ext>
+              </a:extLst>
+            </p:cNvPr>
+            <p:cNvSpPr/>
+            <p:nvPr/>
+          </p:nvSpPr>
+          <p:spPr>
+            <a:xfrm>
+              <a:off x="2982372" y="1074169"/>
+              <a:ext cx="180000" cy="540000"/>
+            </a:xfrm>
+            <a:prstGeom prst="rect">
+              <a:avLst/>
+            </a:prstGeom>
+            <a:solidFill>
+              <a:schemeClr val="bg1">
+                <a:lumMod val="50000"/>
+              </a:schemeClr>
+            </a:solidFill>
+            <a:ln w="12700">
+              <a:solidFill>
+                <a:schemeClr val="tx1"/>
+              </a:solidFill>
+            </a:ln>
+          </p:spPr>
+          <p:style>
+            <a:lnRef idx="2">
+              <a:schemeClr val="accent1">
+                <a:shade val="50000"/>
+              </a:schemeClr>
+            </a:lnRef>
+            <a:fillRef idx="1">
+              <a:schemeClr val="accent1"/>
+            </a:fillRef>
+            <a:effectRef idx="0">
+              <a:schemeClr val="accent1"/>
+            </a:effectRef>
+            <a:fontRef idx="minor">
+              <a:schemeClr val="lt1"/>
+            </a:fontRef>
+          </p:style>
+          <p:txBody>
+            <a:bodyPr rtlCol="0" anchor="ctr"/>
+            <a:lstStyle/>
+            <a:p>
+              <a:pPr algn="ctr"/>
+              <a:endParaRPr lang="zh-CN" altLang="en-US" dirty="0"/>
+            </a:p>
+          </p:txBody>
+        </p:sp>
+        <p:sp>
+          <p:nvSpPr>
+            <p:cNvPr id="212" name="矩形 211">
+              <a:extLst>
+                <a:ext uri="{FF2B5EF4-FFF2-40B4-BE49-F238E27FC236}">
+                  <a16:creationId xmlns:a16="http://schemas.microsoft.com/office/drawing/2014/main" id="{DE8D8876-3E92-4E0F-A250-B4E25866296F}"/>
+                </a:ext>
+              </a:extLst>
+            </p:cNvPr>
+            <p:cNvSpPr/>
+            <p:nvPr/>
+          </p:nvSpPr>
+          <p:spPr>
+            <a:xfrm>
+              <a:off x="2766372" y="894169"/>
+              <a:ext cx="72000" cy="450000"/>
+            </a:xfrm>
+            <a:prstGeom prst="rect">
+              <a:avLst/>
+            </a:prstGeom>
+            <a:solidFill>
+              <a:schemeClr val="accent3">
+                <a:lumMod val="50000"/>
+              </a:schemeClr>
+            </a:solidFill>
+            <a:ln w="12700">
+              <a:solidFill>
+                <a:schemeClr val="tx1"/>
+              </a:solidFill>
+            </a:ln>
+          </p:spPr>
+          <p:style>
+            <a:lnRef idx="2">
+              <a:schemeClr val="accent1">
+                <a:shade val="50000"/>
+              </a:schemeClr>
+            </a:lnRef>
+            <a:fillRef idx="1">
+              <a:schemeClr val="accent1"/>
+            </a:fillRef>
+            <a:effectRef idx="0">
+              <a:schemeClr val="accent1"/>
+            </a:effectRef>
+            <a:fontRef idx="minor">
+              <a:schemeClr val="lt1"/>
+            </a:fontRef>
+          </p:style>
+          <p:txBody>
+            <a:bodyPr rtlCol="0" anchor="ctr"/>
+            <a:lstStyle/>
+            <a:p>
+              <a:pPr algn="ctr"/>
+              <a:endParaRPr lang="zh-CN" altLang="en-US" dirty="0"/>
+            </a:p>
+          </p:txBody>
+        </p:sp>
+        <p:sp>
+          <p:nvSpPr>
+            <p:cNvPr id="213" name="椭圆 212">
+              <a:extLst>
+                <a:ext uri="{FF2B5EF4-FFF2-40B4-BE49-F238E27FC236}">
+                  <a16:creationId xmlns:a16="http://schemas.microsoft.com/office/drawing/2014/main" id="{9A8C21C6-8A0E-4DE1-93E6-0B0485F144E9}"/>
+                </a:ext>
+              </a:extLst>
+            </p:cNvPr>
+            <p:cNvSpPr/>
+            <p:nvPr/>
+          </p:nvSpPr>
+          <p:spPr>
+            <a:xfrm>
+              <a:off x="2694372" y="1236169"/>
+              <a:ext cx="216000" cy="216000"/>
+            </a:xfrm>
+            <a:prstGeom prst="ellipse">
+              <a:avLst/>
+            </a:prstGeom>
+            <a:solidFill>
+              <a:schemeClr val="accent3">
+                <a:lumMod val="50000"/>
+              </a:schemeClr>
+            </a:solidFill>
+            <a:ln w="12700">
+              <a:solidFill>
+                <a:schemeClr val="tx1"/>
+              </a:solidFill>
+            </a:ln>
+          </p:spPr>
+          <p:style>
+            <a:lnRef idx="1">
+              <a:schemeClr val="dk1"/>
+            </a:lnRef>
+            <a:fillRef idx="2">
+              <a:schemeClr val="dk1"/>
+            </a:fillRef>
+            <a:effectRef idx="1">
+              <a:schemeClr val="dk1"/>
+            </a:effectRef>
+            <a:fontRef idx="minor">
+              <a:schemeClr val="dk1"/>
+            </a:fontRef>
+          </p:style>
+          <p:txBody>
+            <a:bodyPr rtlCol="0" anchor="ctr"/>
+            <a:lstStyle/>
+            <a:p>
+              <a:pPr algn="ctr"/>
+              <a:endParaRPr lang="zh-CN" altLang="en-US">
+                <a:ln>
+                  <a:solidFill>
+                    <a:sysClr val="windowText" lastClr="000000"/>
+                  </a:solidFill>
+                </a:ln>
+              </a:endParaRPr>
+            </a:p>
+          </p:txBody>
+        </p:sp>
+        <p:sp>
+          <p:nvSpPr>
+            <p:cNvPr id="214" name="矩形 213">
+              <a:extLst>
+                <a:ext uri="{FF2B5EF4-FFF2-40B4-BE49-F238E27FC236}">
+                  <a16:creationId xmlns:a16="http://schemas.microsoft.com/office/drawing/2014/main" id="{4E6C5E23-CF2F-4E4B-883A-753AA5AF77D2}"/>
+                </a:ext>
+              </a:extLst>
+            </p:cNvPr>
+            <p:cNvSpPr/>
+            <p:nvPr/>
+          </p:nvSpPr>
+          <p:spPr>
+            <a:xfrm>
+              <a:off x="2442372" y="1074169"/>
+              <a:ext cx="180000" cy="540000"/>
+            </a:xfrm>
+            <a:prstGeom prst="rect">
+              <a:avLst/>
+            </a:prstGeom>
+            <a:solidFill>
+              <a:schemeClr val="bg1">
+                <a:lumMod val="50000"/>
+              </a:schemeClr>
+            </a:solidFill>
+            <a:ln w="12700">
+              <a:solidFill>
+                <a:schemeClr val="tx1"/>
+              </a:solidFill>
+            </a:ln>
+          </p:spPr>
+          <p:style>
+            <a:lnRef idx="2">
+              <a:schemeClr val="accent1">
+                <a:shade val="50000"/>
+              </a:schemeClr>
+            </a:lnRef>
+            <a:fillRef idx="1">
+              <a:schemeClr val="accent1"/>
+            </a:fillRef>
+            <a:effectRef idx="0">
+              <a:schemeClr val="accent1"/>
+            </a:effectRef>
+            <a:fontRef idx="minor">
+              <a:schemeClr val="lt1"/>
+            </a:fontRef>
+          </p:style>
+          <p:txBody>
+            <a:bodyPr rtlCol="0" anchor="ctr"/>
+            <a:lstStyle/>
+            <a:p>
+              <a:pPr algn="ctr"/>
+              <a:endParaRPr lang="zh-CN" altLang="en-US" dirty="0"/>
+            </a:p>
+          </p:txBody>
+        </p:sp>
+        <p:grpSp>
+          <p:nvGrpSpPr>
+            <p:cNvPr id="215" name="组合 214">
+              <a:extLst>
+                <a:ext uri="{FF2B5EF4-FFF2-40B4-BE49-F238E27FC236}">
+                  <a16:creationId xmlns:a16="http://schemas.microsoft.com/office/drawing/2014/main" id="{5D821B04-DCC1-4724-BA93-2D489332BA28}"/>
+                </a:ext>
+              </a:extLst>
+            </p:cNvPr>
+            <p:cNvGrpSpPr/>
+            <p:nvPr/>
+          </p:nvGrpSpPr>
+          <p:grpSpPr>
+            <a:xfrm>
+              <a:off x="2982372" y="1110169"/>
+              <a:ext cx="180000" cy="450000"/>
+              <a:chOff x="2368978" y="915146"/>
+              <a:chExt cx="180000" cy="450000"/>
+            </a:xfrm>
+          </p:grpSpPr>
+          <p:sp>
+            <p:nvSpPr>
+              <p:cNvPr id="222" name="矩形 221">
+                <a:extLst>
+                  <a:ext uri="{FF2B5EF4-FFF2-40B4-BE49-F238E27FC236}">
+                    <a16:creationId xmlns:a16="http://schemas.microsoft.com/office/drawing/2014/main" id="{89F67B32-62A2-4A41-B937-F57798CA4B09}"/>
+                  </a:ext>
+                </a:extLst>
+              </p:cNvPr>
+              <p:cNvSpPr/>
+              <p:nvPr/>
+            </p:nvSpPr>
+            <p:spPr>
+              <a:xfrm>
+                <a:off x="2368978" y="915146"/>
+                <a:ext cx="180000" cy="90000"/>
+              </a:xfrm>
+              <a:prstGeom prst="rect">
+                <a:avLst/>
+              </a:prstGeom>
+              <a:solidFill>
+                <a:schemeClr val="bg1">
+                  <a:lumMod val="50000"/>
+                </a:schemeClr>
+              </a:solidFill>
+              <a:ln w="12700">
+                <a:solidFill>
+                  <a:schemeClr val="tx1"/>
+                </a:solidFill>
+              </a:ln>
+            </p:spPr>
+            <p:style>
+              <a:lnRef idx="2">
+                <a:schemeClr val="accent1">
+                  <a:shade val="50000"/>
+                </a:schemeClr>
+              </a:lnRef>
+              <a:fillRef idx="1">
+                <a:schemeClr val="accent1"/>
+              </a:fillRef>
+              <a:effectRef idx="0">
+                <a:schemeClr val="accent1"/>
+              </a:effectRef>
+              <a:fontRef idx="minor">
+                <a:schemeClr val="lt1"/>
+              </a:fontRef>
+            </p:style>
+            <p:txBody>
+              <a:bodyPr rtlCol="0" anchor="ctr"/>
+              <a:lstStyle/>
+              <a:p>
+                <a:pPr algn="ctr"/>
+                <a:endParaRPr lang="zh-CN" altLang="en-US" dirty="0"/>
+              </a:p>
+            </p:txBody>
+          </p:sp>
+          <p:sp>
+            <p:nvSpPr>
+              <p:cNvPr id="223" name="矩形 222">
+                <a:extLst>
+                  <a:ext uri="{FF2B5EF4-FFF2-40B4-BE49-F238E27FC236}">
+                    <a16:creationId xmlns:a16="http://schemas.microsoft.com/office/drawing/2014/main" id="{2E11B22B-5E2F-4A79-8327-B765B0AA2CC4}"/>
+                  </a:ext>
+                </a:extLst>
+              </p:cNvPr>
+              <p:cNvSpPr/>
+              <p:nvPr/>
+            </p:nvSpPr>
+            <p:spPr>
+              <a:xfrm>
+                <a:off x="2368978" y="1005146"/>
+                <a:ext cx="180000" cy="90000"/>
+              </a:xfrm>
+              <a:prstGeom prst="rect">
+                <a:avLst/>
+              </a:prstGeom>
+              <a:solidFill>
+                <a:schemeClr val="bg1">
+                  <a:lumMod val="50000"/>
+                </a:schemeClr>
+              </a:solidFill>
+              <a:ln w="12700">
+                <a:solidFill>
+                  <a:schemeClr val="tx1"/>
+                </a:solidFill>
+              </a:ln>
+            </p:spPr>
+            <p:style>
+              <a:lnRef idx="2">
+                <a:schemeClr val="accent1">
+                  <a:shade val="50000"/>
+                </a:schemeClr>
+              </a:lnRef>
+              <a:fillRef idx="1">
+                <a:schemeClr val="accent1"/>
+              </a:fillRef>
+              <a:effectRef idx="0">
+                <a:schemeClr val="accent1"/>
+              </a:effectRef>
+              <a:fontRef idx="minor">
+                <a:schemeClr val="lt1"/>
+              </a:fontRef>
+            </p:style>
+            <p:txBody>
+              <a:bodyPr rtlCol="0" anchor="ctr"/>
+              <a:lstStyle/>
+              <a:p>
+                <a:pPr algn="ctr"/>
+                <a:endParaRPr lang="zh-CN" altLang="en-US" dirty="0"/>
+              </a:p>
+            </p:txBody>
+          </p:sp>
+          <p:sp>
+            <p:nvSpPr>
+              <p:cNvPr id="224" name="矩形 223">
+                <a:extLst>
+                  <a:ext uri="{FF2B5EF4-FFF2-40B4-BE49-F238E27FC236}">
+                    <a16:creationId xmlns:a16="http://schemas.microsoft.com/office/drawing/2014/main" id="{3BD4F163-F4F0-432A-AB47-72E60F8385AA}"/>
+                  </a:ext>
+                </a:extLst>
+              </p:cNvPr>
+              <p:cNvSpPr/>
+              <p:nvPr/>
+            </p:nvSpPr>
+            <p:spPr>
+              <a:xfrm>
+                <a:off x="2368978" y="1095146"/>
+                <a:ext cx="180000" cy="90000"/>
+              </a:xfrm>
+              <a:prstGeom prst="rect">
+                <a:avLst/>
+              </a:prstGeom>
+              <a:solidFill>
+                <a:schemeClr val="bg1">
+                  <a:lumMod val="50000"/>
+                </a:schemeClr>
+              </a:solidFill>
+              <a:ln w="12700">
+                <a:solidFill>
+                  <a:schemeClr val="tx1"/>
+                </a:solidFill>
+              </a:ln>
+            </p:spPr>
+            <p:style>
+              <a:lnRef idx="2">
+                <a:schemeClr val="accent1">
+                  <a:shade val="50000"/>
+                </a:schemeClr>
+              </a:lnRef>
+              <a:fillRef idx="1">
+                <a:schemeClr val="accent1"/>
+              </a:fillRef>
+              <a:effectRef idx="0">
+                <a:schemeClr val="accent1"/>
+              </a:effectRef>
+              <a:fontRef idx="minor">
+                <a:schemeClr val="lt1"/>
+              </a:fontRef>
+            </p:style>
+            <p:txBody>
+              <a:bodyPr rtlCol="0" anchor="ctr"/>
+              <a:lstStyle/>
+              <a:p>
+                <a:pPr algn="ctr"/>
+                <a:endParaRPr lang="zh-CN" altLang="en-US" dirty="0"/>
+              </a:p>
+            </p:txBody>
+          </p:sp>
+          <p:sp>
+            <p:nvSpPr>
+              <p:cNvPr id="225" name="矩形 224">
+                <a:extLst>
+                  <a:ext uri="{FF2B5EF4-FFF2-40B4-BE49-F238E27FC236}">
+                    <a16:creationId xmlns:a16="http://schemas.microsoft.com/office/drawing/2014/main" id="{68CBD542-036E-4A3A-8A53-4CDADD7CD7AE}"/>
+                  </a:ext>
+                </a:extLst>
+              </p:cNvPr>
+              <p:cNvSpPr/>
+              <p:nvPr/>
+            </p:nvSpPr>
+            <p:spPr>
+              <a:xfrm>
+                <a:off x="2368978" y="1185146"/>
+                <a:ext cx="180000" cy="90000"/>
+              </a:xfrm>
+              <a:prstGeom prst="rect">
+                <a:avLst/>
+              </a:prstGeom>
+              <a:solidFill>
+                <a:schemeClr val="bg1">
+                  <a:lumMod val="50000"/>
+                </a:schemeClr>
+              </a:solidFill>
+              <a:ln w="12700">
+                <a:solidFill>
+                  <a:schemeClr val="tx1"/>
+                </a:solidFill>
+              </a:ln>
+            </p:spPr>
+            <p:style>
+              <a:lnRef idx="2">
+                <a:schemeClr val="accent1">
+                  <a:shade val="50000"/>
+                </a:schemeClr>
+              </a:lnRef>
+              <a:fillRef idx="1">
+                <a:schemeClr val="accent1"/>
+              </a:fillRef>
+              <a:effectRef idx="0">
+                <a:schemeClr val="accent1"/>
+              </a:effectRef>
+              <a:fontRef idx="minor">
+                <a:schemeClr val="lt1"/>
+              </a:fontRef>
+            </p:style>
+            <p:txBody>
+              <a:bodyPr rtlCol="0" anchor="ctr"/>
+              <a:lstStyle/>
+              <a:p>
+                <a:pPr algn="ctr"/>
+                <a:endParaRPr lang="zh-CN" altLang="en-US" dirty="0"/>
+              </a:p>
+            </p:txBody>
+          </p:sp>
+          <p:sp>
+            <p:nvSpPr>
+              <p:cNvPr id="226" name="矩形 225">
+                <a:extLst>
+                  <a:ext uri="{FF2B5EF4-FFF2-40B4-BE49-F238E27FC236}">
+                    <a16:creationId xmlns:a16="http://schemas.microsoft.com/office/drawing/2014/main" id="{F34F4BCC-614E-407B-A9C6-438CDD5F0FEF}"/>
+                  </a:ext>
+                </a:extLst>
+              </p:cNvPr>
+              <p:cNvSpPr/>
+              <p:nvPr/>
+            </p:nvSpPr>
+            <p:spPr>
+              <a:xfrm>
+                <a:off x="2368978" y="1275146"/>
+                <a:ext cx="180000" cy="90000"/>
+              </a:xfrm>
+              <a:prstGeom prst="rect">
+                <a:avLst/>
+              </a:prstGeom>
+              <a:solidFill>
+                <a:schemeClr val="bg1">
+                  <a:lumMod val="50000"/>
+                </a:schemeClr>
+              </a:solidFill>
+              <a:ln w="12700">
+                <a:solidFill>
+                  <a:schemeClr val="tx1"/>
+                </a:solidFill>
+              </a:ln>
+            </p:spPr>
+            <p:style>
+              <a:lnRef idx="2">
+                <a:schemeClr val="accent1">
+                  <a:shade val="50000"/>
+                </a:schemeClr>
+              </a:lnRef>
+              <a:fillRef idx="1">
+                <a:schemeClr val="accent1"/>
+              </a:fillRef>
+              <a:effectRef idx="0">
+                <a:schemeClr val="accent1"/>
+              </a:effectRef>
+              <a:fontRef idx="minor">
+                <a:schemeClr val="lt1"/>
+              </a:fontRef>
+            </p:style>
+            <p:txBody>
+              <a:bodyPr rtlCol="0" anchor="ctr"/>
+              <a:lstStyle/>
+              <a:p>
+                <a:pPr algn="ctr"/>
+                <a:endParaRPr lang="zh-CN" altLang="en-US" dirty="0"/>
+              </a:p>
+            </p:txBody>
+          </p:sp>
+        </p:grpSp>
+        <p:grpSp>
+          <p:nvGrpSpPr>
+            <p:cNvPr id="216" name="组合 215">
+              <a:extLst>
+                <a:ext uri="{FF2B5EF4-FFF2-40B4-BE49-F238E27FC236}">
+                  <a16:creationId xmlns:a16="http://schemas.microsoft.com/office/drawing/2014/main" id="{095D2052-4FCE-4923-8379-C48B4A931ADC}"/>
+                </a:ext>
+              </a:extLst>
+            </p:cNvPr>
+            <p:cNvGrpSpPr/>
+            <p:nvPr/>
+          </p:nvGrpSpPr>
+          <p:grpSpPr>
+            <a:xfrm>
+              <a:off x="2442372" y="1110169"/>
+              <a:ext cx="180000" cy="450000"/>
+              <a:chOff x="2368978" y="915146"/>
+              <a:chExt cx="180000" cy="450000"/>
+            </a:xfrm>
+          </p:grpSpPr>
+          <p:sp>
+            <p:nvSpPr>
+              <p:cNvPr id="217" name="矩形 216">
+                <a:extLst>
+                  <a:ext uri="{FF2B5EF4-FFF2-40B4-BE49-F238E27FC236}">
+                    <a16:creationId xmlns:a16="http://schemas.microsoft.com/office/drawing/2014/main" id="{3409EE0D-0A98-428D-93C7-150007B89CE5}"/>
+                  </a:ext>
+                </a:extLst>
+              </p:cNvPr>
+              <p:cNvSpPr/>
+              <p:nvPr/>
+            </p:nvSpPr>
+            <p:spPr>
+              <a:xfrm>
+                <a:off x="2368978" y="915146"/>
+                <a:ext cx="180000" cy="90000"/>
+              </a:xfrm>
+              <a:prstGeom prst="rect">
+                <a:avLst/>
+              </a:prstGeom>
+              <a:solidFill>
+                <a:schemeClr val="bg1">
+                  <a:lumMod val="50000"/>
+                </a:schemeClr>
+              </a:solidFill>
+              <a:ln w="12700">
+                <a:solidFill>
+                  <a:schemeClr val="tx1"/>
+                </a:solidFill>
+              </a:ln>
+            </p:spPr>
+            <p:style>
+              <a:lnRef idx="2">
+                <a:schemeClr val="accent1">
+                  <a:shade val="50000"/>
+                </a:schemeClr>
+              </a:lnRef>
+              <a:fillRef idx="1">
+                <a:schemeClr val="accent1"/>
+              </a:fillRef>
+              <a:effectRef idx="0">
+                <a:schemeClr val="accent1"/>
+              </a:effectRef>
+              <a:fontRef idx="minor">
+                <a:schemeClr val="lt1"/>
+              </a:fontRef>
+            </p:style>
+            <p:txBody>
+              <a:bodyPr rtlCol="0" anchor="ctr"/>
+              <a:lstStyle/>
+              <a:p>
+                <a:pPr algn="ctr"/>
+                <a:endParaRPr lang="zh-CN" altLang="en-US" dirty="0"/>
+              </a:p>
+            </p:txBody>
+          </p:sp>
+          <p:sp>
+            <p:nvSpPr>
+              <p:cNvPr id="218" name="矩形 217">
+                <a:extLst>
+                  <a:ext uri="{FF2B5EF4-FFF2-40B4-BE49-F238E27FC236}">
+                    <a16:creationId xmlns:a16="http://schemas.microsoft.com/office/drawing/2014/main" id="{23B02F52-FD2B-4435-90FF-D5F4223C7CB6}"/>
+                  </a:ext>
+                </a:extLst>
+              </p:cNvPr>
+              <p:cNvSpPr/>
+              <p:nvPr/>
+            </p:nvSpPr>
+            <p:spPr>
+              <a:xfrm>
+                <a:off x="2368978" y="1005146"/>
+                <a:ext cx="180000" cy="90000"/>
+              </a:xfrm>
+              <a:prstGeom prst="rect">
+                <a:avLst/>
+              </a:prstGeom>
+              <a:solidFill>
+                <a:schemeClr val="bg1">
+                  <a:lumMod val="50000"/>
+                </a:schemeClr>
+              </a:solidFill>
+              <a:ln w="12700">
+                <a:solidFill>
+                  <a:schemeClr val="tx1"/>
+                </a:solidFill>
+              </a:ln>
+            </p:spPr>
+            <p:style>
+              <a:lnRef idx="2">
+                <a:schemeClr val="accent1">
+                  <a:shade val="50000"/>
+                </a:schemeClr>
+              </a:lnRef>
+              <a:fillRef idx="1">
+                <a:schemeClr val="accent1"/>
+              </a:fillRef>
+              <a:effectRef idx="0">
+                <a:schemeClr val="accent1"/>
+              </a:effectRef>
+              <a:fontRef idx="minor">
+                <a:schemeClr val="lt1"/>
+              </a:fontRef>
+            </p:style>
+            <p:txBody>
+              <a:bodyPr rtlCol="0" anchor="ctr"/>
+              <a:lstStyle/>
+              <a:p>
+                <a:pPr algn="ctr"/>
+                <a:endParaRPr lang="zh-CN" altLang="en-US" dirty="0"/>
+              </a:p>
+            </p:txBody>
+          </p:sp>
+          <p:sp>
+            <p:nvSpPr>
+              <p:cNvPr id="219" name="矩形 218">
+                <a:extLst>
+                  <a:ext uri="{FF2B5EF4-FFF2-40B4-BE49-F238E27FC236}">
+                    <a16:creationId xmlns:a16="http://schemas.microsoft.com/office/drawing/2014/main" id="{0BD8F2A9-9333-4521-AB27-B3BB7D910CB0}"/>
+                  </a:ext>
+                </a:extLst>
+              </p:cNvPr>
+              <p:cNvSpPr/>
+              <p:nvPr/>
+            </p:nvSpPr>
+            <p:spPr>
+              <a:xfrm>
+                <a:off x="2368978" y="1095146"/>
+                <a:ext cx="180000" cy="90000"/>
+              </a:xfrm>
+              <a:prstGeom prst="rect">
+                <a:avLst/>
+              </a:prstGeom>
+              <a:solidFill>
+                <a:schemeClr val="bg1">
+                  <a:lumMod val="50000"/>
+                </a:schemeClr>
+              </a:solidFill>
+              <a:ln w="12700">
+                <a:solidFill>
+                  <a:schemeClr val="tx1"/>
+                </a:solidFill>
+              </a:ln>
+            </p:spPr>
+            <p:style>
+              <a:lnRef idx="2">
+                <a:schemeClr val="accent1">
+                  <a:shade val="50000"/>
+                </a:schemeClr>
+              </a:lnRef>
+              <a:fillRef idx="1">
+                <a:schemeClr val="accent1"/>
+              </a:fillRef>
+              <a:effectRef idx="0">
+                <a:schemeClr val="accent1"/>
+              </a:effectRef>
+              <a:fontRef idx="minor">
+                <a:schemeClr val="lt1"/>
+              </a:fontRef>
+            </p:style>
+            <p:txBody>
+              <a:bodyPr rtlCol="0" anchor="ctr"/>
+              <a:lstStyle/>
+              <a:p>
+                <a:pPr algn="ctr"/>
+                <a:endParaRPr lang="zh-CN" altLang="en-US" dirty="0"/>
+              </a:p>
+            </p:txBody>
+          </p:sp>
+          <p:sp>
+            <p:nvSpPr>
+              <p:cNvPr id="220" name="矩形 219">
+                <a:extLst>
+                  <a:ext uri="{FF2B5EF4-FFF2-40B4-BE49-F238E27FC236}">
+                    <a16:creationId xmlns:a16="http://schemas.microsoft.com/office/drawing/2014/main" id="{E9D17330-3FF1-4A63-830E-9BC58926B89A}"/>
+                  </a:ext>
+                </a:extLst>
+              </p:cNvPr>
+              <p:cNvSpPr/>
+              <p:nvPr/>
+            </p:nvSpPr>
+            <p:spPr>
+              <a:xfrm>
+                <a:off x="2368978" y="1185146"/>
+                <a:ext cx="180000" cy="90000"/>
+              </a:xfrm>
+              <a:prstGeom prst="rect">
+                <a:avLst/>
+              </a:prstGeom>
+              <a:solidFill>
+                <a:schemeClr val="bg1">
+                  <a:lumMod val="50000"/>
+                </a:schemeClr>
+              </a:solidFill>
+              <a:ln w="12700">
+                <a:solidFill>
+                  <a:schemeClr val="tx1"/>
+                </a:solidFill>
+              </a:ln>
+            </p:spPr>
+            <p:style>
+              <a:lnRef idx="2">
+                <a:schemeClr val="accent1">
+                  <a:shade val="50000"/>
+                </a:schemeClr>
+              </a:lnRef>
+              <a:fillRef idx="1">
+                <a:schemeClr val="accent1"/>
+              </a:fillRef>
+              <a:effectRef idx="0">
+                <a:schemeClr val="accent1"/>
+              </a:effectRef>
+              <a:fontRef idx="minor">
+                <a:schemeClr val="lt1"/>
+              </a:fontRef>
+            </p:style>
+            <p:txBody>
+              <a:bodyPr rtlCol="0" anchor="ctr"/>
+              <a:lstStyle/>
+              <a:p>
+                <a:pPr algn="ctr"/>
+                <a:endParaRPr lang="zh-CN" altLang="en-US" dirty="0"/>
+              </a:p>
+            </p:txBody>
+          </p:sp>
+          <p:sp>
+            <p:nvSpPr>
+              <p:cNvPr id="221" name="矩形 220">
+                <a:extLst>
+                  <a:ext uri="{FF2B5EF4-FFF2-40B4-BE49-F238E27FC236}">
+                    <a16:creationId xmlns:a16="http://schemas.microsoft.com/office/drawing/2014/main" id="{77718D50-3B86-46AB-8EAB-B8310334F669}"/>
+                  </a:ext>
+                </a:extLst>
+              </p:cNvPr>
+              <p:cNvSpPr/>
+              <p:nvPr/>
+            </p:nvSpPr>
+            <p:spPr>
+              <a:xfrm>
+                <a:off x="2368978" y="1275146"/>
+                <a:ext cx="180000" cy="90000"/>
+              </a:xfrm>
+              <a:prstGeom prst="rect">
+                <a:avLst/>
+              </a:prstGeom>
+              <a:solidFill>
+                <a:schemeClr val="bg1">
+                  <a:lumMod val="50000"/>
+                </a:schemeClr>
+              </a:solidFill>
+              <a:ln w="12700">
+                <a:solidFill>
+                  <a:schemeClr val="tx1"/>
+                </a:solidFill>
+              </a:ln>
+            </p:spPr>
+            <p:style>
+              <a:lnRef idx="2">
+                <a:schemeClr val="accent1">
+                  <a:shade val="50000"/>
+                </a:schemeClr>
+              </a:lnRef>
+              <a:fillRef idx="1">
+                <a:schemeClr val="accent1"/>
+              </a:fillRef>
+              <a:effectRef idx="0">
+                <a:schemeClr val="accent1"/>
+              </a:effectRef>
+              <a:fontRef idx="minor">
+                <a:schemeClr val="lt1"/>
+              </a:fontRef>
+            </p:style>
+            <p:txBody>
+              <a:bodyPr rtlCol="0" anchor="ctr"/>
+              <a:lstStyle/>
+              <a:p>
+                <a:pPr algn="ctr"/>
+                <a:endParaRPr lang="zh-CN" altLang="en-US" dirty="0"/>
+              </a:p>
+            </p:txBody>
+          </p:sp>
+        </p:grpSp>
+      </p:grpSp>
+      <p:grpSp>
+        <p:nvGrpSpPr>
+          <p:cNvPr id="227" name="组合 226">
+            <a:extLst>
+              <a:ext uri="{FF2B5EF4-FFF2-40B4-BE49-F238E27FC236}">
+                <a16:creationId xmlns:a16="http://schemas.microsoft.com/office/drawing/2014/main" id="{E77883FE-4C1D-481D-B122-62560DAFD00B}"/>
+              </a:ext>
+            </a:extLst>
+          </p:cNvPr>
+          <p:cNvGrpSpPr/>
+          <p:nvPr/>
+        </p:nvGrpSpPr>
+        <p:grpSpPr>
+          <a:xfrm>
+            <a:off x="2083319" y="1376841"/>
+            <a:ext cx="360000" cy="360000"/>
+            <a:chOff x="715628" y="1660996"/>
+            <a:chExt cx="720000" cy="720000"/>
+          </a:xfrm>
+        </p:grpSpPr>
+        <p:sp>
+          <p:nvSpPr>
+            <p:cNvPr id="228" name="矩形: 圆角 227">
+              <a:extLst>
+                <a:ext uri="{FF2B5EF4-FFF2-40B4-BE49-F238E27FC236}">
+                  <a16:creationId xmlns:a16="http://schemas.microsoft.com/office/drawing/2014/main" id="{9BD51EAE-CAF0-4A59-90EF-8BA04C423D90}"/>
+                </a:ext>
+              </a:extLst>
+            </p:cNvPr>
+            <p:cNvSpPr/>
+            <p:nvPr/>
+          </p:nvSpPr>
+          <p:spPr>
+            <a:xfrm>
+              <a:off x="895628" y="1930996"/>
+              <a:ext cx="360000" cy="360000"/>
+            </a:xfrm>
+            <a:prstGeom prst="roundRect">
+              <a:avLst/>
+            </a:prstGeom>
+            <a:solidFill>
+              <a:srgbClr val="FF0000"/>
+            </a:solidFill>
+            <a:ln w="12700">
+              <a:solidFill>
+                <a:schemeClr val="tx1"/>
+              </a:solidFill>
+            </a:ln>
+          </p:spPr>
+          <p:style>
+            <a:lnRef idx="2">
+              <a:schemeClr val="accent1">
+                <a:shade val="50000"/>
+              </a:schemeClr>
+            </a:lnRef>
+            <a:fillRef idx="1">
+              <a:schemeClr val="accent1"/>
+            </a:fillRef>
+            <a:effectRef idx="0">
+              <a:schemeClr val="accent1"/>
+            </a:effectRef>
+            <a:fontRef idx="minor">
+              <a:schemeClr val="lt1"/>
+            </a:fontRef>
+          </p:style>
+          <p:txBody>
+            <a:bodyPr rtlCol="0" anchor="ctr"/>
+            <a:lstStyle/>
+            <a:p>
+              <a:pPr algn="ctr"/>
+              <a:endParaRPr lang="zh-CN" altLang="en-US" dirty="0"/>
+            </a:p>
+          </p:txBody>
+        </p:sp>
+        <p:sp>
+          <p:nvSpPr>
+            <p:cNvPr id="229" name="矩形 228">
+              <a:extLst>
+                <a:ext uri="{FF2B5EF4-FFF2-40B4-BE49-F238E27FC236}">
+                  <a16:creationId xmlns:a16="http://schemas.microsoft.com/office/drawing/2014/main" id="{9DB55C7B-A9F6-4B0D-8D62-A344735C6351}"/>
+                </a:ext>
+              </a:extLst>
+            </p:cNvPr>
+            <p:cNvSpPr/>
+            <p:nvPr/>
+          </p:nvSpPr>
+          <p:spPr>
+            <a:xfrm>
+              <a:off x="1255628" y="1840996"/>
+              <a:ext cx="180000" cy="540000"/>
+            </a:xfrm>
+            <a:prstGeom prst="rect">
+              <a:avLst/>
+            </a:prstGeom>
+            <a:solidFill>
+              <a:schemeClr val="bg1">
+                <a:lumMod val="50000"/>
+              </a:schemeClr>
+            </a:solidFill>
+            <a:ln w="12700">
+              <a:solidFill>
+                <a:schemeClr val="tx1"/>
+              </a:solidFill>
+            </a:ln>
+          </p:spPr>
+          <p:style>
+            <a:lnRef idx="2">
+              <a:schemeClr val="accent1">
+                <a:shade val="50000"/>
+              </a:schemeClr>
+            </a:lnRef>
+            <a:fillRef idx="1">
+              <a:schemeClr val="accent1"/>
+            </a:fillRef>
+            <a:effectRef idx="0">
+              <a:schemeClr val="accent1"/>
+            </a:effectRef>
+            <a:fontRef idx="minor">
+              <a:schemeClr val="lt1"/>
+            </a:fontRef>
+          </p:style>
+          <p:txBody>
+            <a:bodyPr rtlCol="0" anchor="ctr"/>
+            <a:lstStyle/>
+            <a:p>
+              <a:pPr algn="ctr"/>
+              <a:endParaRPr lang="zh-CN" altLang="en-US" dirty="0"/>
+            </a:p>
+          </p:txBody>
+        </p:sp>
+        <p:sp>
+          <p:nvSpPr>
+            <p:cNvPr id="230" name="矩形 229">
+              <a:extLst>
+                <a:ext uri="{FF2B5EF4-FFF2-40B4-BE49-F238E27FC236}">
+                  <a16:creationId xmlns:a16="http://schemas.microsoft.com/office/drawing/2014/main" id="{BFF38D37-9B79-4CDE-8289-22512A091411}"/>
+                </a:ext>
+              </a:extLst>
+            </p:cNvPr>
+            <p:cNvSpPr/>
+            <p:nvPr/>
+          </p:nvSpPr>
+          <p:spPr>
+            <a:xfrm>
+              <a:off x="1039628" y="1660996"/>
+              <a:ext cx="72000" cy="450000"/>
+            </a:xfrm>
+            <a:prstGeom prst="rect">
+              <a:avLst/>
+            </a:prstGeom>
+            <a:solidFill>
+              <a:schemeClr val="accent3">
+                <a:lumMod val="50000"/>
+              </a:schemeClr>
+            </a:solidFill>
+            <a:ln w="12700">
+              <a:solidFill>
+                <a:schemeClr val="tx1"/>
+              </a:solidFill>
+            </a:ln>
+          </p:spPr>
+          <p:style>
+            <a:lnRef idx="2">
+              <a:schemeClr val="accent1">
+                <a:shade val="50000"/>
+              </a:schemeClr>
+            </a:lnRef>
+            <a:fillRef idx="1">
+              <a:schemeClr val="accent1"/>
+            </a:fillRef>
+            <a:effectRef idx="0">
+              <a:schemeClr val="accent1"/>
+            </a:effectRef>
+            <a:fontRef idx="minor">
+              <a:schemeClr val="lt1"/>
+            </a:fontRef>
+          </p:style>
+          <p:txBody>
+            <a:bodyPr rtlCol="0" anchor="ctr"/>
+            <a:lstStyle/>
+            <a:p>
+              <a:pPr algn="ctr"/>
+              <a:endParaRPr lang="zh-CN" altLang="en-US" dirty="0"/>
+            </a:p>
+          </p:txBody>
+        </p:sp>
+        <p:sp>
+          <p:nvSpPr>
+            <p:cNvPr id="231" name="椭圆 230">
+              <a:extLst>
+                <a:ext uri="{FF2B5EF4-FFF2-40B4-BE49-F238E27FC236}">
+                  <a16:creationId xmlns:a16="http://schemas.microsoft.com/office/drawing/2014/main" id="{D9D83040-398C-446E-B56B-170DBC1B08D9}"/>
+                </a:ext>
+              </a:extLst>
+            </p:cNvPr>
+            <p:cNvSpPr/>
+            <p:nvPr/>
+          </p:nvSpPr>
+          <p:spPr>
+            <a:xfrm>
+              <a:off x="967628" y="2002996"/>
+              <a:ext cx="216000" cy="216000"/>
+            </a:xfrm>
+            <a:prstGeom prst="ellipse">
+              <a:avLst/>
+            </a:prstGeom>
+            <a:solidFill>
+              <a:schemeClr val="accent3">
+                <a:lumMod val="50000"/>
+              </a:schemeClr>
+            </a:solidFill>
+            <a:ln w="12700">
+              <a:solidFill>
+                <a:schemeClr val="tx1"/>
+              </a:solidFill>
+            </a:ln>
+          </p:spPr>
+          <p:style>
+            <a:lnRef idx="1">
+              <a:schemeClr val="dk1"/>
+            </a:lnRef>
+            <a:fillRef idx="2">
+              <a:schemeClr val="dk1"/>
+            </a:fillRef>
+            <a:effectRef idx="1">
+              <a:schemeClr val="dk1"/>
+            </a:effectRef>
+            <a:fontRef idx="minor">
+              <a:schemeClr val="dk1"/>
+            </a:fontRef>
+          </p:style>
+          <p:txBody>
+            <a:bodyPr rtlCol="0" anchor="ctr"/>
+            <a:lstStyle/>
+            <a:p>
+              <a:pPr algn="ctr"/>
+              <a:endParaRPr lang="zh-CN" altLang="en-US" dirty="0">
+                <a:ln>
+                  <a:solidFill>
+                    <a:sysClr val="windowText" lastClr="000000"/>
+                  </a:solidFill>
+                </a:ln>
+              </a:endParaRPr>
+            </a:p>
+          </p:txBody>
+        </p:sp>
+        <p:sp>
+          <p:nvSpPr>
+            <p:cNvPr id="232" name="矩形 231">
+              <a:extLst>
+                <a:ext uri="{FF2B5EF4-FFF2-40B4-BE49-F238E27FC236}">
+                  <a16:creationId xmlns:a16="http://schemas.microsoft.com/office/drawing/2014/main" id="{DE4B620D-46BE-4D4F-A8EE-AE9BBBA1C0A5}"/>
+                </a:ext>
+              </a:extLst>
+            </p:cNvPr>
+            <p:cNvSpPr/>
+            <p:nvPr/>
+          </p:nvSpPr>
+          <p:spPr>
+            <a:xfrm>
+              <a:off x="715628" y="1840996"/>
+              <a:ext cx="180000" cy="540000"/>
+            </a:xfrm>
+            <a:prstGeom prst="rect">
+              <a:avLst/>
+            </a:prstGeom>
+            <a:solidFill>
+              <a:schemeClr val="bg1">
+                <a:lumMod val="50000"/>
+              </a:schemeClr>
+            </a:solidFill>
+            <a:ln w="12700">
+              <a:solidFill>
+                <a:schemeClr val="tx1"/>
+              </a:solidFill>
+            </a:ln>
+          </p:spPr>
+          <p:style>
+            <a:lnRef idx="2">
+              <a:schemeClr val="accent1">
+                <a:shade val="50000"/>
+              </a:schemeClr>
+            </a:lnRef>
+            <a:fillRef idx="1">
+              <a:schemeClr val="accent1"/>
+            </a:fillRef>
+            <a:effectRef idx="0">
+              <a:schemeClr val="accent1"/>
+            </a:effectRef>
+            <a:fontRef idx="minor">
+              <a:schemeClr val="lt1"/>
+            </a:fontRef>
+          </p:style>
+          <p:txBody>
+            <a:bodyPr rtlCol="0" anchor="ctr"/>
+            <a:lstStyle/>
+            <a:p>
+              <a:pPr algn="ctr"/>
+              <a:endParaRPr lang="zh-CN" altLang="en-US" dirty="0"/>
+            </a:p>
+          </p:txBody>
+        </p:sp>
+        <p:grpSp>
+          <p:nvGrpSpPr>
+            <p:cNvPr id="233" name="组合 232">
+              <a:extLst>
+                <a:ext uri="{FF2B5EF4-FFF2-40B4-BE49-F238E27FC236}">
+                  <a16:creationId xmlns:a16="http://schemas.microsoft.com/office/drawing/2014/main" id="{2958E172-09BB-4880-8D8B-ED6BDD4C65A9}"/>
+                </a:ext>
+              </a:extLst>
+            </p:cNvPr>
+            <p:cNvGrpSpPr/>
+            <p:nvPr/>
+          </p:nvGrpSpPr>
+          <p:grpSpPr>
+            <a:xfrm>
+              <a:off x="1255628" y="1894719"/>
+              <a:ext cx="180000" cy="450000"/>
+              <a:chOff x="2368978" y="915146"/>
+              <a:chExt cx="180000" cy="450000"/>
+            </a:xfrm>
+          </p:grpSpPr>
+          <p:sp>
+            <p:nvSpPr>
+              <p:cNvPr id="240" name="矩形 239">
+                <a:extLst>
+                  <a:ext uri="{FF2B5EF4-FFF2-40B4-BE49-F238E27FC236}">
+                    <a16:creationId xmlns:a16="http://schemas.microsoft.com/office/drawing/2014/main" id="{8345F4A6-B261-429D-ADA6-2706D956CEC6}"/>
+                  </a:ext>
+                </a:extLst>
+              </p:cNvPr>
+              <p:cNvSpPr/>
+              <p:nvPr/>
+            </p:nvSpPr>
+            <p:spPr>
+              <a:xfrm>
+                <a:off x="2368978" y="915146"/>
+                <a:ext cx="180000" cy="90000"/>
+              </a:xfrm>
+              <a:prstGeom prst="rect">
+                <a:avLst/>
+              </a:prstGeom>
+              <a:solidFill>
+                <a:schemeClr val="bg1">
+                  <a:lumMod val="50000"/>
+                </a:schemeClr>
+              </a:solidFill>
+              <a:ln w="12700">
+                <a:solidFill>
+                  <a:schemeClr val="tx1"/>
+                </a:solidFill>
+              </a:ln>
+            </p:spPr>
+            <p:style>
+              <a:lnRef idx="2">
+                <a:schemeClr val="accent1">
+                  <a:shade val="50000"/>
+                </a:schemeClr>
+              </a:lnRef>
+              <a:fillRef idx="1">
+                <a:schemeClr val="accent1"/>
+              </a:fillRef>
+              <a:effectRef idx="0">
+                <a:schemeClr val="accent1"/>
+              </a:effectRef>
+              <a:fontRef idx="minor">
+                <a:schemeClr val="lt1"/>
+              </a:fontRef>
+            </p:style>
+            <p:txBody>
+              <a:bodyPr rtlCol="0" anchor="ctr"/>
+              <a:lstStyle/>
+              <a:p>
+                <a:pPr algn="ctr"/>
+                <a:endParaRPr lang="zh-CN" altLang="en-US" dirty="0"/>
+              </a:p>
+            </p:txBody>
+          </p:sp>
+          <p:sp>
+            <p:nvSpPr>
+              <p:cNvPr id="241" name="矩形 240">
+                <a:extLst>
+                  <a:ext uri="{FF2B5EF4-FFF2-40B4-BE49-F238E27FC236}">
+                    <a16:creationId xmlns:a16="http://schemas.microsoft.com/office/drawing/2014/main" id="{E2A1195C-41C8-400C-BC0A-0D2209B7FD7D}"/>
+                  </a:ext>
+                </a:extLst>
+              </p:cNvPr>
+              <p:cNvSpPr/>
+              <p:nvPr/>
+            </p:nvSpPr>
+            <p:spPr>
+              <a:xfrm>
+                <a:off x="2368978" y="1005146"/>
+                <a:ext cx="180000" cy="90000"/>
+              </a:xfrm>
+              <a:prstGeom prst="rect">
+                <a:avLst/>
+              </a:prstGeom>
+              <a:solidFill>
+                <a:schemeClr val="bg1">
+                  <a:lumMod val="50000"/>
+                </a:schemeClr>
+              </a:solidFill>
+              <a:ln w="12700">
+                <a:solidFill>
+                  <a:schemeClr val="tx1"/>
+                </a:solidFill>
+              </a:ln>
+            </p:spPr>
+            <p:style>
+              <a:lnRef idx="2">
+                <a:schemeClr val="accent1">
+                  <a:shade val="50000"/>
+                </a:schemeClr>
+              </a:lnRef>
+              <a:fillRef idx="1">
+                <a:schemeClr val="accent1"/>
+              </a:fillRef>
+              <a:effectRef idx="0">
+                <a:schemeClr val="accent1"/>
+              </a:effectRef>
+              <a:fontRef idx="minor">
+                <a:schemeClr val="lt1"/>
+              </a:fontRef>
+            </p:style>
+            <p:txBody>
+              <a:bodyPr rtlCol="0" anchor="ctr"/>
+              <a:lstStyle/>
+              <a:p>
+                <a:pPr algn="ctr"/>
+                <a:endParaRPr lang="zh-CN" altLang="en-US" dirty="0"/>
+              </a:p>
+            </p:txBody>
+          </p:sp>
+          <p:sp>
+            <p:nvSpPr>
+              <p:cNvPr id="242" name="矩形 241">
+                <a:extLst>
+                  <a:ext uri="{FF2B5EF4-FFF2-40B4-BE49-F238E27FC236}">
+                    <a16:creationId xmlns:a16="http://schemas.microsoft.com/office/drawing/2014/main" id="{2E1CFA01-37C6-4879-8895-0335298D1074}"/>
+                  </a:ext>
+                </a:extLst>
+              </p:cNvPr>
+              <p:cNvSpPr/>
+              <p:nvPr/>
+            </p:nvSpPr>
+            <p:spPr>
+              <a:xfrm>
+                <a:off x="2368978" y="1095146"/>
+                <a:ext cx="180000" cy="90000"/>
+              </a:xfrm>
+              <a:prstGeom prst="rect">
+                <a:avLst/>
+              </a:prstGeom>
+              <a:solidFill>
+                <a:schemeClr val="bg1">
+                  <a:lumMod val="50000"/>
+                </a:schemeClr>
+              </a:solidFill>
+              <a:ln w="12700">
+                <a:solidFill>
+                  <a:schemeClr val="tx1"/>
+                </a:solidFill>
+              </a:ln>
+            </p:spPr>
+            <p:style>
+              <a:lnRef idx="2">
+                <a:schemeClr val="accent1">
+                  <a:shade val="50000"/>
+                </a:schemeClr>
+              </a:lnRef>
+              <a:fillRef idx="1">
+                <a:schemeClr val="accent1"/>
+              </a:fillRef>
+              <a:effectRef idx="0">
+                <a:schemeClr val="accent1"/>
+              </a:effectRef>
+              <a:fontRef idx="minor">
+                <a:schemeClr val="lt1"/>
+              </a:fontRef>
+            </p:style>
+            <p:txBody>
+              <a:bodyPr rtlCol="0" anchor="ctr"/>
+              <a:lstStyle/>
+              <a:p>
+                <a:pPr algn="ctr"/>
+                <a:endParaRPr lang="zh-CN" altLang="en-US" dirty="0"/>
+              </a:p>
+            </p:txBody>
+          </p:sp>
+          <p:sp>
+            <p:nvSpPr>
+              <p:cNvPr id="243" name="矩形 242">
+                <a:extLst>
+                  <a:ext uri="{FF2B5EF4-FFF2-40B4-BE49-F238E27FC236}">
+                    <a16:creationId xmlns:a16="http://schemas.microsoft.com/office/drawing/2014/main" id="{F847EE5E-C5FA-4BE7-A1DC-EACEEFAB10B5}"/>
+                  </a:ext>
+                </a:extLst>
+              </p:cNvPr>
+              <p:cNvSpPr/>
+              <p:nvPr/>
+            </p:nvSpPr>
+            <p:spPr>
+              <a:xfrm>
+                <a:off x="2368978" y="1185146"/>
+                <a:ext cx="180000" cy="90000"/>
+              </a:xfrm>
+              <a:prstGeom prst="rect">
+                <a:avLst/>
+              </a:prstGeom>
+              <a:solidFill>
+                <a:schemeClr val="bg1">
+                  <a:lumMod val="50000"/>
+                </a:schemeClr>
+              </a:solidFill>
+              <a:ln w="12700">
+                <a:solidFill>
+                  <a:schemeClr val="tx1"/>
+                </a:solidFill>
+              </a:ln>
+            </p:spPr>
+            <p:style>
+              <a:lnRef idx="2">
+                <a:schemeClr val="accent1">
+                  <a:shade val="50000"/>
+                </a:schemeClr>
+              </a:lnRef>
+              <a:fillRef idx="1">
+                <a:schemeClr val="accent1"/>
+              </a:fillRef>
+              <a:effectRef idx="0">
+                <a:schemeClr val="accent1"/>
+              </a:effectRef>
+              <a:fontRef idx="minor">
+                <a:schemeClr val="lt1"/>
+              </a:fontRef>
+            </p:style>
+            <p:txBody>
+              <a:bodyPr rtlCol="0" anchor="ctr"/>
+              <a:lstStyle/>
+              <a:p>
+                <a:pPr algn="ctr"/>
+                <a:endParaRPr lang="zh-CN" altLang="en-US" dirty="0"/>
+              </a:p>
+            </p:txBody>
+          </p:sp>
+          <p:sp>
+            <p:nvSpPr>
+              <p:cNvPr id="244" name="矩形 243">
+                <a:extLst>
+                  <a:ext uri="{FF2B5EF4-FFF2-40B4-BE49-F238E27FC236}">
+                    <a16:creationId xmlns:a16="http://schemas.microsoft.com/office/drawing/2014/main" id="{8BC6E885-DBFE-45C6-A557-D933EDD1AA05}"/>
+                  </a:ext>
+                </a:extLst>
+              </p:cNvPr>
+              <p:cNvSpPr/>
+              <p:nvPr/>
+            </p:nvSpPr>
+            <p:spPr>
+              <a:xfrm>
+                <a:off x="2368978" y="1275146"/>
+                <a:ext cx="180000" cy="90000"/>
+              </a:xfrm>
+              <a:prstGeom prst="rect">
+                <a:avLst/>
+              </a:prstGeom>
+              <a:solidFill>
+                <a:schemeClr val="bg1">
+                  <a:lumMod val="50000"/>
+                </a:schemeClr>
+              </a:solidFill>
+              <a:ln w="12700">
+                <a:solidFill>
+                  <a:schemeClr val="tx1"/>
+                </a:solidFill>
+              </a:ln>
+            </p:spPr>
+            <p:style>
+              <a:lnRef idx="2">
+                <a:schemeClr val="accent1">
+                  <a:shade val="50000"/>
+                </a:schemeClr>
+              </a:lnRef>
+              <a:fillRef idx="1">
+                <a:schemeClr val="accent1"/>
+              </a:fillRef>
+              <a:effectRef idx="0">
+                <a:schemeClr val="accent1"/>
+              </a:effectRef>
+              <a:fontRef idx="minor">
+                <a:schemeClr val="lt1"/>
+              </a:fontRef>
+            </p:style>
+            <p:txBody>
+              <a:bodyPr rtlCol="0" anchor="ctr"/>
+              <a:lstStyle/>
+              <a:p>
+                <a:pPr algn="ctr"/>
+                <a:endParaRPr lang="zh-CN" altLang="en-US" dirty="0"/>
+              </a:p>
+            </p:txBody>
+          </p:sp>
+        </p:grpSp>
+        <p:grpSp>
+          <p:nvGrpSpPr>
+            <p:cNvPr id="234" name="组合 233">
+              <a:extLst>
+                <a:ext uri="{FF2B5EF4-FFF2-40B4-BE49-F238E27FC236}">
+                  <a16:creationId xmlns:a16="http://schemas.microsoft.com/office/drawing/2014/main" id="{C11C79B8-6A59-409B-B9AD-30133A4959F5}"/>
+                </a:ext>
+              </a:extLst>
+            </p:cNvPr>
+            <p:cNvGrpSpPr/>
+            <p:nvPr/>
+          </p:nvGrpSpPr>
+          <p:grpSpPr>
+            <a:xfrm>
+              <a:off x="715628" y="1894719"/>
+              <a:ext cx="180000" cy="450000"/>
+              <a:chOff x="2368978" y="915146"/>
+              <a:chExt cx="180000" cy="450000"/>
+            </a:xfrm>
+          </p:grpSpPr>
+          <p:sp>
+            <p:nvSpPr>
+              <p:cNvPr id="235" name="矩形 234">
+                <a:extLst>
+                  <a:ext uri="{FF2B5EF4-FFF2-40B4-BE49-F238E27FC236}">
+                    <a16:creationId xmlns:a16="http://schemas.microsoft.com/office/drawing/2014/main" id="{76AC3EDD-6401-4A10-9422-50DECF49480A}"/>
+                  </a:ext>
+                </a:extLst>
+              </p:cNvPr>
+              <p:cNvSpPr/>
+              <p:nvPr/>
+            </p:nvSpPr>
+            <p:spPr>
+              <a:xfrm>
+                <a:off x="2368978" y="915146"/>
+                <a:ext cx="180000" cy="90000"/>
+              </a:xfrm>
+              <a:prstGeom prst="rect">
+                <a:avLst/>
+              </a:prstGeom>
+              <a:solidFill>
+                <a:schemeClr val="bg1">
+                  <a:lumMod val="50000"/>
+                </a:schemeClr>
+              </a:solidFill>
+              <a:ln w="12700">
+                <a:solidFill>
+                  <a:schemeClr val="tx1"/>
+                </a:solidFill>
+              </a:ln>
+            </p:spPr>
+            <p:style>
+              <a:lnRef idx="2">
+                <a:schemeClr val="accent1">
+                  <a:shade val="50000"/>
+                </a:schemeClr>
+              </a:lnRef>
+              <a:fillRef idx="1">
+                <a:schemeClr val="accent1"/>
+              </a:fillRef>
+              <a:effectRef idx="0">
+                <a:schemeClr val="accent1"/>
+              </a:effectRef>
+              <a:fontRef idx="minor">
+                <a:schemeClr val="lt1"/>
+              </a:fontRef>
+            </p:style>
+            <p:txBody>
+              <a:bodyPr rtlCol="0" anchor="ctr"/>
+              <a:lstStyle/>
+              <a:p>
+                <a:pPr algn="ctr"/>
+                <a:endParaRPr lang="zh-CN" altLang="en-US" dirty="0"/>
+              </a:p>
+            </p:txBody>
+          </p:sp>
+          <p:sp>
+            <p:nvSpPr>
+              <p:cNvPr id="236" name="矩形 235">
+                <a:extLst>
+                  <a:ext uri="{FF2B5EF4-FFF2-40B4-BE49-F238E27FC236}">
+                    <a16:creationId xmlns:a16="http://schemas.microsoft.com/office/drawing/2014/main" id="{A6ADF753-CB24-47D4-A74B-CFEF3B197971}"/>
+                  </a:ext>
+                </a:extLst>
+              </p:cNvPr>
+              <p:cNvSpPr/>
+              <p:nvPr/>
+            </p:nvSpPr>
+            <p:spPr>
+              <a:xfrm>
+                <a:off x="2368978" y="1005146"/>
+                <a:ext cx="180000" cy="90000"/>
+              </a:xfrm>
+              <a:prstGeom prst="rect">
+                <a:avLst/>
+              </a:prstGeom>
+              <a:solidFill>
+                <a:schemeClr val="bg1">
+                  <a:lumMod val="50000"/>
+                </a:schemeClr>
+              </a:solidFill>
+              <a:ln w="12700">
+                <a:solidFill>
+                  <a:schemeClr val="tx1"/>
+                </a:solidFill>
+              </a:ln>
+            </p:spPr>
+            <p:style>
+              <a:lnRef idx="2">
+                <a:schemeClr val="accent1">
+                  <a:shade val="50000"/>
+                </a:schemeClr>
+              </a:lnRef>
+              <a:fillRef idx="1">
+                <a:schemeClr val="accent1"/>
+              </a:fillRef>
+              <a:effectRef idx="0">
+                <a:schemeClr val="accent1"/>
+              </a:effectRef>
+              <a:fontRef idx="minor">
+                <a:schemeClr val="lt1"/>
+              </a:fontRef>
+            </p:style>
+            <p:txBody>
+              <a:bodyPr rtlCol="0" anchor="ctr"/>
+              <a:lstStyle/>
+              <a:p>
+                <a:pPr algn="ctr"/>
+                <a:endParaRPr lang="zh-CN" altLang="en-US" dirty="0"/>
+              </a:p>
+            </p:txBody>
+          </p:sp>
+          <p:sp>
+            <p:nvSpPr>
+              <p:cNvPr id="237" name="矩形 236">
+                <a:extLst>
+                  <a:ext uri="{FF2B5EF4-FFF2-40B4-BE49-F238E27FC236}">
+                    <a16:creationId xmlns:a16="http://schemas.microsoft.com/office/drawing/2014/main" id="{939F1961-F492-4CCB-B9B4-16F46967DDFC}"/>
+                  </a:ext>
+                </a:extLst>
+              </p:cNvPr>
+              <p:cNvSpPr/>
+              <p:nvPr/>
+            </p:nvSpPr>
+            <p:spPr>
+              <a:xfrm>
+                <a:off x="2368978" y="1095146"/>
+                <a:ext cx="180000" cy="90000"/>
+              </a:xfrm>
+              <a:prstGeom prst="rect">
+                <a:avLst/>
+              </a:prstGeom>
+              <a:solidFill>
+                <a:schemeClr val="bg1">
+                  <a:lumMod val="50000"/>
+                </a:schemeClr>
+              </a:solidFill>
+              <a:ln w="12700">
+                <a:solidFill>
+                  <a:schemeClr val="tx1"/>
+                </a:solidFill>
+              </a:ln>
+            </p:spPr>
+            <p:style>
+              <a:lnRef idx="2">
+                <a:schemeClr val="accent1">
+                  <a:shade val="50000"/>
+                </a:schemeClr>
+              </a:lnRef>
+              <a:fillRef idx="1">
+                <a:schemeClr val="accent1"/>
+              </a:fillRef>
+              <a:effectRef idx="0">
+                <a:schemeClr val="accent1"/>
+              </a:effectRef>
+              <a:fontRef idx="minor">
+                <a:schemeClr val="lt1"/>
+              </a:fontRef>
+            </p:style>
+            <p:txBody>
+              <a:bodyPr rtlCol="0" anchor="ctr"/>
+              <a:lstStyle/>
+              <a:p>
+                <a:pPr algn="ctr"/>
+                <a:endParaRPr lang="zh-CN" altLang="en-US" dirty="0"/>
+              </a:p>
+            </p:txBody>
+          </p:sp>
+          <p:sp>
+            <p:nvSpPr>
+              <p:cNvPr id="238" name="矩形 237">
+                <a:extLst>
+                  <a:ext uri="{FF2B5EF4-FFF2-40B4-BE49-F238E27FC236}">
+                    <a16:creationId xmlns:a16="http://schemas.microsoft.com/office/drawing/2014/main" id="{D6B8385D-C014-4C7C-BF61-EB0586B3D868}"/>
+                  </a:ext>
+                </a:extLst>
+              </p:cNvPr>
+              <p:cNvSpPr/>
+              <p:nvPr/>
+            </p:nvSpPr>
+            <p:spPr>
+              <a:xfrm>
+                <a:off x="2368978" y="1185146"/>
+                <a:ext cx="180000" cy="90000"/>
+              </a:xfrm>
+              <a:prstGeom prst="rect">
+                <a:avLst/>
+              </a:prstGeom>
+              <a:solidFill>
+                <a:schemeClr val="bg1">
+                  <a:lumMod val="50000"/>
+                </a:schemeClr>
+              </a:solidFill>
+              <a:ln w="12700">
+                <a:solidFill>
+                  <a:schemeClr val="tx1"/>
+                </a:solidFill>
+              </a:ln>
+            </p:spPr>
+            <p:style>
+              <a:lnRef idx="2">
+                <a:schemeClr val="accent1">
+                  <a:shade val="50000"/>
+                </a:schemeClr>
+              </a:lnRef>
+              <a:fillRef idx="1">
+                <a:schemeClr val="accent1"/>
+              </a:fillRef>
+              <a:effectRef idx="0">
+                <a:schemeClr val="accent1"/>
+              </a:effectRef>
+              <a:fontRef idx="minor">
+                <a:schemeClr val="lt1"/>
+              </a:fontRef>
+            </p:style>
+            <p:txBody>
+              <a:bodyPr rtlCol="0" anchor="ctr"/>
+              <a:lstStyle/>
+              <a:p>
+                <a:pPr algn="ctr"/>
+                <a:endParaRPr lang="zh-CN" altLang="en-US" dirty="0"/>
+              </a:p>
+            </p:txBody>
+          </p:sp>
+          <p:sp>
+            <p:nvSpPr>
+              <p:cNvPr id="239" name="矩形 238">
+                <a:extLst>
+                  <a:ext uri="{FF2B5EF4-FFF2-40B4-BE49-F238E27FC236}">
+                    <a16:creationId xmlns:a16="http://schemas.microsoft.com/office/drawing/2014/main" id="{D968B232-D70B-48CB-8F82-18307FCE9094}"/>
+                  </a:ext>
+                </a:extLst>
+              </p:cNvPr>
+              <p:cNvSpPr/>
+              <p:nvPr/>
+            </p:nvSpPr>
+            <p:spPr>
+              <a:xfrm>
+                <a:off x="2368978" y="1275146"/>
+                <a:ext cx="180000" cy="90000"/>
+              </a:xfrm>
+              <a:prstGeom prst="rect">
+                <a:avLst/>
+              </a:prstGeom>
+              <a:solidFill>
+                <a:schemeClr val="bg1">
+                  <a:lumMod val="50000"/>
+                </a:schemeClr>
+              </a:solidFill>
+              <a:ln w="12700">
+                <a:solidFill>
+                  <a:schemeClr val="tx1"/>
+                </a:solidFill>
+              </a:ln>
+            </p:spPr>
+            <p:style>
+              <a:lnRef idx="2">
+                <a:schemeClr val="accent1">
+                  <a:shade val="50000"/>
+                </a:schemeClr>
+              </a:lnRef>
+              <a:fillRef idx="1">
+                <a:schemeClr val="accent1"/>
+              </a:fillRef>
+              <a:effectRef idx="0">
+                <a:schemeClr val="accent1"/>
+              </a:effectRef>
+              <a:fontRef idx="minor">
+                <a:schemeClr val="lt1"/>
+              </a:fontRef>
+            </p:style>
+            <p:txBody>
+              <a:bodyPr rtlCol="0" anchor="ctr"/>
+              <a:lstStyle/>
+              <a:p>
+                <a:pPr algn="ctr"/>
+                <a:endParaRPr lang="zh-CN" altLang="en-US" dirty="0"/>
+              </a:p>
+            </p:txBody>
+          </p:sp>
+        </p:grpSp>
+      </p:grpSp>
+      <p:grpSp>
+        <p:nvGrpSpPr>
+          <p:cNvPr id="245" name="组合 244">
+            <a:extLst>
+              <a:ext uri="{FF2B5EF4-FFF2-40B4-BE49-F238E27FC236}">
+                <a16:creationId xmlns:a16="http://schemas.microsoft.com/office/drawing/2014/main" id="{F9841AC2-62D0-433E-8FFF-4C896ABE7C62}"/>
+              </a:ext>
+            </a:extLst>
+          </p:cNvPr>
+          <p:cNvGrpSpPr/>
+          <p:nvPr/>
+        </p:nvGrpSpPr>
+        <p:grpSpPr>
+          <a:xfrm>
+            <a:off x="2572916" y="1376841"/>
+            <a:ext cx="360000" cy="360000"/>
+            <a:chOff x="1969428" y="44279"/>
+            <a:chExt cx="720000" cy="720000"/>
+          </a:xfrm>
+        </p:grpSpPr>
+        <p:sp>
+          <p:nvSpPr>
+            <p:cNvPr id="246" name="矩形: 圆角 245">
+              <a:extLst>
+                <a:ext uri="{FF2B5EF4-FFF2-40B4-BE49-F238E27FC236}">
+                  <a16:creationId xmlns:a16="http://schemas.microsoft.com/office/drawing/2014/main" id="{D913191A-130D-4076-8B7C-49621B9F8D3A}"/>
+                </a:ext>
+              </a:extLst>
+            </p:cNvPr>
+            <p:cNvSpPr/>
+            <p:nvPr/>
+          </p:nvSpPr>
+          <p:spPr>
+            <a:xfrm>
+              <a:off x="2149428" y="314280"/>
+              <a:ext cx="359999" cy="359999"/>
+            </a:xfrm>
+            <a:prstGeom prst="roundRect">
+              <a:avLst/>
+            </a:prstGeom>
+            <a:solidFill>
+              <a:srgbClr val="FF0000"/>
+            </a:solidFill>
+            <a:ln w="12700">
+              <a:solidFill>
+                <a:schemeClr val="tx1"/>
+              </a:solidFill>
+            </a:ln>
+          </p:spPr>
+          <p:style>
+            <a:lnRef idx="2">
+              <a:schemeClr val="accent1">
+                <a:shade val="50000"/>
+              </a:schemeClr>
+            </a:lnRef>
+            <a:fillRef idx="1">
+              <a:schemeClr val="accent1"/>
+            </a:fillRef>
+            <a:effectRef idx="0">
+              <a:schemeClr val="accent1"/>
+            </a:effectRef>
+            <a:fontRef idx="minor">
+              <a:schemeClr val="lt1"/>
+            </a:fontRef>
+          </p:style>
+          <p:txBody>
+            <a:bodyPr rtlCol="0" anchor="ctr"/>
+            <a:lstStyle/>
+            <a:p>
+              <a:pPr algn="ctr"/>
+              <a:endParaRPr lang="zh-CN" altLang="en-US" dirty="0"/>
+            </a:p>
+          </p:txBody>
+        </p:sp>
+        <p:sp>
+          <p:nvSpPr>
+            <p:cNvPr id="247" name="矩形 246">
+              <a:extLst>
+                <a:ext uri="{FF2B5EF4-FFF2-40B4-BE49-F238E27FC236}">
+                  <a16:creationId xmlns:a16="http://schemas.microsoft.com/office/drawing/2014/main" id="{0EF08132-C70A-41A7-9F00-480BC9912278}"/>
+                </a:ext>
+              </a:extLst>
+            </p:cNvPr>
+            <p:cNvSpPr/>
+            <p:nvPr/>
+          </p:nvSpPr>
+          <p:spPr>
+            <a:xfrm>
+              <a:off x="2509428" y="224279"/>
+              <a:ext cx="180000" cy="540000"/>
+            </a:xfrm>
+            <a:prstGeom prst="rect">
+              <a:avLst/>
+            </a:prstGeom>
+            <a:solidFill>
+              <a:schemeClr val="bg1">
+                <a:lumMod val="50000"/>
+              </a:schemeClr>
+            </a:solidFill>
+            <a:ln w="12700">
+              <a:solidFill>
+                <a:schemeClr val="tx1"/>
+              </a:solidFill>
+            </a:ln>
+          </p:spPr>
+          <p:style>
+            <a:lnRef idx="2">
+              <a:schemeClr val="accent1">
+                <a:shade val="50000"/>
+              </a:schemeClr>
+            </a:lnRef>
+            <a:fillRef idx="1">
+              <a:schemeClr val="accent1"/>
+            </a:fillRef>
+            <a:effectRef idx="0">
+              <a:schemeClr val="accent1"/>
+            </a:effectRef>
+            <a:fontRef idx="minor">
+              <a:schemeClr val="lt1"/>
+            </a:fontRef>
+          </p:style>
+          <p:txBody>
+            <a:bodyPr rtlCol="0" anchor="ctr"/>
+            <a:lstStyle/>
+            <a:p>
+              <a:pPr algn="ctr"/>
+              <a:endParaRPr lang="zh-CN" altLang="en-US" dirty="0"/>
+            </a:p>
+          </p:txBody>
+        </p:sp>
+        <p:sp>
+          <p:nvSpPr>
+            <p:cNvPr id="248" name="矩形 247">
+              <a:extLst>
+                <a:ext uri="{FF2B5EF4-FFF2-40B4-BE49-F238E27FC236}">
+                  <a16:creationId xmlns:a16="http://schemas.microsoft.com/office/drawing/2014/main" id="{620F02EA-AE70-400C-AFB5-C0FE19F96F61}"/>
+                </a:ext>
+              </a:extLst>
+            </p:cNvPr>
+            <p:cNvSpPr/>
+            <p:nvPr/>
+          </p:nvSpPr>
+          <p:spPr>
+            <a:xfrm>
+              <a:off x="2293428" y="44279"/>
+              <a:ext cx="72000" cy="450000"/>
+            </a:xfrm>
+            <a:prstGeom prst="rect">
+              <a:avLst/>
+            </a:prstGeom>
+            <a:solidFill>
+              <a:schemeClr val="accent3">
+                <a:lumMod val="50000"/>
+              </a:schemeClr>
+            </a:solidFill>
+            <a:ln w="12700">
+              <a:solidFill>
+                <a:schemeClr val="tx1"/>
+              </a:solidFill>
+            </a:ln>
+          </p:spPr>
+          <p:style>
+            <a:lnRef idx="2">
+              <a:schemeClr val="accent1">
+                <a:shade val="50000"/>
+              </a:schemeClr>
+            </a:lnRef>
+            <a:fillRef idx="1">
+              <a:schemeClr val="accent1"/>
+            </a:fillRef>
+            <a:effectRef idx="0">
+              <a:schemeClr val="accent1"/>
+            </a:effectRef>
+            <a:fontRef idx="minor">
+              <a:schemeClr val="lt1"/>
+            </a:fontRef>
+          </p:style>
+          <p:txBody>
+            <a:bodyPr rtlCol="0" anchor="ctr"/>
+            <a:lstStyle/>
+            <a:p>
+              <a:pPr algn="ctr"/>
+              <a:endParaRPr lang="zh-CN" altLang="en-US" dirty="0"/>
+            </a:p>
+          </p:txBody>
+        </p:sp>
+        <p:sp>
+          <p:nvSpPr>
+            <p:cNvPr id="249" name="椭圆 248">
+              <a:extLst>
+                <a:ext uri="{FF2B5EF4-FFF2-40B4-BE49-F238E27FC236}">
+                  <a16:creationId xmlns:a16="http://schemas.microsoft.com/office/drawing/2014/main" id="{05E9CCB4-EECE-486D-9DDF-B6F31C0040E7}"/>
+                </a:ext>
+              </a:extLst>
+            </p:cNvPr>
+            <p:cNvSpPr/>
+            <p:nvPr/>
+          </p:nvSpPr>
+          <p:spPr>
+            <a:xfrm>
+              <a:off x="2221428" y="386279"/>
+              <a:ext cx="216000" cy="216000"/>
+            </a:xfrm>
+            <a:prstGeom prst="ellipse">
+              <a:avLst/>
+            </a:prstGeom>
+            <a:solidFill>
+              <a:schemeClr val="accent3">
+                <a:lumMod val="50000"/>
+              </a:schemeClr>
+            </a:solidFill>
+            <a:ln w="12700">
+              <a:solidFill>
+                <a:schemeClr val="tx1"/>
+              </a:solidFill>
+            </a:ln>
+          </p:spPr>
+          <p:style>
+            <a:lnRef idx="1">
+              <a:schemeClr val="dk1"/>
+            </a:lnRef>
+            <a:fillRef idx="2">
+              <a:schemeClr val="dk1"/>
+            </a:fillRef>
+            <a:effectRef idx="1">
+              <a:schemeClr val="dk1"/>
+            </a:effectRef>
+            <a:fontRef idx="minor">
+              <a:schemeClr val="dk1"/>
+            </a:fontRef>
+          </p:style>
+          <p:txBody>
+            <a:bodyPr rtlCol="0" anchor="ctr"/>
+            <a:lstStyle/>
+            <a:p>
+              <a:pPr algn="ctr"/>
+              <a:endParaRPr lang="zh-CN" altLang="en-US">
+                <a:ln>
+                  <a:solidFill>
+                    <a:sysClr val="windowText" lastClr="000000"/>
+                  </a:solidFill>
+                </a:ln>
+              </a:endParaRPr>
+            </a:p>
+          </p:txBody>
+        </p:sp>
+        <p:sp>
+          <p:nvSpPr>
+            <p:cNvPr id="250" name="矩形 249">
+              <a:extLst>
+                <a:ext uri="{FF2B5EF4-FFF2-40B4-BE49-F238E27FC236}">
+                  <a16:creationId xmlns:a16="http://schemas.microsoft.com/office/drawing/2014/main" id="{81C46C92-1424-4039-B58B-06B2C12907E1}"/>
+                </a:ext>
+              </a:extLst>
+            </p:cNvPr>
+            <p:cNvSpPr/>
+            <p:nvPr/>
+          </p:nvSpPr>
+          <p:spPr>
+            <a:xfrm>
+              <a:off x="1969428" y="224279"/>
+              <a:ext cx="180000" cy="540000"/>
+            </a:xfrm>
+            <a:prstGeom prst="rect">
+              <a:avLst/>
+            </a:prstGeom>
+            <a:solidFill>
+              <a:schemeClr val="bg1">
+                <a:lumMod val="50000"/>
+              </a:schemeClr>
+            </a:solidFill>
+            <a:ln w="12700">
+              <a:solidFill>
+                <a:schemeClr val="tx1"/>
+              </a:solidFill>
+            </a:ln>
+          </p:spPr>
+          <p:style>
+            <a:lnRef idx="2">
+              <a:schemeClr val="accent1">
+                <a:shade val="50000"/>
+              </a:schemeClr>
+            </a:lnRef>
+            <a:fillRef idx="1">
+              <a:schemeClr val="accent1"/>
+            </a:fillRef>
+            <a:effectRef idx="0">
+              <a:schemeClr val="accent1"/>
+            </a:effectRef>
+            <a:fontRef idx="minor">
+              <a:schemeClr val="lt1"/>
+            </a:fontRef>
+          </p:style>
+          <p:txBody>
+            <a:bodyPr rtlCol="0" anchor="ctr"/>
+            <a:lstStyle/>
+            <a:p>
+              <a:pPr algn="ctr"/>
+              <a:endParaRPr lang="zh-CN" altLang="en-US" dirty="0"/>
+            </a:p>
+          </p:txBody>
+        </p:sp>
+        <p:grpSp>
+          <p:nvGrpSpPr>
+            <p:cNvPr id="251" name="组合 250">
+              <a:extLst>
+                <a:ext uri="{FF2B5EF4-FFF2-40B4-BE49-F238E27FC236}">
+                  <a16:creationId xmlns:a16="http://schemas.microsoft.com/office/drawing/2014/main" id="{490A3461-F2E0-4B6C-9D20-439C3F644288}"/>
+                </a:ext>
+              </a:extLst>
+            </p:cNvPr>
+            <p:cNvGrpSpPr/>
+            <p:nvPr/>
+          </p:nvGrpSpPr>
+          <p:grpSpPr>
+            <a:xfrm>
+              <a:off x="2509428" y="296002"/>
+              <a:ext cx="180000" cy="450000"/>
+              <a:chOff x="2368978" y="915146"/>
+              <a:chExt cx="180000" cy="450000"/>
+            </a:xfrm>
+          </p:grpSpPr>
+          <p:sp>
+            <p:nvSpPr>
+              <p:cNvPr id="258" name="矩形 257">
+                <a:extLst>
+                  <a:ext uri="{FF2B5EF4-FFF2-40B4-BE49-F238E27FC236}">
+                    <a16:creationId xmlns:a16="http://schemas.microsoft.com/office/drawing/2014/main" id="{397E1D09-8F90-4EF2-A3A7-8E7F30E8C8DA}"/>
+                  </a:ext>
+                </a:extLst>
+              </p:cNvPr>
+              <p:cNvSpPr/>
+              <p:nvPr/>
+            </p:nvSpPr>
+            <p:spPr>
+              <a:xfrm>
+                <a:off x="2368978" y="915146"/>
+                <a:ext cx="180000" cy="90000"/>
+              </a:xfrm>
+              <a:prstGeom prst="rect">
+                <a:avLst/>
+              </a:prstGeom>
+              <a:solidFill>
+                <a:schemeClr val="bg1">
+                  <a:lumMod val="50000"/>
+                </a:schemeClr>
+              </a:solidFill>
+              <a:ln w="12700">
+                <a:solidFill>
+                  <a:schemeClr val="tx1"/>
+                </a:solidFill>
+              </a:ln>
+            </p:spPr>
+            <p:style>
+              <a:lnRef idx="2">
+                <a:schemeClr val="accent1">
+                  <a:shade val="50000"/>
+                </a:schemeClr>
+              </a:lnRef>
+              <a:fillRef idx="1">
+                <a:schemeClr val="accent1"/>
+              </a:fillRef>
+              <a:effectRef idx="0">
+                <a:schemeClr val="accent1"/>
+              </a:effectRef>
+              <a:fontRef idx="minor">
+                <a:schemeClr val="lt1"/>
+              </a:fontRef>
+            </p:style>
+            <p:txBody>
+              <a:bodyPr rtlCol="0" anchor="ctr"/>
+              <a:lstStyle/>
+              <a:p>
+                <a:pPr algn="ctr"/>
+                <a:endParaRPr lang="zh-CN" altLang="en-US" dirty="0"/>
+              </a:p>
+            </p:txBody>
+          </p:sp>
+          <p:sp>
+            <p:nvSpPr>
+              <p:cNvPr id="259" name="矩形 258">
+                <a:extLst>
+                  <a:ext uri="{FF2B5EF4-FFF2-40B4-BE49-F238E27FC236}">
+                    <a16:creationId xmlns:a16="http://schemas.microsoft.com/office/drawing/2014/main" id="{36B94495-7320-44A8-AAEA-9245EC3F4D2C}"/>
+                  </a:ext>
+                </a:extLst>
+              </p:cNvPr>
+              <p:cNvSpPr/>
+              <p:nvPr/>
+            </p:nvSpPr>
+            <p:spPr>
+              <a:xfrm>
+                <a:off x="2368978" y="1005146"/>
+                <a:ext cx="180000" cy="90000"/>
+              </a:xfrm>
+              <a:prstGeom prst="rect">
+                <a:avLst/>
+              </a:prstGeom>
+              <a:solidFill>
+                <a:schemeClr val="bg1">
+                  <a:lumMod val="50000"/>
+                </a:schemeClr>
+              </a:solidFill>
+              <a:ln w="12700">
+                <a:solidFill>
+                  <a:schemeClr val="tx1"/>
+                </a:solidFill>
+              </a:ln>
+            </p:spPr>
+            <p:style>
+              <a:lnRef idx="2">
+                <a:schemeClr val="accent1">
+                  <a:shade val="50000"/>
+                </a:schemeClr>
+              </a:lnRef>
+              <a:fillRef idx="1">
+                <a:schemeClr val="accent1"/>
+              </a:fillRef>
+              <a:effectRef idx="0">
+                <a:schemeClr val="accent1"/>
+              </a:effectRef>
+              <a:fontRef idx="minor">
+                <a:schemeClr val="lt1"/>
+              </a:fontRef>
+            </p:style>
+            <p:txBody>
+              <a:bodyPr rtlCol="0" anchor="ctr"/>
+              <a:lstStyle/>
+              <a:p>
+                <a:pPr algn="ctr"/>
+                <a:endParaRPr lang="zh-CN" altLang="en-US" dirty="0"/>
+              </a:p>
+            </p:txBody>
+          </p:sp>
+          <p:sp>
+            <p:nvSpPr>
+              <p:cNvPr id="260" name="矩形 259">
+                <a:extLst>
+                  <a:ext uri="{FF2B5EF4-FFF2-40B4-BE49-F238E27FC236}">
+                    <a16:creationId xmlns:a16="http://schemas.microsoft.com/office/drawing/2014/main" id="{84840C3E-4481-4D4A-B398-FBC4A2FF663B}"/>
+                  </a:ext>
+                </a:extLst>
+              </p:cNvPr>
+              <p:cNvSpPr/>
+              <p:nvPr/>
+            </p:nvSpPr>
+            <p:spPr>
+              <a:xfrm>
+                <a:off x="2368978" y="1095146"/>
+                <a:ext cx="180000" cy="90000"/>
+              </a:xfrm>
+              <a:prstGeom prst="rect">
+                <a:avLst/>
+              </a:prstGeom>
+              <a:solidFill>
+                <a:schemeClr val="bg1">
+                  <a:lumMod val="50000"/>
+                </a:schemeClr>
+              </a:solidFill>
+              <a:ln w="12700">
+                <a:solidFill>
+                  <a:schemeClr val="tx1"/>
+                </a:solidFill>
+              </a:ln>
+            </p:spPr>
+            <p:style>
+              <a:lnRef idx="2">
+                <a:schemeClr val="accent1">
+                  <a:shade val="50000"/>
+                </a:schemeClr>
+              </a:lnRef>
+              <a:fillRef idx="1">
+                <a:schemeClr val="accent1"/>
+              </a:fillRef>
+              <a:effectRef idx="0">
+                <a:schemeClr val="accent1"/>
+              </a:effectRef>
+              <a:fontRef idx="minor">
+                <a:schemeClr val="lt1"/>
+              </a:fontRef>
+            </p:style>
+            <p:txBody>
+              <a:bodyPr rtlCol="0" anchor="ctr"/>
+              <a:lstStyle/>
+              <a:p>
+                <a:pPr algn="ctr"/>
+                <a:endParaRPr lang="zh-CN" altLang="en-US" dirty="0"/>
+              </a:p>
+            </p:txBody>
+          </p:sp>
+          <p:sp>
+            <p:nvSpPr>
+              <p:cNvPr id="261" name="矩形 260">
+                <a:extLst>
+                  <a:ext uri="{FF2B5EF4-FFF2-40B4-BE49-F238E27FC236}">
+                    <a16:creationId xmlns:a16="http://schemas.microsoft.com/office/drawing/2014/main" id="{8ED8E64A-5400-431A-8885-3C38957D2274}"/>
+                  </a:ext>
+                </a:extLst>
+              </p:cNvPr>
+              <p:cNvSpPr/>
+              <p:nvPr/>
+            </p:nvSpPr>
+            <p:spPr>
+              <a:xfrm>
+                <a:off x="2368978" y="1185146"/>
+                <a:ext cx="180000" cy="90000"/>
+              </a:xfrm>
+              <a:prstGeom prst="rect">
+                <a:avLst/>
+              </a:prstGeom>
+              <a:solidFill>
+                <a:schemeClr val="bg1">
+                  <a:lumMod val="50000"/>
+                </a:schemeClr>
+              </a:solidFill>
+              <a:ln w="12700">
+                <a:solidFill>
+                  <a:schemeClr val="tx1"/>
+                </a:solidFill>
+              </a:ln>
+            </p:spPr>
+            <p:style>
+              <a:lnRef idx="2">
+                <a:schemeClr val="accent1">
+                  <a:shade val="50000"/>
+                </a:schemeClr>
+              </a:lnRef>
+              <a:fillRef idx="1">
+                <a:schemeClr val="accent1"/>
+              </a:fillRef>
+              <a:effectRef idx="0">
+                <a:schemeClr val="accent1"/>
+              </a:effectRef>
+              <a:fontRef idx="minor">
+                <a:schemeClr val="lt1"/>
+              </a:fontRef>
+            </p:style>
+            <p:txBody>
+              <a:bodyPr rtlCol="0" anchor="ctr"/>
+              <a:lstStyle/>
+              <a:p>
+                <a:pPr algn="ctr"/>
+                <a:endParaRPr lang="zh-CN" altLang="en-US" dirty="0"/>
+              </a:p>
+            </p:txBody>
+          </p:sp>
+          <p:sp>
+            <p:nvSpPr>
+              <p:cNvPr id="262" name="矩形 261">
+                <a:extLst>
+                  <a:ext uri="{FF2B5EF4-FFF2-40B4-BE49-F238E27FC236}">
+                    <a16:creationId xmlns:a16="http://schemas.microsoft.com/office/drawing/2014/main" id="{55F2F093-F1A6-4687-B56F-506BF7BA1D8A}"/>
+                  </a:ext>
+                </a:extLst>
+              </p:cNvPr>
+              <p:cNvSpPr/>
+              <p:nvPr/>
+            </p:nvSpPr>
+            <p:spPr>
+              <a:xfrm>
+                <a:off x="2368978" y="1275146"/>
+                <a:ext cx="180000" cy="90000"/>
+              </a:xfrm>
+              <a:prstGeom prst="rect">
+                <a:avLst/>
+              </a:prstGeom>
+              <a:solidFill>
+                <a:schemeClr val="bg1">
+                  <a:lumMod val="50000"/>
+                </a:schemeClr>
+              </a:solidFill>
+              <a:ln w="12700">
+                <a:solidFill>
+                  <a:schemeClr val="tx1"/>
+                </a:solidFill>
+              </a:ln>
+            </p:spPr>
+            <p:style>
+              <a:lnRef idx="2">
+                <a:schemeClr val="accent1">
+                  <a:shade val="50000"/>
+                </a:schemeClr>
+              </a:lnRef>
+              <a:fillRef idx="1">
+                <a:schemeClr val="accent1"/>
+              </a:fillRef>
+              <a:effectRef idx="0">
+                <a:schemeClr val="accent1"/>
+              </a:effectRef>
+              <a:fontRef idx="minor">
+                <a:schemeClr val="lt1"/>
+              </a:fontRef>
+            </p:style>
+            <p:txBody>
+              <a:bodyPr rtlCol="0" anchor="ctr"/>
+              <a:lstStyle/>
+              <a:p>
+                <a:pPr algn="ctr"/>
+                <a:endParaRPr lang="zh-CN" altLang="en-US" dirty="0"/>
+              </a:p>
+            </p:txBody>
+          </p:sp>
+        </p:grpSp>
+        <p:grpSp>
+          <p:nvGrpSpPr>
+            <p:cNvPr id="252" name="组合 251">
+              <a:extLst>
+                <a:ext uri="{FF2B5EF4-FFF2-40B4-BE49-F238E27FC236}">
+                  <a16:creationId xmlns:a16="http://schemas.microsoft.com/office/drawing/2014/main" id="{DBFF1521-DBB4-4F92-9503-5C9A78660A04}"/>
+                </a:ext>
+              </a:extLst>
+            </p:cNvPr>
+            <p:cNvGrpSpPr/>
+            <p:nvPr/>
+          </p:nvGrpSpPr>
+          <p:grpSpPr>
+            <a:xfrm>
+              <a:off x="1969428" y="296002"/>
+              <a:ext cx="180000" cy="450000"/>
+              <a:chOff x="2368978" y="915146"/>
+              <a:chExt cx="180000" cy="450000"/>
+            </a:xfrm>
+          </p:grpSpPr>
+          <p:sp>
+            <p:nvSpPr>
+              <p:cNvPr id="253" name="矩形 252">
+                <a:extLst>
+                  <a:ext uri="{FF2B5EF4-FFF2-40B4-BE49-F238E27FC236}">
+                    <a16:creationId xmlns:a16="http://schemas.microsoft.com/office/drawing/2014/main" id="{56348FDB-0E53-4499-B527-7F55F3CCD720}"/>
+                  </a:ext>
+                </a:extLst>
+              </p:cNvPr>
+              <p:cNvSpPr/>
+              <p:nvPr/>
+            </p:nvSpPr>
+            <p:spPr>
+              <a:xfrm>
+                <a:off x="2368978" y="915146"/>
+                <a:ext cx="180000" cy="90000"/>
+              </a:xfrm>
+              <a:prstGeom prst="rect">
+                <a:avLst/>
+              </a:prstGeom>
+              <a:solidFill>
+                <a:schemeClr val="bg1">
+                  <a:lumMod val="50000"/>
+                </a:schemeClr>
+              </a:solidFill>
+              <a:ln w="12700">
+                <a:solidFill>
+                  <a:schemeClr val="tx1"/>
+                </a:solidFill>
+              </a:ln>
+            </p:spPr>
+            <p:style>
+              <a:lnRef idx="2">
+                <a:schemeClr val="accent1">
+                  <a:shade val="50000"/>
+                </a:schemeClr>
+              </a:lnRef>
+              <a:fillRef idx="1">
+                <a:schemeClr val="accent1"/>
+              </a:fillRef>
+              <a:effectRef idx="0">
+                <a:schemeClr val="accent1"/>
+              </a:effectRef>
+              <a:fontRef idx="minor">
+                <a:schemeClr val="lt1"/>
+              </a:fontRef>
+            </p:style>
+            <p:txBody>
+              <a:bodyPr rtlCol="0" anchor="ctr"/>
+              <a:lstStyle/>
+              <a:p>
+                <a:pPr algn="ctr"/>
+                <a:endParaRPr lang="zh-CN" altLang="en-US" dirty="0"/>
+              </a:p>
+            </p:txBody>
+          </p:sp>
+          <p:sp>
+            <p:nvSpPr>
+              <p:cNvPr id="254" name="矩形 253">
+                <a:extLst>
+                  <a:ext uri="{FF2B5EF4-FFF2-40B4-BE49-F238E27FC236}">
+                    <a16:creationId xmlns:a16="http://schemas.microsoft.com/office/drawing/2014/main" id="{3F9207CD-6F27-49E4-93CE-5E6A4DA11BF1}"/>
+                  </a:ext>
+                </a:extLst>
+              </p:cNvPr>
+              <p:cNvSpPr/>
+              <p:nvPr/>
+            </p:nvSpPr>
+            <p:spPr>
+              <a:xfrm>
+                <a:off x="2368978" y="1005146"/>
+                <a:ext cx="180000" cy="90000"/>
+              </a:xfrm>
+              <a:prstGeom prst="rect">
+                <a:avLst/>
+              </a:prstGeom>
+              <a:solidFill>
+                <a:schemeClr val="bg1">
+                  <a:lumMod val="50000"/>
+                </a:schemeClr>
+              </a:solidFill>
+              <a:ln w="12700">
+                <a:solidFill>
+                  <a:schemeClr val="tx1"/>
+                </a:solidFill>
+              </a:ln>
+            </p:spPr>
+            <p:style>
+              <a:lnRef idx="2">
+                <a:schemeClr val="accent1">
+                  <a:shade val="50000"/>
+                </a:schemeClr>
+              </a:lnRef>
+              <a:fillRef idx="1">
+                <a:schemeClr val="accent1"/>
+              </a:fillRef>
+              <a:effectRef idx="0">
+                <a:schemeClr val="accent1"/>
+              </a:effectRef>
+              <a:fontRef idx="minor">
+                <a:schemeClr val="lt1"/>
+              </a:fontRef>
+            </p:style>
+            <p:txBody>
+              <a:bodyPr rtlCol="0" anchor="ctr"/>
+              <a:lstStyle/>
+              <a:p>
+                <a:pPr algn="ctr"/>
+                <a:endParaRPr lang="zh-CN" altLang="en-US" dirty="0"/>
+              </a:p>
+            </p:txBody>
+          </p:sp>
+          <p:sp>
+            <p:nvSpPr>
+              <p:cNvPr id="255" name="矩形 254">
+                <a:extLst>
+                  <a:ext uri="{FF2B5EF4-FFF2-40B4-BE49-F238E27FC236}">
+                    <a16:creationId xmlns:a16="http://schemas.microsoft.com/office/drawing/2014/main" id="{A1F89A5A-C14D-49E9-87E4-C60A02E45A7E}"/>
+                  </a:ext>
+                </a:extLst>
+              </p:cNvPr>
+              <p:cNvSpPr/>
+              <p:nvPr/>
+            </p:nvSpPr>
+            <p:spPr>
+              <a:xfrm>
+                <a:off x="2368978" y="1095146"/>
+                <a:ext cx="180000" cy="90000"/>
+              </a:xfrm>
+              <a:prstGeom prst="rect">
+                <a:avLst/>
+              </a:prstGeom>
+              <a:solidFill>
+                <a:schemeClr val="bg1">
+                  <a:lumMod val="50000"/>
+                </a:schemeClr>
+              </a:solidFill>
+              <a:ln w="12700">
+                <a:solidFill>
+                  <a:schemeClr val="tx1"/>
+                </a:solidFill>
+              </a:ln>
+            </p:spPr>
+            <p:style>
+              <a:lnRef idx="2">
+                <a:schemeClr val="accent1">
+                  <a:shade val="50000"/>
+                </a:schemeClr>
+              </a:lnRef>
+              <a:fillRef idx="1">
+                <a:schemeClr val="accent1"/>
+              </a:fillRef>
+              <a:effectRef idx="0">
+                <a:schemeClr val="accent1"/>
+              </a:effectRef>
+              <a:fontRef idx="minor">
+                <a:schemeClr val="lt1"/>
+              </a:fontRef>
+            </p:style>
+            <p:txBody>
+              <a:bodyPr rtlCol="0" anchor="ctr"/>
+              <a:lstStyle/>
+              <a:p>
+                <a:pPr algn="ctr"/>
+                <a:endParaRPr lang="zh-CN" altLang="en-US" dirty="0"/>
+              </a:p>
+            </p:txBody>
+          </p:sp>
+          <p:sp>
+            <p:nvSpPr>
+              <p:cNvPr id="256" name="矩形 255">
+                <a:extLst>
+                  <a:ext uri="{FF2B5EF4-FFF2-40B4-BE49-F238E27FC236}">
+                    <a16:creationId xmlns:a16="http://schemas.microsoft.com/office/drawing/2014/main" id="{202BA14D-8F9B-4820-8DDD-C0233D2C6A7E}"/>
+                  </a:ext>
+                </a:extLst>
+              </p:cNvPr>
+              <p:cNvSpPr/>
+              <p:nvPr/>
+            </p:nvSpPr>
+            <p:spPr>
+              <a:xfrm>
+                <a:off x="2368978" y="1185146"/>
+                <a:ext cx="180000" cy="90000"/>
+              </a:xfrm>
+              <a:prstGeom prst="rect">
+                <a:avLst/>
+              </a:prstGeom>
+              <a:solidFill>
+                <a:schemeClr val="bg1">
+                  <a:lumMod val="50000"/>
+                </a:schemeClr>
+              </a:solidFill>
+              <a:ln w="12700">
+                <a:solidFill>
+                  <a:schemeClr val="tx1"/>
+                </a:solidFill>
+              </a:ln>
+            </p:spPr>
+            <p:style>
+              <a:lnRef idx="2">
+                <a:schemeClr val="accent1">
+                  <a:shade val="50000"/>
+                </a:schemeClr>
+              </a:lnRef>
+              <a:fillRef idx="1">
+                <a:schemeClr val="accent1"/>
+              </a:fillRef>
+              <a:effectRef idx="0">
+                <a:schemeClr val="accent1"/>
+              </a:effectRef>
+              <a:fontRef idx="minor">
+                <a:schemeClr val="lt1"/>
+              </a:fontRef>
+            </p:style>
+            <p:txBody>
+              <a:bodyPr rtlCol="0" anchor="ctr"/>
+              <a:lstStyle/>
+              <a:p>
+                <a:pPr algn="ctr"/>
+                <a:endParaRPr lang="zh-CN" altLang="en-US" dirty="0"/>
+              </a:p>
+            </p:txBody>
+          </p:sp>
+          <p:sp>
+            <p:nvSpPr>
+              <p:cNvPr id="257" name="矩形 256">
+                <a:extLst>
+                  <a:ext uri="{FF2B5EF4-FFF2-40B4-BE49-F238E27FC236}">
+                    <a16:creationId xmlns:a16="http://schemas.microsoft.com/office/drawing/2014/main" id="{A2779B6E-85BD-4F65-B285-D92A71881B1C}"/>
+                  </a:ext>
+                </a:extLst>
+              </p:cNvPr>
+              <p:cNvSpPr/>
+              <p:nvPr/>
+            </p:nvSpPr>
+            <p:spPr>
+              <a:xfrm>
+                <a:off x="2368978" y="1275146"/>
+                <a:ext cx="180000" cy="90000"/>
+              </a:xfrm>
+              <a:prstGeom prst="rect">
+                <a:avLst/>
+              </a:prstGeom>
+              <a:solidFill>
+                <a:schemeClr val="bg1">
+                  <a:lumMod val="50000"/>
+                </a:schemeClr>
+              </a:solidFill>
+              <a:ln w="12700">
+                <a:solidFill>
+                  <a:schemeClr val="tx1"/>
+                </a:solidFill>
+              </a:ln>
+            </p:spPr>
+            <p:style>
+              <a:lnRef idx="2">
+                <a:schemeClr val="accent1">
+                  <a:shade val="50000"/>
+                </a:schemeClr>
+              </a:lnRef>
+              <a:fillRef idx="1">
+                <a:schemeClr val="accent1"/>
+              </a:fillRef>
+              <a:effectRef idx="0">
+                <a:schemeClr val="accent1"/>
+              </a:effectRef>
+              <a:fontRef idx="minor">
+                <a:schemeClr val="lt1"/>
+              </a:fontRef>
+            </p:style>
+            <p:txBody>
+              <a:bodyPr rtlCol="0" anchor="ctr"/>
+              <a:lstStyle/>
+              <a:p>
+                <a:pPr algn="ctr"/>
+                <a:endParaRPr lang="zh-CN" altLang="en-US" dirty="0"/>
+              </a:p>
+            </p:txBody>
+          </p:sp>
+        </p:grpSp>
+      </p:grpSp>
+      <p:grpSp>
+        <p:nvGrpSpPr>
+          <p:cNvPr id="8" name="组合 7">
+            <a:extLst>
+              <a:ext uri="{FF2B5EF4-FFF2-40B4-BE49-F238E27FC236}">
+                <a16:creationId xmlns:a16="http://schemas.microsoft.com/office/drawing/2014/main" id="{C2EE190A-B78D-4E52-9BE1-ACC545DC8C00}"/>
+              </a:ext>
+            </a:extLst>
+          </p:cNvPr>
+          <p:cNvGrpSpPr/>
+          <p:nvPr/>
+        </p:nvGrpSpPr>
+        <p:grpSpPr>
+          <a:xfrm>
+            <a:off x="3465847" y="1390203"/>
+            <a:ext cx="360000" cy="360000"/>
+            <a:chOff x="3465847" y="1390203"/>
+            <a:chExt cx="360000" cy="360000"/>
+          </a:xfrm>
+        </p:grpSpPr>
+        <p:sp>
+          <p:nvSpPr>
+            <p:cNvPr id="3" name="矩形 2">
+              <a:extLst>
+                <a:ext uri="{FF2B5EF4-FFF2-40B4-BE49-F238E27FC236}">
+                  <a16:creationId xmlns:a16="http://schemas.microsoft.com/office/drawing/2014/main" id="{2FBE1DFC-4426-402A-9D02-C86E8D832ED9}"/>
+                </a:ext>
+              </a:extLst>
+            </p:cNvPr>
+            <p:cNvSpPr/>
+            <p:nvPr/>
+          </p:nvSpPr>
+          <p:spPr>
+            <a:xfrm>
+              <a:off x="3465847" y="1390203"/>
+              <a:ext cx="360000" cy="360000"/>
+            </a:xfrm>
+            <a:prstGeom prst="rect">
+              <a:avLst/>
+            </a:prstGeom>
+            <a:noFill/>
+            <a:ln>
+              <a:noFill/>
+            </a:ln>
+          </p:spPr>
+          <p:style>
+            <a:lnRef idx="2">
+              <a:schemeClr val="accent1">
+                <a:shade val="50000"/>
+              </a:schemeClr>
+            </a:lnRef>
+            <a:fillRef idx="1">
+              <a:schemeClr val="accent1"/>
+            </a:fillRef>
+            <a:effectRef idx="0">
+              <a:schemeClr val="accent1"/>
+            </a:effectRef>
+            <a:fontRef idx="minor">
+              <a:schemeClr val="lt1"/>
+            </a:fontRef>
+          </p:style>
+          <p:txBody>
+            <a:bodyPr rtlCol="0" anchor="ctr"/>
+            <a:lstStyle/>
+            <a:p>
+              <a:pPr algn="ctr"/>
+              <a:endParaRPr lang="zh-CN" altLang="en-US" dirty="0"/>
+            </a:p>
+          </p:txBody>
+        </p:sp>
+        <p:sp>
+          <p:nvSpPr>
+            <p:cNvPr id="7" name="矩形: 剪去左右顶角 6">
+              <a:extLst>
+                <a:ext uri="{FF2B5EF4-FFF2-40B4-BE49-F238E27FC236}">
+                  <a16:creationId xmlns:a16="http://schemas.microsoft.com/office/drawing/2014/main" id="{317737F6-8A66-4334-86ED-51905AE5ABF3}"/>
+                </a:ext>
+              </a:extLst>
+            </p:cNvPr>
+            <p:cNvSpPr/>
+            <p:nvPr/>
+          </p:nvSpPr>
+          <p:spPr>
+            <a:xfrm>
+              <a:off x="3622988" y="1534203"/>
+              <a:ext cx="45719" cy="72000"/>
+            </a:xfrm>
+            <a:prstGeom prst="snip2SameRect">
+              <a:avLst>
+                <a:gd name="adj1" fmla="val 42064"/>
+                <a:gd name="adj2" fmla="val 0"/>
+              </a:avLst>
+            </a:prstGeom>
+            <a:solidFill>
+              <a:schemeClr val="tx1">
+                <a:lumMod val="50000"/>
+                <a:lumOff val="50000"/>
+              </a:schemeClr>
+            </a:solidFill>
+          </p:spPr>
+          <p:style>
+            <a:lnRef idx="2">
+              <a:schemeClr val="dk1"/>
+            </a:lnRef>
+            <a:fillRef idx="1">
+              <a:schemeClr val="lt1"/>
+            </a:fillRef>
+            <a:effectRef idx="0">
+              <a:schemeClr val="dk1"/>
+            </a:effectRef>
+            <a:fontRef idx="minor">
+              <a:schemeClr val="dk1"/>
+            </a:fontRef>
+          </p:style>
+          <p:txBody>
+            <a:bodyPr rtlCol="0" anchor="ctr"/>
+            <a:lstStyle/>
+            <a:p>
+              <a:pPr algn="ctr"/>
+              <a:endParaRPr lang="zh-CN" altLang="en-US" dirty="0"/>
+            </a:p>
+          </p:txBody>
+        </p:sp>
       </p:grpSp>
     </p:spTree>
     <p:extLst>

--- a/resources/desigin.pptx
+++ b/resources/desigin.pptx
@@ -9901,6 +9901,276 @@
           <a:chExt cx="0" cy="0"/>
         </a:xfrm>
       </p:grpSpPr>
+      <p:sp>
+        <p:nvSpPr>
+          <p:cNvPr id="419" name="爆炸形: 8 pt  418">
+            <a:extLst>
+              <a:ext uri="{FF2B5EF4-FFF2-40B4-BE49-F238E27FC236}">
+                <a16:creationId xmlns:a16="http://schemas.microsoft.com/office/drawing/2014/main" id="{BEE55123-023D-47F3-A750-832788B3EFAA}"/>
+              </a:ext>
+            </a:extLst>
+          </p:cNvPr>
+          <p:cNvSpPr/>
+          <p:nvPr/>
+        </p:nvSpPr>
+        <p:spPr>
+          <a:xfrm>
+            <a:off x="2788174" y="1853397"/>
+            <a:ext cx="109484" cy="115478"/>
+          </a:xfrm>
+          <a:prstGeom prst="irregularSeal1">
+            <a:avLst/>
+          </a:prstGeom>
+          <a:solidFill>
+            <a:srgbClr val="FFFF00"/>
+          </a:solidFill>
+          <a:ln>
+            <a:solidFill>
+              <a:srgbClr val="FF0000"/>
+            </a:solidFill>
+          </a:ln>
+        </p:spPr>
+        <p:style>
+          <a:lnRef idx="2">
+            <a:schemeClr val="accent1">
+              <a:shade val="50000"/>
+            </a:schemeClr>
+          </a:lnRef>
+          <a:fillRef idx="1">
+            <a:schemeClr val="accent1"/>
+          </a:fillRef>
+          <a:effectRef idx="0">
+            <a:schemeClr val="accent1"/>
+          </a:effectRef>
+          <a:fontRef idx="minor">
+            <a:schemeClr val="lt1"/>
+          </a:fontRef>
+        </p:style>
+        <p:txBody>
+          <a:bodyPr rtlCol="0" anchor="ctr"/>
+          <a:lstStyle/>
+          <a:p>
+            <a:pPr algn="ctr"/>
+            <a:endParaRPr lang="zh-CN" altLang="en-US"/>
+          </a:p>
+        </p:txBody>
+      </p:sp>
+      <p:sp>
+        <p:nvSpPr>
+          <p:cNvPr id="410" name="爆炸形: 8 pt  409">
+            <a:extLst>
+              <a:ext uri="{FF2B5EF4-FFF2-40B4-BE49-F238E27FC236}">
+                <a16:creationId xmlns:a16="http://schemas.microsoft.com/office/drawing/2014/main" id="{A6357AB3-DF9A-4BF9-BFB3-3189EB8E74D2}"/>
+              </a:ext>
+            </a:extLst>
+          </p:cNvPr>
+          <p:cNvSpPr/>
+          <p:nvPr/>
+        </p:nvSpPr>
+        <p:spPr>
+          <a:xfrm>
+            <a:off x="2287509" y="2077968"/>
+            <a:ext cx="109484" cy="115478"/>
+          </a:xfrm>
+          <a:prstGeom prst="irregularSeal1">
+            <a:avLst/>
+          </a:prstGeom>
+          <a:solidFill>
+            <a:srgbClr val="FFFF00"/>
+          </a:solidFill>
+          <a:ln>
+            <a:solidFill>
+              <a:srgbClr val="FF0000"/>
+            </a:solidFill>
+          </a:ln>
+        </p:spPr>
+        <p:style>
+          <a:lnRef idx="2">
+            <a:schemeClr val="accent1">
+              <a:shade val="50000"/>
+            </a:schemeClr>
+          </a:lnRef>
+          <a:fillRef idx="1">
+            <a:schemeClr val="accent1"/>
+          </a:fillRef>
+          <a:effectRef idx="0">
+            <a:schemeClr val="accent1"/>
+          </a:effectRef>
+          <a:fontRef idx="minor">
+            <a:schemeClr val="lt1"/>
+          </a:fontRef>
+        </p:style>
+        <p:txBody>
+          <a:bodyPr rtlCol="0" anchor="ctr"/>
+          <a:lstStyle/>
+          <a:p>
+            <a:pPr algn="ctr"/>
+            <a:endParaRPr lang="zh-CN" altLang="en-US"/>
+          </a:p>
+        </p:txBody>
+      </p:sp>
+      <p:sp>
+        <p:nvSpPr>
+          <p:cNvPr id="415" name="爆炸形: 8 pt  414">
+            <a:extLst>
+              <a:ext uri="{FF2B5EF4-FFF2-40B4-BE49-F238E27FC236}">
+                <a16:creationId xmlns:a16="http://schemas.microsoft.com/office/drawing/2014/main" id="{A573D58A-3312-4FEC-9096-BDA9B2878178}"/>
+              </a:ext>
+            </a:extLst>
+          </p:cNvPr>
+          <p:cNvSpPr/>
+          <p:nvPr/>
+        </p:nvSpPr>
+        <p:spPr>
+          <a:xfrm>
+            <a:off x="2308722" y="1890834"/>
+            <a:ext cx="109484" cy="115478"/>
+          </a:xfrm>
+          <a:prstGeom prst="irregularSeal1">
+            <a:avLst/>
+          </a:prstGeom>
+          <a:solidFill>
+            <a:srgbClr val="FFFF00"/>
+          </a:solidFill>
+          <a:ln>
+            <a:solidFill>
+              <a:srgbClr val="FF0000"/>
+            </a:solidFill>
+          </a:ln>
+        </p:spPr>
+        <p:style>
+          <a:lnRef idx="2">
+            <a:schemeClr val="accent1">
+              <a:shade val="50000"/>
+            </a:schemeClr>
+          </a:lnRef>
+          <a:fillRef idx="1">
+            <a:schemeClr val="accent1"/>
+          </a:fillRef>
+          <a:effectRef idx="0">
+            <a:schemeClr val="accent1"/>
+          </a:effectRef>
+          <a:fontRef idx="minor">
+            <a:schemeClr val="lt1"/>
+          </a:fontRef>
+        </p:style>
+        <p:txBody>
+          <a:bodyPr rtlCol="0" anchor="ctr"/>
+          <a:lstStyle/>
+          <a:p>
+            <a:pPr algn="ctr"/>
+            <a:endParaRPr lang="zh-CN" altLang="en-US"/>
+          </a:p>
+        </p:txBody>
+      </p:sp>
+      <p:sp>
+        <p:nvSpPr>
+          <p:cNvPr id="405" name="爆炸形: 8 pt  404">
+            <a:extLst>
+              <a:ext uri="{FF2B5EF4-FFF2-40B4-BE49-F238E27FC236}">
+                <a16:creationId xmlns:a16="http://schemas.microsoft.com/office/drawing/2014/main" id="{97A20E8B-198E-4035-A434-9FD24AF13FE7}"/>
+              </a:ext>
+            </a:extLst>
+          </p:cNvPr>
+          <p:cNvSpPr/>
+          <p:nvPr/>
+        </p:nvSpPr>
+        <p:spPr>
+          <a:xfrm>
+            <a:off x="2094980" y="1872529"/>
+            <a:ext cx="211849" cy="211506"/>
+          </a:xfrm>
+          <a:prstGeom prst="irregularSeal1">
+            <a:avLst/>
+          </a:prstGeom>
+          <a:solidFill>
+            <a:srgbClr val="FFFF00"/>
+          </a:solidFill>
+          <a:ln>
+            <a:solidFill>
+              <a:srgbClr val="FF0000"/>
+            </a:solidFill>
+          </a:ln>
+        </p:spPr>
+        <p:style>
+          <a:lnRef idx="2">
+            <a:schemeClr val="accent1">
+              <a:shade val="50000"/>
+            </a:schemeClr>
+          </a:lnRef>
+          <a:fillRef idx="1">
+            <a:schemeClr val="accent1"/>
+          </a:fillRef>
+          <a:effectRef idx="0">
+            <a:schemeClr val="accent1"/>
+          </a:effectRef>
+          <a:fontRef idx="minor">
+            <a:schemeClr val="lt1"/>
+          </a:fontRef>
+        </p:style>
+        <p:txBody>
+          <a:bodyPr rtlCol="0" anchor="ctr"/>
+          <a:lstStyle/>
+          <a:p>
+            <a:pPr algn="ctr"/>
+            <a:endParaRPr lang="zh-CN" altLang="en-US"/>
+          </a:p>
+        </p:txBody>
+      </p:sp>
+      <p:sp>
+        <p:nvSpPr>
+          <p:cNvPr id="413" name="爆炸形: 8 pt  412">
+            <a:extLst>
+              <a:ext uri="{FF2B5EF4-FFF2-40B4-BE49-F238E27FC236}">
+                <a16:creationId xmlns:a16="http://schemas.microsoft.com/office/drawing/2014/main" id="{05D8F716-12DD-44EC-BBEC-3C5F430D3E7C}"/>
+              </a:ext>
+            </a:extLst>
+          </p:cNvPr>
+          <p:cNvSpPr/>
+          <p:nvPr/>
+        </p:nvSpPr>
+        <p:spPr>
+          <a:xfrm>
+            <a:off x="1623481" y="1894759"/>
+            <a:ext cx="109484" cy="115478"/>
+          </a:xfrm>
+          <a:prstGeom prst="irregularSeal1">
+            <a:avLst/>
+          </a:prstGeom>
+          <a:solidFill>
+            <a:srgbClr val="FFFF00"/>
+          </a:solidFill>
+          <a:ln>
+            <a:solidFill>
+              <a:srgbClr val="FF0000"/>
+            </a:solidFill>
+          </a:ln>
+        </p:spPr>
+        <p:style>
+          <a:lnRef idx="2">
+            <a:schemeClr val="accent1">
+              <a:shade val="50000"/>
+            </a:schemeClr>
+          </a:lnRef>
+          <a:fillRef idx="1">
+            <a:schemeClr val="accent1"/>
+          </a:fillRef>
+          <a:effectRef idx="0">
+            <a:schemeClr val="accent1"/>
+          </a:effectRef>
+          <a:fontRef idx="minor">
+            <a:schemeClr val="lt1"/>
+          </a:fontRef>
+        </p:style>
+        <p:txBody>
+          <a:bodyPr rtlCol="0" anchor="ctr"/>
+          <a:lstStyle/>
+          <a:p>
+            <a:pPr algn="ctr"/>
+            <a:endParaRPr lang="zh-CN" altLang="en-US"/>
+          </a:p>
+        </p:txBody>
+      </p:sp>
       <p:grpSp>
         <p:nvGrpSpPr>
           <p:cNvPr id="2" name="组合 1">
@@ -19200,10 +19470,10 @@
         </p:nvGrpSpPr>
         <p:grpSpPr>
           <a:xfrm>
-            <a:off x="2083319" y="1376841"/>
-            <a:ext cx="360000" cy="360000"/>
-            <a:chOff x="715628" y="1660996"/>
-            <a:chExt cx="720000" cy="720000"/>
+            <a:off x="2083319" y="1376388"/>
+            <a:ext cx="360000" cy="360453"/>
+            <a:chOff x="715628" y="1660090"/>
+            <a:chExt cx="720000" cy="720906"/>
           </a:xfrm>
         </p:grpSpPr>
         <p:sp>
@@ -19330,7 +19600,7 @@
           </p:nvSpPr>
           <p:spPr>
             <a:xfrm>
-              <a:off x="1039628" y="1660996"/>
+              <a:off x="1039628" y="1660090"/>
               <a:ext cx="72000" cy="450000"/>
             </a:xfrm>
             <a:prstGeom prst="rect">
@@ -21120,6 +21390,1228 @@
           </p:txBody>
         </p:sp>
       </p:grpSp>
+      <p:sp>
+        <p:nvSpPr>
+          <p:cNvPr id="264" name="矩形 263">
+            <a:extLst>
+              <a:ext uri="{FF2B5EF4-FFF2-40B4-BE49-F238E27FC236}">
+                <a16:creationId xmlns:a16="http://schemas.microsoft.com/office/drawing/2014/main" id="{3EC2B536-CDCB-4B92-AFA5-A521C786DE28}"/>
+              </a:ext>
+            </a:extLst>
+          </p:cNvPr>
+          <p:cNvSpPr/>
+          <p:nvPr/>
+        </p:nvSpPr>
+        <p:spPr>
+          <a:xfrm>
+            <a:off x="3995038" y="1376841"/>
+            <a:ext cx="367412" cy="360000"/>
+          </a:xfrm>
+          <a:prstGeom prst="rect">
+            <a:avLst/>
+          </a:prstGeom>
+          <a:noFill/>
+          <a:ln>
+            <a:noFill/>
+          </a:ln>
+        </p:spPr>
+        <p:style>
+          <a:lnRef idx="2">
+            <a:schemeClr val="accent1">
+              <a:shade val="50000"/>
+            </a:schemeClr>
+          </a:lnRef>
+          <a:fillRef idx="1">
+            <a:schemeClr val="accent1"/>
+          </a:fillRef>
+          <a:effectRef idx="0">
+            <a:schemeClr val="accent1"/>
+          </a:effectRef>
+          <a:fontRef idx="minor">
+            <a:schemeClr val="lt1"/>
+          </a:fontRef>
+        </p:style>
+        <p:txBody>
+          <a:bodyPr rtlCol="0" anchor="ctr"/>
+          <a:lstStyle/>
+          <a:p>
+            <a:pPr algn="ctr"/>
+            <a:endParaRPr lang="zh-CN" altLang="en-US" dirty="0"/>
+          </a:p>
+        </p:txBody>
+      </p:sp>
+      <p:sp>
+        <p:nvSpPr>
+          <p:cNvPr id="265" name="矩形: 剪去左右顶角 264">
+            <a:extLst>
+              <a:ext uri="{FF2B5EF4-FFF2-40B4-BE49-F238E27FC236}">
+                <a16:creationId xmlns:a16="http://schemas.microsoft.com/office/drawing/2014/main" id="{30243363-BB8D-4925-8340-85C089322C00}"/>
+              </a:ext>
+            </a:extLst>
+          </p:cNvPr>
+          <p:cNvSpPr/>
+          <p:nvPr/>
+        </p:nvSpPr>
+        <p:spPr>
+          <a:xfrm>
+            <a:off x="4152179" y="1498410"/>
+            <a:ext cx="46660" cy="116862"/>
+          </a:xfrm>
+          <a:prstGeom prst="snip2SameRect">
+            <a:avLst>
+              <a:gd name="adj1" fmla="val 42064"/>
+              <a:gd name="adj2" fmla="val 0"/>
+            </a:avLst>
+          </a:prstGeom>
+          <a:solidFill>
+            <a:schemeClr val="tx1">
+              <a:lumMod val="50000"/>
+              <a:lumOff val="50000"/>
+            </a:schemeClr>
+          </a:solidFill>
+          <a:ln>
+            <a:solidFill>
+              <a:schemeClr val="tx1"/>
+            </a:solidFill>
+          </a:ln>
+        </p:spPr>
+        <p:style>
+          <a:lnRef idx="2">
+            <a:schemeClr val="dk1"/>
+          </a:lnRef>
+          <a:fillRef idx="1">
+            <a:schemeClr val="lt1"/>
+          </a:fillRef>
+          <a:effectRef idx="0">
+            <a:schemeClr val="dk1"/>
+          </a:effectRef>
+          <a:fontRef idx="minor">
+            <a:schemeClr val="dk1"/>
+          </a:fontRef>
+        </p:style>
+        <p:txBody>
+          <a:bodyPr rtlCol="0" anchor="ctr"/>
+          <a:lstStyle/>
+          <a:p>
+            <a:pPr algn="ctr"/>
+            <a:endParaRPr lang="zh-CN" altLang="en-US" dirty="0"/>
+          </a:p>
+        </p:txBody>
+      </p:sp>
+      <p:sp>
+        <p:nvSpPr>
+          <p:cNvPr id="287" name="爆炸形: 8 pt  286">
+            <a:extLst>
+              <a:ext uri="{FF2B5EF4-FFF2-40B4-BE49-F238E27FC236}">
+                <a16:creationId xmlns:a16="http://schemas.microsoft.com/office/drawing/2014/main" id="{0582734F-C59A-4028-A013-FF67F19AB3EA}"/>
+              </a:ext>
+            </a:extLst>
+          </p:cNvPr>
+          <p:cNvSpPr/>
+          <p:nvPr/>
+        </p:nvSpPr>
+        <p:spPr>
+          <a:xfrm>
+            <a:off x="816104" y="1940382"/>
+            <a:ext cx="109484" cy="115478"/>
+          </a:xfrm>
+          <a:prstGeom prst="irregularSeal1">
+            <a:avLst/>
+          </a:prstGeom>
+          <a:solidFill>
+            <a:srgbClr val="FFFF00"/>
+          </a:solidFill>
+          <a:ln>
+            <a:solidFill>
+              <a:srgbClr val="FF0000"/>
+            </a:solidFill>
+          </a:ln>
+        </p:spPr>
+        <p:style>
+          <a:lnRef idx="2">
+            <a:schemeClr val="accent1">
+              <a:shade val="50000"/>
+            </a:schemeClr>
+          </a:lnRef>
+          <a:fillRef idx="1">
+            <a:schemeClr val="accent1"/>
+          </a:fillRef>
+          <a:effectRef idx="0">
+            <a:schemeClr val="accent1"/>
+          </a:effectRef>
+          <a:fontRef idx="minor">
+            <a:schemeClr val="lt1"/>
+          </a:fontRef>
+        </p:style>
+        <p:txBody>
+          <a:bodyPr rtlCol="0" anchor="ctr"/>
+          <a:lstStyle/>
+          <a:p>
+            <a:pPr algn="ctr"/>
+            <a:endParaRPr lang="zh-CN" altLang="en-US"/>
+          </a:p>
+        </p:txBody>
+      </p:sp>
+      <p:sp>
+        <p:nvSpPr>
+          <p:cNvPr id="290" name="爆炸形: 8 pt  289">
+            <a:extLst>
+              <a:ext uri="{FF2B5EF4-FFF2-40B4-BE49-F238E27FC236}">
+                <a16:creationId xmlns:a16="http://schemas.microsoft.com/office/drawing/2014/main" id="{343AD409-B4C3-4AA2-956A-1E7D915F4B9D}"/>
+              </a:ext>
+            </a:extLst>
+          </p:cNvPr>
+          <p:cNvSpPr/>
+          <p:nvPr/>
+        </p:nvSpPr>
+        <p:spPr>
+          <a:xfrm>
+            <a:off x="649505" y="2029759"/>
+            <a:ext cx="109484" cy="115478"/>
+          </a:xfrm>
+          <a:prstGeom prst="irregularSeal1">
+            <a:avLst/>
+          </a:prstGeom>
+          <a:solidFill>
+            <a:srgbClr val="FFFF00"/>
+          </a:solidFill>
+          <a:ln>
+            <a:solidFill>
+              <a:srgbClr val="FF0000"/>
+            </a:solidFill>
+          </a:ln>
+        </p:spPr>
+        <p:style>
+          <a:lnRef idx="2">
+            <a:schemeClr val="accent1">
+              <a:shade val="50000"/>
+            </a:schemeClr>
+          </a:lnRef>
+          <a:fillRef idx="1">
+            <a:schemeClr val="accent1"/>
+          </a:fillRef>
+          <a:effectRef idx="0">
+            <a:schemeClr val="accent1"/>
+          </a:effectRef>
+          <a:fontRef idx="minor">
+            <a:schemeClr val="lt1"/>
+          </a:fontRef>
+        </p:style>
+        <p:txBody>
+          <a:bodyPr rtlCol="0" anchor="ctr"/>
+          <a:lstStyle/>
+          <a:p>
+            <a:pPr algn="ctr"/>
+            <a:endParaRPr lang="zh-CN" altLang="en-US"/>
+          </a:p>
+        </p:txBody>
+      </p:sp>
+      <p:sp>
+        <p:nvSpPr>
+          <p:cNvPr id="385" name="爆炸形: 8 pt  384">
+            <a:extLst>
+              <a:ext uri="{FF2B5EF4-FFF2-40B4-BE49-F238E27FC236}">
+                <a16:creationId xmlns:a16="http://schemas.microsoft.com/office/drawing/2014/main" id="{EA847FD3-477E-4916-9F07-70796FB333E6}"/>
+              </a:ext>
+            </a:extLst>
+          </p:cNvPr>
+          <p:cNvSpPr/>
+          <p:nvPr/>
+        </p:nvSpPr>
+        <p:spPr>
+          <a:xfrm>
+            <a:off x="1117075" y="2018558"/>
+            <a:ext cx="149733" cy="172302"/>
+          </a:xfrm>
+          <a:prstGeom prst="irregularSeal1">
+            <a:avLst/>
+          </a:prstGeom>
+          <a:solidFill>
+            <a:srgbClr val="FFFF00"/>
+          </a:solidFill>
+          <a:ln>
+            <a:solidFill>
+              <a:srgbClr val="FF0000"/>
+            </a:solidFill>
+          </a:ln>
+        </p:spPr>
+        <p:style>
+          <a:lnRef idx="2">
+            <a:schemeClr val="accent1">
+              <a:shade val="50000"/>
+            </a:schemeClr>
+          </a:lnRef>
+          <a:fillRef idx="1">
+            <a:schemeClr val="accent1"/>
+          </a:fillRef>
+          <a:effectRef idx="0">
+            <a:schemeClr val="accent1"/>
+          </a:effectRef>
+          <a:fontRef idx="minor">
+            <a:schemeClr val="lt1"/>
+          </a:fontRef>
+        </p:style>
+        <p:txBody>
+          <a:bodyPr rtlCol="0" anchor="ctr"/>
+          <a:lstStyle/>
+          <a:p>
+            <a:pPr algn="ctr"/>
+            <a:endParaRPr lang="zh-CN" altLang="en-US"/>
+          </a:p>
+        </p:txBody>
+      </p:sp>
+      <p:sp>
+        <p:nvSpPr>
+          <p:cNvPr id="386" name="爆炸形: 8 pt  385">
+            <a:extLst>
+              <a:ext uri="{FF2B5EF4-FFF2-40B4-BE49-F238E27FC236}">
+                <a16:creationId xmlns:a16="http://schemas.microsoft.com/office/drawing/2014/main" id="{1C84A8C8-2C5F-4A01-A537-83DE8CF0E34C}"/>
+              </a:ext>
+            </a:extLst>
+          </p:cNvPr>
+          <p:cNvSpPr/>
+          <p:nvPr/>
+        </p:nvSpPr>
+        <p:spPr>
+          <a:xfrm>
+            <a:off x="1255291" y="1920187"/>
+            <a:ext cx="149733" cy="172302"/>
+          </a:xfrm>
+          <a:prstGeom prst="irregularSeal1">
+            <a:avLst/>
+          </a:prstGeom>
+          <a:solidFill>
+            <a:srgbClr val="FFFF00"/>
+          </a:solidFill>
+          <a:ln>
+            <a:solidFill>
+              <a:srgbClr val="FF0000"/>
+            </a:solidFill>
+          </a:ln>
+        </p:spPr>
+        <p:style>
+          <a:lnRef idx="2">
+            <a:schemeClr val="accent1">
+              <a:shade val="50000"/>
+            </a:schemeClr>
+          </a:lnRef>
+          <a:fillRef idx="1">
+            <a:schemeClr val="accent1"/>
+          </a:fillRef>
+          <a:effectRef idx="0">
+            <a:schemeClr val="accent1"/>
+          </a:effectRef>
+          <a:fontRef idx="minor">
+            <a:schemeClr val="lt1"/>
+          </a:fontRef>
+        </p:style>
+        <p:txBody>
+          <a:bodyPr rtlCol="0" anchor="ctr"/>
+          <a:lstStyle/>
+          <a:p>
+            <a:pPr algn="ctr"/>
+            <a:endParaRPr lang="zh-CN" altLang="en-US"/>
+          </a:p>
+        </p:txBody>
+      </p:sp>
+      <p:sp>
+        <p:nvSpPr>
+          <p:cNvPr id="388" name="爆炸形: 8 pt  387">
+            <a:extLst>
+              <a:ext uri="{FF2B5EF4-FFF2-40B4-BE49-F238E27FC236}">
+                <a16:creationId xmlns:a16="http://schemas.microsoft.com/office/drawing/2014/main" id="{3EDE9C35-C798-4E4D-A107-CF6DA2F4B83E}"/>
+              </a:ext>
+            </a:extLst>
+          </p:cNvPr>
+          <p:cNvSpPr/>
+          <p:nvPr/>
+        </p:nvSpPr>
+        <p:spPr>
+          <a:xfrm>
+            <a:off x="1591098" y="1989517"/>
+            <a:ext cx="211849" cy="211506"/>
+          </a:xfrm>
+          <a:prstGeom prst="irregularSeal1">
+            <a:avLst/>
+          </a:prstGeom>
+          <a:solidFill>
+            <a:srgbClr val="FFFF00"/>
+          </a:solidFill>
+          <a:ln>
+            <a:solidFill>
+              <a:srgbClr val="FF0000"/>
+            </a:solidFill>
+          </a:ln>
+        </p:spPr>
+        <p:style>
+          <a:lnRef idx="2">
+            <a:schemeClr val="accent1">
+              <a:shade val="50000"/>
+            </a:schemeClr>
+          </a:lnRef>
+          <a:fillRef idx="1">
+            <a:schemeClr val="accent1"/>
+          </a:fillRef>
+          <a:effectRef idx="0">
+            <a:schemeClr val="accent1"/>
+          </a:effectRef>
+          <a:fontRef idx="minor">
+            <a:schemeClr val="lt1"/>
+          </a:fontRef>
+        </p:style>
+        <p:txBody>
+          <a:bodyPr rtlCol="0" anchor="ctr"/>
+          <a:lstStyle/>
+          <a:p>
+            <a:pPr algn="ctr"/>
+            <a:endParaRPr lang="zh-CN" altLang="en-US"/>
+          </a:p>
+        </p:txBody>
+      </p:sp>
+      <p:sp>
+        <p:nvSpPr>
+          <p:cNvPr id="390" name="爆炸形: 8 pt  389">
+            <a:extLst>
+              <a:ext uri="{FF2B5EF4-FFF2-40B4-BE49-F238E27FC236}">
+                <a16:creationId xmlns:a16="http://schemas.microsoft.com/office/drawing/2014/main" id="{B2D567DB-32AC-458D-886C-1A6E4D919A42}"/>
+              </a:ext>
+            </a:extLst>
+          </p:cNvPr>
+          <p:cNvSpPr/>
+          <p:nvPr/>
+        </p:nvSpPr>
+        <p:spPr>
+          <a:xfrm>
+            <a:off x="1709091" y="1995890"/>
+            <a:ext cx="211849" cy="211506"/>
+          </a:xfrm>
+          <a:prstGeom prst="irregularSeal1">
+            <a:avLst/>
+          </a:prstGeom>
+          <a:solidFill>
+            <a:srgbClr val="FFFF00"/>
+          </a:solidFill>
+          <a:ln>
+            <a:solidFill>
+              <a:srgbClr val="FF0000"/>
+            </a:solidFill>
+          </a:ln>
+        </p:spPr>
+        <p:style>
+          <a:lnRef idx="2">
+            <a:schemeClr val="accent1">
+              <a:shade val="50000"/>
+            </a:schemeClr>
+          </a:lnRef>
+          <a:fillRef idx="1">
+            <a:schemeClr val="accent1"/>
+          </a:fillRef>
+          <a:effectRef idx="0">
+            <a:schemeClr val="accent1"/>
+          </a:effectRef>
+          <a:fontRef idx="minor">
+            <a:schemeClr val="lt1"/>
+          </a:fontRef>
+        </p:style>
+        <p:txBody>
+          <a:bodyPr rtlCol="0" anchor="ctr"/>
+          <a:lstStyle/>
+          <a:p>
+            <a:pPr algn="ctr"/>
+            <a:endParaRPr lang="zh-CN" altLang="en-US"/>
+          </a:p>
+        </p:txBody>
+      </p:sp>
+      <p:sp>
+        <p:nvSpPr>
+          <p:cNvPr id="391" name="爆炸形: 8 pt  390">
+            <a:extLst>
+              <a:ext uri="{FF2B5EF4-FFF2-40B4-BE49-F238E27FC236}">
+                <a16:creationId xmlns:a16="http://schemas.microsoft.com/office/drawing/2014/main" id="{B1D1B873-B344-476A-94F2-A71E62EFEEF3}"/>
+              </a:ext>
+            </a:extLst>
+          </p:cNvPr>
+          <p:cNvSpPr/>
+          <p:nvPr/>
+        </p:nvSpPr>
+        <p:spPr>
+          <a:xfrm>
+            <a:off x="1669672" y="1886951"/>
+            <a:ext cx="211849" cy="211506"/>
+          </a:xfrm>
+          <a:prstGeom prst="irregularSeal1">
+            <a:avLst/>
+          </a:prstGeom>
+          <a:solidFill>
+            <a:srgbClr val="FFFF00"/>
+          </a:solidFill>
+          <a:ln>
+            <a:solidFill>
+              <a:srgbClr val="FF0000"/>
+            </a:solidFill>
+          </a:ln>
+        </p:spPr>
+        <p:style>
+          <a:lnRef idx="2">
+            <a:schemeClr val="accent1">
+              <a:shade val="50000"/>
+            </a:schemeClr>
+          </a:lnRef>
+          <a:fillRef idx="1">
+            <a:schemeClr val="accent1"/>
+          </a:fillRef>
+          <a:effectRef idx="0">
+            <a:schemeClr val="accent1"/>
+          </a:effectRef>
+          <a:fontRef idx="minor">
+            <a:schemeClr val="lt1"/>
+          </a:fontRef>
+        </p:style>
+        <p:txBody>
+          <a:bodyPr rtlCol="0" anchor="ctr"/>
+          <a:lstStyle/>
+          <a:p>
+            <a:pPr algn="ctr"/>
+            <a:endParaRPr lang="zh-CN" altLang="en-US"/>
+          </a:p>
+        </p:txBody>
+      </p:sp>
+      <p:sp>
+        <p:nvSpPr>
+          <p:cNvPr id="392" name="爆炸形: 8 pt  391">
+            <a:extLst>
+              <a:ext uri="{FF2B5EF4-FFF2-40B4-BE49-F238E27FC236}">
+                <a16:creationId xmlns:a16="http://schemas.microsoft.com/office/drawing/2014/main" id="{78D06866-113E-4119-8A1A-5EAA008C8307}"/>
+              </a:ext>
+            </a:extLst>
+          </p:cNvPr>
+          <p:cNvSpPr/>
+          <p:nvPr/>
+        </p:nvSpPr>
+        <p:spPr>
+          <a:xfrm>
+            <a:off x="2123082" y="1872294"/>
+            <a:ext cx="297437" cy="318664"/>
+          </a:xfrm>
+          <a:prstGeom prst="irregularSeal1">
+            <a:avLst/>
+          </a:prstGeom>
+          <a:solidFill>
+            <a:srgbClr val="FFFF00"/>
+          </a:solidFill>
+          <a:ln>
+            <a:solidFill>
+              <a:srgbClr val="FF0000"/>
+            </a:solidFill>
+          </a:ln>
+        </p:spPr>
+        <p:style>
+          <a:lnRef idx="2">
+            <a:schemeClr val="accent1">
+              <a:shade val="50000"/>
+            </a:schemeClr>
+          </a:lnRef>
+          <a:fillRef idx="1">
+            <a:schemeClr val="accent1"/>
+          </a:fillRef>
+          <a:effectRef idx="0">
+            <a:schemeClr val="accent1"/>
+          </a:effectRef>
+          <a:fontRef idx="minor">
+            <a:schemeClr val="lt1"/>
+          </a:fontRef>
+        </p:style>
+        <p:txBody>
+          <a:bodyPr rtlCol="0" anchor="ctr"/>
+          <a:lstStyle/>
+          <a:p>
+            <a:pPr algn="ctr"/>
+            <a:endParaRPr lang="zh-CN" altLang="en-US"/>
+          </a:p>
+        </p:txBody>
+      </p:sp>
+      <p:sp>
+        <p:nvSpPr>
+          <p:cNvPr id="398" name="爆炸形: 8 pt  397">
+            <a:extLst>
+              <a:ext uri="{FF2B5EF4-FFF2-40B4-BE49-F238E27FC236}">
+                <a16:creationId xmlns:a16="http://schemas.microsoft.com/office/drawing/2014/main" id="{2F5F9CC3-E384-4889-83D9-961ABC09703A}"/>
+              </a:ext>
+            </a:extLst>
+          </p:cNvPr>
+          <p:cNvSpPr/>
+          <p:nvPr/>
+        </p:nvSpPr>
+        <p:spPr>
+          <a:xfrm>
+            <a:off x="2593047" y="2061458"/>
+            <a:ext cx="109484" cy="115478"/>
+          </a:xfrm>
+          <a:prstGeom prst="irregularSeal1">
+            <a:avLst/>
+          </a:prstGeom>
+          <a:solidFill>
+            <a:srgbClr val="FFFF00"/>
+          </a:solidFill>
+          <a:ln>
+            <a:solidFill>
+              <a:srgbClr val="FF0000"/>
+            </a:solidFill>
+          </a:ln>
+        </p:spPr>
+        <p:style>
+          <a:lnRef idx="2">
+            <a:schemeClr val="accent1">
+              <a:shade val="50000"/>
+            </a:schemeClr>
+          </a:lnRef>
+          <a:fillRef idx="1">
+            <a:schemeClr val="accent1"/>
+          </a:fillRef>
+          <a:effectRef idx="0">
+            <a:schemeClr val="accent1"/>
+          </a:effectRef>
+          <a:fontRef idx="minor">
+            <a:schemeClr val="lt1"/>
+          </a:fontRef>
+        </p:style>
+        <p:txBody>
+          <a:bodyPr rtlCol="0" anchor="ctr"/>
+          <a:lstStyle/>
+          <a:p>
+            <a:pPr algn="ctr"/>
+            <a:endParaRPr lang="zh-CN" altLang="en-US"/>
+          </a:p>
+        </p:txBody>
+      </p:sp>
+      <p:sp>
+        <p:nvSpPr>
+          <p:cNvPr id="399" name="爆炸形: 8 pt  398">
+            <a:extLst>
+              <a:ext uri="{FF2B5EF4-FFF2-40B4-BE49-F238E27FC236}">
+                <a16:creationId xmlns:a16="http://schemas.microsoft.com/office/drawing/2014/main" id="{4E18BB57-6EDF-48B1-8A9F-135FFD3A27CF}"/>
+              </a:ext>
+            </a:extLst>
+          </p:cNvPr>
+          <p:cNvSpPr/>
+          <p:nvPr/>
+        </p:nvSpPr>
+        <p:spPr>
+          <a:xfrm>
+            <a:off x="2781400" y="2075404"/>
+            <a:ext cx="109484" cy="115478"/>
+          </a:xfrm>
+          <a:prstGeom prst="irregularSeal1">
+            <a:avLst/>
+          </a:prstGeom>
+          <a:solidFill>
+            <a:srgbClr val="FFFF00"/>
+          </a:solidFill>
+          <a:ln>
+            <a:solidFill>
+              <a:srgbClr val="FF0000"/>
+            </a:solidFill>
+          </a:ln>
+        </p:spPr>
+        <p:style>
+          <a:lnRef idx="2">
+            <a:schemeClr val="accent1">
+              <a:shade val="50000"/>
+            </a:schemeClr>
+          </a:lnRef>
+          <a:fillRef idx="1">
+            <a:schemeClr val="accent1"/>
+          </a:fillRef>
+          <a:effectRef idx="0">
+            <a:schemeClr val="accent1"/>
+          </a:effectRef>
+          <a:fontRef idx="minor">
+            <a:schemeClr val="lt1"/>
+          </a:fontRef>
+        </p:style>
+        <p:txBody>
+          <a:bodyPr rtlCol="0" anchor="ctr"/>
+          <a:lstStyle/>
+          <a:p>
+            <a:pPr algn="ctr"/>
+            <a:endParaRPr lang="zh-CN" altLang="en-US"/>
+          </a:p>
+        </p:txBody>
+      </p:sp>
+      <p:sp>
+        <p:nvSpPr>
+          <p:cNvPr id="400" name="爆炸形: 8 pt  399">
+            <a:extLst>
+              <a:ext uri="{FF2B5EF4-FFF2-40B4-BE49-F238E27FC236}">
+                <a16:creationId xmlns:a16="http://schemas.microsoft.com/office/drawing/2014/main" id="{9BA1855B-44AC-4797-A0BB-970A84326283}"/>
+              </a:ext>
+            </a:extLst>
+          </p:cNvPr>
+          <p:cNvSpPr/>
+          <p:nvPr/>
+        </p:nvSpPr>
+        <p:spPr>
+          <a:xfrm>
+            <a:off x="2806916" y="1907987"/>
+            <a:ext cx="109484" cy="115478"/>
+          </a:xfrm>
+          <a:prstGeom prst="irregularSeal1">
+            <a:avLst/>
+          </a:prstGeom>
+          <a:solidFill>
+            <a:srgbClr val="FFFF00"/>
+          </a:solidFill>
+          <a:ln>
+            <a:solidFill>
+              <a:srgbClr val="FF0000"/>
+            </a:solidFill>
+          </a:ln>
+        </p:spPr>
+        <p:style>
+          <a:lnRef idx="2">
+            <a:schemeClr val="accent1">
+              <a:shade val="50000"/>
+            </a:schemeClr>
+          </a:lnRef>
+          <a:fillRef idx="1">
+            <a:schemeClr val="accent1"/>
+          </a:fillRef>
+          <a:effectRef idx="0">
+            <a:schemeClr val="accent1"/>
+          </a:effectRef>
+          <a:fontRef idx="minor">
+            <a:schemeClr val="lt1"/>
+          </a:fontRef>
+        </p:style>
+        <p:txBody>
+          <a:bodyPr rtlCol="0" anchor="ctr"/>
+          <a:lstStyle/>
+          <a:p>
+            <a:pPr algn="ctr"/>
+            <a:endParaRPr lang="zh-CN" altLang="en-US"/>
+          </a:p>
+        </p:txBody>
+      </p:sp>
+      <p:sp>
+        <p:nvSpPr>
+          <p:cNvPr id="402" name="爆炸形: 8 pt  401">
+            <a:extLst>
+              <a:ext uri="{FF2B5EF4-FFF2-40B4-BE49-F238E27FC236}">
+                <a16:creationId xmlns:a16="http://schemas.microsoft.com/office/drawing/2014/main" id="{B3E0E0CC-563E-4CFA-9CB7-3692D475AEA8}"/>
+              </a:ext>
+            </a:extLst>
+          </p:cNvPr>
+          <p:cNvSpPr/>
+          <p:nvPr/>
+        </p:nvSpPr>
+        <p:spPr>
+          <a:xfrm>
+            <a:off x="2570981" y="1948573"/>
+            <a:ext cx="109484" cy="115478"/>
+          </a:xfrm>
+          <a:prstGeom prst="irregularSeal1">
+            <a:avLst/>
+          </a:prstGeom>
+          <a:solidFill>
+            <a:srgbClr val="FFFF00"/>
+          </a:solidFill>
+          <a:ln>
+            <a:solidFill>
+              <a:srgbClr val="FF0000"/>
+            </a:solidFill>
+          </a:ln>
+        </p:spPr>
+        <p:style>
+          <a:lnRef idx="2">
+            <a:schemeClr val="accent1">
+              <a:shade val="50000"/>
+            </a:schemeClr>
+          </a:lnRef>
+          <a:fillRef idx="1">
+            <a:schemeClr val="accent1"/>
+          </a:fillRef>
+          <a:effectRef idx="0">
+            <a:schemeClr val="accent1"/>
+          </a:effectRef>
+          <a:fontRef idx="minor">
+            <a:schemeClr val="lt1"/>
+          </a:fontRef>
+        </p:style>
+        <p:txBody>
+          <a:bodyPr rtlCol="0" anchor="ctr"/>
+          <a:lstStyle/>
+          <a:p>
+            <a:pPr algn="ctr"/>
+            <a:endParaRPr lang="zh-CN" altLang="en-US"/>
+          </a:p>
+        </p:txBody>
+      </p:sp>
+      <p:sp>
+        <p:nvSpPr>
+          <p:cNvPr id="404" name="爆炸形: 8 pt  403">
+            <a:extLst>
+              <a:ext uri="{FF2B5EF4-FFF2-40B4-BE49-F238E27FC236}">
+                <a16:creationId xmlns:a16="http://schemas.microsoft.com/office/drawing/2014/main" id="{F54D0AA2-BBC8-4C7C-BC37-00D0135B341A}"/>
+              </a:ext>
+            </a:extLst>
+          </p:cNvPr>
+          <p:cNvSpPr/>
+          <p:nvPr/>
+        </p:nvSpPr>
+        <p:spPr>
+          <a:xfrm>
+            <a:off x="2613184" y="1867103"/>
+            <a:ext cx="149733" cy="172302"/>
+          </a:xfrm>
+          <a:prstGeom prst="irregularSeal1">
+            <a:avLst/>
+          </a:prstGeom>
+          <a:solidFill>
+            <a:srgbClr val="FFFF00"/>
+          </a:solidFill>
+          <a:ln>
+            <a:solidFill>
+              <a:srgbClr val="FF0000"/>
+            </a:solidFill>
+          </a:ln>
+        </p:spPr>
+        <p:style>
+          <a:lnRef idx="2">
+            <a:schemeClr val="accent1">
+              <a:shade val="50000"/>
+            </a:schemeClr>
+          </a:lnRef>
+          <a:fillRef idx="1">
+            <a:schemeClr val="accent1"/>
+          </a:fillRef>
+          <a:effectRef idx="0">
+            <a:schemeClr val="accent1"/>
+          </a:effectRef>
+          <a:fontRef idx="minor">
+            <a:schemeClr val="lt1"/>
+          </a:fontRef>
+        </p:style>
+        <p:txBody>
+          <a:bodyPr rtlCol="0" anchor="ctr"/>
+          <a:lstStyle/>
+          <a:p>
+            <a:pPr algn="ctr"/>
+            <a:endParaRPr lang="zh-CN" altLang="en-US"/>
+          </a:p>
+        </p:txBody>
+      </p:sp>
+      <p:sp>
+        <p:nvSpPr>
+          <p:cNvPr id="403" name="爆炸形: 8 pt  402">
+            <a:extLst>
+              <a:ext uri="{FF2B5EF4-FFF2-40B4-BE49-F238E27FC236}">
+                <a16:creationId xmlns:a16="http://schemas.microsoft.com/office/drawing/2014/main" id="{5330A3A7-A77F-4C0D-99AB-9104F5E3AF0C}"/>
+              </a:ext>
+            </a:extLst>
+          </p:cNvPr>
+          <p:cNvSpPr/>
+          <p:nvPr/>
+        </p:nvSpPr>
+        <p:spPr>
+          <a:xfrm>
+            <a:off x="1322123" y="2066382"/>
+            <a:ext cx="109484" cy="115478"/>
+          </a:xfrm>
+          <a:prstGeom prst="irregularSeal1">
+            <a:avLst/>
+          </a:prstGeom>
+          <a:solidFill>
+            <a:srgbClr val="FFFF00"/>
+          </a:solidFill>
+          <a:ln>
+            <a:solidFill>
+              <a:srgbClr val="FF0000"/>
+            </a:solidFill>
+          </a:ln>
+        </p:spPr>
+        <p:style>
+          <a:lnRef idx="2">
+            <a:schemeClr val="accent1">
+              <a:shade val="50000"/>
+            </a:schemeClr>
+          </a:lnRef>
+          <a:fillRef idx="1">
+            <a:schemeClr val="accent1"/>
+          </a:fillRef>
+          <a:effectRef idx="0">
+            <a:schemeClr val="accent1"/>
+          </a:effectRef>
+          <a:fontRef idx="minor">
+            <a:schemeClr val="lt1"/>
+          </a:fontRef>
+        </p:style>
+        <p:txBody>
+          <a:bodyPr rtlCol="0" anchor="ctr"/>
+          <a:lstStyle/>
+          <a:p>
+            <a:pPr algn="ctr"/>
+            <a:endParaRPr lang="zh-CN" altLang="en-US"/>
+          </a:p>
+        </p:txBody>
+      </p:sp>
+      <p:sp>
+        <p:nvSpPr>
+          <p:cNvPr id="396" name="爆炸形: 8 pt  395">
+            <a:extLst>
+              <a:ext uri="{FF2B5EF4-FFF2-40B4-BE49-F238E27FC236}">
+                <a16:creationId xmlns:a16="http://schemas.microsoft.com/office/drawing/2014/main" id="{45E8CBCA-8A3E-4A92-997D-69EE1B88CEDB}"/>
+              </a:ext>
+            </a:extLst>
+          </p:cNvPr>
+          <p:cNvSpPr/>
+          <p:nvPr/>
+        </p:nvSpPr>
+        <p:spPr>
+          <a:xfrm>
+            <a:off x="2591487" y="1843288"/>
+            <a:ext cx="372697" cy="356681"/>
+          </a:xfrm>
+          <a:prstGeom prst="irregularSeal1">
+            <a:avLst/>
+          </a:prstGeom>
+          <a:solidFill>
+            <a:srgbClr val="FFFF00"/>
+          </a:solidFill>
+          <a:ln>
+            <a:solidFill>
+              <a:srgbClr val="FF0000"/>
+            </a:solidFill>
+          </a:ln>
+        </p:spPr>
+        <p:style>
+          <a:lnRef idx="2">
+            <a:schemeClr val="accent1">
+              <a:shade val="50000"/>
+            </a:schemeClr>
+          </a:lnRef>
+          <a:fillRef idx="1">
+            <a:schemeClr val="accent1"/>
+          </a:fillRef>
+          <a:effectRef idx="0">
+            <a:schemeClr val="accent1"/>
+          </a:effectRef>
+          <a:fontRef idx="minor">
+            <a:schemeClr val="lt1"/>
+          </a:fontRef>
+        </p:style>
+        <p:txBody>
+          <a:bodyPr rtlCol="0" anchor="ctr"/>
+          <a:lstStyle/>
+          <a:p>
+            <a:pPr algn="ctr"/>
+            <a:endParaRPr lang="zh-CN" altLang="en-US" dirty="0"/>
+          </a:p>
+        </p:txBody>
+      </p:sp>
+      <p:sp>
+        <p:nvSpPr>
+          <p:cNvPr id="409" name="爆炸形: 8 pt  408">
+            <a:extLst>
+              <a:ext uri="{FF2B5EF4-FFF2-40B4-BE49-F238E27FC236}">
+                <a16:creationId xmlns:a16="http://schemas.microsoft.com/office/drawing/2014/main" id="{B99BF63F-7BFB-42CB-BFB2-6E81CB2F953C}"/>
+              </a:ext>
+            </a:extLst>
+          </p:cNvPr>
+          <p:cNvSpPr/>
+          <p:nvPr/>
+        </p:nvSpPr>
+        <p:spPr>
+          <a:xfrm>
+            <a:off x="2099835" y="2075404"/>
+            <a:ext cx="109484" cy="115478"/>
+          </a:xfrm>
+          <a:prstGeom prst="irregularSeal1">
+            <a:avLst/>
+          </a:prstGeom>
+          <a:solidFill>
+            <a:srgbClr val="FFFF00"/>
+          </a:solidFill>
+          <a:ln>
+            <a:solidFill>
+              <a:srgbClr val="FF0000"/>
+            </a:solidFill>
+          </a:ln>
+        </p:spPr>
+        <p:style>
+          <a:lnRef idx="2">
+            <a:schemeClr val="accent1">
+              <a:shade val="50000"/>
+            </a:schemeClr>
+          </a:lnRef>
+          <a:fillRef idx="1">
+            <a:schemeClr val="accent1"/>
+          </a:fillRef>
+          <a:effectRef idx="0">
+            <a:schemeClr val="accent1"/>
+          </a:effectRef>
+          <a:fontRef idx="minor">
+            <a:schemeClr val="lt1"/>
+          </a:fontRef>
+        </p:style>
+        <p:txBody>
+          <a:bodyPr rtlCol="0" anchor="ctr"/>
+          <a:lstStyle/>
+          <a:p>
+            <a:pPr algn="ctr"/>
+            <a:endParaRPr lang="zh-CN" altLang="en-US"/>
+          </a:p>
+        </p:txBody>
+      </p:sp>
+      <p:sp>
+        <p:nvSpPr>
+          <p:cNvPr id="11" name="矩形 10">
+            <a:extLst>
+              <a:ext uri="{FF2B5EF4-FFF2-40B4-BE49-F238E27FC236}">
+                <a16:creationId xmlns:a16="http://schemas.microsoft.com/office/drawing/2014/main" id="{39282C47-9608-4011-8001-58F23DC5CF5B}"/>
+              </a:ext>
+            </a:extLst>
+          </p:cNvPr>
+          <p:cNvSpPr/>
+          <p:nvPr/>
+        </p:nvSpPr>
+        <p:spPr>
+          <a:xfrm>
+            <a:off x="611947" y="1864600"/>
+            <a:ext cx="360000" cy="360000"/>
+          </a:xfrm>
+          <a:prstGeom prst="rect">
+            <a:avLst/>
+          </a:prstGeom>
+          <a:noFill/>
+          <a:ln>
+            <a:noFill/>
+          </a:ln>
+        </p:spPr>
+        <p:style>
+          <a:lnRef idx="2">
+            <a:schemeClr val="accent1">
+              <a:shade val="50000"/>
+            </a:schemeClr>
+          </a:lnRef>
+          <a:fillRef idx="1">
+            <a:schemeClr val="accent1"/>
+          </a:fillRef>
+          <a:effectRef idx="0">
+            <a:schemeClr val="accent1"/>
+          </a:effectRef>
+          <a:fontRef idx="minor">
+            <a:schemeClr val="lt1"/>
+          </a:fontRef>
+        </p:style>
+        <p:txBody>
+          <a:bodyPr rtlCol="0" anchor="ctr"/>
+          <a:lstStyle/>
+          <a:p>
+            <a:pPr algn="ctr"/>
+            <a:endParaRPr lang="zh-CN" altLang="en-US"/>
+          </a:p>
+        </p:txBody>
+      </p:sp>
+      <p:sp>
+        <p:nvSpPr>
+          <p:cNvPr id="411" name="矩形 410">
+            <a:extLst>
+              <a:ext uri="{FF2B5EF4-FFF2-40B4-BE49-F238E27FC236}">
+                <a16:creationId xmlns:a16="http://schemas.microsoft.com/office/drawing/2014/main" id="{26AE47A1-E32D-4530-9249-A92282A81FE9}"/>
+              </a:ext>
+            </a:extLst>
+          </p:cNvPr>
+          <p:cNvSpPr/>
+          <p:nvPr/>
+        </p:nvSpPr>
+        <p:spPr>
+          <a:xfrm>
+            <a:off x="1095472" y="1858854"/>
+            <a:ext cx="360000" cy="360000"/>
+          </a:xfrm>
+          <a:prstGeom prst="rect">
+            <a:avLst/>
+          </a:prstGeom>
+          <a:noFill/>
+          <a:ln>
+            <a:noFill/>
+          </a:ln>
+        </p:spPr>
+        <p:style>
+          <a:lnRef idx="2">
+            <a:schemeClr val="accent1">
+              <a:shade val="50000"/>
+            </a:schemeClr>
+          </a:lnRef>
+          <a:fillRef idx="1">
+            <a:schemeClr val="accent1"/>
+          </a:fillRef>
+          <a:effectRef idx="0">
+            <a:schemeClr val="accent1"/>
+          </a:effectRef>
+          <a:fontRef idx="minor">
+            <a:schemeClr val="lt1"/>
+          </a:fontRef>
+        </p:style>
+        <p:txBody>
+          <a:bodyPr rtlCol="0" anchor="ctr"/>
+          <a:lstStyle/>
+          <a:p>
+            <a:pPr algn="ctr"/>
+            <a:endParaRPr lang="zh-CN" altLang="en-US"/>
+          </a:p>
+        </p:txBody>
+      </p:sp>
+      <p:sp>
+        <p:nvSpPr>
+          <p:cNvPr id="412" name="矩形 411">
+            <a:extLst>
+              <a:ext uri="{FF2B5EF4-FFF2-40B4-BE49-F238E27FC236}">
+                <a16:creationId xmlns:a16="http://schemas.microsoft.com/office/drawing/2014/main" id="{FCC1255F-FCCA-45E5-82F4-5861E5F2FA66}"/>
+              </a:ext>
+            </a:extLst>
+          </p:cNvPr>
+          <p:cNvSpPr/>
+          <p:nvPr/>
+        </p:nvSpPr>
+        <p:spPr>
+          <a:xfrm>
+            <a:off x="1578997" y="1864127"/>
+            <a:ext cx="360000" cy="360000"/>
+          </a:xfrm>
+          <a:prstGeom prst="rect">
+            <a:avLst/>
+          </a:prstGeom>
+          <a:noFill/>
+          <a:ln>
+            <a:noFill/>
+          </a:ln>
+        </p:spPr>
+        <p:style>
+          <a:lnRef idx="2">
+            <a:schemeClr val="accent1">
+              <a:shade val="50000"/>
+            </a:schemeClr>
+          </a:lnRef>
+          <a:fillRef idx="1">
+            <a:schemeClr val="accent1"/>
+          </a:fillRef>
+          <a:effectRef idx="0">
+            <a:schemeClr val="accent1"/>
+          </a:effectRef>
+          <a:fontRef idx="minor">
+            <a:schemeClr val="lt1"/>
+          </a:fontRef>
+        </p:style>
+        <p:txBody>
+          <a:bodyPr rtlCol="0" anchor="ctr"/>
+          <a:lstStyle/>
+          <a:p>
+            <a:pPr algn="ctr"/>
+            <a:endParaRPr lang="zh-CN" altLang="en-US"/>
+          </a:p>
+        </p:txBody>
+      </p:sp>
+      <p:sp>
+        <p:nvSpPr>
+          <p:cNvPr id="414" name="矩形 413">
+            <a:extLst>
+              <a:ext uri="{FF2B5EF4-FFF2-40B4-BE49-F238E27FC236}">
+                <a16:creationId xmlns:a16="http://schemas.microsoft.com/office/drawing/2014/main" id="{AD11B379-6ADC-42C8-A081-D71E5566CAC1}"/>
+              </a:ext>
+            </a:extLst>
+          </p:cNvPr>
+          <p:cNvSpPr/>
+          <p:nvPr/>
+        </p:nvSpPr>
+        <p:spPr>
+          <a:xfrm>
+            <a:off x="2070731" y="1854747"/>
+            <a:ext cx="360000" cy="360000"/>
+          </a:xfrm>
+          <a:prstGeom prst="rect">
+            <a:avLst/>
+          </a:prstGeom>
+          <a:noFill/>
+          <a:ln>
+            <a:noFill/>
+          </a:ln>
+        </p:spPr>
+        <p:style>
+          <a:lnRef idx="2">
+            <a:schemeClr val="accent1">
+              <a:shade val="50000"/>
+            </a:schemeClr>
+          </a:lnRef>
+          <a:fillRef idx="1">
+            <a:schemeClr val="accent1"/>
+          </a:fillRef>
+          <a:effectRef idx="0">
+            <a:schemeClr val="accent1"/>
+          </a:effectRef>
+          <a:fontRef idx="minor">
+            <a:schemeClr val="lt1"/>
+          </a:fontRef>
+        </p:style>
+        <p:txBody>
+          <a:bodyPr rtlCol="0" anchor="ctr"/>
+          <a:lstStyle/>
+          <a:p>
+            <a:pPr algn="ctr"/>
+            <a:endParaRPr lang="zh-CN" altLang="en-US"/>
+          </a:p>
+        </p:txBody>
+      </p:sp>
+      <p:sp>
+        <p:nvSpPr>
+          <p:cNvPr id="416" name="矩形 415">
+            <a:extLst>
+              <a:ext uri="{FF2B5EF4-FFF2-40B4-BE49-F238E27FC236}">
+                <a16:creationId xmlns:a16="http://schemas.microsoft.com/office/drawing/2014/main" id="{1667C277-07FF-4BE8-8676-BB8D02206C95}"/>
+              </a:ext>
+            </a:extLst>
+          </p:cNvPr>
+          <p:cNvSpPr/>
+          <p:nvPr/>
+        </p:nvSpPr>
+        <p:spPr>
+          <a:xfrm>
+            <a:off x="2578567" y="1840588"/>
+            <a:ext cx="360000" cy="360000"/>
+          </a:xfrm>
+          <a:prstGeom prst="rect">
+            <a:avLst/>
+          </a:prstGeom>
+          <a:noFill/>
+          <a:ln>
+            <a:noFill/>
+          </a:ln>
+        </p:spPr>
+        <p:style>
+          <a:lnRef idx="2">
+            <a:schemeClr val="accent1">
+              <a:shade val="50000"/>
+            </a:schemeClr>
+          </a:lnRef>
+          <a:fillRef idx="1">
+            <a:schemeClr val="accent1"/>
+          </a:fillRef>
+          <a:effectRef idx="0">
+            <a:schemeClr val="accent1"/>
+          </a:effectRef>
+          <a:fontRef idx="minor">
+            <a:schemeClr val="lt1"/>
+          </a:fontRef>
+        </p:style>
+        <p:txBody>
+          <a:bodyPr rtlCol="0" anchor="ctr"/>
+          <a:lstStyle/>
+          <a:p>
+            <a:pPr algn="ctr"/>
+            <a:endParaRPr lang="zh-CN" altLang="en-US"/>
+          </a:p>
+        </p:txBody>
+      </p:sp>
     </p:spTree>
     <p:extLst>
       <p:ext uri="{BB962C8B-B14F-4D97-AF65-F5344CB8AC3E}">

--- a/resources/desigin.pptx
+++ b/resources/desigin.pptx
@@ -4,11 +4,15 @@
   <p:sldMasterIdLst>
     <p:sldMasterId id="2147483648" r:id="rId1"/>
   </p:sldMasterIdLst>
+  <p:notesMasterIdLst>
+    <p:notesMasterId r:id="rId7"/>
+  </p:notesMasterIdLst>
   <p:sldIdLst>
     <p:sldId id="256" r:id="rId2"/>
     <p:sldId id="257" r:id="rId3"/>
     <p:sldId id="258" r:id="rId4"/>
     <p:sldId id="259" r:id="rId5"/>
+    <p:sldId id="260" r:id="rId6"/>
   </p:sldIdLst>
   <p:sldSz cx="12192000" cy="6858000"/>
   <p:notesSz cx="6858000" cy="9144000"/>
@@ -113,6 +117,439 @@
     </p:ext>
   </p:extLst>
 </p:presentation>
+</file>
+
+<file path=ppt/notesMasters/notesMaster1.xml><?xml version="1.0" encoding="utf-8"?>
+<p:notesMaster xmlns:a="http://schemas.openxmlformats.org/drawingml/2006/main" xmlns:r="http://schemas.openxmlformats.org/officeDocument/2006/relationships" xmlns:p="http://schemas.openxmlformats.org/presentationml/2006/main">
+  <p:cSld>
+    <p:bg>
+      <p:bgRef idx="1001">
+        <a:schemeClr val="bg1"/>
+      </p:bgRef>
+    </p:bg>
+    <p:spTree>
+      <p:nvGrpSpPr>
+        <p:cNvPr id="1" name=""/>
+        <p:cNvGrpSpPr/>
+        <p:nvPr/>
+      </p:nvGrpSpPr>
+      <p:grpSpPr>
+        <a:xfrm>
+          <a:off x="0" y="0"/>
+          <a:ext cx="0" cy="0"/>
+          <a:chOff x="0" y="0"/>
+          <a:chExt cx="0" cy="0"/>
+        </a:xfrm>
+      </p:grpSpPr>
+      <p:sp>
+        <p:nvSpPr>
+          <p:cNvPr id="2" name="页眉占位符 1"/>
+          <p:cNvSpPr>
+            <a:spLocks noGrp="1"/>
+          </p:cNvSpPr>
+          <p:nvPr>
+            <p:ph type="hdr" sz="quarter"/>
+          </p:nvPr>
+        </p:nvSpPr>
+        <p:spPr>
+          <a:xfrm>
+            <a:off x="0" y="0"/>
+            <a:ext cx="2971800" cy="458788"/>
+          </a:xfrm>
+          <a:prstGeom prst="rect">
+            <a:avLst/>
+          </a:prstGeom>
+        </p:spPr>
+        <p:txBody>
+          <a:bodyPr vert="horz" lIns="91440" tIns="45720" rIns="91440" bIns="45720" rtlCol="0"/>
+          <a:lstStyle>
+            <a:lvl1pPr algn="l">
+              <a:defRPr sz="1200"/>
+            </a:lvl1pPr>
+          </a:lstStyle>
+          <a:p>
+            <a:endParaRPr lang="zh-CN" altLang="en-US"/>
+          </a:p>
+        </p:txBody>
+      </p:sp>
+      <p:sp>
+        <p:nvSpPr>
+          <p:cNvPr id="3" name="日期占位符 2"/>
+          <p:cNvSpPr>
+            <a:spLocks noGrp="1"/>
+          </p:cNvSpPr>
+          <p:nvPr>
+            <p:ph type="dt" idx="1"/>
+          </p:nvPr>
+        </p:nvSpPr>
+        <p:spPr>
+          <a:xfrm>
+            <a:off x="3884613" y="0"/>
+            <a:ext cx="2971800" cy="458788"/>
+          </a:xfrm>
+          <a:prstGeom prst="rect">
+            <a:avLst/>
+          </a:prstGeom>
+        </p:spPr>
+        <p:txBody>
+          <a:bodyPr vert="horz" lIns="91440" tIns="45720" rIns="91440" bIns="45720" rtlCol="0"/>
+          <a:lstStyle>
+            <a:lvl1pPr algn="r">
+              <a:defRPr sz="1200"/>
+            </a:lvl1pPr>
+          </a:lstStyle>
+          <a:p>
+            <a:fld id="{39AB942E-E877-4DD9-A217-D7515418FC38}" type="datetimeFigureOut">
+              <a:rPr lang="zh-CN" altLang="en-US" smtClean="0"/>
+              <a:t>2020/12/10</a:t>
+            </a:fld>
+            <a:endParaRPr lang="zh-CN" altLang="en-US"/>
+          </a:p>
+        </p:txBody>
+      </p:sp>
+      <p:sp>
+        <p:nvSpPr>
+          <p:cNvPr id="4" name="幻灯片图像占位符 3"/>
+          <p:cNvSpPr>
+            <a:spLocks noGrp="1" noRot="1" noChangeAspect="1"/>
+          </p:cNvSpPr>
+          <p:nvPr>
+            <p:ph type="sldImg" idx="2"/>
+          </p:nvPr>
+        </p:nvSpPr>
+        <p:spPr>
+          <a:xfrm>
+            <a:off x="685800" y="1143000"/>
+            <a:ext cx="5486400" cy="3086100"/>
+          </a:xfrm>
+          <a:prstGeom prst="rect">
+            <a:avLst/>
+          </a:prstGeom>
+          <a:noFill/>
+          <a:ln w="12700">
+            <a:solidFill>
+              <a:prstClr val="black"/>
+            </a:solidFill>
+          </a:ln>
+        </p:spPr>
+        <p:txBody>
+          <a:bodyPr vert="horz" lIns="91440" tIns="45720" rIns="91440" bIns="45720" rtlCol="0" anchor="ctr"/>
+          <a:lstStyle/>
+          <a:p>
+            <a:endParaRPr lang="zh-CN" altLang="en-US"/>
+          </a:p>
+        </p:txBody>
+      </p:sp>
+      <p:sp>
+        <p:nvSpPr>
+          <p:cNvPr id="5" name="备注占位符 4"/>
+          <p:cNvSpPr>
+            <a:spLocks noGrp="1"/>
+          </p:cNvSpPr>
+          <p:nvPr>
+            <p:ph type="body" sz="quarter" idx="3"/>
+          </p:nvPr>
+        </p:nvSpPr>
+        <p:spPr>
+          <a:xfrm>
+            <a:off x="685800" y="4400550"/>
+            <a:ext cx="5486400" cy="3600450"/>
+          </a:xfrm>
+          <a:prstGeom prst="rect">
+            <a:avLst/>
+          </a:prstGeom>
+        </p:spPr>
+        <p:txBody>
+          <a:bodyPr vert="horz" lIns="91440" tIns="45720" rIns="91440" bIns="45720" rtlCol="0"/>
+          <a:lstStyle/>
+          <a:p>
+            <a:pPr lvl="0"/>
+            <a:r>
+              <a:rPr lang="zh-CN" altLang="en-US"/>
+              <a:t>单击此处编辑母版文本样式</a:t>
+            </a:r>
+          </a:p>
+          <a:p>
+            <a:pPr lvl="1"/>
+            <a:r>
+              <a:rPr lang="zh-CN" altLang="en-US"/>
+              <a:t>二级</a:t>
+            </a:r>
+          </a:p>
+          <a:p>
+            <a:pPr lvl="2"/>
+            <a:r>
+              <a:rPr lang="zh-CN" altLang="en-US"/>
+              <a:t>三级</a:t>
+            </a:r>
+          </a:p>
+          <a:p>
+            <a:pPr lvl="3"/>
+            <a:r>
+              <a:rPr lang="zh-CN" altLang="en-US"/>
+              <a:t>四级</a:t>
+            </a:r>
+          </a:p>
+          <a:p>
+            <a:pPr lvl="4"/>
+            <a:r>
+              <a:rPr lang="zh-CN" altLang="en-US"/>
+              <a:t>五级</a:t>
+            </a:r>
+          </a:p>
+        </p:txBody>
+      </p:sp>
+      <p:sp>
+        <p:nvSpPr>
+          <p:cNvPr id="6" name="页脚占位符 5"/>
+          <p:cNvSpPr>
+            <a:spLocks noGrp="1"/>
+          </p:cNvSpPr>
+          <p:nvPr>
+            <p:ph type="ftr" sz="quarter" idx="4"/>
+          </p:nvPr>
+        </p:nvSpPr>
+        <p:spPr>
+          <a:xfrm>
+            <a:off x="0" y="8685213"/>
+            <a:ext cx="2971800" cy="458787"/>
+          </a:xfrm>
+          <a:prstGeom prst="rect">
+            <a:avLst/>
+          </a:prstGeom>
+        </p:spPr>
+        <p:txBody>
+          <a:bodyPr vert="horz" lIns="91440" tIns="45720" rIns="91440" bIns="45720" rtlCol="0" anchor="b"/>
+          <a:lstStyle>
+            <a:lvl1pPr algn="l">
+              <a:defRPr sz="1200"/>
+            </a:lvl1pPr>
+          </a:lstStyle>
+          <a:p>
+            <a:endParaRPr lang="zh-CN" altLang="en-US"/>
+          </a:p>
+        </p:txBody>
+      </p:sp>
+      <p:sp>
+        <p:nvSpPr>
+          <p:cNvPr id="7" name="灯片编号占位符 6"/>
+          <p:cNvSpPr>
+            <a:spLocks noGrp="1"/>
+          </p:cNvSpPr>
+          <p:nvPr>
+            <p:ph type="sldNum" sz="quarter" idx="5"/>
+          </p:nvPr>
+        </p:nvSpPr>
+        <p:spPr>
+          <a:xfrm>
+            <a:off x="3884613" y="8685213"/>
+            <a:ext cx="2971800" cy="458787"/>
+          </a:xfrm>
+          <a:prstGeom prst="rect">
+            <a:avLst/>
+          </a:prstGeom>
+        </p:spPr>
+        <p:txBody>
+          <a:bodyPr vert="horz" lIns="91440" tIns="45720" rIns="91440" bIns="45720" rtlCol="0" anchor="b"/>
+          <a:lstStyle>
+            <a:lvl1pPr algn="r">
+              <a:defRPr sz="1200"/>
+            </a:lvl1pPr>
+          </a:lstStyle>
+          <a:p>
+            <a:fld id="{6C0C353E-8F9C-4C98-AA4C-E7325FD970EF}" type="slidenum">
+              <a:rPr lang="zh-CN" altLang="en-US" smtClean="0"/>
+              <a:t>‹#›</a:t>
+            </a:fld>
+            <a:endParaRPr lang="zh-CN" altLang="en-US"/>
+          </a:p>
+        </p:txBody>
+      </p:sp>
+    </p:spTree>
+    <p:extLst>
+      <p:ext uri="{BB962C8B-B14F-4D97-AF65-F5344CB8AC3E}">
+        <p14:creationId xmlns:p14="http://schemas.microsoft.com/office/powerpoint/2010/main" val="1119649360"/>
+      </p:ext>
+    </p:extLst>
+  </p:cSld>
+  <p:clrMap bg1="lt1" tx1="dk1" bg2="lt2" tx2="dk2" accent1="accent1" accent2="accent2" accent3="accent3" accent4="accent4" accent5="accent5" accent6="accent6" hlink="hlink" folHlink="folHlink"/>
+  <p:notesStyle>
+    <a:lvl1pPr marL="0" algn="l" defTabSz="914400" rtl="0" eaLnBrk="1" latinLnBrk="0" hangingPunct="1">
+      <a:defRPr sz="1200" kern="1200">
+        <a:solidFill>
+          <a:schemeClr val="tx1"/>
+        </a:solidFill>
+        <a:latin typeface="+mn-lt"/>
+        <a:ea typeface="+mn-ea"/>
+        <a:cs typeface="+mn-cs"/>
+      </a:defRPr>
+    </a:lvl1pPr>
+    <a:lvl2pPr marL="457200" algn="l" defTabSz="914400" rtl="0" eaLnBrk="1" latinLnBrk="0" hangingPunct="1">
+      <a:defRPr sz="1200" kern="1200">
+        <a:solidFill>
+          <a:schemeClr val="tx1"/>
+        </a:solidFill>
+        <a:latin typeface="+mn-lt"/>
+        <a:ea typeface="+mn-ea"/>
+        <a:cs typeface="+mn-cs"/>
+      </a:defRPr>
+    </a:lvl2pPr>
+    <a:lvl3pPr marL="914400" algn="l" defTabSz="914400" rtl="0" eaLnBrk="1" latinLnBrk="0" hangingPunct="1">
+      <a:defRPr sz="1200" kern="1200">
+        <a:solidFill>
+          <a:schemeClr val="tx1"/>
+        </a:solidFill>
+        <a:latin typeface="+mn-lt"/>
+        <a:ea typeface="+mn-ea"/>
+        <a:cs typeface="+mn-cs"/>
+      </a:defRPr>
+    </a:lvl3pPr>
+    <a:lvl4pPr marL="1371600" algn="l" defTabSz="914400" rtl="0" eaLnBrk="1" latinLnBrk="0" hangingPunct="1">
+      <a:defRPr sz="1200" kern="1200">
+        <a:solidFill>
+          <a:schemeClr val="tx1"/>
+        </a:solidFill>
+        <a:latin typeface="+mn-lt"/>
+        <a:ea typeface="+mn-ea"/>
+        <a:cs typeface="+mn-cs"/>
+      </a:defRPr>
+    </a:lvl4pPr>
+    <a:lvl5pPr marL="1828800" algn="l" defTabSz="914400" rtl="0" eaLnBrk="1" latinLnBrk="0" hangingPunct="1">
+      <a:defRPr sz="1200" kern="1200">
+        <a:solidFill>
+          <a:schemeClr val="tx1"/>
+        </a:solidFill>
+        <a:latin typeface="+mn-lt"/>
+        <a:ea typeface="+mn-ea"/>
+        <a:cs typeface="+mn-cs"/>
+      </a:defRPr>
+    </a:lvl5pPr>
+    <a:lvl6pPr marL="2286000" algn="l" defTabSz="914400" rtl="0" eaLnBrk="1" latinLnBrk="0" hangingPunct="1">
+      <a:defRPr sz="1200" kern="1200">
+        <a:solidFill>
+          <a:schemeClr val="tx1"/>
+        </a:solidFill>
+        <a:latin typeface="+mn-lt"/>
+        <a:ea typeface="+mn-ea"/>
+        <a:cs typeface="+mn-cs"/>
+      </a:defRPr>
+    </a:lvl6pPr>
+    <a:lvl7pPr marL="2743200" algn="l" defTabSz="914400" rtl="0" eaLnBrk="1" latinLnBrk="0" hangingPunct="1">
+      <a:defRPr sz="1200" kern="1200">
+        <a:solidFill>
+          <a:schemeClr val="tx1"/>
+        </a:solidFill>
+        <a:latin typeface="+mn-lt"/>
+        <a:ea typeface="+mn-ea"/>
+        <a:cs typeface="+mn-cs"/>
+      </a:defRPr>
+    </a:lvl7pPr>
+    <a:lvl8pPr marL="3200400" algn="l" defTabSz="914400" rtl="0" eaLnBrk="1" latinLnBrk="0" hangingPunct="1">
+      <a:defRPr sz="1200" kern="1200">
+        <a:solidFill>
+          <a:schemeClr val="tx1"/>
+        </a:solidFill>
+        <a:latin typeface="+mn-lt"/>
+        <a:ea typeface="+mn-ea"/>
+        <a:cs typeface="+mn-cs"/>
+      </a:defRPr>
+    </a:lvl8pPr>
+    <a:lvl9pPr marL="3657600" algn="l" defTabSz="914400" rtl="0" eaLnBrk="1" latinLnBrk="0" hangingPunct="1">
+      <a:defRPr sz="1200" kern="1200">
+        <a:solidFill>
+          <a:schemeClr val="tx1"/>
+        </a:solidFill>
+        <a:latin typeface="+mn-lt"/>
+        <a:ea typeface="+mn-ea"/>
+        <a:cs typeface="+mn-cs"/>
+      </a:defRPr>
+    </a:lvl9pPr>
+  </p:notesStyle>
+</p:notesMaster>
+</file>
+
+<file path=ppt/notesSlides/notesSlide1.xml><?xml version="1.0" encoding="utf-8"?>
+<p:notes xmlns:a="http://schemas.openxmlformats.org/drawingml/2006/main" xmlns:r="http://schemas.openxmlformats.org/officeDocument/2006/relationships" xmlns:p="http://schemas.openxmlformats.org/presentationml/2006/main">
+  <p:cSld>
+    <p:spTree>
+      <p:nvGrpSpPr>
+        <p:cNvPr id="1" name=""/>
+        <p:cNvGrpSpPr/>
+        <p:nvPr/>
+      </p:nvGrpSpPr>
+      <p:grpSpPr>
+        <a:xfrm>
+          <a:off x="0" y="0"/>
+          <a:ext cx="0" cy="0"/>
+          <a:chOff x="0" y="0"/>
+          <a:chExt cx="0" cy="0"/>
+        </a:xfrm>
+      </p:grpSpPr>
+      <p:sp>
+        <p:nvSpPr>
+          <p:cNvPr id="2" name="幻灯片图像占位符 1"/>
+          <p:cNvSpPr>
+            <a:spLocks noGrp="1" noRot="1" noChangeAspect="1"/>
+          </p:cNvSpPr>
+          <p:nvPr>
+            <p:ph type="sldImg"/>
+          </p:nvPr>
+        </p:nvSpPr>
+        <p:spPr/>
+      </p:sp>
+      <p:sp>
+        <p:nvSpPr>
+          <p:cNvPr id="3" name="备注占位符 2"/>
+          <p:cNvSpPr>
+            <a:spLocks noGrp="1"/>
+          </p:cNvSpPr>
+          <p:nvPr>
+            <p:ph type="body" idx="1"/>
+          </p:nvPr>
+        </p:nvSpPr>
+        <p:spPr/>
+        <p:txBody>
+          <a:bodyPr/>
+          <a:lstStyle/>
+          <a:p>
+            <a:endParaRPr lang="zh-CN" altLang="en-US" dirty="0"/>
+          </a:p>
+        </p:txBody>
+      </p:sp>
+      <p:sp>
+        <p:nvSpPr>
+          <p:cNvPr id="4" name="灯片编号占位符 3"/>
+          <p:cNvSpPr>
+            <a:spLocks noGrp="1"/>
+          </p:cNvSpPr>
+          <p:nvPr>
+            <p:ph type="sldNum" sz="quarter" idx="5"/>
+          </p:nvPr>
+        </p:nvSpPr>
+        <p:spPr/>
+        <p:txBody>
+          <a:bodyPr/>
+          <a:lstStyle/>
+          <a:p>
+            <a:fld id="{6C0C353E-8F9C-4C98-AA4C-E7325FD970EF}" type="slidenum">
+              <a:rPr lang="zh-CN" altLang="en-US" smtClean="0"/>
+              <a:t>5</a:t>
+            </a:fld>
+            <a:endParaRPr lang="zh-CN" altLang="en-US"/>
+          </a:p>
+        </p:txBody>
+      </p:sp>
+    </p:spTree>
+    <p:extLst>
+      <p:ext uri="{BB962C8B-B14F-4D97-AF65-F5344CB8AC3E}">
+        <p14:creationId xmlns:p14="http://schemas.microsoft.com/office/powerpoint/2010/main" val="2353715238"/>
+      </p:ext>
+    </p:extLst>
+  </p:cSld>
+  <p:clrMapOvr>
+    <a:masterClrMapping/>
+  </p:clrMapOvr>
+</p:notes>
 </file>
 
 <file path=ppt/slideLayouts/slideLayout1.xml><?xml version="1.0" encoding="utf-8"?>
@@ -262,7 +699,7 @@
           <a:p>
             <a:fld id="{EEA19A83-D974-4F16-9CD4-17D7A0534862}" type="datetimeFigureOut">
               <a:rPr lang="zh-CN" altLang="en-US" smtClean="0"/>
-              <a:t>2020/12/1</a:t>
+              <a:t>2020/12/9</a:t>
             </a:fld>
             <a:endParaRPr lang="zh-CN" altLang="en-US"/>
           </a:p>
@@ -460,7 +897,7 @@
           <a:p>
             <a:fld id="{EEA19A83-D974-4F16-9CD4-17D7A0534862}" type="datetimeFigureOut">
               <a:rPr lang="zh-CN" altLang="en-US" smtClean="0"/>
-              <a:t>2020/12/1</a:t>
+              <a:t>2020/12/9</a:t>
             </a:fld>
             <a:endParaRPr lang="zh-CN" altLang="en-US"/>
           </a:p>
@@ -668,7 +1105,7 @@
           <a:p>
             <a:fld id="{EEA19A83-D974-4F16-9CD4-17D7A0534862}" type="datetimeFigureOut">
               <a:rPr lang="zh-CN" altLang="en-US" smtClean="0"/>
-              <a:t>2020/12/1</a:t>
+              <a:t>2020/12/9</a:t>
             </a:fld>
             <a:endParaRPr lang="zh-CN" altLang="en-US"/>
           </a:p>
@@ -866,7 +1303,7 @@
           <a:p>
             <a:fld id="{EEA19A83-D974-4F16-9CD4-17D7A0534862}" type="datetimeFigureOut">
               <a:rPr lang="zh-CN" altLang="en-US" smtClean="0"/>
-              <a:t>2020/12/1</a:t>
+              <a:t>2020/12/9</a:t>
             </a:fld>
             <a:endParaRPr lang="zh-CN" altLang="en-US"/>
           </a:p>
@@ -1141,7 +1578,7 @@
           <a:p>
             <a:fld id="{EEA19A83-D974-4F16-9CD4-17D7A0534862}" type="datetimeFigureOut">
               <a:rPr lang="zh-CN" altLang="en-US" smtClean="0"/>
-              <a:t>2020/12/1</a:t>
+              <a:t>2020/12/9</a:t>
             </a:fld>
             <a:endParaRPr lang="zh-CN" altLang="en-US"/>
           </a:p>
@@ -1406,7 +1843,7 @@
           <a:p>
             <a:fld id="{EEA19A83-D974-4F16-9CD4-17D7A0534862}" type="datetimeFigureOut">
               <a:rPr lang="zh-CN" altLang="en-US" smtClean="0"/>
-              <a:t>2020/12/1</a:t>
+              <a:t>2020/12/9</a:t>
             </a:fld>
             <a:endParaRPr lang="zh-CN" altLang="en-US"/>
           </a:p>
@@ -1818,7 +2255,7 @@
           <a:p>
             <a:fld id="{EEA19A83-D974-4F16-9CD4-17D7A0534862}" type="datetimeFigureOut">
               <a:rPr lang="zh-CN" altLang="en-US" smtClean="0"/>
-              <a:t>2020/12/1</a:t>
+              <a:t>2020/12/9</a:t>
             </a:fld>
             <a:endParaRPr lang="zh-CN" altLang="en-US"/>
           </a:p>
@@ -1959,7 +2396,7 @@
           <a:p>
             <a:fld id="{EEA19A83-D974-4F16-9CD4-17D7A0534862}" type="datetimeFigureOut">
               <a:rPr lang="zh-CN" altLang="en-US" smtClean="0"/>
-              <a:t>2020/12/1</a:t>
+              <a:t>2020/12/9</a:t>
             </a:fld>
             <a:endParaRPr lang="zh-CN" altLang="en-US"/>
           </a:p>
@@ -2072,7 +2509,7 @@
           <a:p>
             <a:fld id="{EEA19A83-D974-4F16-9CD4-17D7A0534862}" type="datetimeFigureOut">
               <a:rPr lang="zh-CN" altLang="en-US" smtClean="0"/>
-              <a:t>2020/12/1</a:t>
+              <a:t>2020/12/9</a:t>
             </a:fld>
             <a:endParaRPr lang="zh-CN" altLang="en-US"/>
           </a:p>
@@ -2383,7 +2820,7 @@
           <a:p>
             <a:fld id="{EEA19A83-D974-4F16-9CD4-17D7A0534862}" type="datetimeFigureOut">
               <a:rPr lang="zh-CN" altLang="en-US" smtClean="0"/>
-              <a:t>2020/12/1</a:t>
+              <a:t>2020/12/9</a:t>
             </a:fld>
             <a:endParaRPr lang="zh-CN" altLang="en-US"/>
           </a:p>
@@ -2671,7 +3108,7 @@
           <a:p>
             <a:fld id="{EEA19A83-D974-4F16-9CD4-17D7A0534862}" type="datetimeFigureOut">
               <a:rPr lang="zh-CN" altLang="en-US" smtClean="0"/>
-              <a:t>2020/12/1</a:t>
+              <a:t>2020/12/9</a:t>
             </a:fld>
             <a:endParaRPr lang="zh-CN" altLang="en-US"/>
           </a:p>
@@ -2912,7 +3349,7 @@
           <a:p>
             <a:fld id="{EEA19A83-D974-4F16-9CD4-17D7A0534862}" type="datetimeFigureOut">
               <a:rPr lang="zh-CN" altLang="en-US" smtClean="0"/>
-              <a:t>2020/12/1</a:t>
+              <a:t>2020/12/9</a:t>
             </a:fld>
             <a:endParaRPr lang="zh-CN" altLang="en-US"/>
           </a:p>
@@ -28046,7 +28483,7 @@
                     <a:bodyPr/>
                     <a:lstStyle/>
                     <a:p>
-                      <a:endParaRPr lang="zh-CN" altLang="en-US"/>
+                      <a:endParaRPr lang="zh-CN" altLang="en-US" dirty="0"/>
                     </a:p>
                   </a:txBody>
                   <a:tcPr>
@@ -35568,10 +36005,3159 @@
           </p:style>
         </p:cxnSp>
       </p:grpSp>
+      <p:grpSp>
+        <p:nvGrpSpPr>
+          <p:cNvPr id="16" name="组合 15">
+            <a:extLst>
+              <a:ext uri="{FF2B5EF4-FFF2-40B4-BE49-F238E27FC236}">
+                <a16:creationId xmlns:a16="http://schemas.microsoft.com/office/drawing/2014/main" id="{570E3587-FBC6-4B81-946E-ED0A18E6BCBA}"/>
+              </a:ext>
+            </a:extLst>
+          </p:cNvPr>
+          <p:cNvGrpSpPr/>
+          <p:nvPr/>
+        </p:nvGrpSpPr>
+        <p:grpSpPr>
+          <a:xfrm>
+            <a:off x="2802328" y="2985243"/>
+            <a:ext cx="369473" cy="360232"/>
+            <a:chOff x="3730114" y="1620601"/>
+            <a:chExt cx="369473" cy="360232"/>
+          </a:xfrm>
+        </p:grpSpPr>
+        <p:sp>
+          <p:nvSpPr>
+            <p:cNvPr id="17" name="矩形 16">
+              <a:extLst>
+                <a:ext uri="{FF2B5EF4-FFF2-40B4-BE49-F238E27FC236}">
+                  <a16:creationId xmlns:a16="http://schemas.microsoft.com/office/drawing/2014/main" id="{1F639238-0E49-47FB-8689-D2244033698A}"/>
+                </a:ext>
+              </a:extLst>
+            </p:cNvPr>
+            <p:cNvSpPr/>
+            <p:nvPr/>
+          </p:nvSpPr>
+          <p:spPr>
+            <a:xfrm>
+              <a:off x="3736468" y="1711007"/>
+              <a:ext cx="90001" cy="90000"/>
+            </a:xfrm>
+            <a:prstGeom prst="rect">
+              <a:avLst/>
+            </a:prstGeom>
+            <a:solidFill>
+              <a:srgbClr val="A50021"/>
+            </a:solidFill>
+            <a:ln w="12700">
+              <a:solidFill>
+                <a:srgbClr val="A50021"/>
+              </a:solidFill>
+            </a:ln>
+          </p:spPr>
+          <p:style>
+            <a:lnRef idx="2">
+              <a:schemeClr val="accent1">
+                <a:shade val="50000"/>
+              </a:schemeClr>
+            </a:lnRef>
+            <a:fillRef idx="1">
+              <a:schemeClr val="accent1"/>
+            </a:fillRef>
+            <a:effectRef idx="0">
+              <a:schemeClr val="accent1"/>
+            </a:effectRef>
+            <a:fontRef idx="minor">
+              <a:schemeClr val="lt1"/>
+            </a:fontRef>
+          </p:style>
+          <p:txBody>
+            <a:bodyPr rtlCol="0" anchor="ctr"/>
+            <a:lstStyle/>
+            <a:p>
+              <a:pPr algn="ctr"/>
+              <a:endParaRPr lang="zh-CN" altLang="en-US"/>
+            </a:p>
+          </p:txBody>
+        </p:sp>
+        <p:sp>
+          <p:nvSpPr>
+            <p:cNvPr id="18" name="矩形 17">
+              <a:extLst>
+                <a:ext uri="{FF2B5EF4-FFF2-40B4-BE49-F238E27FC236}">
+                  <a16:creationId xmlns:a16="http://schemas.microsoft.com/office/drawing/2014/main" id="{00CC7389-DCDD-4BBE-BA82-7AEDDD8AD892}"/>
+                </a:ext>
+              </a:extLst>
+            </p:cNvPr>
+            <p:cNvSpPr/>
+            <p:nvPr/>
+          </p:nvSpPr>
+          <p:spPr>
+            <a:xfrm>
+              <a:off x="4004239" y="1710717"/>
+              <a:ext cx="90001" cy="90000"/>
+            </a:xfrm>
+            <a:prstGeom prst="rect">
+              <a:avLst/>
+            </a:prstGeom>
+            <a:solidFill>
+              <a:srgbClr val="A50021"/>
+            </a:solidFill>
+            <a:ln w="12700">
+              <a:solidFill>
+                <a:srgbClr val="A50021"/>
+              </a:solidFill>
+            </a:ln>
+          </p:spPr>
+          <p:style>
+            <a:lnRef idx="2">
+              <a:schemeClr val="accent1">
+                <a:shade val="50000"/>
+              </a:schemeClr>
+            </a:lnRef>
+            <a:fillRef idx="1">
+              <a:schemeClr val="accent1"/>
+            </a:fillRef>
+            <a:effectRef idx="0">
+              <a:schemeClr val="accent1"/>
+            </a:effectRef>
+            <a:fontRef idx="minor">
+              <a:schemeClr val="lt1"/>
+            </a:fontRef>
+          </p:style>
+          <p:txBody>
+            <a:bodyPr rtlCol="0" anchor="ctr"/>
+            <a:lstStyle/>
+            <a:p>
+              <a:pPr algn="ctr"/>
+              <a:endParaRPr lang="zh-CN" altLang="en-US"/>
+            </a:p>
+          </p:txBody>
+        </p:sp>
+        <p:sp>
+          <p:nvSpPr>
+            <p:cNvPr id="19" name="矩形 18">
+              <a:extLst>
+                <a:ext uri="{FF2B5EF4-FFF2-40B4-BE49-F238E27FC236}">
+                  <a16:creationId xmlns:a16="http://schemas.microsoft.com/office/drawing/2014/main" id="{DA5B62FC-8EAB-47B4-A5B7-03684C25FB2D}"/>
+                </a:ext>
+              </a:extLst>
+            </p:cNvPr>
+            <p:cNvSpPr/>
+            <p:nvPr/>
+          </p:nvSpPr>
+          <p:spPr>
+            <a:xfrm>
+              <a:off x="4004237" y="1890543"/>
+              <a:ext cx="90001" cy="90000"/>
+            </a:xfrm>
+            <a:prstGeom prst="rect">
+              <a:avLst/>
+            </a:prstGeom>
+            <a:solidFill>
+              <a:srgbClr val="A50021"/>
+            </a:solidFill>
+            <a:ln w="12700">
+              <a:solidFill>
+                <a:srgbClr val="A50021"/>
+              </a:solidFill>
+            </a:ln>
+          </p:spPr>
+          <p:style>
+            <a:lnRef idx="2">
+              <a:schemeClr val="accent1">
+                <a:shade val="50000"/>
+              </a:schemeClr>
+            </a:lnRef>
+            <a:fillRef idx="1">
+              <a:schemeClr val="accent1"/>
+            </a:fillRef>
+            <a:effectRef idx="0">
+              <a:schemeClr val="accent1"/>
+            </a:effectRef>
+            <a:fontRef idx="minor">
+              <a:schemeClr val="lt1"/>
+            </a:fontRef>
+          </p:style>
+          <p:txBody>
+            <a:bodyPr rtlCol="0" anchor="ctr"/>
+            <a:lstStyle/>
+            <a:p>
+              <a:pPr algn="ctr"/>
+              <a:endParaRPr lang="zh-CN" altLang="en-US"/>
+            </a:p>
+          </p:txBody>
+        </p:sp>
+        <p:sp>
+          <p:nvSpPr>
+            <p:cNvPr id="20" name="矩形 19">
+              <a:extLst>
+                <a:ext uri="{FF2B5EF4-FFF2-40B4-BE49-F238E27FC236}">
+                  <a16:creationId xmlns:a16="http://schemas.microsoft.com/office/drawing/2014/main" id="{C69D3234-3C5A-46F2-BF83-D7DB7BD227B3}"/>
+                </a:ext>
+              </a:extLst>
+            </p:cNvPr>
+            <p:cNvSpPr/>
+            <p:nvPr/>
+          </p:nvSpPr>
+          <p:spPr>
+            <a:xfrm>
+              <a:off x="3736466" y="1890833"/>
+              <a:ext cx="90001" cy="90000"/>
+            </a:xfrm>
+            <a:prstGeom prst="rect">
+              <a:avLst/>
+            </a:prstGeom>
+            <a:solidFill>
+              <a:srgbClr val="A50021"/>
+            </a:solidFill>
+            <a:ln w="12700">
+              <a:solidFill>
+                <a:srgbClr val="A50021"/>
+              </a:solidFill>
+            </a:ln>
+          </p:spPr>
+          <p:style>
+            <a:lnRef idx="2">
+              <a:schemeClr val="accent1">
+                <a:shade val="50000"/>
+              </a:schemeClr>
+            </a:lnRef>
+            <a:fillRef idx="1">
+              <a:schemeClr val="accent1"/>
+            </a:fillRef>
+            <a:effectRef idx="0">
+              <a:schemeClr val="accent1"/>
+            </a:effectRef>
+            <a:fontRef idx="minor">
+              <a:schemeClr val="lt1"/>
+            </a:fontRef>
+          </p:style>
+          <p:txBody>
+            <a:bodyPr rtlCol="0" anchor="ctr"/>
+            <a:lstStyle/>
+            <a:p>
+              <a:pPr algn="ctr"/>
+              <a:endParaRPr lang="zh-CN" altLang="en-US"/>
+            </a:p>
+          </p:txBody>
+        </p:sp>
+        <p:sp>
+          <p:nvSpPr>
+            <p:cNvPr id="21" name="矩形 20">
+              <a:extLst>
+                <a:ext uri="{FF2B5EF4-FFF2-40B4-BE49-F238E27FC236}">
+                  <a16:creationId xmlns:a16="http://schemas.microsoft.com/office/drawing/2014/main" id="{D802C28A-6242-4171-880E-8D4C0CCC5796}"/>
+                </a:ext>
+              </a:extLst>
+            </p:cNvPr>
+            <p:cNvSpPr/>
+            <p:nvPr/>
+          </p:nvSpPr>
+          <p:spPr>
+            <a:xfrm>
+              <a:off x="3736470" y="1620891"/>
+              <a:ext cx="180000" cy="90000"/>
+            </a:xfrm>
+            <a:prstGeom prst="rect">
+              <a:avLst/>
+            </a:prstGeom>
+            <a:solidFill>
+              <a:srgbClr val="A50021"/>
+            </a:solidFill>
+            <a:ln w="12700">
+              <a:solidFill>
+                <a:schemeClr val="tx1"/>
+              </a:solidFill>
+            </a:ln>
+          </p:spPr>
+          <p:style>
+            <a:lnRef idx="2">
+              <a:schemeClr val="accent1">
+                <a:shade val="50000"/>
+              </a:schemeClr>
+            </a:lnRef>
+            <a:fillRef idx="1">
+              <a:schemeClr val="accent1"/>
+            </a:fillRef>
+            <a:effectRef idx="0">
+              <a:schemeClr val="accent1"/>
+            </a:effectRef>
+            <a:fontRef idx="minor">
+              <a:schemeClr val="lt1"/>
+            </a:fontRef>
+          </p:style>
+          <p:txBody>
+            <a:bodyPr rtlCol="0" anchor="ctr"/>
+            <a:lstStyle/>
+            <a:p>
+              <a:pPr algn="ctr"/>
+              <a:endParaRPr lang="zh-CN" altLang="en-US"/>
+            </a:p>
+          </p:txBody>
+        </p:sp>
+        <p:sp>
+          <p:nvSpPr>
+            <p:cNvPr id="22" name="矩形 21">
+              <a:extLst>
+                <a:ext uri="{FF2B5EF4-FFF2-40B4-BE49-F238E27FC236}">
+                  <a16:creationId xmlns:a16="http://schemas.microsoft.com/office/drawing/2014/main" id="{7279A140-F85B-4592-9D74-57D9C4130399}"/>
+                </a:ext>
+              </a:extLst>
+            </p:cNvPr>
+            <p:cNvSpPr/>
+            <p:nvPr/>
+          </p:nvSpPr>
+          <p:spPr>
+            <a:xfrm>
+              <a:off x="3826470" y="1710891"/>
+              <a:ext cx="180000" cy="90000"/>
+            </a:xfrm>
+            <a:prstGeom prst="rect">
+              <a:avLst/>
+            </a:prstGeom>
+            <a:solidFill>
+              <a:srgbClr val="A50021"/>
+            </a:solidFill>
+            <a:ln w="12700">
+              <a:solidFill>
+                <a:schemeClr val="tx1"/>
+              </a:solidFill>
+            </a:ln>
+          </p:spPr>
+          <p:style>
+            <a:lnRef idx="2">
+              <a:schemeClr val="accent1">
+                <a:shade val="50000"/>
+              </a:schemeClr>
+            </a:lnRef>
+            <a:fillRef idx="1">
+              <a:schemeClr val="accent1"/>
+            </a:fillRef>
+            <a:effectRef idx="0">
+              <a:schemeClr val="accent1"/>
+            </a:effectRef>
+            <a:fontRef idx="minor">
+              <a:schemeClr val="lt1"/>
+            </a:fontRef>
+          </p:style>
+          <p:txBody>
+            <a:bodyPr rtlCol="0" anchor="ctr"/>
+            <a:lstStyle/>
+            <a:p>
+              <a:pPr algn="ctr"/>
+              <a:endParaRPr lang="zh-CN" altLang="en-US"/>
+            </a:p>
+          </p:txBody>
+        </p:sp>
+        <p:sp>
+          <p:nvSpPr>
+            <p:cNvPr id="23" name="矩形 22">
+              <a:extLst>
+                <a:ext uri="{FF2B5EF4-FFF2-40B4-BE49-F238E27FC236}">
+                  <a16:creationId xmlns:a16="http://schemas.microsoft.com/office/drawing/2014/main" id="{2FBB3433-521B-4894-8BC9-A375D8994394}"/>
+                </a:ext>
+              </a:extLst>
+            </p:cNvPr>
+            <p:cNvSpPr/>
+            <p:nvPr/>
+          </p:nvSpPr>
+          <p:spPr>
+            <a:xfrm>
+              <a:off x="3914239" y="1620601"/>
+              <a:ext cx="180000" cy="90000"/>
+            </a:xfrm>
+            <a:prstGeom prst="rect">
+              <a:avLst/>
+            </a:prstGeom>
+            <a:solidFill>
+              <a:srgbClr val="A50021"/>
+            </a:solidFill>
+            <a:ln w="12700">
+              <a:solidFill>
+                <a:schemeClr val="tx1"/>
+              </a:solidFill>
+            </a:ln>
+          </p:spPr>
+          <p:style>
+            <a:lnRef idx="2">
+              <a:schemeClr val="accent1">
+                <a:shade val="50000"/>
+              </a:schemeClr>
+            </a:lnRef>
+            <a:fillRef idx="1">
+              <a:schemeClr val="accent1"/>
+            </a:fillRef>
+            <a:effectRef idx="0">
+              <a:schemeClr val="accent1"/>
+            </a:effectRef>
+            <a:fontRef idx="minor">
+              <a:schemeClr val="lt1"/>
+            </a:fontRef>
+          </p:style>
+          <p:txBody>
+            <a:bodyPr rtlCol="0" anchor="ctr"/>
+            <a:lstStyle/>
+            <a:p>
+              <a:pPr algn="ctr"/>
+              <a:endParaRPr lang="zh-CN" altLang="en-US"/>
+            </a:p>
+          </p:txBody>
+        </p:sp>
+        <p:sp>
+          <p:nvSpPr>
+            <p:cNvPr id="24" name="矩形 23">
+              <a:extLst>
+                <a:ext uri="{FF2B5EF4-FFF2-40B4-BE49-F238E27FC236}">
+                  <a16:creationId xmlns:a16="http://schemas.microsoft.com/office/drawing/2014/main" id="{16DA04F1-7342-4458-A9B4-6730DDF7836E}"/>
+                </a:ext>
+              </a:extLst>
+            </p:cNvPr>
+            <p:cNvSpPr/>
+            <p:nvPr/>
+          </p:nvSpPr>
+          <p:spPr>
+            <a:xfrm>
+              <a:off x="3736468" y="1800717"/>
+              <a:ext cx="180000" cy="90000"/>
+            </a:xfrm>
+            <a:prstGeom prst="rect">
+              <a:avLst/>
+            </a:prstGeom>
+            <a:solidFill>
+              <a:srgbClr val="A50021"/>
+            </a:solidFill>
+            <a:ln w="12700">
+              <a:solidFill>
+                <a:schemeClr val="tx1"/>
+              </a:solidFill>
+            </a:ln>
+          </p:spPr>
+          <p:style>
+            <a:lnRef idx="2">
+              <a:schemeClr val="accent1">
+                <a:shade val="50000"/>
+              </a:schemeClr>
+            </a:lnRef>
+            <a:fillRef idx="1">
+              <a:schemeClr val="accent1"/>
+            </a:fillRef>
+            <a:effectRef idx="0">
+              <a:schemeClr val="accent1"/>
+            </a:effectRef>
+            <a:fontRef idx="minor">
+              <a:schemeClr val="lt1"/>
+            </a:fontRef>
+          </p:style>
+          <p:txBody>
+            <a:bodyPr rtlCol="0" anchor="ctr"/>
+            <a:lstStyle/>
+            <a:p>
+              <a:pPr algn="ctr"/>
+              <a:endParaRPr lang="zh-CN" altLang="en-US" dirty="0"/>
+            </a:p>
+          </p:txBody>
+        </p:sp>
+        <p:sp>
+          <p:nvSpPr>
+            <p:cNvPr id="25" name="矩形 24">
+              <a:extLst>
+                <a:ext uri="{FF2B5EF4-FFF2-40B4-BE49-F238E27FC236}">
+                  <a16:creationId xmlns:a16="http://schemas.microsoft.com/office/drawing/2014/main" id="{CC7A00A0-F411-4382-B0A2-4F7D520AE41E}"/>
+                </a:ext>
+              </a:extLst>
+            </p:cNvPr>
+            <p:cNvSpPr/>
+            <p:nvPr/>
+          </p:nvSpPr>
+          <p:spPr>
+            <a:xfrm>
+              <a:off x="3826468" y="1890717"/>
+              <a:ext cx="180000" cy="90000"/>
+            </a:xfrm>
+            <a:prstGeom prst="rect">
+              <a:avLst/>
+            </a:prstGeom>
+            <a:solidFill>
+              <a:srgbClr val="A50021"/>
+            </a:solidFill>
+            <a:ln w="12700">
+              <a:solidFill>
+                <a:schemeClr val="tx1"/>
+              </a:solidFill>
+            </a:ln>
+          </p:spPr>
+          <p:style>
+            <a:lnRef idx="2">
+              <a:schemeClr val="accent1">
+                <a:shade val="50000"/>
+              </a:schemeClr>
+            </a:lnRef>
+            <a:fillRef idx="1">
+              <a:schemeClr val="accent1"/>
+            </a:fillRef>
+            <a:effectRef idx="0">
+              <a:schemeClr val="accent1"/>
+            </a:effectRef>
+            <a:fontRef idx="minor">
+              <a:schemeClr val="lt1"/>
+            </a:fontRef>
+          </p:style>
+          <p:txBody>
+            <a:bodyPr rtlCol="0" anchor="ctr"/>
+            <a:lstStyle/>
+            <a:p>
+              <a:pPr algn="ctr"/>
+              <a:endParaRPr lang="zh-CN" altLang="en-US"/>
+            </a:p>
+          </p:txBody>
+        </p:sp>
+        <p:sp>
+          <p:nvSpPr>
+            <p:cNvPr id="26" name="矩形 25">
+              <a:extLst>
+                <a:ext uri="{FF2B5EF4-FFF2-40B4-BE49-F238E27FC236}">
+                  <a16:creationId xmlns:a16="http://schemas.microsoft.com/office/drawing/2014/main" id="{E6AD6026-86E2-4E4A-A5A5-1D6358278589}"/>
+                </a:ext>
+              </a:extLst>
+            </p:cNvPr>
+            <p:cNvSpPr/>
+            <p:nvPr/>
+          </p:nvSpPr>
+          <p:spPr>
+            <a:xfrm>
+              <a:off x="3914237" y="1800427"/>
+              <a:ext cx="180000" cy="90000"/>
+            </a:xfrm>
+            <a:prstGeom prst="rect">
+              <a:avLst/>
+            </a:prstGeom>
+            <a:solidFill>
+              <a:srgbClr val="A50021"/>
+            </a:solidFill>
+            <a:ln w="12700">
+              <a:solidFill>
+                <a:schemeClr val="tx1"/>
+              </a:solidFill>
+            </a:ln>
+          </p:spPr>
+          <p:style>
+            <a:lnRef idx="2">
+              <a:schemeClr val="accent1">
+                <a:shade val="50000"/>
+              </a:schemeClr>
+            </a:lnRef>
+            <a:fillRef idx="1">
+              <a:schemeClr val="accent1"/>
+            </a:fillRef>
+            <a:effectRef idx="0">
+              <a:schemeClr val="accent1"/>
+            </a:effectRef>
+            <a:fontRef idx="minor">
+              <a:schemeClr val="lt1"/>
+            </a:fontRef>
+          </p:style>
+          <p:txBody>
+            <a:bodyPr rtlCol="0" anchor="ctr"/>
+            <a:lstStyle/>
+            <a:p>
+              <a:pPr algn="ctr"/>
+              <a:endParaRPr lang="zh-CN" altLang="en-US" dirty="0"/>
+            </a:p>
+          </p:txBody>
+        </p:sp>
+        <p:cxnSp>
+          <p:nvCxnSpPr>
+            <p:cNvPr id="27" name="直接连接符 26">
+              <a:extLst>
+                <a:ext uri="{FF2B5EF4-FFF2-40B4-BE49-F238E27FC236}">
+                  <a16:creationId xmlns:a16="http://schemas.microsoft.com/office/drawing/2014/main" id="{67504D81-F86E-4AAF-B899-A627F564D92A}"/>
+                </a:ext>
+              </a:extLst>
+            </p:cNvPr>
+            <p:cNvCxnSpPr>
+              <a:cxnSpLocks/>
+            </p:cNvCxnSpPr>
+            <p:nvPr/>
+          </p:nvCxnSpPr>
+          <p:spPr>
+            <a:xfrm>
+              <a:off x="3730114" y="1980543"/>
+              <a:ext cx="216000" cy="290"/>
+            </a:xfrm>
+            <a:prstGeom prst="line">
+              <a:avLst/>
+            </a:prstGeom>
+            <a:ln w="12700">
+              <a:solidFill>
+                <a:schemeClr val="tx1"/>
+              </a:solidFill>
+            </a:ln>
+          </p:spPr>
+          <p:style>
+            <a:lnRef idx="1">
+              <a:schemeClr val="accent1"/>
+            </a:lnRef>
+            <a:fillRef idx="0">
+              <a:schemeClr val="accent1"/>
+            </a:fillRef>
+            <a:effectRef idx="0">
+              <a:schemeClr val="accent1"/>
+            </a:effectRef>
+            <a:fontRef idx="minor">
+              <a:schemeClr val="tx1"/>
+            </a:fontRef>
+          </p:style>
+        </p:cxnSp>
+        <p:cxnSp>
+          <p:nvCxnSpPr>
+            <p:cNvPr id="28" name="直接连接符 27">
+              <a:extLst>
+                <a:ext uri="{FF2B5EF4-FFF2-40B4-BE49-F238E27FC236}">
+                  <a16:creationId xmlns:a16="http://schemas.microsoft.com/office/drawing/2014/main" id="{9F43EB33-243D-4483-A63C-8DDB31714EBC}"/>
+                </a:ext>
+              </a:extLst>
+            </p:cNvPr>
+            <p:cNvCxnSpPr>
+              <a:cxnSpLocks/>
+            </p:cNvCxnSpPr>
+            <p:nvPr/>
+          </p:nvCxnSpPr>
+          <p:spPr>
+            <a:xfrm>
+              <a:off x="3883587" y="1980543"/>
+              <a:ext cx="216000" cy="290"/>
+            </a:xfrm>
+            <a:prstGeom prst="line">
+              <a:avLst/>
+            </a:prstGeom>
+            <a:ln w="12700">
+              <a:solidFill>
+                <a:schemeClr val="tx1"/>
+              </a:solidFill>
+            </a:ln>
+          </p:spPr>
+          <p:style>
+            <a:lnRef idx="1">
+              <a:schemeClr val="accent1"/>
+            </a:lnRef>
+            <a:fillRef idx="0">
+              <a:schemeClr val="accent1"/>
+            </a:fillRef>
+            <a:effectRef idx="0">
+              <a:schemeClr val="accent1"/>
+            </a:effectRef>
+            <a:fontRef idx="minor">
+              <a:schemeClr val="tx1"/>
+            </a:fontRef>
+          </p:style>
+        </p:cxnSp>
+      </p:grpSp>
     </p:spTree>
     <p:extLst>
       <p:ext uri="{BB962C8B-B14F-4D97-AF65-F5344CB8AC3E}">
         <p14:creationId xmlns:p14="http://schemas.microsoft.com/office/powerpoint/2010/main" val="677781103"/>
+      </p:ext>
+    </p:extLst>
+  </p:cSld>
+  <p:clrMapOvr>
+    <a:masterClrMapping/>
+  </p:clrMapOvr>
+</p:sld>
+</file>
+
+<file path=ppt/slides/slide5.xml><?xml version="1.0" encoding="utf-8"?>
+<p:sld xmlns:a="http://schemas.openxmlformats.org/drawingml/2006/main" xmlns:r="http://schemas.openxmlformats.org/officeDocument/2006/relationships" xmlns:p="http://schemas.openxmlformats.org/presentationml/2006/main">
+  <p:cSld>
+    <p:spTree>
+      <p:nvGrpSpPr>
+        <p:cNvPr id="1" name=""/>
+        <p:cNvGrpSpPr/>
+        <p:nvPr/>
+      </p:nvGrpSpPr>
+      <p:grpSpPr>
+        <a:xfrm>
+          <a:off x="0" y="0"/>
+          <a:ext cx="0" cy="0"/>
+          <a:chOff x="0" y="0"/>
+          <a:chExt cx="0" cy="0"/>
+        </a:xfrm>
+      </p:grpSpPr>
+      <p:sp>
+        <p:nvSpPr>
+          <p:cNvPr id="57" name="矩形 56">
+            <a:extLst>
+              <a:ext uri="{FF2B5EF4-FFF2-40B4-BE49-F238E27FC236}">
+                <a16:creationId xmlns:a16="http://schemas.microsoft.com/office/drawing/2014/main" id="{8D215A7C-926B-467B-81E9-180BFB1A7C83}"/>
+              </a:ext>
+            </a:extLst>
+          </p:cNvPr>
+          <p:cNvSpPr/>
+          <p:nvPr/>
+        </p:nvSpPr>
+        <p:spPr>
+          <a:xfrm>
+            <a:off x="1617473" y="2674302"/>
+            <a:ext cx="90001" cy="90000"/>
+          </a:xfrm>
+          <a:prstGeom prst="rect">
+            <a:avLst/>
+          </a:prstGeom>
+          <a:solidFill>
+            <a:srgbClr val="A50021"/>
+          </a:solidFill>
+          <a:ln w="12700">
+            <a:solidFill>
+              <a:srgbClr val="A50021"/>
+            </a:solidFill>
+          </a:ln>
+        </p:spPr>
+        <p:style>
+          <a:lnRef idx="2">
+            <a:schemeClr val="accent1">
+              <a:shade val="50000"/>
+            </a:schemeClr>
+          </a:lnRef>
+          <a:fillRef idx="1">
+            <a:schemeClr val="accent1"/>
+          </a:fillRef>
+          <a:effectRef idx="0">
+            <a:schemeClr val="accent1"/>
+          </a:effectRef>
+          <a:fontRef idx="minor">
+            <a:schemeClr val="lt1"/>
+          </a:fontRef>
+        </p:style>
+        <p:txBody>
+          <a:bodyPr rtlCol="0" anchor="ctr"/>
+          <a:lstStyle/>
+          <a:p>
+            <a:pPr algn="ctr"/>
+            <a:endParaRPr lang="zh-CN" altLang="en-US"/>
+          </a:p>
+        </p:txBody>
+      </p:sp>
+      <p:sp>
+        <p:nvSpPr>
+          <p:cNvPr id="72" name="矩形 71">
+            <a:extLst>
+              <a:ext uri="{FF2B5EF4-FFF2-40B4-BE49-F238E27FC236}">
+                <a16:creationId xmlns:a16="http://schemas.microsoft.com/office/drawing/2014/main" id="{E504724E-8FFC-404D-8C42-C8C95CD3DE90}"/>
+              </a:ext>
+            </a:extLst>
+          </p:cNvPr>
+          <p:cNvSpPr/>
+          <p:nvPr/>
+        </p:nvSpPr>
+        <p:spPr>
+          <a:xfrm>
+            <a:off x="1885244" y="2674012"/>
+            <a:ext cx="90001" cy="90000"/>
+          </a:xfrm>
+          <a:prstGeom prst="rect">
+            <a:avLst/>
+          </a:prstGeom>
+          <a:solidFill>
+            <a:srgbClr val="A50021"/>
+          </a:solidFill>
+          <a:ln w="12700">
+            <a:solidFill>
+              <a:srgbClr val="A50021"/>
+            </a:solidFill>
+          </a:ln>
+        </p:spPr>
+        <p:style>
+          <a:lnRef idx="2">
+            <a:schemeClr val="accent1">
+              <a:shade val="50000"/>
+            </a:schemeClr>
+          </a:lnRef>
+          <a:fillRef idx="1">
+            <a:schemeClr val="accent1"/>
+          </a:fillRef>
+          <a:effectRef idx="0">
+            <a:schemeClr val="accent1"/>
+          </a:effectRef>
+          <a:fontRef idx="minor">
+            <a:schemeClr val="lt1"/>
+          </a:fontRef>
+        </p:style>
+        <p:txBody>
+          <a:bodyPr rtlCol="0" anchor="ctr"/>
+          <a:lstStyle/>
+          <a:p>
+            <a:pPr algn="ctr"/>
+            <a:endParaRPr lang="zh-CN" altLang="en-US"/>
+          </a:p>
+        </p:txBody>
+      </p:sp>
+      <p:sp>
+        <p:nvSpPr>
+          <p:cNvPr id="77" name="矩形 76">
+            <a:extLst>
+              <a:ext uri="{FF2B5EF4-FFF2-40B4-BE49-F238E27FC236}">
+                <a16:creationId xmlns:a16="http://schemas.microsoft.com/office/drawing/2014/main" id="{3B7F0A08-8CDD-4E3C-9C74-B908DA583C7C}"/>
+              </a:ext>
+            </a:extLst>
+          </p:cNvPr>
+          <p:cNvSpPr/>
+          <p:nvPr/>
+        </p:nvSpPr>
+        <p:spPr>
+          <a:xfrm>
+            <a:off x="1885242" y="2853838"/>
+            <a:ext cx="90001" cy="90000"/>
+          </a:xfrm>
+          <a:prstGeom prst="rect">
+            <a:avLst/>
+          </a:prstGeom>
+          <a:solidFill>
+            <a:srgbClr val="A50021"/>
+          </a:solidFill>
+          <a:ln w="12700">
+            <a:solidFill>
+              <a:srgbClr val="A50021"/>
+            </a:solidFill>
+          </a:ln>
+        </p:spPr>
+        <p:style>
+          <a:lnRef idx="2">
+            <a:schemeClr val="accent1">
+              <a:shade val="50000"/>
+            </a:schemeClr>
+          </a:lnRef>
+          <a:fillRef idx="1">
+            <a:schemeClr val="accent1"/>
+          </a:fillRef>
+          <a:effectRef idx="0">
+            <a:schemeClr val="accent1"/>
+          </a:effectRef>
+          <a:fontRef idx="minor">
+            <a:schemeClr val="lt1"/>
+          </a:fontRef>
+        </p:style>
+        <p:txBody>
+          <a:bodyPr rtlCol="0" anchor="ctr"/>
+          <a:lstStyle/>
+          <a:p>
+            <a:pPr algn="ctr"/>
+            <a:endParaRPr lang="zh-CN" altLang="en-US"/>
+          </a:p>
+        </p:txBody>
+      </p:sp>
+      <p:sp>
+        <p:nvSpPr>
+          <p:cNvPr id="76" name="矩形 75">
+            <a:extLst>
+              <a:ext uri="{FF2B5EF4-FFF2-40B4-BE49-F238E27FC236}">
+                <a16:creationId xmlns:a16="http://schemas.microsoft.com/office/drawing/2014/main" id="{D0AEF68E-2765-49C0-AFCA-8DC984A7DF1F}"/>
+              </a:ext>
+            </a:extLst>
+          </p:cNvPr>
+          <p:cNvSpPr/>
+          <p:nvPr/>
+        </p:nvSpPr>
+        <p:spPr>
+          <a:xfrm>
+            <a:off x="1617471" y="2854128"/>
+            <a:ext cx="90001" cy="90000"/>
+          </a:xfrm>
+          <a:prstGeom prst="rect">
+            <a:avLst/>
+          </a:prstGeom>
+          <a:solidFill>
+            <a:srgbClr val="A50021"/>
+          </a:solidFill>
+          <a:ln w="12700">
+            <a:solidFill>
+              <a:srgbClr val="A50021"/>
+            </a:solidFill>
+          </a:ln>
+        </p:spPr>
+        <p:style>
+          <a:lnRef idx="2">
+            <a:schemeClr val="accent1">
+              <a:shade val="50000"/>
+            </a:schemeClr>
+          </a:lnRef>
+          <a:fillRef idx="1">
+            <a:schemeClr val="accent1"/>
+          </a:fillRef>
+          <a:effectRef idx="0">
+            <a:schemeClr val="accent1"/>
+          </a:effectRef>
+          <a:fontRef idx="minor">
+            <a:schemeClr val="lt1"/>
+          </a:fontRef>
+        </p:style>
+        <p:txBody>
+          <a:bodyPr rtlCol="0" anchor="ctr"/>
+          <a:lstStyle/>
+          <a:p>
+            <a:pPr algn="ctr"/>
+            <a:endParaRPr lang="zh-CN" altLang="en-US"/>
+          </a:p>
+        </p:txBody>
+      </p:sp>
+      <p:sp>
+        <p:nvSpPr>
+          <p:cNvPr id="55" name="矩形 54">
+            <a:extLst>
+              <a:ext uri="{FF2B5EF4-FFF2-40B4-BE49-F238E27FC236}">
+                <a16:creationId xmlns:a16="http://schemas.microsoft.com/office/drawing/2014/main" id="{1451BD4E-880A-4950-B75B-DB0EA2BEDFAA}"/>
+              </a:ext>
+            </a:extLst>
+          </p:cNvPr>
+          <p:cNvSpPr/>
+          <p:nvPr/>
+        </p:nvSpPr>
+        <p:spPr>
+          <a:xfrm>
+            <a:off x="1617475" y="2584186"/>
+            <a:ext cx="180000" cy="90000"/>
+          </a:xfrm>
+          <a:prstGeom prst="rect">
+            <a:avLst/>
+          </a:prstGeom>
+          <a:solidFill>
+            <a:srgbClr val="A50021"/>
+          </a:solidFill>
+          <a:ln w="12700">
+            <a:solidFill>
+              <a:schemeClr val="tx1"/>
+            </a:solidFill>
+          </a:ln>
+        </p:spPr>
+        <p:style>
+          <a:lnRef idx="2">
+            <a:schemeClr val="accent1">
+              <a:shade val="50000"/>
+            </a:schemeClr>
+          </a:lnRef>
+          <a:fillRef idx="1">
+            <a:schemeClr val="accent1"/>
+          </a:fillRef>
+          <a:effectRef idx="0">
+            <a:schemeClr val="accent1"/>
+          </a:effectRef>
+          <a:fontRef idx="minor">
+            <a:schemeClr val="lt1"/>
+          </a:fontRef>
+        </p:style>
+        <p:txBody>
+          <a:bodyPr rtlCol="0" anchor="ctr"/>
+          <a:lstStyle/>
+          <a:p>
+            <a:pPr algn="ctr"/>
+            <a:endParaRPr lang="zh-CN" altLang="en-US"/>
+          </a:p>
+        </p:txBody>
+      </p:sp>
+      <p:sp>
+        <p:nvSpPr>
+          <p:cNvPr id="56" name="矩形 55">
+            <a:extLst>
+              <a:ext uri="{FF2B5EF4-FFF2-40B4-BE49-F238E27FC236}">
+                <a16:creationId xmlns:a16="http://schemas.microsoft.com/office/drawing/2014/main" id="{597DD538-7C24-455B-BC92-6A29BDDBB17F}"/>
+              </a:ext>
+            </a:extLst>
+          </p:cNvPr>
+          <p:cNvSpPr/>
+          <p:nvPr/>
+        </p:nvSpPr>
+        <p:spPr>
+          <a:xfrm>
+            <a:off x="1707475" y="2674186"/>
+            <a:ext cx="180000" cy="90000"/>
+          </a:xfrm>
+          <a:prstGeom prst="rect">
+            <a:avLst/>
+          </a:prstGeom>
+          <a:solidFill>
+            <a:srgbClr val="A50021"/>
+          </a:solidFill>
+          <a:ln w="12700">
+            <a:solidFill>
+              <a:schemeClr val="tx1"/>
+            </a:solidFill>
+          </a:ln>
+        </p:spPr>
+        <p:style>
+          <a:lnRef idx="2">
+            <a:schemeClr val="accent1">
+              <a:shade val="50000"/>
+            </a:schemeClr>
+          </a:lnRef>
+          <a:fillRef idx="1">
+            <a:schemeClr val="accent1"/>
+          </a:fillRef>
+          <a:effectRef idx="0">
+            <a:schemeClr val="accent1"/>
+          </a:effectRef>
+          <a:fontRef idx="minor">
+            <a:schemeClr val="lt1"/>
+          </a:fontRef>
+        </p:style>
+        <p:txBody>
+          <a:bodyPr rtlCol="0" anchor="ctr"/>
+          <a:lstStyle/>
+          <a:p>
+            <a:pPr algn="ctr"/>
+            <a:endParaRPr lang="zh-CN" altLang="en-US"/>
+          </a:p>
+        </p:txBody>
+      </p:sp>
+      <p:sp>
+        <p:nvSpPr>
+          <p:cNvPr id="73" name="矩形 72">
+            <a:extLst>
+              <a:ext uri="{FF2B5EF4-FFF2-40B4-BE49-F238E27FC236}">
+                <a16:creationId xmlns:a16="http://schemas.microsoft.com/office/drawing/2014/main" id="{69952BD9-D562-4B61-A585-D98D8B16C137}"/>
+              </a:ext>
+            </a:extLst>
+          </p:cNvPr>
+          <p:cNvSpPr/>
+          <p:nvPr/>
+        </p:nvSpPr>
+        <p:spPr>
+          <a:xfrm>
+            <a:off x="1795244" y="2583896"/>
+            <a:ext cx="180000" cy="90000"/>
+          </a:xfrm>
+          <a:prstGeom prst="rect">
+            <a:avLst/>
+          </a:prstGeom>
+          <a:solidFill>
+            <a:srgbClr val="A50021"/>
+          </a:solidFill>
+          <a:ln w="12700">
+            <a:solidFill>
+              <a:schemeClr val="tx1"/>
+            </a:solidFill>
+          </a:ln>
+        </p:spPr>
+        <p:style>
+          <a:lnRef idx="2">
+            <a:schemeClr val="accent1">
+              <a:shade val="50000"/>
+            </a:schemeClr>
+          </a:lnRef>
+          <a:fillRef idx="1">
+            <a:schemeClr val="accent1"/>
+          </a:fillRef>
+          <a:effectRef idx="0">
+            <a:schemeClr val="accent1"/>
+          </a:effectRef>
+          <a:fontRef idx="minor">
+            <a:schemeClr val="lt1"/>
+          </a:fontRef>
+        </p:style>
+        <p:txBody>
+          <a:bodyPr rtlCol="0" anchor="ctr"/>
+          <a:lstStyle/>
+          <a:p>
+            <a:pPr algn="ctr"/>
+            <a:endParaRPr lang="zh-CN" altLang="en-US"/>
+          </a:p>
+        </p:txBody>
+      </p:sp>
+      <p:sp>
+        <p:nvSpPr>
+          <p:cNvPr id="74" name="矩形 73">
+            <a:extLst>
+              <a:ext uri="{FF2B5EF4-FFF2-40B4-BE49-F238E27FC236}">
+                <a16:creationId xmlns:a16="http://schemas.microsoft.com/office/drawing/2014/main" id="{374A7B72-4429-4F66-ADCE-0A5FCBF67307}"/>
+              </a:ext>
+            </a:extLst>
+          </p:cNvPr>
+          <p:cNvSpPr/>
+          <p:nvPr/>
+        </p:nvSpPr>
+        <p:spPr>
+          <a:xfrm>
+            <a:off x="1617473" y="2764012"/>
+            <a:ext cx="180000" cy="90000"/>
+          </a:xfrm>
+          <a:prstGeom prst="rect">
+            <a:avLst/>
+          </a:prstGeom>
+          <a:solidFill>
+            <a:srgbClr val="A50021"/>
+          </a:solidFill>
+          <a:ln w="12700">
+            <a:solidFill>
+              <a:schemeClr val="tx1"/>
+            </a:solidFill>
+          </a:ln>
+        </p:spPr>
+        <p:style>
+          <a:lnRef idx="2">
+            <a:schemeClr val="accent1">
+              <a:shade val="50000"/>
+            </a:schemeClr>
+          </a:lnRef>
+          <a:fillRef idx="1">
+            <a:schemeClr val="accent1"/>
+          </a:fillRef>
+          <a:effectRef idx="0">
+            <a:schemeClr val="accent1"/>
+          </a:effectRef>
+          <a:fontRef idx="minor">
+            <a:schemeClr val="lt1"/>
+          </a:fontRef>
+        </p:style>
+        <p:txBody>
+          <a:bodyPr rtlCol="0" anchor="ctr"/>
+          <a:lstStyle/>
+          <a:p>
+            <a:pPr algn="ctr"/>
+            <a:endParaRPr lang="zh-CN" altLang="en-US" dirty="0"/>
+          </a:p>
+        </p:txBody>
+      </p:sp>
+      <p:sp>
+        <p:nvSpPr>
+          <p:cNvPr id="75" name="矩形 74">
+            <a:extLst>
+              <a:ext uri="{FF2B5EF4-FFF2-40B4-BE49-F238E27FC236}">
+                <a16:creationId xmlns:a16="http://schemas.microsoft.com/office/drawing/2014/main" id="{B244EDD0-9B07-4D8F-A65A-CD4A65263CD8}"/>
+              </a:ext>
+            </a:extLst>
+          </p:cNvPr>
+          <p:cNvSpPr/>
+          <p:nvPr/>
+        </p:nvSpPr>
+        <p:spPr>
+          <a:xfrm>
+            <a:off x="1707473" y="2854012"/>
+            <a:ext cx="180000" cy="90000"/>
+          </a:xfrm>
+          <a:prstGeom prst="rect">
+            <a:avLst/>
+          </a:prstGeom>
+          <a:solidFill>
+            <a:srgbClr val="A50021"/>
+          </a:solidFill>
+          <a:ln w="12700">
+            <a:solidFill>
+              <a:schemeClr val="tx1"/>
+            </a:solidFill>
+          </a:ln>
+        </p:spPr>
+        <p:style>
+          <a:lnRef idx="2">
+            <a:schemeClr val="accent1">
+              <a:shade val="50000"/>
+            </a:schemeClr>
+          </a:lnRef>
+          <a:fillRef idx="1">
+            <a:schemeClr val="accent1"/>
+          </a:fillRef>
+          <a:effectRef idx="0">
+            <a:schemeClr val="accent1"/>
+          </a:effectRef>
+          <a:fontRef idx="minor">
+            <a:schemeClr val="lt1"/>
+          </a:fontRef>
+        </p:style>
+        <p:txBody>
+          <a:bodyPr rtlCol="0" anchor="ctr"/>
+          <a:lstStyle/>
+          <a:p>
+            <a:pPr algn="ctr"/>
+            <a:endParaRPr lang="zh-CN" altLang="en-US"/>
+          </a:p>
+        </p:txBody>
+      </p:sp>
+      <p:sp>
+        <p:nvSpPr>
+          <p:cNvPr id="78" name="矩形 77">
+            <a:extLst>
+              <a:ext uri="{FF2B5EF4-FFF2-40B4-BE49-F238E27FC236}">
+                <a16:creationId xmlns:a16="http://schemas.microsoft.com/office/drawing/2014/main" id="{62D277FB-4D49-4965-99E7-FA4DC6A0BE66}"/>
+              </a:ext>
+            </a:extLst>
+          </p:cNvPr>
+          <p:cNvSpPr/>
+          <p:nvPr/>
+        </p:nvSpPr>
+        <p:spPr>
+          <a:xfrm>
+            <a:off x="1795242" y="2763722"/>
+            <a:ext cx="180000" cy="90000"/>
+          </a:xfrm>
+          <a:prstGeom prst="rect">
+            <a:avLst/>
+          </a:prstGeom>
+          <a:solidFill>
+            <a:srgbClr val="A50021"/>
+          </a:solidFill>
+          <a:ln w="12700">
+            <a:solidFill>
+              <a:schemeClr val="tx1"/>
+            </a:solidFill>
+          </a:ln>
+        </p:spPr>
+        <p:style>
+          <a:lnRef idx="2">
+            <a:schemeClr val="accent1">
+              <a:shade val="50000"/>
+            </a:schemeClr>
+          </a:lnRef>
+          <a:fillRef idx="1">
+            <a:schemeClr val="accent1"/>
+          </a:fillRef>
+          <a:effectRef idx="0">
+            <a:schemeClr val="accent1"/>
+          </a:effectRef>
+          <a:fontRef idx="minor">
+            <a:schemeClr val="lt1"/>
+          </a:fontRef>
+        </p:style>
+        <p:txBody>
+          <a:bodyPr rtlCol="0" anchor="ctr"/>
+          <a:lstStyle/>
+          <a:p>
+            <a:pPr algn="ctr"/>
+            <a:endParaRPr lang="zh-CN" altLang="en-US"/>
+          </a:p>
+        </p:txBody>
+      </p:sp>
+      <p:cxnSp>
+        <p:nvCxnSpPr>
+          <p:cNvPr id="96" name="直接连接符 95">
+            <a:extLst>
+              <a:ext uri="{FF2B5EF4-FFF2-40B4-BE49-F238E27FC236}">
+                <a16:creationId xmlns:a16="http://schemas.microsoft.com/office/drawing/2014/main" id="{31488DEB-A838-4117-A0A6-C9EAA314AB78}"/>
+              </a:ext>
+            </a:extLst>
+          </p:cNvPr>
+          <p:cNvCxnSpPr>
+            <a:cxnSpLocks/>
+          </p:cNvCxnSpPr>
+          <p:nvPr/>
+        </p:nvCxnSpPr>
+        <p:spPr>
+          <a:xfrm>
+            <a:off x="1611119" y="2943838"/>
+            <a:ext cx="216000" cy="290"/>
+          </a:xfrm>
+          <a:prstGeom prst="line">
+            <a:avLst/>
+          </a:prstGeom>
+          <a:ln w="12700">
+            <a:solidFill>
+              <a:schemeClr val="tx1"/>
+            </a:solidFill>
+          </a:ln>
+        </p:spPr>
+        <p:style>
+          <a:lnRef idx="1">
+            <a:schemeClr val="accent1"/>
+          </a:lnRef>
+          <a:fillRef idx="0">
+            <a:schemeClr val="accent1"/>
+          </a:fillRef>
+          <a:effectRef idx="0">
+            <a:schemeClr val="accent1"/>
+          </a:effectRef>
+          <a:fontRef idx="minor">
+            <a:schemeClr val="tx1"/>
+          </a:fontRef>
+        </p:style>
+      </p:cxnSp>
+      <p:cxnSp>
+        <p:nvCxnSpPr>
+          <p:cNvPr id="99" name="直接连接符 98">
+            <a:extLst>
+              <a:ext uri="{FF2B5EF4-FFF2-40B4-BE49-F238E27FC236}">
+                <a16:creationId xmlns:a16="http://schemas.microsoft.com/office/drawing/2014/main" id="{D5D54438-6C28-4B4A-A46C-4AF3D6305D15}"/>
+              </a:ext>
+            </a:extLst>
+          </p:cNvPr>
+          <p:cNvCxnSpPr>
+            <a:cxnSpLocks/>
+          </p:cNvCxnSpPr>
+          <p:nvPr/>
+        </p:nvCxnSpPr>
+        <p:spPr>
+          <a:xfrm>
+            <a:off x="1764592" y="2943838"/>
+            <a:ext cx="216000" cy="290"/>
+          </a:xfrm>
+          <a:prstGeom prst="line">
+            <a:avLst/>
+          </a:prstGeom>
+          <a:ln w="12700">
+            <a:solidFill>
+              <a:schemeClr val="tx1"/>
+            </a:solidFill>
+          </a:ln>
+        </p:spPr>
+        <p:style>
+          <a:lnRef idx="1">
+            <a:schemeClr val="accent1"/>
+          </a:lnRef>
+          <a:fillRef idx="0">
+            <a:schemeClr val="accent1"/>
+          </a:fillRef>
+          <a:effectRef idx="0">
+            <a:schemeClr val="accent1"/>
+          </a:effectRef>
+          <a:fontRef idx="minor">
+            <a:schemeClr val="tx1"/>
+          </a:fontRef>
+        </p:style>
+      </p:cxnSp>
+      <p:sp>
+        <p:nvSpPr>
+          <p:cNvPr id="136" name="矩形 135">
+            <a:extLst>
+              <a:ext uri="{FF2B5EF4-FFF2-40B4-BE49-F238E27FC236}">
+                <a16:creationId xmlns:a16="http://schemas.microsoft.com/office/drawing/2014/main" id="{0C487074-6109-4BF3-B7AB-3046181011DA}"/>
+              </a:ext>
+            </a:extLst>
+          </p:cNvPr>
+          <p:cNvSpPr/>
+          <p:nvPr/>
+        </p:nvSpPr>
+        <p:spPr>
+          <a:xfrm>
+            <a:off x="2011242" y="2674302"/>
+            <a:ext cx="90001" cy="90000"/>
+          </a:xfrm>
+          <a:prstGeom prst="rect">
+            <a:avLst/>
+          </a:prstGeom>
+          <a:solidFill>
+            <a:srgbClr val="A50021"/>
+          </a:solidFill>
+          <a:ln w="12700">
+            <a:solidFill>
+              <a:srgbClr val="A50021"/>
+            </a:solidFill>
+          </a:ln>
+        </p:spPr>
+        <p:style>
+          <a:lnRef idx="2">
+            <a:schemeClr val="accent1">
+              <a:shade val="50000"/>
+            </a:schemeClr>
+          </a:lnRef>
+          <a:fillRef idx="1">
+            <a:schemeClr val="accent1"/>
+          </a:fillRef>
+          <a:effectRef idx="0">
+            <a:schemeClr val="accent1"/>
+          </a:effectRef>
+          <a:fontRef idx="minor">
+            <a:schemeClr val="lt1"/>
+          </a:fontRef>
+        </p:style>
+        <p:txBody>
+          <a:bodyPr rtlCol="0" anchor="ctr"/>
+          <a:lstStyle/>
+          <a:p>
+            <a:pPr algn="ctr"/>
+            <a:endParaRPr lang="zh-CN" altLang="en-US"/>
+          </a:p>
+        </p:txBody>
+      </p:sp>
+      <p:sp>
+        <p:nvSpPr>
+          <p:cNvPr id="137" name="矩形 136">
+            <a:extLst>
+              <a:ext uri="{FF2B5EF4-FFF2-40B4-BE49-F238E27FC236}">
+                <a16:creationId xmlns:a16="http://schemas.microsoft.com/office/drawing/2014/main" id="{3BBEA23D-865A-4761-9AA7-08DCAECA00C5}"/>
+              </a:ext>
+            </a:extLst>
+          </p:cNvPr>
+          <p:cNvSpPr/>
+          <p:nvPr/>
+        </p:nvSpPr>
+        <p:spPr>
+          <a:xfrm>
+            <a:off x="2279013" y="2674012"/>
+            <a:ext cx="90001" cy="90000"/>
+          </a:xfrm>
+          <a:prstGeom prst="rect">
+            <a:avLst/>
+          </a:prstGeom>
+          <a:solidFill>
+            <a:srgbClr val="A50021"/>
+          </a:solidFill>
+          <a:ln w="12700">
+            <a:solidFill>
+              <a:srgbClr val="A50021"/>
+            </a:solidFill>
+          </a:ln>
+        </p:spPr>
+        <p:style>
+          <a:lnRef idx="2">
+            <a:schemeClr val="accent1">
+              <a:shade val="50000"/>
+            </a:schemeClr>
+          </a:lnRef>
+          <a:fillRef idx="1">
+            <a:schemeClr val="accent1"/>
+          </a:fillRef>
+          <a:effectRef idx="0">
+            <a:schemeClr val="accent1"/>
+          </a:effectRef>
+          <a:fontRef idx="minor">
+            <a:schemeClr val="lt1"/>
+          </a:fontRef>
+        </p:style>
+        <p:txBody>
+          <a:bodyPr rtlCol="0" anchor="ctr"/>
+          <a:lstStyle/>
+          <a:p>
+            <a:pPr algn="ctr"/>
+            <a:endParaRPr lang="zh-CN" altLang="en-US"/>
+          </a:p>
+        </p:txBody>
+      </p:sp>
+      <p:sp>
+        <p:nvSpPr>
+          <p:cNvPr id="138" name="矩形 137">
+            <a:extLst>
+              <a:ext uri="{FF2B5EF4-FFF2-40B4-BE49-F238E27FC236}">
+                <a16:creationId xmlns:a16="http://schemas.microsoft.com/office/drawing/2014/main" id="{FC88A969-3C07-4C55-9360-BA1CAD6389F1}"/>
+              </a:ext>
+            </a:extLst>
+          </p:cNvPr>
+          <p:cNvSpPr/>
+          <p:nvPr/>
+        </p:nvSpPr>
+        <p:spPr>
+          <a:xfrm>
+            <a:off x="2279011" y="2853838"/>
+            <a:ext cx="90001" cy="90000"/>
+          </a:xfrm>
+          <a:prstGeom prst="rect">
+            <a:avLst/>
+          </a:prstGeom>
+          <a:solidFill>
+            <a:srgbClr val="A50021"/>
+          </a:solidFill>
+          <a:ln w="12700">
+            <a:solidFill>
+              <a:srgbClr val="A50021"/>
+            </a:solidFill>
+          </a:ln>
+        </p:spPr>
+        <p:style>
+          <a:lnRef idx="2">
+            <a:schemeClr val="accent1">
+              <a:shade val="50000"/>
+            </a:schemeClr>
+          </a:lnRef>
+          <a:fillRef idx="1">
+            <a:schemeClr val="accent1"/>
+          </a:fillRef>
+          <a:effectRef idx="0">
+            <a:schemeClr val="accent1"/>
+          </a:effectRef>
+          <a:fontRef idx="minor">
+            <a:schemeClr val="lt1"/>
+          </a:fontRef>
+        </p:style>
+        <p:txBody>
+          <a:bodyPr rtlCol="0" anchor="ctr"/>
+          <a:lstStyle/>
+          <a:p>
+            <a:pPr algn="ctr"/>
+            <a:endParaRPr lang="zh-CN" altLang="en-US"/>
+          </a:p>
+        </p:txBody>
+      </p:sp>
+      <p:sp>
+        <p:nvSpPr>
+          <p:cNvPr id="139" name="矩形 138">
+            <a:extLst>
+              <a:ext uri="{FF2B5EF4-FFF2-40B4-BE49-F238E27FC236}">
+                <a16:creationId xmlns:a16="http://schemas.microsoft.com/office/drawing/2014/main" id="{314C005B-C162-4F8A-903A-FD1407E6DC53}"/>
+              </a:ext>
+            </a:extLst>
+          </p:cNvPr>
+          <p:cNvSpPr/>
+          <p:nvPr/>
+        </p:nvSpPr>
+        <p:spPr>
+          <a:xfrm>
+            <a:off x="2011240" y="2854128"/>
+            <a:ext cx="90001" cy="90000"/>
+          </a:xfrm>
+          <a:prstGeom prst="rect">
+            <a:avLst/>
+          </a:prstGeom>
+          <a:solidFill>
+            <a:srgbClr val="A50021"/>
+          </a:solidFill>
+          <a:ln w="12700">
+            <a:solidFill>
+              <a:srgbClr val="A50021"/>
+            </a:solidFill>
+          </a:ln>
+        </p:spPr>
+        <p:style>
+          <a:lnRef idx="2">
+            <a:schemeClr val="accent1">
+              <a:shade val="50000"/>
+            </a:schemeClr>
+          </a:lnRef>
+          <a:fillRef idx="1">
+            <a:schemeClr val="accent1"/>
+          </a:fillRef>
+          <a:effectRef idx="0">
+            <a:schemeClr val="accent1"/>
+          </a:effectRef>
+          <a:fontRef idx="minor">
+            <a:schemeClr val="lt1"/>
+          </a:fontRef>
+        </p:style>
+        <p:txBody>
+          <a:bodyPr rtlCol="0" anchor="ctr"/>
+          <a:lstStyle/>
+          <a:p>
+            <a:pPr algn="ctr"/>
+            <a:endParaRPr lang="zh-CN" altLang="en-US"/>
+          </a:p>
+        </p:txBody>
+      </p:sp>
+      <p:sp>
+        <p:nvSpPr>
+          <p:cNvPr id="140" name="矩形 139">
+            <a:extLst>
+              <a:ext uri="{FF2B5EF4-FFF2-40B4-BE49-F238E27FC236}">
+                <a16:creationId xmlns:a16="http://schemas.microsoft.com/office/drawing/2014/main" id="{C296FD26-DB38-456F-B839-7B07F9E28888}"/>
+              </a:ext>
+            </a:extLst>
+          </p:cNvPr>
+          <p:cNvSpPr/>
+          <p:nvPr/>
+        </p:nvSpPr>
+        <p:spPr>
+          <a:xfrm>
+            <a:off x="2011244" y="2584186"/>
+            <a:ext cx="180000" cy="90000"/>
+          </a:xfrm>
+          <a:prstGeom prst="rect">
+            <a:avLst/>
+          </a:prstGeom>
+          <a:solidFill>
+            <a:srgbClr val="A50021"/>
+          </a:solidFill>
+          <a:ln w="12700">
+            <a:solidFill>
+              <a:schemeClr val="tx1"/>
+            </a:solidFill>
+          </a:ln>
+        </p:spPr>
+        <p:style>
+          <a:lnRef idx="2">
+            <a:schemeClr val="accent1">
+              <a:shade val="50000"/>
+            </a:schemeClr>
+          </a:lnRef>
+          <a:fillRef idx="1">
+            <a:schemeClr val="accent1"/>
+          </a:fillRef>
+          <a:effectRef idx="0">
+            <a:schemeClr val="accent1"/>
+          </a:effectRef>
+          <a:fontRef idx="minor">
+            <a:schemeClr val="lt1"/>
+          </a:fontRef>
+        </p:style>
+        <p:txBody>
+          <a:bodyPr rtlCol="0" anchor="ctr"/>
+          <a:lstStyle/>
+          <a:p>
+            <a:pPr algn="ctr"/>
+            <a:endParaRPr lang="zh-CN" altLang="en-US"/>
+          </a:p>
+        </p:txBody>
+      </p:sp>
+      <p:sp>
+        <p:nvSpPr>
+          <p:cNvPr id="141" name="矩形 140">
+            <a:extLst>
+              <a:ext uri="{FF2B5EF4-FFF2-40B4-BE49-F238E27FC236}">
+                <a16:creationId xmlns:a16="http://schemas.microsoft.com/office/drawing/2014/main" id="{58DAEBB3-268F-4153-94E9-1A907A6CD97D}"/>
+              </a:ext>
+            </a:extLst>
+          </p:cNvPr>
+          <p:cNvSpPr/>
+          <p:nvPr/>
+        </p:nvSpPr>
+        <p:spPr>
+          <a:xfrm>
+            <a:off x="2101244" y="2674186"/>
+            <a:ext cx="180000" cy="90000"/>
+          </a:xfrm>
+          <a:prstGeom prst="rect">
+            <a:avLst/>
+          </a:prstGeom>
+          <a:solidFill>
+            <a:srgbClr val="A50021"/>
+          </a:solidFill>
+          <a:ln w="12700">
+            <a:solidFill>
+              <a:schemeClr val="tx1"/>
+            </a:solidFill>
+          </a:ln>
+        </p:spPr>
+        <p:style>
+          <a:lnRef idx="2">
+            <a:schemeClr val="accent1">
+              <a:shade val="50000"/>
+            </a:schemeClr>
+          </a:lnRef>
+          <a:fillRef idx="1">
+            <a:schemeClr val="accent1"/>
+          </a:fillRef>
+          <a:effectRef idx="0">
+            <a:schemeClr val="accent1"/>
+          </a:effectRef>
+          <a:fontRef idx="minor">
+            <a:schemeClr val="lt1"/>
+          </a:fontRef>
+        </p:style>
+        <p:txBody>
+          <a:bodyPr rtlCol="0" anchor="ctr"/>
+          <a:lstStyle/>
+          <a:p>
+            <a:pPr algn="ctr"/>
+            <a:endParaRPr lang="zh-CN" altLang="en-US"/>
+          </a:p>
+        </p:txBody>
+      </p:sp>
+      <p:sp>
+        <p:nvSpPr>
+          <p:cNvPr id="142" name="矩形 141">
+            <a:extLst>
+              <a:ext uri="{FF2B5EF4-FFF2-40B4-BE49-F238E27FC236}">
+                <a16:creationId xmlns:a16="http://schemas.microsoft.com/office/drawing/2014/main" id="{382AA940-B5A9-457F-AAFD-8910CC106BC4}"/>
+              </a:ext>
+            </a:extLst>
+          </p:cNvPr>
+          <p:cNvSpPr/>
+          <p:nvPr/>
+        </p:nvSpPr>
+        <p:spPr>
+          <a:xfrm>
+            <a:off x="2189013" y="2583896"/>
+            <a:ext cx="180000" cy="90000"/>
+          </a:xfrm>
+          <a:prstGeom prst="rect">
+            <a:avLst/>
+          </a:prstGeom>
+          <a:solidFill>
+            <a:srgbClr val="A50021"/>
+          </a:solidFill>
+          <a:ln w="12700">
+            <a:solidFill>
+              <a:schemeClr val="tx1"/>
+            </a:solidFill>
+          </a:ln>
+        </p:spPr>
+        <p:style>
+          <a:lnRef idx="2">
+            <a:schemeClr val="accent1">
+              <a:shade val="50000"/>
+            </a:schemeClr>
+          </a:lnRef>
+          <a:fillRef idx="1">
+            <a:schemeClr val="accent1"/>
+          </a:fillRef>
+          <a:effectRef idx="0">
+            <a:schemeClr val="accent1"/>
+          </a:effectRef>
+          <a:fontRef idx="minor">
+            <a:schemeClr val="lt1"/>
+          </a:fontRef>
+        </p:style>
+        <p:txBody>
+          <a:bodyPr rtlCol="0" anchor="ctr"/>
+          <a:lstStyle/>
+          <a:p>
+            <a:pPr algn="ctr"/>
+            <a:endParaRPr lang="zh-CN" altLang="en-US"/>
+          </a:p>
+        </p:txBody>
+      </p:sp>
+      <p:sp>
+        <p:nvSpPr>
+          <p:cNvPr id="143" name="矩形 142">
+            <a:extLst>
+              <a:ext uri="{FF2B5EF4-FFF2-40B4-BE49-F238E27FC236}">
+                <a16:creationId xmlns:a16="http://schemas.microsoft.com/office/drawing/2014/main" id="{A77CB805-43C3-428E-BAA5-885D227CA211}"/>
+              </a:ext>
+            </a:extLst>
+          </p:cNvPr>
+          <p:cNvSpPr/>
+          <p:nvPr/>
+        </p:nvSpPr>
+        <p:spPr>
+          <a:xfrm>
+            <a:off x="2011242" y="2764012"/>
+            <a:ext cx="180000" cy="90000"/>
+          </a:xfrm>
+          <a:prstGeom prst="rect">
+            <a:avLst/>
+          </a:prstGeom>
+          <a:solidFill>
+            <a:srgbClr val="A50021"/>
+          </a:solidFill>
+          <a:ln w="12700">
+            <a:solidFill>
+              <a:schemeClr val="tx1"/>
+            </a:solidFill>
+          </a:ln>
+        </p:spPr>
+        <p:style>
+          <a:lnRef idx="2">
+            <a:schemeClr val="accent1">
+              <a:shade val="50000"/>
+            </a:schemeClr>
+          </a:lnRef>
+          <a:fillRef idx="1">
+            <a:schemeClr val="accent1"/>
+          </a:fillRef>
+          <a:effectRef idx="0">
+            <a:schemeClr val="accent1"/>
+          </a:effectRef>
+          <a:fontRef idx="minor">
+            <a:schemeClr val="lt1"/>
+          </a:fontRef>
+        </p:style>
+        <p:txBody>
+          <a:bodyPr rtlCol="0" anchor="ctr"/>
+          <a:lstStyle/>
+          <a:p>
+            <a:pPr algn="ctr"/>
+            <a:endParaRPr lang="zh-CN" altLang="en-US" dirty="0"/>
+          </a:p>
+        </p:txBody>
+      </p:sp>
+      <p:sp>
+        <p:nvSpPr>
+          <p:cNvPr id="144" name="矩形 143">
+            <a:extLst>
+              <a:ext uri="{FF2B5EF4-FFF2-40B4-BE49-F238E27FC236}">
+                <a16:creationId xmlns:a16="http://schemas.microsoft.com/office/drawing/2014/main" id="{14495EDE-3CE1-4F47-BAD1-BF16A456C6C9}"/>
+              </a:ext>
+            </a:extLst>
+          </p:cNvPr>
+          <p:cNvSpPr/>
+          <p:nvPr/>
+        </p:nvSpPr>
+        <p:spPr>
+          <a:xfrm>
+            <a:off x="2101242" y="2854012"/>
+            <a:ext cx="180000" cy="90000"/>
+          </a:xfrm>
+          <a:prstGeom prst="rect">
+            <a:avLst/>
+          </a:prstGeom>
+          <a:solidFill>
+            <a:srgbClr val="A50021"/>
+          </a:solidFill>
+          <a:ln w="12700">
+            <a:solidFill>
+              <a:schemeClr val="tx1"/>
+            </a:solidFill>
+          </a:ln>
+        </p:spPr>
+        <p:style>
+          <a:lnRef idx="2">
+            <a:schemeClr val="accent1">
+              <a:shade val="50000"/>
+            </a:schemeClr>
+          </a:lnRef>
+          <a:fillRef idx="1">
+            <a:schemeClr val="accent1"/>
+          </a:fillRef>
+          <a:effectRef idx="0">
+            <a:schemeClr val="accent1"/>
+          </a:effectRef>
+          <a:fontRef idx="minor">
+            <a:schemeClr val="lt1"/>
+          </a:fontRef>
+        </p:style>
+        <p:txBody>
+          <a:bodyPr rtlCol="0" anchor="ctr"/>
+          <a:lstStyle/>
+          <a:p>
+            <a:pPr algn="ctr"/>
+            <a:endParaRPr lang="zh-CN" altLang="en-US"/>
+          </a:p>
+        </p:txBody>
+      </p:sp>
+      <p:sp>
+        <p:nvSpPr>
+          <p:cNvPr id="145" name="矩形 144">
+            <a:extLst>
+              <a:ext uri="{FF2B5EF4-FFF2-40B4-BE49-F238E27FC236}">
+                <a16:creationId xmlns:a16="http://schemas.microsoft.com/office/drawing/2014/main" id="{2A1A9BD6-726F-4A26-B7FD-19D568C6706C}"/>
+              </a:ext>
+            </a:extLst>
+          </p:cNvPr>
+          <p:cNvSpPr/>
+          <p:nvPr/>
+        </p:nvSpPr>
+        <p:spPr>
+          <a:xfrm>
+            <a:off x="2189011" y="2763722"/>
+            <a:ext cx="180000" cy="90000"/>
+          </a:xfrm>
+          <a:prstGeom prst="rect">
+            <a:avLst/>
+          </a:prstGeom>
+          <a:solidFill>
+            <a:srgbClr val="A50021"/>
+          </a:solidFill>
+          <a:ln w="12700">
+            <a:solidFill>
+              <a:schemeClr val="tx1"/>
+            </a:solidFill>
+          </a:ln>
+        </p:spPr>
+        <p:style>
+          <a:lnRef idx="2">
+            <a:schemeClr val="accent1">
+              <a:shade val="50000"/>
+            </a:schemeClr>
+          </a:lnRef>
+          <a:fillRef idx="1">
+            <a:schemeClr val="accent1"/>
+          </a:fillRef>
+          <a:effectRef idx="0">
+            <a:schemeClr val="accent1"/>
+          </a:effectRef>
+          <a:fontRef idx="minor">
+            <a:schemeClr val="lt1"/>
+          </a:fontRef>
+        </p:style>
+        <p:txBody>
+          <a:bodyPr rtlCol="0" anchor="ctr"/>
+          <a:lstStyle/>
+          <a:p>
+            <a:pPr algn="ctr"/>
+            <a:endParaRPr lang="zh-CN" altLang="en-US"/>
+          </a:p>
+        </p:txBody>
+      </p:sp>
+      <p:cxnSp>
+        <p:nvCxnSpPr>
+          <p:cNvPr id="146" name="直接连接符 145">
+            <a:extLst>
+              <a:ext uri="{FF2B5EF4-FFF2-40B4-BE49-F238E27FC236}">
+                <a16:creationId xmlns:a16="http://schemas.microsoft.com/office/drawing/2014/main" id="{BDACF4F7-F03F-42FF-A838-38556DE57D5B}"/>
+              </a:ext>
+            </a:extLst>
+          </p:cNvPr>
+          <p:cNvCxnSpPr>
+            <a:cxnSpLocks/>
+          </p:cNvCxnSpPr>
+          <p:nvPr/>
+        </p:nvCxnSpPr>
+        <p:spPr>
+          <a:xfrm>
+            <a:off x="2004888" y="2943838"/>
+            <a:ext cx="216000" cy="290"/>
+          </a:xfrm>
+          <a:prstGeom prst="line">
+            <a:avLst/>
+          </a:prstGeom>
+          <a:ln w="12700">
+            <a:solidFill>
+              <a:schemeClr val="tx1"/>
+            </a:solidFill>
+          </a:ln>
+        </p:spPr>
+        <p:style>
+          <a:lnRef idx="1">
+            <a:schemeClr val="accent1"/>
+          </a:lnRef>
+          <a:fillRef idx="0">
+            <a:schemeClr val="accent1"/>
+          </a:fillRef>
+          <a:effectRef idx="0">
+            <a:schemeClr val="accent1"/>
+          </a:effectRef>
+          <a:fontRef idx="minor">
+            <a:schemeClr val="tx1"/>
+          </a:fontRef>
+        </p:style>
+      </p:cxnSp>
+      <p:cxnSp>
+        <p:nvCxnSpPr>
+          <p:cNvPr id="147" name="直接连接符 146">
+            <a:extLst>
+              <a:ext uri="{FF2B5EF4-FFF2-40B4-BE49-F238E27FC236}">
+                <a16:creationId xmlns:a16="http://schemas.microsoft.com/office/drawing/2014/main" id="{A570841B-F3A7-4FDD-8140-8251095E0A6D}"/>
+              </a:ext>
+            </a:extLst>
+          </p:cNvPr>
+          <p:cNvCxnSpPr>
+            <a:cxnSpLocks/>
+          </p:cNvCxnSpPr>
+          <p:nvPr/>
+        </p:nvCxnSpPr>
+        <p:spPr>
+          <a:xfrm>
+            <a:off x="2158361" y="2943838"/>
+            <a:ext cx="216000" cy="290"/>
+          </a:xfrm>
+          <a:prstGeom prst="line">
+            <a:avLst/>
+          </a:prstGeom>
+          <a:ln w="12700">
+            <a:solidFill>
+              <a:schemeClr val="tx1"/>
+            </a:solidFill>
+          </a:ln>
+        </p:spPr>
+        <p:style>
+          <a:lnRef idx="1">
+            <a:schemeClr val="accent1"/>
+          </a:lnRef>
+          <a:fillRef idx="0">
+            <a:schemeClr val="accent1"/>
+          </a:fillRef>
+          <a:effectRef idx="0">
+            <a:schemeClr val="accent1"/>
+          </a:effectRef>
+          <a:fontRef idx="minor">
+            <a:schemeClr val="tx1"/>
+          </a:fontRef>
+        </p:style>
+      </p:cxnSp>
+      <p:sp>
+        <p:nvSpPr>
+          <p:cNvPr id="13" name="爆炸形: 8 pt  12">
+            <a:extLst>
+              <a:ext uri="{FF2B5EF4-FFF2-40B4-BE49-F238E27FC236}">
+                <a16:creationId xmlns:a16="http://schemas.microsoft.com/office/drawing/2014/main" id="{FF450ED9-AEF4-4E08-871E-E5EE69DD21E7}"/>
+              </a:ext>
+            </a:extLst>
+          </p:cNvPr>
+          <p:cNvSpPr/>
+          <p:nvPr/>
+        </p:nvSpPr>
+        <p:spPr>
+          <a:xfrm>
+            <a:off x="1992313" y="2244725"/>
+            <a:ext cx="74612" cy="56280"/>
+          </a:xfrm>
+          <a:prstGeom prst="irregularSeal1">
+            <a:avLst/>
+          </a:prstGeom>
+          <a:solidFill>
+            <a:schemeClr val="tx1"/>
+          </a:solidFill>
+          <a:ln>
+            <a:solidFill>
+              <a:schemeClr val="tx1"/>
+            </a:solidFill>
+          </a:ln>
+        </p:spPr>
+        <p:style>
+          <a:lnRef idx="2">
+            <a:schemeClr val="accent1">
+              <a:shade val="50000"/>
+            </a:schemeClr>
+          </a:lnRef>
+          <a:fillRef idx="1">
+            <a:schemeClr val="accent1"/>
+          </a:fillRef>
+          <a:effectRef idx="0">
+            <a:schemeClr val="accent1"/>
+          </a:effectRef>
+          <a:fontRef idx="minor">
+            <a:schemeClr val="lt1"/>
+          </a:fontRef>
+        </p:style>
+        <p:txBody>
+          <a:bodyPr rtlCol="0" anchor="ctr"/>
+          <a:lstStyle/>
+          <a:p>
+            <a:pPr algn="ctr"/>
+            <a:endParaRPr lang="zh-CN" altLang="en-US"/>
+          </a:p>
+        </p:txBody>
+      </p:sp>
+      <p:sp>
+        <p:nvSpPr>
+          <p:cNvPr id="173" name="爆炸形: 8 pt  172">
+            <a:extLst>
+              <a:ext uri="{FF2B5EF4-FFF2-40B4-BE49-F238E27FC236}">
+                <a16:creationId xmlns:a16="http://schemas.microsoft.com/office/drawing/2014/main" id="{8BF54117-B806-4EC8-82A7-A7343E38D0FA}"/>
+              </a:ext>
+            </a:extLst>
+          </p:cNvPr>
+          <p:cNvSpPr/>
+          <p:nvPr/>
+        </p:nvSpPr>
+        <p:spPr>
+          <a:xfrm>
+            <a:off x="2062822" y="2617761"/>
+            <a:ext cx="74612" cy="45719"/>
+          </a:xfrm>
+          <a:prstGeom prst="irregularSeal1">
+            <a:avLst/>
+          </a:prstGeom>
+          <a:solidFill>
+            <a:schemeClr val="tx1"/>
+          </a:solidFill>
+          <a:ln>
+            <a:solidFill>
+              <a:schemeClr val="tx1"/>
+            </a:solidFill>
+          </a:ln>
+        </p:spPr>
+        <p:style>
+          <a:lnRef idx="2">
+            <a:schemeClr val="accent1">
+              <a:shade val="50000"/>
+            </a:schemeClr>
+          </a:lnRef>
+          <a:fillRef idx="1">
+            <a:schemeClr val="accent1"/>
+          </a:fillRef>
+          <a:effectRef idx="0">
+            <a:schemeClr val="accent1"/>
+          </a:effectRef>
+          <a:fontRef idx="minor">
+            <a:schemeClr val="lt1"/>
+          </a:fontRef>
+        </p:style>
+        <p:txBody>
+          <a:bodyPr rtlCol="0" anchor="ctr"/>
+          <a:lstStyle/>
+          <a:p>
+            <a:pPr algn="ctr"/>
+            <a:endParaRPr lang="zh-CN" altLang="en-US"/>
+          </a:p>
+        </p:txBody>
+      </p:sp>
+      <p:sp>
+        <p:nvSpPr>
+          <p:cNvPr id="174" name="爆炸形: 8 pt  173">
+            <a:extLst>
+              <a:ext uri="{FF2B5EF4-FFF2-40B4-BE49-F238E27FC236}">
+                <a16:creationId xmlns:a16="http://schemas.microsoft.com/office/drawing/2014/main" id="{C579FA45-31C8-4378-A70A-F007306CC2CA}"/>
+              </a:ext>
+            </a:extLst>
+          </p:cNvPr>
+          <p:cNvSpPr/>
+          <p:nvPr/>
+        </p:nvSpPr>
+        <p:spPr>
+          <a:xfrm>
+            <a:off x="2217689" y="2823192"/>
+            <a:ext cx="111618" cy="71688"/>
+          </a:xfrm>
+          <a:prstGeom prst="irregularSeal1">
+            <a:avLst/>
+          </a:prstGeom>
+          <a:solidFill>
+            <a:schemeClr val="tx1"/>
+          </a:solidFill>
+          <a:ln>
+            <a:solidFill>
+              <a:schemeClr val="tx1"/>
+            </a:solidFill>
+          </a:ln>
+        </p:spPr>
+        <p:style>
+          <a:lnRef idx="2">
+            <a:schemeClr val="accent1">
+              <a:shade val="50000"/>
+            </a:schemeClr>
+          </a:lnRef>
+          <a:fillRef idx="1">
+            <a:schemeClr val="accent1"/>
+          </a:fillRef>
+          <a:effectRef idx="0">
+            <a:schemeClr val="accent1"/>
+          </a:effectRef>
+          <a:fontRef idx="minor">
+            <a:schemeClr val="lt1"/>
+          </a:fontRef>
+        </p:style>
+        <p:txBody>
+          <a:bodyPr rtlCol="0" anchor="ctr"/>
+          <a:lstStyle/>
+          <a:p>
+            <a:pPr algn="ctr"/>
+            <a:endParaRPr lang="zh-CN" altLang="en-US"/>
+          </a:p>
+        </p:txBody>
+      </p:sp>
+      <p:sp>
+        <p:nvSpPr>
+          <p:cNvPr id="175" name="爆炸形: 8 pt  174">
+            <a:extLst>
+              <a:ext uri="{FF2B5EF4-FFF2-40B4-BE49-F238E27FC236}">
+                <a16:creationId xmlns:a16="http://schemas.microsoft.com/office/drawing/2014/main" id="{39107B33-C401-41E3-AC1B-E35CF37E335B}"/>
+              </a:ext>
+            </a:extLst>
+          </p:cNvPr>
+          <p:cNvSpPr/>
+          <p:nvPr/>
+        </p:nvSpPr>
+        <p:spPr>
+          <a:xfrm>
+            <a:off x="2066475" y="2802494"/>
+            <a:ext cx="54136" cy="90000"/>
+          </a:xfrm>
+          <a:prstGeom prst="irregularSeal1">
+            <a:avLst/>
+          </a:prstGeom>
+          <a:solidFill>
+            <a:schemeClr val="tx1"/>
+          </a:solidFill>
+          <a:ln>
+            <a:solidFill>
+              <a:schemeClr val="tx1"/>
+            </a:solidFill>
+          </a:ln>
+        </p:spPr>
+        <p:style>
+          <a:lnRef idx="2">
+            <a:schemeClr val="accent1">
+              <a:shade val="50000"/>
+            </a:schemeClr>
+          </a:lnRef>
+          <a:fillRef idx="1">
+            <a:schemeClr val="accent1"/>
+          </a:fillRef>
+          <a:effectRef idx="0">
+            <a:schemeClr val="accent1"/>
+          </a:effectRef>
+          <a:fontRef idx="minor">
+            <a:schemeClr val="lt1"/>
+          </a:fontRef>
+        </p:style>
+        <p:txBody>
+          <a:bodyPr rtlCol="0" anchor="ctr"/>
+          <a:lstStyle/>
+          <a:p>
+            <a:pPr algn="ctr"/>
+            <a:endParaRPr lang="zh-CN" altLang="en-US"/>
+          </a:p>
+        </p:txBody>
+      </p:sp>
+      <p:sp>
+        <p:nvSpPr>
+          <p:cNvPr id="176" name="爆炸形: 8 pt  175">
+            <a:extLst>
+              <a:ext uri="{FF2B5EF4-FFF2-40B4-BE49-F238E27FC236}">
+                <a16:creationId xmlns:a16="http://schemas.microsoft.com/office/drawing/2014/main" id="{8FCE9D26-C308-4064-9564-39B5C83FCE7C}"/>
+              </a:ext>
+            </a:extLst>
+          </p:cNvPr>
+          <p:cNvSpPr/>
+          <p:nvPr/>
+        </p:nvSpPr>
+        <p:spPr>
+          <a:xfrm>
+            <a:off x="2260820" y="2607200"/>
+            <a:ext cx="68487" cy="45719"/>
+          </a:xfrm>
+          <a:prstGeom prst="irregularSeal1">
+            <a:avLst/>
+          </a:prstGeom>
+          <a:solidFill>
+            <a:schemeClr val="tx1"/>
+          </a:solidFill>
+          <a:ln>
+            <a:solidFill>
+              <a:schemeClr val="tx1"/>
+            </a:solidFill>
+          </a:ln>
+        </p:spPr>
+        <p:style>
+          <a:lnRef idx="2">
+            <a:schemeClr val="accent1">
+              <a:shade val="50000"/>
+            </a:schemeClr>
+          </a:lnRef>
+          <a:fillRef idx="1">
+            <a:schemeClr val="accent1"/>
+          </a:fillRef>
+          <a:effectRef idx="0">
+            <a:schemeClr val="accent1"/>
+          </a:effectRef>
+          <a:fontRef idx="minor">
+            <a:schemeClr val="lt1"/>
+          </a:fontRef>
+        </p:style>
+        <p:txBody>
+          <a:bodyPr rtlCol="0" anchor="ctr"/>
+          <a:lstStyle/>
+          <a:p>
+            <a:pPr algn="ctr"/>
+            <a:endParaRPr lang="zh-CN" altLang="en-US"/>
+          </a:p>
+        </p:txBody>
+      </p:sp>
+      <p:sp>
+        <p:nvSpPr>
+          <p:cNvPr id="177" name="爆炸形: 8 pt  176">
+            <a:extLst>
+              <a:ext uri="{FF2B5EF4-FFF2-40B4-BE49-F238E27FC236}">
+                <a16:creationId xmlns:a16="http://schemas.microsoft.com/office/drawing/2014/main" id="{9AFF351B-B037-47AB-BD4F-34A98838E2C0}"/>
+              </a:ext>
+            </a:extLst>
+          </p:cNvPr>
+          <p:cNvSpPr/>
+          <p:nvPr/>
+        </p:nvSpPr>
+        <p:spPr>
+          <a:xfrm>
+            <a:off x="2178708" y="2694884"/>
+            <a:ext cx="86148" cy="107610"/>
+          </a:xfrm>
+          <a:prstGeom prst="irregularSeal1">
+            <a:avLst/>
+          </a:prstGeom>
+          <a:solidFill>
+            <a:schemeClr val="tx1"/>
+          </a:solidFill>
+          <a:ln>
+            <a:solidFill>
+              <a:schemeClr val="tx1"/>
+            </a:solidFill>
+          </a:ln>
+        </p:spPr>
+        <p:style>
+          <a:lnRef idx="2">
+            <a:schemeClr val="accent1">
+              <a:shade val="50000"/>
+            </a:schemeClr>
+          </a:lnRef>
+          <a:fillRef idx="1">
+            <a:schemeClr val="accent1"/>
+          </a:fillRef>
+          <a:effectRef idx="0">
+            <a:schemeClr val="accent1"/>
+          </a:effectRef>
+          <a:fontRef idx="minor">
+            <a:schemeClr val="lt1"/>
+          </a:fontRef>
+        </p:style>
+        <p:txBody>
+          <a:bodyPr rtlCol="0" anchor="ctr"/>
+          <a:lstStyle/>
+          <a:p>
+            <a:pPr algn="ctr"/>
+            <a:endParaRPr lang="zh-CN" altLang="en-US"/>
+          </a:p>
+        </p:txBody>
+      </p:sp>
+      <p:sp>
+        <p:nvSpPr>
+          <p:cNvPr id="178" name="矩形 177">
+            <a:extLst>
+              <a:ext uri="{FF2B5EF4-FFF2-40B4-BE49-F238E27FC236}">
+                <a16:creationId xmlns:a16="http://schemas.microsoft.com/office/drawing/2014/main" id="{87F6E693-42BD-4AB9-B25E-988254904E4E}"/>
+              </a:ext>
+            </a:extLst>
+          </p:cNvPr>
+          <p:cNvSpPr/>
+          <p:nvPr/>
+        </p:nvSpPr>
+        <p:spPr>
+          <a:xfrm>
+            <a:off x="2394708" y="2674302"/>
+            <a:ext cx="90001" cy="90000"/>
+          </a:xfrm>
+          <a:prstGeom prst="rect">
+            <a:avLst/>
+          </a:prstGeom>
+          <a:solidFill>
+            <a:srgbClr val="A50021"/>
+          </a:solidFill>
+          <a:ln w="12700">
+            <a:solidFill>
+              <a:srgbClr val="A50021"/>
+            </a:solidFill>
+          </a:ln>
+        </p:spPr>
+        <p:style>
+          <a:lnRef idx="2">
+            <a:schemeClr val="accent1">
+              <a:shade val="50000"/>
+            </a:schemeClr>
+          </a:lnRef>
+          <a:fillRef idx="1">
+            <a:schemeClr val="accent1"/>
+          </a:fillRef>
+          <a:effectRef idx="0">
+            <a:schemeClr val="accent1"/>
+          </a:effectRef>
+          <a:fontRef idx="minor">
+            <a:schemeClr val="lt1"/>
+          </a:fontRef>
+        </p:style>
+        <p:txBody>
+          <a:bodyPr rtlCol="0" anchor="ctr"/>
+          <a:lstStyle/>
+          <a:p>
+            <a:pPr algn="ctr"/>
+            <a:endParaRPr lang="zh-CN" altLang="en-US"/>
+          </a:p>
+        </p:txBody>
+      </p:sp>
+      <p:sp>
+        <p:nvSpPr>
+          <p:cNvPr id="179" name="矩形 178">
+            <a:extLst>
+              <a:ext uri="{FF2B5EF4-FFF2-40B4-BE49-F238E27FC236}">
+                <a16:creationId xmlns:a16="http://schemas.microsoft.com/office/drawing/2014/main" id="{693965BA-6DC9-465B-BF69-D0F2C60576E5}"/>
+              </a:ext>
+            </a:extLst>
+          </p:cNvPr>
+          <p:cNvSpPr/>
+          <p:nvPr/>
+        </p:nvSpPr>
+        <p:spPr>
+          <a:xfrm>
+            <a:off x="2662479" y="2674012"/>
+            <a:ext cx="90001" cy="90000"/>
+          </a:xfrm>
+          <a:prstGeom prst="rect">
+            <a:avLst/>
+          </a:prstGeom>
+          <a:solidFill>
+            <a:srgbClr val="A50021"/>
+          </a:solidFill>
+          <a:ln w="12700">
+            <a:solidFill>
+              <a:srgbClr val="A50021"/>
+            </a:solidFill>
+          </a:ln>
+        </p:spPr>
+        <p:style>
+          <a:lnRef idx="2">
+            <a:schemeClr val="accent1">
+              <a:shade val="50000"/>
+            </a:schemeClr>
+          </a:lnRef>
+          <a:fillRef idx="1">
+            <a:schemeClr val="accent1"/>
+          </a:fillRef>
+          <a:effectRef idx="0">
+            <a:schemeClr val="accent1"/>
+          </a:effectRef>
+          <a:fontRef idx="minor">
+            <a:schemeClr val="lt1"/>
+          </a:fontRef>
+        </p:style>
+        <p:txBody>
+          <a:bodyPr rtlCol="0" anchor="ctr"/>
+          <a:lstStyle/>
+          <a:p>
+            <a:pPr algn="ctr"/>
+            <a:endParaRPr lang="zh-CN" altLang="en-US"/>
+          </a:p>
+        </p:txBody>
+      </p:sp>
+      <p:sp>
+        <p:nvSpPr>
+          <p:cNvPr id="180" name="矩形 179">
+            <a:extLst>
+              <a:ext uri="{FF2B5EF4-FFF2-40B4-BE49-F238E27FC236}">
+                <a16:creationId xmlns:a16="http://schemas.microsoft.com/office/drawing/2014/main" id="{995C46DE-EB5E-4E01-AB11-955830DBC181}"/>
+              </a:ext>
+            </a:extLst>
+          </p:cNvPr>
+          <p:cNvSpPr/>
+          <p:nvPr/>
+        </p:nvSpPr>
+        <p:spPr>
+          <a:xfrm>
+            <a:off x="2662477" y="2853838"/>
+            <a:ext cx="90001" cy="90000"/>
+          </a:xfrm>
+          <a:prstGeom prst="rect">
+            <a:avLst/>
+          </a:prstGeom>
+          <a:solidFill>
+            <a:srgbClr val="A50021"/>
+          </a:solidFill>
+          <a:ln w="12700">
+            <a:solidFill>
+              <a:srgbClr val="A50021"/>
+            </a:solidFill>
+          </a:ln>
+        </p:spPr>
+        <p:style>
+          <a:lnRef idx="2">
+            <a:schemeClr val="accent1">
+              <a:shade val="50000"/>
+            </a:schemeClr>
+          </a:lnRef>
+          <a:fillRef idx="1">
+            <a:schemeClr val="accent1"/>
+          </a:fillRef>
+          <a:effectRef idx="0">
+            <a:schemeClr val="accent1"/>
+          </a:effectRef>
+          <a:fontRef idx="minor">
+            <a:schemeClr val="lt1"/>
+          </a:fontRef>
+        </p:style>
+        <p:txBody>
+          <a:bodyPr rtlCol="0" anchor="ctr"/>
+          <a:lstStyle/>
+          <a:p>
+            <a:pPr algn="ctr"/>
+            <a:endParaRPr lang="zh-CN" altLang="en-US"/>
+          </a:p>
+        </p:txBody>
+      </p:sp>
+      <p:sp>
+        <p:nvSpPr>
+          <p:cNvPr id="181" name="矩形 180">
+            <a:extLst>
+              <a:ext uri="{FF2B5EF4-FFF2-40B4-BE49-F238E27FC236}">
+                <a16:creationId xmlns:a16="http://schemas.microsoft.com/office/drawing/2014/main" id="{209626E2-7B2C-4E43-8CF6-2E583A84B2F3}"/>
+              </a:ext>
+            </a:extLst>
+          </p:cNvPr>
+          <p:cNvSpPr/>
+          <p:nvPr/>
+        </p:nvSpPr>
+        <p:spPr>
+          <a:xfrm>
+            <a:off x="2394706" y="2854128"/>
+            <a:ext cx="90001" cy="90000"/>
+          </a:xfrm>
+          <a:prstGeom prst="rect">
+            <a:avLst/>
+          </a:prstGeom>
+          <a:solidFill>
+            <a:srgbClr val="A50021"/>
+          </a:solidFill>
+          <a:ln w="12700">
+            <a:solidFill>
+              <a:srgbClr val="A50021"/>
+            </a:solidFill>
+          </a:ln>
+        </p:spPr>
+        <p:style>
+          <a:lnRef idx="2">
+            <a:schemeClr val="accent1">
+              <a:shade val="50000"/>
+            </a:schemeClr>
+          </a:lnRef>
+          <a:fillRef idx="1">
+            <a:schemeClr val="accent1"/>
+          </a:fillRef>
+          <a:effectRef idx="0">
+            <a:schemeClr val="accent1"/>
+          </a:effectRef>
+          <a:fontRef idx="minor">
+            <a:schemeClr val="lt1"/>
+          </a:fontRef>
+        </p:style>
+        <p:txBody>
+          <a:bodyPr rtlCol="0" anchor="ctr"/>
+          <a:lstStyle/>
+          <a:p>
+            <a:pPr algn="ctr"/>
+            <a:endParaRPr lang="zh-CN" altLang="en-US"/>
+          </a:p>
+        </p:txBody>
+      </p:sp>
+      <p:sp>
+        <p:nvSpPr>
+          <p:cNvPr id="182" name="矩形 181">
+            <a:extLst>
+              <a:ext uri="{FF2B5EF4-FFF2-40B4-BE49-F238E27FC236}">
+                <a16:creationId xmlns:a16="http://schemas.microsoft.com/office/drawing/2014/main" id="{C6B4488E-8881-4995-B16A-DD38979F2A7E}"/>
+              </a:ext>
+            </a:extLst>
+          </p:cNvPr>
+          <p:cNvSpPr/>
+          <p:nvPr/>
+        </p:nvSpPr>
+        <p:spPr>
+          <a:xfrm>
+            <a:off x="2394710" y="2584186"/>
+            <a:ext cx="180000" cy="90000"/>
+          </a:xfrm>
+          <a:prstGeom prst="rect">
+            <a:avLst/>
+          </a:prstGeom>
+          <a:solidFill>
+            <a:srgbClr val="A50021"/>
+          </a:solidFill>
+          <a:ln w="12700">
+            <a:solidFill>
+              <a:schemeClr val="tx1"/>
+            </a:solidFill>
+          </a:ln>
+        </p:spPr>
+        <p:style>
+          <a:lnRef idx="2">
+            <a:schemeClr val="accent1">
+              <a:shade val="50000"/>
+            </a:schemeClr>
+          </a:lnRef>
+          <a:fillRef idx="1">
+            <a:schemeClr val="accent1"/>
+          </a:fillRef>
+          <a:effectRef idx="0">
+            <a:schemeClr val="accent1"/>
+          </a:effectRef>
+          <a:fontRef idx="minor">
+            <a:schemeClr val="lt1"/>
+          </a:fontRef>
+        </p:style>
+        <p:txBody>
+          <a:bodyPr rtlCol="0" anchor="ctr"/>
+          <a:lstStyle/>
+          <a:p>
+            <a:pPr algn="ctr"/>
+            <a:endParaRPr lang="zh-CN" altLang="en-US"/>
+          </a:p>
+        </p:txBody>
+      </p:sp>
+      <p:sp>
+        <p:nvSpPr>
+          <p:cNvPr id="183" name="矩形 182">
+            <a:extLst>
+              <a:ext uri="{FF2B5EF4-FFF2-40B4-BE49-F238E27FC236}">
+                <a16:creationId xmlns:a16="http://schemas.microsoft.com/office/drawing/2014/main" id="{1BCEFADF-10CF-4CEC-BE84-532DEDA8F8BE}"/>
+              </a:ext>
+            </a:extLst>
+          </p:cNvPr>
+          <p:cNvSpPr/>
+          <p:nvPr/>
+        </p:nvSpPr>
+        <p:spPr>
+          <a:xfrm>
+            <a:off x="2484710" y="2674186"/>
+            <a:ext cx="180000" cy="90000"/>
+          </a:xfrm>
+          <a:prstGeom prst="rect">
+            <a:avLst/>
+          </a:prstGeom>
+          <a:solidFill>
+            <a:srgbClr val="A50021"/>
+          </a:solidFill>
+          <a:ln w="12700">
+            <a:solidFill>
+              <a:schemeClr val="tx1"/>
+            </a:solidFill>
+          </a:ln>
+        </p:spPr>
+        <p:style>
+          <a:lnRef idx="2">
+            <a:schemeClr val="accent1">
+              <a:shade val="50000"/>
+            </a:schemeClr>
+          </a:lnRef>
+          <a:fillRef idx="1">
+            <a:schemeClr val="accent1"/>
+          </a:fillRef>
+          <a:effectRef idx="0">
+            <a:schemeClr val="accent1"/>
+          </a:effectRef>
+          <a:fontRef idx="minor">
+            <a:schemeClr val="lt1"/>
+          </a:fontRef>
+        </p:style>
+        <p:txBody>
+          <a:bodyPr rtlCol="0" anchor="ctr"/>
+          <a:lstStyle/>
+          <a:p>
+            <a:pPr algn="ctr"/>
+            <a:endParaRPr lang="zh-CN" altLang="en-US"/>
+          </a:p>
+        </p:txBody>
+      </p:sp>
+      <p:sp>
+        <p:nvSpPr>
+          <p:cNvPr id="184" name="矩形 183">
+            <a:extLst>
+              <a:ext uri="{FF2B5EF4-FFF2-40B4-BE49-F238E27FC236}">
+                <a16:creationId xmlns:a16="http://schemas.microsoft.com/office/drawing/2014/main" id="{C19FB798-CA4A-442C-B72F-3F03470C1AC2}"/>
+              </a:ext>
+            </a:extLst>
+          </p:cNvPr>
+          <p:cNvSpPr/>
+          <p:nvPr/>
+        </p:nvSpPr>
+        <p:spPr>
+          <a:xfrm>
+            <a:off x="2572479" y="2583896"/>
+            <a:ext cx="180000" cy="90000"/>
+          </a:xfrm>
+          <a:prstGeom prst="rect">
+            <a:avLst/>
+          </a:prstGeom>
+          <a:solidFill>
+            <a:srgbClr val="A50021"/>
+          </a:solidFill>
+          <a:ln w="12700">
+            <a:solidFill>
+              <a:schemeClr val="tx1"/>
+            </a:solidFill>
+          </a:ln>
+        </p:spPr>
+        <p:style>
+          <a:lnRef idx="2">
+            <a:schemeClr val="accent1">
+              <a:shade val="50000"/>
+            </a:schemeClr>
+          </a:lnRef>
+          <a:fillRef idx="1">
+            <a:schemeClr val="accent1"/>
+          </a:fillRef>
+          <a:effectRef idx="0">
+            <a:schemeClr val="accent1"/>
+          </a:effectRef>
+          <a:fontRef idx="minor">
+            <a:schemeClr val="lt1"/>
+          </a:fontRef>
+        </p:style>
+        <p:txBody>
+          <a:bodyPr rtlCol="0" anchor="ctr"/>
+          <a:lstStyle/>
+          <a:p>
+            <a:pPr algn="ctr"/>
+            <a:endParaRPr lang="zh-CN" altLang="en-US"/>
+          </a:p>
+        </p:txBody>
+      </p:sp>
+      <p:sp>
+        <p:nvSpPr>
+          <p:cNvPr id="185" name="矩形 184">
+            <a:extLst>
+              <a:ext uri="{FF2B5EF4-FFF2-40B4-BE49-F238E27FC236}">
+                <a16:creationId xmlns:a16="http://schemas.microsoft.com/office/drawing/2014/main" id="{38796DF3-18F4-49F6-A70A-D0CCD8A47A6B}"/>
+              </a:ext>
+            </a:extLst>
+          </p:cNvPr>
+          <p:cNvSpPr/>
+          <p:nvPr/>
+        </p:nvSpPr>
+        <p:spPr>
+          <a:xfrm>
+            <a:off x="2394708" y="2764012"/>
+            <a:ext cx="180000" cy="90000"/>
+          </a:xfrm>
+          <a:prstGeom prst="rect">
+            <a:avLst/>
+          </a:prstGeom>
+          <a:solidFill>
+            <a:srgbClr val="A50021"/>
+          </a:solidFill>
+          <a:ln w="12700">
+            <a:solidFill>
+              <a:schemeClr val="tx1"/>
+            </a:solidFill>
+          </a:ln>
+        </p:spPr>
+        <p:style>
+          <a:lnRef idx="2">
+            <a:schemeClr val="accent1">
+              <a:shade val="50000"/>
+            </a:schemeClr>
+          </a:lnRef>
+          <a:fillRef idx="1">
+            <a:schemeClr val="accent1"/>
+          </a:fillRef>
+          <a:effectRef idx="0">
+            <a:schemeClr val="accent1"/>
+          </a:effectRef>
+          <a:fontRef idx="minor">
+            <a:schemeClr val="lt1"/>
+          </a:fontRef>
+        </p:style>
+        <p:txBody>
+          <a:bodyPr rtlCol="0" anchor="ctr"/>
+          <a:lstStyle/>
+          <a:p>
+            <a:pPr algn="ctr"/>
+            <a:endParaRPr lang="zh-CN" altLang="en-US" dirty="0"/>
+          </a:p>
+        </p:txBody>
+      </p:sp>
+      <p:sp>
+        <p:nvSpPr>
+          <p:cNvPr id="186" name="矩形 185">
+            <a:extLst>
+              <a:ext uri="{FF2B5EF4-FFF2-40B4-BE49-F238E27FC236}">
+                <a16:creationId xmlns:a16="http://schemas.microsoft.com/office/drawing/2014/main" id="{FC39D6AC-B1AE-46BC-B6DF-BC841FE74710}"/>
+              </a:ext>
+            </a:extLst>
+          </p:cNvPr>
+          <p:cNvSpPr/>
+          <p:nvPr/>
+        </p:nvSpPr>
+        <p:spPr>
+          <a:xfrm>
+            <a:off x="2484708" y="2854012"/>
+            <a:ext cx="180000" cy="90000"/>
+          </a:xfrm>
+          <a:prstGeom prst="rect">
+            <a:avLst/>
+          </a:prstGeom>
+          <a:solidFill>
+            <a:srgbClr val="A50021"/>
+          </a:solidFill>
+          <a:ln w="12700">
+            <a:solidFill>
+              <a:schemeClr val="tx1"/>
+            </a:solidFill>
+          </a:ln>
+        </p:spPr>
+        <p:style>
+          <a:lnRef idx="2">
+            <a:schemeClr val="accent1">
+              <a:shade val="50000"/>
+            </a:schemeClr>
+          </a:lnRef>
+          <a:fillRef idx="1">
+            <a:schemeClr val="accent1"/>
+          </a:fillRef>
+          <a:effectRef idx="0">
+            <a:schemeClr val="accent1"/>
+          </a:effectRef>
+          <a:fontRef idx="minor">
+            <a:schemeClr val="lt1"/>
+          </a:fontRef>
+        </p:style>
+        <p:txBody>
+          <a:bodyPr rtlCol="0" anchor="ctr"/>
+          <a:lstStyle/>
+          <a:p>
+            <a:pPr algn="ctr"/>
+            <a:endParaRPr lang="zh-CN" altLang="en-US"/>
+          </a:p>
+        </p:txBody>
+      </p:sp>
+      <p:sp>
+        <p:nvSpPr>
+          <p:cNvPr id="187" name="矩形 186">
+            <a:extLst>
+              <a:ext uri="{FF2B5EF4-FFF2-40B4-BE49-F238E27FC236}">
+                <a16:creationId xmlns:a16="http://schemas.microsoft.com/office/drawing/2014/main" id="{525456D7-A3E2-4EB7-ACB5-9B2E6C90C9E1}"/>
+              </a:ext>
+            </a:extLst>
+          </p:cNvPr>
+          <p:cNvSpPr/>
+          <p:nvPr/>
+        </p:nvSpPr>
+        <p:spPr>
+          <a:xfrm>
+            <a:off x="2572477" y="2763722"/>
+            <a:ext cx="180000" cy="90000"/>
+          </a:xfrm>
+          <a:prstGeom prst="rect">
+            <a:avLst/>
+          </a:prstGeom>
+          <a:solidFill>
+            <a:srgbClr val="A50021"/>
+          </a:solidFill>
+          <a:ln w="12700">
+            <a:solidFill>
+              <a:schemeClr val="tx1"/>
+            </a:solidFill>
+          </a:ln>
+        </p:spPr>
+        <p:style>
+          <a:lnRef idx="2">
+            <a:schemeClr val="accent1">
+              <a:shade val="50000"/>
+            </a:schemeClr>
+          </a:lnRef>
+          <a:fillRef idx="1">
+            <a:schemeClr val="accent1"/>
+          </a:fillRef>
+          <a:effectRef idx="0">
+            <a:schemeClr val="accent1"/>
+          </a:effectRef>
+          <a:fontRef idx="minor">
+            <a:schemeClr val="lt1"/>
+          </a:fontRef>
+        </p:style>
+        <p:txBody>
+          <a:bodyPr rtlCol="0" anchor="ctr"/>
+          <a:lstStyle/>
+          <a:p>
+            <a:pPr algn="ctr"/>
+            <a:endParaRPr lang="zh-CN" altLang="en-US"/>
+          </a:p>
+        </p:txBody>
+      </p:sp>
+      <p:cxnSp>
+        <p:nvCxnSpPr>
+          <p:cNvPr id="188" name="直接连接符 187">
+            <a:extLst>
+              <a:ext uri="{FF2B5EF4-FFF2-40B4-BE49-F238E27FC236}">
+                <a16:creationId xmlns:a16="http://schemas.microsoft.com/office/drawing/2014/main" id="{F03D313F-66B2-4840-BF79-021E6DF6C86C}"/>
+              </a:ext>
+            </a:extLst>
+          </p:cNvPr>
+          <p:cNvCxnSpPr>
+            <a:cxnSpLocks/>
+          </p:cNvCxnSpPr>
+          <p:nvPr/>
+        </p:nvCxnSpPr>
+        <p:spPr>
+          <a:xfrm>
+            <a:off x="2388354" y="2943838"/>
+            <a:ext cx="216000" cy="290"/>
+          </a:xfrm>
+          <a:prstGeom prst="line">
+            <a:avLst/>
+          </a:prstGeom>
+          <a:ln w="12700">
+            <a:solidFill>
+              <a:schemeClr val="tx1"/>
+            </a:solidFill>
+          </a:ln>
+        </p:spPr>
+        <p:style>
+          <a:lnRef idx="1">
+            <a:schemeClr val="accent1"/>
+          </a:lnRef>
+          <a:fillRef idx="0">
+            <a:schemeClr val="accent1"/>
+          </a:fillRef>
+          <a:effectRef idx="0">
+            <a:schemeClr val="accent1"/>
+          </a:effectRef>
+          <a:fontRef idx="minor">
+            <a:schemeClr val="tx1"/>
+          </a:fontRef>
+        </p:style>
+      </p:cxnSp>
+      <p:cxnSp>
+        <p:nvCxnSpPr>
+          <p:cNvPr id="189" name="直接连接符 188">
+            <a:extLst>
+              <a:ext uri="{FF2B5EF4-FFF2-40B4-BE49-F238E27FC236}">
+                <a16:creationId xmlns:a16="http://schemas.microsoft.com/office/drawing/2014/main" id="{2194D22B-2487-477E-AD24-1ADE610048B5}"/>
+              </a:ext>
+            </a:extLst>
+          </p:cNvPr>
+          <p:cNvCxnSpPr>
+            <a:cxnSpLocks/>
+          </p:cNvCxnSpPr>
+          <p:nvPr/>
+        </p:nvCxnSpPr>
+        <p:spPr>
+          <a:xfrm>
+            <a:off x="2541827" y="2943838"/>
+            <a:ext cx="216000" cy="290"/>
+          </a:xfrm>
+          <a:prstGeom prst="line">
+            <a:avLst/>
+          </a:prstGeom>
+          <a:ln w="12700">
+            <a:solidFill>
+              <a:schemeClr val="tx1"/>
+            </a:solidFill>
+          </a:ln>
+        </p:spPr>
+        <p:style>
+          <a:lnRef idx="1">
+            <a:schemeClr val="accent1"/>
+          </a:lnRef>
+          <a:fillRef idx="0">
+            <a:schemeClr val="accent1"/>
+          </a:fillRef>
+          <a:effectRef idx="0">
+            <a:schemeClr val="accent1"/>
+          </a:effectRef>
+          <a:fontRef idx="minor">
+            <a:schemeClr val="tx1"/>
+          </a:fontRef>
+        </p:style>
+      </p:cxnSp>
+      <p:sp>
+        <p:nvSpPr>
+          <p:cNvPr id="190" name="爆炸形: 8 pt  189">
+            <a:extLst>
+              <a:ext uri="{FF2B5EF4-FFF2-40B4-BE49-F238E27FC236}">
+                <a16:creationId xmlns:a16="http://schemas.microsoft.com/office/drawing/2014/main" id="{B18EFE75-F4E6-46B6-9186-FC807DD941C8}"/>
+              </a:ext>
+            </a:extLst>
+          </p:cNvPr>
+          <p:cNvSpPr/>
+          <p:nvPr/>
+        </p:nvSpPr>
+        <p:spPr>
+          <a:xfrm>
+            <a:off x="2446288" y="2617761"/>
+            <a:ext cx="74612" cy="45719"/>
+          </a:xfrm>
+          <a:prstGeom prst="irregularSeal1">
+            <a:avLst/>
+          </a:prstGeom>
+          <a:solidFill>
+            <a:schemeClr val="tx1"/>
+          </a:solidFill>
+          <a:ln>
+            <a:solidFill>
+              <a:schemeClr val="tx1"/>
+            </a:solidFill>
+          </a:ln>
+        </p:spPr>
+        <p:style>
+          <a:lnRef idx="2">
+            <a:schemeClr val="accent1">
+              <a:shade val="50000"/>
+            </a:schemeClr>
+          </a:lnRef>
+          <a:fillRef idx="1">
+            <a:schemeClr val="accent1"/>
+          </a:fillRef>
+          <a:effectRef idx="0">
+            <a:schemeClr val="accent1"/>
+          </a:effectRef>
+          <a:fontRef idx="minor">
+            <a:schemeClr val="lt1"/>
+          </a:fontRef>
+        </p:style>
+        <p:txBody>
+          <a:bodyPr rtlCol="0" anchor="ctr"/>
+          <a:lstStyle/>
+          <a:p>
+            <a:pPr algn="ctr"/>
+            <a:endParaRPr lang="zh-CN" altLang="en-US"/>
+          </a:p>
+        </p:txBody>
+      </p:sp>
+      <p:sp>
+        <p:nvSpPr>
+          <p:cNvPr id="191" name="爆炸形: 8 pt  190">
+            <a:extLst>
+              <a:ext uri="{FF2B5EF4-FFF2-40B4-BE49-F238E27FC236}">
+                <a16:creationId xmlns:a16="http://schemas.microsoft.com/office/drawing/2014/main" id="{F9944463-7B71-4A22-88ED-C54B915D3FFA}"/>
+              </a:ext>
+            </a:extLst>
+          </p:cNvPr>
+          <p:cNvSpPr/>
+          <p:nvPr/>
+        </p:nvSpPr>
+        <p:spPr>
+          <a:xfrm>
+            <a:off x="2618258" y="2795039"/>
+            <a:ext cx="111618" cy="106758"/>
+          </a:xfrm>
+          <a:prstGeom prst="irregularSeal1">
+            <a:avLst/>
+          </a:prstGeom>
+          <a:solidFill>
+            <a:schemeClr val="tx1"/>
+          </a:solidFill>
+          <a:ln>
+            <a:solidFill>
+              <a:schemeClr val="tx1"/>
+            </a:solidFill>
+          </a:ln>
+        </p:spPr>
+        <p:style>
+          <a:lnRef idx="2">
+            <a:schemeClr val="accent1">
+              <a:shade val="50000"/>
+            </a:schemeClr>
+          </a:lnRef>
+          <a:fillRef idx="1">
+            <a:schemeClr val="accent1"/>
+          </a:fillRef>
+          <a:effectRef idx="0">
+            <a:schemeClr val="accent1"/>
+          </a:effectRef>
+          <a:fontRef idx="minor">
+            <a:schemeClr val="lt1"/>
+          </a:fontRef>
+        </p:style>
+        <p:txBody>
+          <a:bodyPr rtlCol="0" anchor="ctr"/>
+          <a:lstStyle/>
+          <a:p>
+            <a:pPr algn="ctr"/>
+            <a:endParaRPr lang="zh-CN" altLang="en-US"/>
+          </a:p>
+        </p:txBody>
+      </p:sp>
+      <p:sp>
+        <p:nvSpPr>
+          <p:cNvPr id="192" name="爆炸形: 8 pt  191">
+            <a:extLst>
+              <a:ext uri="{FF2B5EF4-FFF2-40B4-BE49-F238E27FC236}">
+                <a16:creationId xmlns:a16="http://schemas.microsoft.com/office/drawing/2014/main" id="{B3B3F787-1F87-45AF-8804-0675D8F2C13A}"/>
+              </a:ext>
+            </a:extLst>
+          </p:cNvPr>
+          <p:cNvSpPr/>
+          <p:nvPr/>
+        </p:nvSpPr>
+        <p:spPr>
+          <a:xfrm>
+            <a:off x="2423605" y="2822985"/>
+            <a:ext cx="97611" cy="91828"/>
+          </a:xfrm>
+          <a:prstGeom prst="irregularSeal1">
+            <a:avLst/>
+          </a:prstGeom>
+          <a:solidFill>
+            <a:schemeClr val="tx1"/>
+          </a:solidFill>
+          <a:ln>
+            <a:solidFill>
+              <a:schemeClr val="tx1"/>
+            </a:solidFill>
+          </a:ln>
+        </p:spPr>
+        <p:style>
+          <a:lnRef idx="2">
+            <a:schemeClr val="accent1">
+              <a:shade val="50000"/>
+            </a:schemeClr>
+          </a:lnRef>
+          <a:fillRef idx="1">
+            <a:schemeClr val="accent1"/>
+          </a:fillRef>
+          <a:effectRef idx="0">
+            <a:schemeClr val="accent1"/>
+          </a:effectRef>
+          <a:fontRef idx="minor">
+            <a:schemeClr val="lt1"/>
+          </a:fontRef>
+        </p:style>
+        <p:txBody>
+          <a:bodyPr rtlCol="0" anchor="ctr"/>
+          <a:lstStyle/>
+          <a:p>
+            <a:pPr algn="ctr"/>
+            <a:endParaRPr lang="zh-CN" altLang="en-US"/>
+          </a:p>
+        </p:txBody>
+      </p:sp>
+      <p:sp>
+        <p:nvSpPr>
+          <p:cNvPr id="193" name="爆炸形: 8 pt  192">
+            <a:extLst>
+              <a:ext uri="{FF2B5EF4-FFF2-40B4-BE49-F238E27FC236}">
+                <a16:creationId xmlns:a16="http://schemas.microsoft.com/office/drawing/2014/main" id="{E0723F88-316C-4A86-BB9F-DE68C590BBEA}"/>
+              </a:ext>
+            </a:extLst>
+          </p:cNvPr>
+          <p:cNvSpPr/>
+          <p:nvPr/>
+        </p:nvSpPr>
+        <p:spPr>
+          <a:xfrm>
+            <a:off x="2644286" y="2607200"/>
+            <a:ext cx="68487" cy="45719"/>
+          </a:xfrm>
+          <a:prstGeom prst="irregularSeal1">
+            <a:avLst/>
+          </a:prstGeom>
+          <a:solidFill>
+            <a:schemeClr val="tx1"/>
+          </a:solidFill>
+          <a:ln>
+            <a:solidFill>
+              <a:schemeClr val="tx1"/>
+            </a:solidFill>
+          </a:ln>
+        </p:spPr>
+        <p:style>
+          <a:lnRef idx="2">
+            <a:schemeClr val="accent1">
+              <a:shade val="50000"/>
+            </a:schemeClr>
+          </a:lnRef>
+          <a:fillRef idx="1">
+            <a:schemeClr val="accent1"/>
+          </a:fillRef>
+          <a:effectRef idx="0">
+            <a:schemeClr val="accent1"/>
+          </a:effectRef>
+          <a:fontRef idx="minor">
+            <a:schemeClr val="lt1"/>
+          </a:fontRef>
+        </p:style>
+        <p:txBody>
+          <a:bodyPr rtlCol="0" anchor="ctr"/>
+          <a:lstStyle/>
+          <a:p>
+            <a:pPr algn="ctr"/>
+            <a:endParaRPr lang="zh-CN" altLang="en-US"/>
+          </a:p>
+        </p:txBody>
+      </p:sp>
+      <p:sp>
+        <p:nvSpPr>
+          <p:cNvPr id="194" name="爆炸形: 8 pt  193">
+            <a:extLst>
+              <a:ext uri="{FF2B5EF4-FFF2-40B4-BE49-F238E27FC236}">
+                <a16:creationId xmlns:a16="http://schemas.microsoft.com/office/drawing/2014/main" id="{DD4DB7A6-BF53-4948-BBA5-72A2A2C209B7}"/>
+              </a:ext>
+            </a:extLst>
+          </p:cNvPr>
+          <p:cNvSpPr/>
+          <p:nvPr/>
+        </p:nvSpPr>
+        <p:spPr>
+          <a:xfrm>
+            <a:off x="2475851" y="2622178"/>
+            <a:ext cx="248514" cy="256055"/>
+          </a:xfrm>
+          <a:prstGeom prst="irregularSeal1">
+            <a:avLst/>
+          </a:prstGeom>
+          <a:solidFill>
+            <a:schemeClr val="tx1"/>
+          </a:solidFill>
+          <a:ln>
+            <a:solidFill>
+              <a:schemeClr val="tx1"/>
+            </a:solidFill>
+          </a:ln>
+        </p:spPr>
+        <p:style>
+          <a:lnRef idx="2">
+            <a:schemeClr val="accent1">
+              <a:shade val="50000"/>
+            </a:schemeClr>
+          </a:lnRef>
+          <a:fillRef idx="1">
+            <a:schemeClr val="accent1"/>
+          </a:fillRef>
+          <a:effectRef idx="0">
+            <a:schemeClr val="accent1"/>
+          </a:effectRef>
+          <a:fontRef idx="minor">
+            <a:schemeClr val="lt1"/>
+          </a:fontRef>
+        </p:style>
+        <p:txBody>
+          <a:bodyPr rtlCol="0" anchor="ctr"/>
+          <a:lstStyle/>
+          <a:p>
+            <a:pPr algn="ctr"/>
+            <a:endParaRPr lang="zh-CN" altLang="en-US"/>
+          </a:p>
+        </p:txBody>
+      </p:sp>
+    </p:spTree>
+    <p:extLst>
+      <p:ext uri="{BB962C8B-B14F-4D97-AF65-F5344CB8AC3E}">
+        <p14:creationId xmlns:p14="http://schemas.microsoft.com/office/powerpoint/2010/main" val="2507358516"/>
       </p:ext>
     </p:extLst>
   </p:cSld>
@@ -35874,4 +39460,299 @@
     </a:ext>
   </a:extLst>
 </a:theme>
+</file>
+
+<file path=ppt/theme/theme2.xml><?xml version="1.0" encoding="utf-8"?>
+<a:theme xmlns:a="http://schemas.openxmlformats.org/drawingml/2006/main" name="Office 主题​​">
+  <a:themeElements>
+    <a:clrScheme name="Office">
+      <a:dk1>
+        <a:sysClr val="windowText" lastClr="000000"/>
+      </a:dk1>
+      <a:lt1>
+        <a:sysClr val="window" lastClr="FFFFFF"/>
+      </a:lt1>
+      <a:dk2>
+        <a:srgbClr val="44546A"/>
+      </a:dk2>
+      <a:lt2>
+        <a:srgbClr val="E7E6E6"/>
+      </a:lt2>
+      <a:accent1>
+        <a:srgbClr val="4472C4"/>
+      </a:accent1>
+      <a:accent2>
+        <a:srgbClr val="ED7D31"/>
+      </a:accent2>
+      <a:accent3>
+        <a:srgbClr val="A5A5A5"/>
+      </a:accent3>
+      <a:accent4>
+        <a:srgbClr val="FFC000"/>
+      </a:accent4>
+      <a:accent5>
+        <a:srgbClr val="5B9BD5"/>
+      </a:accent5>
+      <a:accent6>
+        <a:srgbClr val="70AD47"/>
+      </a:accent6>
+      <a:hlink>
+        <a:srgbClr val="0563C1"/>
+      </a:hlink>
+      <a:folHlink>
+        <a:srgbClr val="954F72"/>
+      </a:folHlink>
+    </a:clrScheme>
+    <a:fontScheme name="Office">
+      <a:majorFont>
+        <a:latin typeface="等线 Light" panose="020F0302020204030204"/>
+        <a:ea typeface=""/>
+        <a:cs typeface=""/>
+        <a:font script="Jpan" typeface="游ゴシック Light"/>
+        <a:font script="Hang" typeface="맑은 고딕"/>
+        <a:font script="Hans" typeface="等线 Light"/>
+        <a:font script="Hant" typeface="新細明體"/>
+        <a:font script="Arab" typeface="Times New Roman"/>
+        <a:font script="Hebr" typeface="Times New Roman"/>
+        <a:font script="Thai" typeface="Angsana New"/>
+        <a:font script="Ethi" typeface="Nyala"/>
+        <a:font script="Beng" typeface="Vrinda"/>
+        <a:font script="Gujr" typeface="Shruti"/>
+        <a:font script="Khmr" typeface="MoolBoran"/>
+        <a:font script="Knda" typeface="Tunga"/>
+        <a:font script="Guru" typeface="Raavi"/>
+        <a:font script="Cans" typeface="Euphemia"/>
+        <a:font script="Cher" typeface="Plantagenet Cherokee"/>
+        <a:font script="Yiii" typeface="Microsoft Yi Baiti"/>
+        <a:font script="Tibt" typeface="Microsoft Himalaya"/>
+        <a:font script="Thaa" typeface="MV Boli"/>
+        <a:font script="Deva" typeface="Mangal"/>
+        <a:font script="Telu" typeface="Gautami"/>
+        <a:font script="Taml" typeface="Latha"/>
+        <a:font script="Syrc" typeface="Estrangelo Edessa"/>
+        <a:font script="Orya" typeface="Kalinga"/>
+        <a:font script="Mlym" typeface="Kartika"/>
+        <a:font script="Laoo" typeface="DokChampa"/>
+        <a:font script="Sinh" typeface="Iskoola Pota"/>
+        <a:font script="Mong" typeface="Mongolian Baiti"/>
+        <a:font script="Viet" typeface="Times New Roman"/>
+        <a:font script="Uigh" typeface="Microsoft Uighur"/>
+        <a:font script="Geor" typeface="Sylfaen"/>
+        <a:font script="Armn" typeface="Arial"/>
+        <a:font script="Bugi" typeface="Leelawadee UI"/>
+        <a:font script="Bopo" typeface="Microsoft JhengHei"/>
+        <a:font script="Java" typeface="Javanese Text"/>
+        <a:font script="Lisu" typeface="Segoe UI"/>
+        <a:font script="Mymr" typeface="Myanmar Text"/>
+        <a:font script="Nkoo" typeface="Ebrima"/>
+        <a:font script="Olck" typeface="Nirmala UI"/>
+        <a:font script="Osma" typeface="Ebrima"/>
+        <a:font script="Phag" typeface="Phagspa"/>
+        <a:font script="Syrn" typeface="Estrangelo Edessa"/>
+        <a:font script="Syrj" typeface="Estrangelo Edessa"/>
+        <a:font script="Syre" typeface="Estrangelo Edessa"/>
+        <a:font script="Sora" typeface="Nirmala UI"/>
+        <a:font script="Tale" typeface="Microsoft Tai Le"/>
+        <a:font script="Talu" typeface="Microsoft New Tai Lue"/>
+        <a:font script="Tfng" typeface="Ebrima"/>
+      </a:majorFont>
+      <a:minorFont>
+        <a:latin typeface="等线" panose="020F0502020204030204"/>
+        <a:ea typeface=""/>
+        <a:cs typeface=""/>
+        <a:font script="Jpan" typeface="游ゴシック"/>
+        <a:font script="Hang" typeface="맑은 고딕"/>
+        <a:font script="Hans" typeface="等线"/>
+        <a:font script="Hant" typeface="新細明體"/>
+        <a:font script="Arab" typeface="Arial"/>
+        <a:font script="Hebr" typeface="Arial"/>
+        <a:font script="Thai" typeface="Cordia New"/>
+        <a:font script="Ethi" typeface="Nyala"/>
+        <a:font script="Beng" typeface="Vrinda"/>
+        <a:font script="Gujr" typeface="Shruti"/>
+        <a:font script="Khmr" typeface="DaunPenh"/>
+        <a:font script="Knda" typeface="Tunga"/>
+        <a:font script="Guru" typeface="Raavi"/>
+        <a:font script="Cans" typeface="Euphemia"/>
+        <a:font script="Cher" typeface="Plantagenet Cherokee"/>
+        <a:font script="Yiii" typeface="Microsoft Yi Baiti"/>
+        <a:font script="Tibt" typeface="Microsoft Himalaya"/>
+        <a:font script="Thaa" typeface="MV Boli"/>
+        <a:font script="Deva" typeface="Mangal"/>
+        <a:font script="Telu" typeface="Gautami"/>
+        <a:font script="Taml" typeface="Latha"/>
+        <a:font script="Syrc" typeface="Estrangelo Edessa"/>
+        <a:font script="Orya" typeface="Kalinga"/>
+        <a:font script="Mlym" typeface="Kartika"/>
+        <a:font script="Laoo" typeface="DokChampa"/>
+        <a:font script="Sinh" typeface="Iskoola Pota"/>
+        <a:font script="Mong" typeface="Mongolian Baiti"/>
+        <a:font script="Viet" typeface="Arial"/>
+        <a:font script="Uigh" typeface="Microsoft Uighur"/>
+        <a:font script="Geor" typeface="Sylfaen"/>
+        <a:font script="Armn" typeface="Arial"/>
+        <a:font script="Bugi" typeface="Leelawadee UI"/>
+        <a:font script="Bopo" typeface="Microsoft JhengHei"/>
+        <a:font script="Java" typeface="Javanese Text"/>
+        <a:font script="Lisu" typeface="Segoe UI"/>
+        <a:font script="Mymr" typeface="Myanmar Text"/>
+        <a:font script="Nkoo" typeface="Ebrima"/>
+        <a:font script="Olck" typeface="Nirmala UI"/>
+        <a:font script="Osma" typeface="Ebrima"/>
+        <a:font script="Phag" typeface="Phagspa"/>
+        <a:font script="Syrn" typeface="Estrangelo Edessa"/>
+        <a:font script="Syrj" typeface="Estrangelo Edessa"/>
+        <a:font script="Syre" typeface="Estrangelo Edessa"/>
+        <a:font script="Sora" typeface="Nirmala UI"/>
+        <a:font script="Tale" typeface="Microsoft Tai Le"/>
+        <a:font script="Talu" typeface="Microsoft New Tai Lue"/>
+        <a:font script="Tfng" typeface="Ebrima"/>
+      </a:minorFont>
+    </a:fontScheme>
+    <a:fmtScheme name="Office">
+      <a:fillStyleLst>
+        <a:solidFill>
+          <a:schemeClr val="phClr"/>
+        </a:solidFill>
+        <a:gradFill rotWithShape="1">
+          <a:gsLst>
+            <a:gs pos="0">
+              <a:schemeClr val="phClr">
+                <a:lumMod val="110000"/>
+                <a:satMod val="105000"/>
+                <a:tint val="67000"/>
+              </a:schemeClr>
+            </a:gs>
+            <a:gs pos="50000">
+              <a:schemeClr val="phClr">
+                <a:lumMod val="105000"/>
+                <a:satMod val="103000"/>
+                <a:tint val="73000"/>
+              </a:schemeClr>
+            </a:gs>
+            <a:gs pos="100000">
+              <a:schemeClr val="phClr">
+                <a:lumMod val="105000"/>
+                <a:satMod val="109000"/>
+                <a:tint val="81000"/>
+              </a:schemeClr>
+            </a:gs>
+          </a:gsLst>
+          <a:lin ang="5400000" scaled="0"/>
+        </a:gradFill>
+        <a:gradFill rotWithShape="1">
+          <a:gsLst>
+            <a:gs pos="0">
+              <a:schemeClr val="phClr">
+                <a:satMod val="103000"/>
+                <a:lumMod val="102000"/>
+                <a:tint val="94000"/>
+              </a:schemeClr>
+            </a:gs>
+            <a:gs pos="50000">
+              <a:schemeClr val="phClr">
+                <a:satMod val="110000"/>
+                <a:lumMod val="100000"/>
+                <a:shade val="100000"/>
+              </a:schemeClr>
+            </a:gs>
+            <a:gs pos="100000">
+              <a:schemeClr val="phClr">
+                <a:lumMod val="99000"/>
+                <a:satMod val="120000"/>
+                <a:shade val="78000"/>
+              </a:schemeClr>
+            </a:gs>
+          </a:gsLst>
+          <a:lin ang="5400000" scaled="0"/>
+        </a:gradFill>
+      </a:fillStyleLst>
+      <a:lnStyleLst>
+        <a:ln w="6350" cap="flat" cmpd="sng" algn="ctr">
+          <a:solidFill>
+            <a:schemeClr val="phClr"/>
+          </a:solidFill>
+          <a:prstDash val="solid"/>
+          <a:miter lim="800000"/>
+        </a:ln>
+        <a:ln w="12700" cap="flat" cmpd="sng" algn="ctr">
+          <a:solidFill>
+            <a:schemeClr val="phClr"/>
+          </a:solidFill>
+          <a:prstDash val="solid"/>
+          <a:miter lim="800000"/>
+        </a:ln>
+        <a:ln w="19050" cap="flat" cmpd="sng" algn="ctr">
+          <a:solidFill>
+            <a:schemeClr val="phClr"/>
+          </a:solidFill>
+          <a:prstDash val="solid"/>
+          <a:miter lim="800000"/>
+        </a:ln>
+      </a:lnStyleLst>
+      <a:effectStyleLst>
+        <a:effectStyle>
+          <a:effectLst/>
+        </a:effectStyle>
+        <a:effectStyle>
+          <a:effectLst/>
+        </a:effectStyle>
+        <a:effectStyle>
+          <a:effectLst>
+            <a:outerShdw blurRad="57150" dist="19050" dir="5400000" algn="ctr" rotWithShape="0">
+              <a:srgbClr val="000000">
+                <a:alpha val="63000"/>
+              </a:srgbClr>
+            </a:outerShdw>
+          </a:effectLst>
+        </a:effectStyle>
+      </a:effectStyleLst>
+      <a:bgFillStyleLst>
+        <a:solidFill>
+          <a:schemeClr val="phClr"/>
+        </a:solidFill>
+        <a:solidFill>
+          <a:schemeClr val="phClr">
+            <a:tint val="95000"/>
+            <a:satMod val="170000"/>
+          </a:schemeClr>
+        </a:solidFill>
+        <a:gradFill rotWithShape="1">
+          <a:gsLst>
+            <a:gs pos="0">
+              <a:schemeClr val="phClr">
+                <a:tint val="93000"/>
+                <a:satMod val="150000"/>
+                <a:shade val="98000"/>
+                <a:lumMod val="102000"/>
+              </a:schemeClr>
+            </a:gs>
+            <a:gs pos="50000">
+              <a:schemeClr val="phClr">
+                <a:tint val="98000"/>
+                <a:satMod val="130000"/>
+                <a:shade val="90000"/>
+                <a:lumMod val="103000"/>
+              </a:schemeClr>
+            </a:gs>
+            <a:gs pos="100000">
+              <a:schemeClr val="phClr">
+                <a:shade val="63000"/>
+                <a:satMod val="120000"/>
+              </a:schemeClr>
+            </a:gs>
+          </a:gsLst>
+          <a:lin ang="5400000" scaled="0"/>
+        </a:gradFill>
+      </a:bgFillStyleLst>
+    </a:fmtScheme>
+  </a:themeElements>
+  <a:objectDefaults/>
+  <a:extraClrSchemeLst/>
+  <a:extLst>
+    <a:ext uri="{05A4C25C-085E-4340-85A3-A5531E510DB2}">
+      <thm15:themeFamily xmlns:thm15="http://schemas.microsoft.com/office/thememl/2012/main" name="Office Theme" id="{62F939B6-93AF-4DB8-9C6B-D6C7DFDC589F}" vid="{4A3C46E8-61CC-4603-A589-7422A47A8E4A}"/>
+    </a:ext>
+  </a:extLst>
+</a:theme>
 </file>
--- a/resources/desigin.pptx
+++ b/resources/desigin.pptx
@@ -201,7 +201,7 @@
           <a:p>
             <a:fld id="{39AB942E-E877-4DD9-A217-D7515418FC38}" type="datetimeFigureOut">
               <a:rPr lang="zh-CN" altLang="en-US" smtClean="0"/>
-              <a:t>2020/12/10</a:t>
+              <a:t>2021/4/21</a:t>
             </a:fld>
             <a:endParaRPr lang="zh-CN" altLang="en-US"/>
           </a:p>
@@ -699,7 +699,7 @@
           <a:p>
             <a:fld id="{EEA19A83-D974-4F16-9CD4-17D7A0534862}" type="datetimeFigureOut">
               <a:rPr lang="zh-CN" altLang="en-US" smtClean="0"/>
-              <a:t>2020/12/9</a:t>
+              <a:t>2021/4/21</a:t>
             </a:fld>
             <a:endParaRPr lang="zh-CN" altLang="en-US"/>
           </a:p>
@@ -897,7 +897,7 @@
           <a:p>
             <a:fld id="{EEA19A83-D974-4F16-9CD4-17D7A0534862}" type="datetimeFigureOut">
               <a:rPr lang="zh-CN" altLang="en-US" smtClean="0"/>
-              <a:t>2020/12/9</a:t>
+              <a:t>2021/4/21</a:t>
             </a:fld>
             <a:endParaRPr lang="zh-CN" altLang="en-US"/>
           </a:p>
@@ -1105,7 +1105,7 @@
           <a:p>
             <a:fld id="{EEA19A83-D974-4F16-9CD4-17D7A0534862}" type="datetimeFigureOut">
               <a:rPr lang="zh-CN" altLang="en-US" smtClean="0"/>
-              <a:t>2020/12/9</a:t>
+              <a:t>2021/4/21</a:t>
             </a:fld>
             <a:endParaRPr lang="zh-CN" altLang="en-US"/>
           </a:p>
@@ -1303,7 +1303,7 @@
           <a:p>
             <a:fld id="{EEA19A83-D974-4F16-9CD4-17D7A0534862}" type="datetimeFigureOut">
               <a:rPr lang="zh-CN" altLang="en-US" smtClean="0"/>
-              <a:t>2020/12/9</a:t>
+              <a:t>2021/4/21</a:t>
             </a:fld>
             <a:endParaRPr lang="zh-CN" altLang="en-US"/>
           </a:p>
@@ -1578,7 +1578,7 @@
           <a:p>
             <a:fld id="{EEA19A83-D974-4F16-9CD4-17D7A0534862}" type="datetimeFigureOut">
               <a:rPr lang="zh-CN" altLang="en-US" smtClean="0"/>
-              <a:t>2020/12/9</a:t>
+              <a:t>2021/4/21</a:t>
             </a:fld>
             <a:endParaRPr lang="zh-CN" altLang="en-US"/>
           </a:p>
@@ -1843,7 +1843,7 @@
           <a:p>
             <a:fld id="{EEA19A83-D974-4F16-9CD4-17D7A0534862}" type="datetimeFigureOut">
               <a:rPr lang="zh-CN" altLang="en-US" smtClean="0"/>
-              <a:t>2020/12/9</a:t>
+              <a:t>2021/4/21</a:t>
             </a:fld>
             <a:endParaRPr lang="zh-CN" altLang="en-US"/>
           </a:p>
@@ -2255,7 +2255,7 @@
           <a:p>
             <a:fld id="{EEA19A83-D974-4F16-9CD4-17D7A0534862}" type="datetimeFigureOut">
               <a:rPr lang="zh-CN" altLang="en-US" smtClean="0"/>
-              <a:t>2020/12/9</a:t>
+              <a:t>2021/4/21</a:t>
             </a:fld>
             <a:endParaRPr lang="zh-CN" altLang="en-US"/>
           </a:p>
@@ -2396,7 +2396,7 @@
           <a:p>
             <a:fld id="{EEA19A83-D974-4F16-9CD4-17D7A0534862}" type="datetimeFigureOut">
               <a:rPr lang="zh-CN" altLang="en-US" smtClean="0"/>
-              <a:t>2020/12/9</a:t>
+              <a:t>2021/4/21</a:t>
             </a:fld>
             <a:endParaRPr lang="zh-CN" altLang="en-US"/>
           </a:p>
@@ -2509,7 +2509,7 @@
           <a:p>
             <a:fld id="{EEA19A83-D974-4F16-9CD4-17D7A0534862}" type="datetimeFigureOut">
               <a:rPr lang="zh-CN" altLang="en-US" smtClean="0"/>
-              <a:t>2020/12/9</a:t>
+              <a:t>2021/4/21</a:t>
             </a:fld>
             <a:endParaRPr lang="zh-CN" altLang="en-US"/>
           </a:p>
@@ -2820,7 +2820,7 @@
           <a:p>
             <a:fld id="{EEA19A83-D974-4F16-9CD4-17D7A0534862}" type="datetimeFigureOut">
               <a:rPr lang="zh-CN" altLang="en-US" smtClean="0"/>
-              <a:t>2020/12/9</a:t>
+              <a:t>2021/4/21</a:t>
             </a:fld>
             <a:endParaRPr lang="zh-CN" altLang="en-US"/>
           </a:p>
@@ -3108,7 +3108,7 @@
           <a:p>
             <a:fld id="{EEA19A83-D974-4F16-9CD4-17D7A0534862}" type="datetimeFigureOut">
               <a:rPr lang="zh-CN" altLang="en-US" smtClean="0"/>
-              <a:t>2020/12/9</a:t>
+              <a:t>2021/4/21</a:t>
             </a:fld>
             <a:endParaRPr lang="zh-CN" altLang="en-US"/>
           </a:p>
@@ -3349,7 +3349,7 @@
           <a:p>
             <a:fld id="{EEA19A83-D974-4F16-9CD4-17D7A0534862}" type="datetimeFigureOut">
               <a:rPr lang="zh-CN" altLang="en-US" smtClean="0"/>
-              <a:t>2020/12/9</a:t>
+              <a:t>2021/4/21</a:t>
             </a:fld>
             <a:endParaRPr lang="zh-CN" altLang="en-US"/>
           </a:p>
@@ -36858,7 +36858,7 @@
         </p:nvSpPr>
         <p:spPr>
           <a:xfrm>
-            <a:off x="1617471" y="2854128"/>
+            <a:off x="1617828" y="2854012"/>
             <a:ext cx="90001" cy="90000"/>
           </a:xfrm>
           <a:prstGeom prst="rect">
@@ -36894,7 +36894,7 @@
           <a:lstStyle/>
           <a:p>
             <a:pPr algn="ctr"/>
-            <a:endParaRPr lang="zh-CN" altLang="en-US"/>
+            <a:endParaRPr lang="zh-CN" altLang="en-US" dirty="0"/>
           </a:p>
         </p:txBody>
       </p:sp>
@@ -37238,7 +37238,7 @@
         </p:nvCxnSpPr>
         <p:spPr>
           <a:xfrm>
-            <a:off x="1611119" y="2943838"/>
+            <a:off x="1611119" y="2942968"/>
             <a:ext cx="216000" cy="290"/>
           </a:xfrm>
           <a:prstGeom prst="line">

--- a/resources/desigin.pptx
+++ b/resources/desigin.pptx
@@ -201,7 +201,7 @@
           <a:p>
             <a:fld id="{39AB942E-E877-4DD9-A217-D7515418FC38}" type="datetimeFigureOut">
               <a:rPr lang="zh-CN" altLang="en-US" smtClean="0"/>
-              <a:t>2021/4/21</a:t>
+              <a:t>2020/12/10</a:t>
             </a:fld>
             <a:endParaRPr lang="zh-CN" altLang="en-US"/>
           </a:p>
@@ -699,7 +699,7 @@
           <a:p>
             <a:fld id="{EEA19A83-D974-4F16-9CD4-17D7A0534862}" type="datetimeFigureOut">
               <a:rPr lang="zh-CN" altLang="en-US" smtClean="0"/>
-              <a:t>2021/4/21</a:t>
+              <a:t>2020/12/9</a:t>
             </a:fld>
             <a:endParaRPr lang="zh-CN" altLang="en-US"/>
           </a:p>
@@ -897,7 +897,7 @@
           <a:p>
             <a:fld id="{EEA19A83-D974-4F16-9CD4-17D7A0534862}" type="datetimeFigureOut">
               <a:rPr lang="zh-CN" altLang="en-US" smtClean="0"/>
-              <a:t>2021/4/21</a:t>
+              <a:t>2020/12/9</a:t>
             </a:fld>
             <a:endParaRPr lang="zh-CN" altLang="en-US"/>
           </a:p>
@@ -1105,7 +1105,7 @@
           <a:p>
             <a:fld id="{EEA19A83-D974-4F16-9CD4-17D7A0534862}" type="datetimeFigureOut">
               <a:rPr lang="zh-CN" altLang="en-US" smtClean="0"/>
-              <a:t>2021/4/21</a:t>
+              <a:t>2020/12/9</a:t>
             </a:fld>
             <a:endParaRPr lang="zh-CN" altLang="en-US"/>
           </a:p>
@@ -1303,7 +1303,7 @@
           <a:p>
             <a:fld id="{EEA19A83-D974-4F16-9CD4-17D7A0534862}" type="datetimeFigureOut">
               <a:rPr lang="zh-CN" altLang="en-US" smtClean="0"/>
-              <a:t>2021/4/21</a:t>
+              <a:t>2020/12/9</a:t>
             </a:fld>
             <a:endParaRPr lang="zh-CN" altLang="en-US"/>
           </a:p>
@@ -1578,7 +1578,7 @@
           <a:p>
             <a:fld id="{EEA19A83-D974-4F16-9CD4-17D7A0534862}" type="datetimeFigureOut">
               <a:rPr lang="zh-CN" altLang="en-US" smtClean="0"/>
-              <a:t>2021/4/21</a:t>
+              <a:t>2020/12/9</a:t>
             </a:fld>
             <a:endParaRPr lang="zh-CN" altLang="en-US"/>
           </a:p>
@@ -1843,7 +1843,7 @@
           <a:p>
             <a:fld id="{EEA19A83-D974-4F16-9CD4-17D7A0534862}" type="datetimeFigureOut">
               <a:rPr lang="zh-CN" altLang="en-US" smtClean="0"/>
-              <a:t>2021/4/21</a:t>
+              <a:t>2020/12/9</a:t>
             </a:fld>
             <a:endParaRPr lang="zh-CN" altLang="en-US"/>
           </a:p>
@@ -2255,7 +2255,7 @@
           <a:p>
             <a:fld id="{EEA19A83-D974-4F16-9CD4-17D7A0534862}" type="datetimeFigureOut">
               <a:rPr lang="zh-CN" altLang="en-US" smtClean="0"/>
-              <a:t>2021/4/21</a:t>
+              <a:t>2020/12/9</a:t>
             </a:fld>
             <a:endParaRPr lang="zh-CN" altLang="en-US"/>
           </a:p>
@@ -2396,7 +2396,7 @@
           <a:p>
             <a:fld id="{EEA19A83-D974-4F16-9CD4-17D7A0534862}" type="datetimeFigureOut">
               <a:rPr lang="zh-CN" altLang="en-US" smtClean="0"/>
-              <a:t>2021/4/21</a:t>
+              <a:t>2020/12/9</a:t>
             </a:fld>
             <a:endParaRPr lang="zh-CN" altLang="en-US"/>
           </a:p>
@@ -2509,7 +2509,7 @@
           <a:p>
             <a:fld id="{EEA19A83-D974-4F16-9CD4-17D7A0534862}" type="datetimeFigureOut">
               <a:rPr lang="zh-CN" altLang="en-US" smtClean="0"/>
-              <a:t>2021/4/21</a:t>
+              <a:t>2020/12/9</a:t>
             </a:fld>
             <a:endParaRPr lang="zh-CN" altLang="en-US"/>
           </a:p>
@@ -2820,7 +2820,7 @@
           <a:p>
             <a:fld id="{EEA19A83-D974-4F16-9CD4-17D7A0534862}" type="datetimeFigureOut">
               <a:rPr lang="zh-CN" altLang="en-US" smtClean="0"/>
-              <a:t>2021/4/21</a:t>
+              <a:t>2020/12/9</a:t>
             </a:fld>
             <a:endParaRPr lang="zh-CN" altLang="en-US"/>
           </a:p>
@@ -3108,7 +3108,7 @@
           <a:p>
             <a:fld id="{EEA19A83-D974-4F16-9CD4-17D7A0534862}" type="datetimeFigureOut">
               <a:rPr lang="zh-CN" altLang="en-US" smtClean="0"/>
-              <a:t>2021/4/21</a:t>
+              <a:t>2020/12/9</a:t>
             </a:fld>
             <a:endParaRPr lang="zh-CN" altLang="en-US"/>
           </a:p>
@@ -3349,7 +3349,7 @@
           <a:p>
             <a:fld id="{EEA19A83-D974-4F16-9CD4-17D7A0534862}" type="datetimeFigureOut">
               <a:rPr lang="zh-CN" altLang="en-US" smtClean="0"/>
-              <a:t>2021/4/21</a:t>
+              <a:t>2020/12/9</a:t>
             </a:fld>
             <a:endParaRPr lang="zh-CN" altLang="en-US"/>
           </a:p>
@@ -36858,7 +36858,7 @@
         </p:nvSpPr>
         <p:spPr>
           <a:xfrm>
-            <a:off x="1617828" y="2854012"/>
+            <a:off x="1617471" y="2854128"/>
             <a:ext cx="90001" cy="90000"/>
           </a:xfrm>
           <a:prstGeom prst="rect">
@@ -36894,7 +36894,7 @@
           <a:lstStyle/>
           <a:p>
             <a:pPr algn="ctr"/>
-            <a:endParaRPr lang="zh-CN" altLang="en-US" dirty="0"/>
+            <a:endParaRPr lang="zh-CN" altLang="en-US"/>
           </a:p>
         </p:txBody>
       </p:sp>
@@ -37238,7 +37238,7 @@
         </p:nvCxnSpPr>
         <p:spPr>
           <a:xfrm>
-            <a:off x="1611119" y="2942968"/>
+            <a:off x="1611119" y="2943838"/>
             <a:ext cx="216000" cy="290"/>
           </a:xfrm>
           <a:prstGeom prst="line">
